--- a/assignment/flowchart.pptx
+++ b/assignment/flowchart.pptx
@@ -104,7 +104,529 @@
       </a:defRPr>
     </a:lvl9pPr>
   </p:defaultTextStyle>
+  <p:extLst>
+    <p:ext uri="{EFAFB233-063F-42B5-8137-9DF3F51BA10A}">
+      <p15:sldGuideLst xmlns:p15="http://schemas.microsoft.com/office/powerpoint/2012/main"/>
+    </p:ext>
+  </p:extLst>
 </p:presentation>
+</file>
+
+<file path=ppt/revisionInfo.xml><?xml version="1.0" encoding="utf-8"?>
+<p1510:revInfo xmlns:a="http://schemas.openxmlformats.org/drawingml/2006/main" xmlns:r="http://schemas.openxmlformats.org/officeDocument/2006/relationships" xmlns:p1510="http://schemas.microsoft.com/office/powerpoint/2015/10/main">
+  <p1510:revLst>
+    <p1510:client id="{6A1FCFA7-2E78-48AA-9233-83B015DE87EC}" v="5" dt="2024-09-06T02:21:48.188"/>
+  </p1510:revLst>
+</p1510:revInfo>
+</file>
+
+<file path=ppt/changesInfos/changesInfo1.xml><?xml version="1.0" encoding="utf-8"?>
+<pc:chgInfo xmlns:a="http://schemas.openxmlformats.org/drawingml/2006/main" xmlns:r="http://schemas.openxmlformats.org/officeDocument/2006/relationships" xmlns:ac="http://schemas.microsoft.com/office/drawing/2013/main/command" xmlns:pc="http://schemas.microsoft.com/office/powerpoint/2013/main/command">
+  <pc:docChgLst>
+    <pc:chgData name="이한석" userId="ea2efb7e-b181-42d9-a574-294c91e57001" providerId="ADAL" clId="{6A1FCFA7-2E78-48AA-9233-83B015DE87EC}"/>
+    <pc:docChg chg="custSel modSld">
+      <pc:chgData name="이한석" userId="ea2efb7e-b181-42d9-a574-294c91e57001" providerId="ADAL" clId="{6A1FCFA7-2E78-48AA-9233-83B015DE87EC}" dt="2024-09-06T02:21:48.187" v="27" actId="164"/>
+      <pc:docMkLst>
+        <pc:docMk/>
+      </pc:docMkLst>
+      <pc:sldChg chg="addSp delSp modSp mod">
+        <pc:chgData name="이한석" userId="ea2efb7e-b181-42d9-a574-294c91e57001" providerId="ADAL" clId="{6A1FCFA7-2E78-48AA-9233-83B015DE87EC}" dt="2024-09-06T02:21:48.187" v="27" actId="164"/>
+        <pc:sldMkLst>
+          <pc:docMk/>
+          <pc:sldMk cId="2199148273" sldId="256"/>
+        </pc:sldMkLst>
+        <pc:spChg chg="mod">
+          <ac:chgData name="이한석" userId="ea2efb7e-b181-42d9-a574-294c91e57001" providerId="ADAL" clId="{6A1FCFA7-2E78-48AA-9233-83B015DE87EC}" dt="2024-09-06T02:21:44.337" v="26" actId="164"/>
+          <ac:spMkLst>
+            <pc:docMk/>
+            <pc:sldMk cId="2199148273" sldId="256"/>
+            <ac:spMk id="4" creationId="{F0CBA55F-3D78-0E96-3D06-8A2C005AF3B9}"/>
+          </ac:spMkLst>
+        </pc:spChg>
+        <pc:spChg chg="mod">
+          <ac:chgData name="이한석" userId="ea2efb7e-b181-42d9-a574-294c91e57001" providerId="ADAL" clId="{6A1FCFA7-2E78-48AA-9233-83B015DE87EC}" dt="2024-09-06T02:21:44.337" v="26" actId="164"/>
+          <ac:spMkLst>
+            <pc:docMk/>
+            <pc:sldMk cId="2199148273" sldId="256"/>
+            <ac:spMk id="5" creationId="{4651D5F3-CF50-CACA-8055-F1F8AC5D6241}"/>
+          </ac:spMkLst>
+        </pc:spChg>
+        <pc:spChg chg="mod">
+          <ac:chgData name="이한석" userId="ea2efb7e-b181-42d9-a574-294c91e57001" providerId="ADAL" clId="{6A1FCFA7-2E78-48AA-9233-83B015DE87EC}" dt="2024-09-06T02:21:44.337" v="26" actId="164"/>
+          <ac:spMkLst>
+            <pc:docMk/>
+            <pc:sldMk cId="2199148273" sldId="256"/>
+            <ac:spMk id="7" creationId="{62D938A7-7255-CA23-1424-1000C7ABA793}"/>
+          </ac:spMkLst>
+        </pc:spChg>
+        <pc:spChg chg="mod">
+          <ac:chgData name="이한석" userId="ea2efb7e-b181-42d9-a574-294c91e57001" providerId="ADAL" clId="{6A1FCFA7-2E78-48AA-9233-83B015DE87EC}" dt="2024-09-06T02:21:44.337" v="26" actId="164"/>
+          <ac:spMkLst>
+            <pc:docMk/>
+            <pc:sldMk cId="2199148273" sldId="256"/>
+            <ac:spMk id="8" creationId="{A33F57D0-ABE3-343F-A922-A460960EB5C0}"/>
+          </ac:spMkLst>
+        </pc:spChg>
+        <pc:spChg chg="mod">
+          <ac:chgData name="이한석" userId="ea2efb7e-b181-42d9-a574-294c91e57001" providerId="ADAL" clId="{6A1FCFA7-2E78-48AA-9233-83B015DE87EC}" dt="2024-09-06T02:21:44.337" v="26" actId="164"/>
+          <ac:spMkLst>
+            <pc:docMk/>
+            <pc:sldMk cId="2199148273" sldId="256"/>
+            <ac:spMk id="9" creationId="{278BE1F2-B523-A869-6C9B-C0F7B818FF73}"/>
+          </ac:spMkLst>
+        </pc:spChg>
+        <pc:spChg chg="mod">
+          <ac:chgData name="이한석" userId="ea2efb7e-b181-42d9-a574-294c91e57001" providerId="ADAL" clId="{6A1FCFA7-2E78-48AA-9233-83B015DE87EC}" dt="2024-09-06T02:21:44.337" v="26" actId="164"/>
+          <ac:spMkLst>
+            <pc:docMk/>
+            <pc:sldMk cId="2199148273" sldId="256"/>
+            <ac:spMk id="10" creationId="{594B8692-E0C9-E0AE-8C1D-85D8FABF5D23}"/>
+          </ac:spMkLst>
+        </pc:spChg>
+        <pc:spChg chg="mod">
+          <ac:chgData name="이한석" userId="ea2efb7e-b181-42d9-a574-294c91e57001" providerId="ADAL" clId="{6A1FCFA7-2E78-48AA-9233-83B015DE87EC}" dt="2024-09-06T02:21:38.778" v="25" actId="164"/>
+          <ac:spMkLst>
+            <pc:docMk/>
+            <pc:sldMk cId="2199148273" sldId="256"/>
+            <ac:spMk id="50" creationId="{5B2A43AE-C28C-207E-A53E-65D64A574F74}"/>
+          </ac:spMkLst>
+        </pc:spChg>
+        <pc:spChg chg="mod">
+          <ac:chgData name="이한석" userId="ea2efb7e-b181-42d9-a574-294c91e57001" providerId="ADAL" clId="{6A1FCFA7-2E78-48AA-9233-83B015DE87EC}" dt="2024-09-06T02:21:38.778" v="25" actId="164"/>
+          <ac:spMkLst>
+            <pc:docMk/>
+            <pc:sldMk cId="2199148273" sldId="256"/>
+            <ac:spMk id="60" creationId="{7380813F-C106-F927-2B79-A929627B8399}"/>
+          </ac:spMkLst>
+        </pc:spChg>
+        <pc:spChg chg="mod">
+          <ac:chgData name="이한석" userId="ea2efb7e-b181-42d9-a574-294c91e57001" providerId="ADAL" clId="{6A1FCFA7-2E78-48AA-9233-83B015DE87EC}" dt="2024-09-06T02:21:44.337" v="26" actId="164"/>
+          <ac:spMkLst>
+            <pc:docMk/>
+            <pc:sldMk cId="2199148273" sldId="256"/>
+            <ac:spMk id="61" creationId="{B4BFDB12-AF8B-15CB-A343-CDB5A7AE766B}"/>
+          </ac:spMkLst>
+        </pc:spChg>
+        <pc:spChg chg="mod">
+          <ac:chgData name="이한석" userId="ea2efb7e-b181-42d9-a574-294c91e57001" providerId="ADAL" clId="{6A1FCFA7-2E78-48AA-9233-83B015DE87EC}" dt="2024-09-06T02:21:44.337" v="26" actId="164"/>
+          <ac:spMkLst>
+            <pc:docMk/>
+            <pc:sldMk cId="2199148273" sldId="256"/>
+            <ac:spMk id="62" creationId="{EC8A9F00-A235-EBB1-B953-1AADA1B2A915}"/>
+          </ac:spMkLst>
+        </pc:spChg>
+        <pc:spChg chg="mod">
+          <ac:chgData name="이한석" userId="ea2efb7e-b181-42d9-a574-294c91e57001" providerId="ADAL" clId="{6A1FCFA7-2E78-48AA-9233-83B015DE87EC}" dt="2024-09-06T02:21:34.055" v="24" actId="164"/>
+          <ac:spMkLst>
+            <pc:docMk/>
+            <pc:sldMk cId="2199148273" sldId="256"/>
+            <ac:spMk id="63" creationId="{5159F124-A5C3-01B5-30C4-62392CECBFB3}"/>
+          </ac:spMkLst>
+        </pc:spChg>
+        <pc:spChg chg="mod">
+          <ac:chgData name="이한석" userId="ea2efb7e-b181-42d9-a574-294c91e57001" providerId="ADAL" clId="{6A1FCFA7-2E78-48AA-9233-83B015DE87EC}" dt="2024-09-06T02:21:34.055" v="24" actId="164"/>
+          <ac:spMkLst>
+            <pc:docMk/>
+            <pc:sldMk cId="2199148273" sldId="256"/>
+            <ac:spMk id="67" creationId="{29FCA938-ACD4-D8F5-536A-4A1845D4D6E3}"/>
+          </ac:spMkLst>
+        </pc:spChg>
+        <pc:spChg chg="mod">
+          <ac:chgData name="이한석" userId="ea2efb7e-b181-42d9-a574-294c91e57001" providerId="ADAL" clId="{6A1FCFA7-2E78-48AA-9233-83B015DE87EC}" dt="2024-09-06T02:21:34.055" v="24" actId="164"/>
+          <ac:spMkLst>
+            <pc:docMk/>
+            <pc:sldMk cId="2199148273" sldId="256"/>
+            <ac:spMk id="68" creationId="{62D53E42-3FB3-7BD8-0654-7507D445999D}"/>
+          </ac:spMkLst>
+        </pc:spChg>
+        <pc:spChg chg="mod">
+          <ac:chgData name="이한석" userId="ea2efb7e-b181-42d9-a574-294c91e57001" providerId="ADAL" clId="{6A1FCFA7-2E78-48AA-9233-83B015DE87EC}" dt="2024-09-06T02:21:34.055" v="24" actId="164"/>
+          <ac:spMkLst>
+            <pc:docMk/>
+            <pc:sldMk cId="2199148273" sldId="256"/>
+            <ac:spMk id="73" creationId="{28C48FAC-DCC1-41BD-73C9-FD607F40937D}"/>
+          </ac:spMkLst>
+        </pc:spChg>
+        <pc:spChg chg="mod">
+          <ac:chgData name="이한석" userId="ea2efb7e-b181-42d9-a574-294c91e57001" providerId="ADAL" clId="{6A1FCFA7-2E78-48AA-9233-83B015DE87EC}" dt="2024-09-06T02:21:34.055" v="24" actId="164"/>
+          <ac:spMkLst>
+            <pc:docMk/>
+            <pc:sldMk cId="2199148273" sldId="256"/>
+            <ac:spMk id="74" creationId="{CB0E81C8-A5BD-4AF9-FD33-FFF7D9616BAD}"/>
+          </ac:spMkLst>
+        </pc:spChg>
+        <pc:spChg chg="mod">
+          <ac:chgData name="이한석" userId="ea2efb7e-b181-42d9-a574-294c91e57001" providerId="ADAL" clId="{6A1FCFA7-2E78-48AA-9233-83B015DE87EC}" dt="2024-09-06T02:21:34.055" v="24" actId="164"/>
+          <ac:spMkLst>
+            <pc:docMk/>
+            <pc:sldMk cId="2199148273" sldId="256"/>
+            <ac:spMk id="75" creationId="{D982E8C3-F300-05D4-26BC-B478AEDA9A03}"/>
+          </ac:spMkLst>
+        </pc:spChg>
+        <pc:spChg chg="mod">
+          <ac:chgData name="이한석" userId="ea2efb7e-b181-42d9-a574-294c91e57001" providerId="ADAL" clId="{6A1FCFA7-2E78-48AA-9233-83B015DE87EC}" dt="2024-09-06T02:21:34.055" v="24" actId="164"/>
+          <ac:spMkLst>
+            <pc:docMk/>
+            <pc:sldMk cId="2199148273" sldId="256"/>
+            <ac:spMk id="112" creationId="{82792097-0322-3D5F-534A-3418FE1CC9BF}"/>
+          </ac:spMkLst>
+        </pc:spChg>
+        <pc:spChg chg="mod">
+          <ac:chgData name="이한석" userId="ea2efb7e-b181-42d9-a574-294c91e57001" providerId="ADAL" clId="{6A1FCFA7-2E78-48AA-9233-83B015DE87EC}" dt="2024-09-06T02:21:27.157" v="23" actId="164"/>
+          <ac:spMkLst>
+            <pc:docMk/>
+            <pc:sldMk cId="2199148273" sldId="256"/>
+            <ac:spMk id="115" creationId="{3771F2A9-0687-7B61-A69D-5C6855AE8AA6}"/>
+          </ac:spMkLst>
+        </pc:spChg>
+        <pc:spChg chg="mod">
+          <ac:chgData name="이한석" userId="ea2efb7e-b181-42d9-a574-294c91e57001" providerId="ADAL" clId="{6A1FCFA7-2E78-48AA-9233-83B015DE87EC}" dt="2024-09-06T02:21:27.157" v="23" actId="164"/>
+          <ac:spMkLst>
+            <pc:docMk/>
+            <pc:sldMk cId="2199148273" sldId="256"/>
+            <ac:spMk id="116" creationId="{F808184D-EC78-4C3C-5C34-87611E2DE828}"/>
+          </ac:spMkLst>
+        </pc:spChg>
+        <pc:spChg chg="mod">
+          <ac:chgData name="이한석" userId="ea2efb7e-b181-42d9-a574-294c91e57001" providerId="ADAL" clId="{6A1FCFA7-2E78-48AA-9233-83B015DE87EC}" dt="2024-09-06T02:21:27.157" v="23" actId="164"/>
+          <ac:spMkLst>
+            <pc:docMk/>
+            <pc:sldMk cId="2199148273" sldId="256"/>
+            <ac:spMk id="119" creationId="{2581369A-B059-F9D4-0CDB-DE92F1225E96}"/>
+          </ac:spMkLst>
+        </pc:spChg>
+        <pc:spChg chg="mod">
+          <ac:chgData name="이한석" userId="ea2efb7e-b181-42d9-a574-294c91e57001" providerId="ADAL" clId="{6A1FCFA7-2E78-48AA-9233-83B015DE87EC}" dt="2024-09-06T02:21:27.157" v="23" actId="164"/>
+          <ac:spMkLst>
+            <pc:docMk/>
+            <pc:sldMk cId="2199148273" sldId="256"/>
+            <ac:spMk id="120" creationId="{795572F0-6237-5CA6-756E-E1E3C3308FF4}"/>
+          </ac:spMkLst>
+        </pc:spChg>
+        <pc:spChg chg="mod">
+          <ac:chgData name="이한석" userId="ea2efb7e-b181-42d9-a574-294c91e57001" providerId="ADAL" clId="{6A1FCFA7-2E78-48AA-9233-83B015DE87EC}" dt="2024-09-06T02:21:27.157" v="23" actId="164"/>
+          <ac:spMkLst>
+            <pc:docMk/>
+            <pc:sldMk cId="2199148273" sldId="256"/>
+            <ac:spMk id="123" creationId="{146216EB-419C-49AF-C816-FA67183988DD}"/>
+          </ac:spMkLst>
+        </pc:spChg>
+        <pc:spChg chg="mod">
+          <ac:chgData name="이한석" userId="ea2efb7e-b181-42d9-a574-294c91e57001" providerId="ADAL" clId="{6A1FCFA7-2E78-48AA-9233-83B015DE87EC}" dt="2024-09-06T02:21:27.157" v="23" actId="164"/>
+          <ac:spMkLst>
+            <pc:docMk/>
+            <pc:sldMk cId="2199148273" sldId="256"/>
+            <ac:spMk id="124" creationId="{3177678F-929E-23BD-B184-49F1DCB8EDA6}"/>
+          </ac:spMkLst>
+        </pc:spChg>
+        <pc:spChg chg="mod">
+          <ac:chgData name="이한석" userId="ea2efb7e-b181-42d9-a574-294c91e57001" providerId="ADAL" clId="{6A1FCFA7-2E78-48AA-9233-83B015DE87EC}" dt="2024-09-06T02:21:27.157" v="23" actId="164"/>
+          <ac:spMkLst>
+            <pc:docMk/>
+            <pc:sldMk cId="2199148273" sldId="256"/>
+            <ac:spMk id="131" creationId="{6D628F00-7C45-639B-E787-2672A9843059}"/>
+          </ac:spMkLst>
+        </pc:spChg>
+        <pc:spChg chg="mod">
+          <ac:chgData name="이한석" userId="ea2efb7e-b181-42d9-a574-294c91e57001" providerId="ADAL" clId="{6A1FCFA7-2E78-48AA-9233-83B015DE87EC}" dt="2024-09-06T02:21:27.157" v="23" actId="164"/>
+          <ac:spMkLst>
+            <pc:docMk/>
+            <pc:sldMk cId="2199148273" sldId="256"/>
+            <ac:spMk id="132" creationId="{45D18FEF-9E68-9683-91F1-499B992E0CA8}"/>
+          </ac:spMkLst>
+        </pc:spChg>
+        <pc:spChg chg="del">
+          <ac:chgData name="이한석" userId="ea2efb7e-b181-42d9-a574-294c91e57001" providerId="ADAL" clId="{6A1FCFA7-2E78-48AA-9233-83B015DE87EC}" dt="2024-09-06T02:19:04.528" v="0" actId="478"/>
+          <ac:spMkLst>
+            <pc:docMk/>
+            <pc:sldMk cId="2199148273" sldId="256"/>
+            <ac:spMk id="146" creationId="{9BEE0E62-0C40-D569-B5B5-F221D759923D}"/>
+          </ac:spMkLst>
+        </pc:spChg>
+        <pc:spChg chg="mod">
+          <ac:chgData name="이한석" userId="ea2efb7e-b181-42d9-a574-294c91e57001" providerId="ADAL" clId="{6A1FCFA7-2E78-48AA-9233-83B015DE87EC}" dt="2024-09-06T02:21:27.157" v="23" actId="164"/>
+          <ac:spMkLst>
+            <pc:docMk/>
+            <pc:sldMk cId="2199148273" sldId="256"/>
+            <ac:spMk id="160" creationId="{0AB078CD-C525-41B1-1FCB-5C944567B4B0}"/>
+          </ac:spMkLst>
+        </pc:spChg>
+        <pc:spChg chg="mod">
+          <ac:chgData name="이한석" userId="ea2efb7e-b181-42d9-a574-294c91e57001" providerId="ADAL" clId="{6A1FCFA7-2E78-48AA-9233-83B015DE87EC}" dt="2024-09-06T02:21:27.157" v="23" actId="164"/>
+          <ac:spMkLst>
+            <pc:docMk/>
+            <pc:sldMk cId="2199148273" sldId="256"/>
+            <ac:spMk id="173" creationId="{09507213-F7DD-7ECE-6102-967F8DA93FE3}"/>
+          </ac:spMkLst>
+        </pc:spChg>
+        <pc:spChg chg="mod">
+          <ac:chgData name="이한석" userId="ea2efb7e-b181-42d9-a574-294c91e57001" providerId="ADAL" clId="{6A1FCFA7-2E78-48AA-9233-83B015DE87EC}" dt="2024-09-06T02:21:27.157" v="23" actId="164"/>
+          <ac:spMkLst>
+            <pc:docMk/>
+            <pc:sldMk cId="2199148273" sldId="256"/>
+            <ac:spMk id="179" creationId="{AF401D60-1FBF-A02B-B789-E32C960D2D8F}"/>
+          </ac:spMkLst>
+        </pc:spChg>
+        <pc:spChg chg="mod">
+          <ac:chgData name="이한석" userId="ea2efb7e-b181-42d9-a574-294c91e57001" providerId="ADAL" clId="{6A1FCFA7-2E78-48AA-9233-83B015DE87EC}" dt="2024-09-06T02:21:48.187" v="27" actId="164"/>
+          <ac:spMkLst>
+            <pc:docMk/>
+            <pc:sldMk cId="2199148273" sldId="256"/>
+            <ac:spMk id="193" creationId="{1C605EA9-1017-5127-4656-45E1E6E19907}"/>
+          </ac:spMkLst>
+        </pc:spChg>
+        <pc:spChg chg="mod">
+          <ac:chgData name="이한석" userId="ea2efb7e-b181-42d9-a574-294c91e57001" providerId="ADAL" clId="{6A1FCFA7-2E78-48AA-9233-83B015DE87EC}" dt="2024-09-06T02:21:48.187" v="27" actId="164"/>
+          <ac:spMkLst>
+            <pc:docMk/>
+            <pc:sldMk cId="2199148273" sldId="256"/>
+            <ac:spMk id="194" creationId="{CEB4B9A0-7989-1C21-C413-EDBAB7F42FFC}"/>
+          </ac:spMkLst>
+        </pc:spChg>
+        <pc:spChg chg="mod">
+          <ac:chgData name="이한석" userId="ea2efb7e-b181-42d9-a574-294c91e57001" providerId="ADAL" clId="{6A1FCFA7-2E78-48AA-9233-83B015DE87EC}" dt="2024-09-06T02:21:48.187" v="27" actId="164"/>
+          <ac:spMkLst>
+            <pc:docMk/>
+            <pc:sldMk cId="2199148273" sldId="256"/>
+            <ac:spMk id="195" creationId="{EC235906-E523-1C08-221C-FB7FB2F84425}"/>
+          </ac:spMkLst>
+        </pc:spChg>
+        <pc:spChg chg="mod">
+          <ac:chgData name="이한석" userId="ea2efb7e-b181-42d9-a574-294c91e57001" providerId="ADAL" clId="{6A1FCFA7-2E78-48AA-9233-83B015DE87EC}" dt="2024-09-06T02:21:48.187" v="27" actId="164"/>
+          <ac:spMkLst>
+            <pc:docMk/>
+            <pc:sldMk cId="2199148273" sldId="256"/>
+            <ac:spMk id="196" creationId="{BA7D71BE-4C73-259F-2E41-9E7B989B7654}"/>
+          </ac:spMkLst>
+        </pc:spChg>
+        <pc:spChg chg="mod">
+          <ac:chgData name="이한석" userId="ea2efb7e-b181-42d9-a574-294c91e57001" providerId="ADAL" clId="{6A1FCFA7-2E78-48AA-9233-83B015DE87EC}" dt="2024-09-06T02:21:48.187" v="27" actId="164"/>
+          <ac:spMkLst>
+            <pc:docMk/>
+            <pc:sldMk cId="2199148273" sldId="256"/>
+            <ac:spMk id="197" creationId="{80B55780-A439-EC77-571E-FF88D3397601}"/>
+          </ac:spMkLst>
+        </pc:spChg>
+        <pc:spChg chg="mod">
+          <ac:chgData name="이한석" userId="ea2efb7e-b181-42d9-a574-294c91e57001" providerId="ADAL" clId="{6A1FCFA7-2E78-48AA-9233-83B015DE87EC}" dt="2024-09-06T02:21:48.187" v="27" actId="164"/>
+          <ac:spMkLst>
+            <pc:docMk/>
+            <pc:sldMk cId="2199148273" sldId="256"/>
+            <ac:spMk id="198" creationId="{04A2BD3A-1FE9-EE2F-5EBA-B1F8F7040FD0}"/>
+          </ac:spMkLst>
+        </pc:spChg>
+        <pc:spChg chg="del mod">
+          <ac:chgData name="이한석" userId="ea2efb7e-b181-42d9-a574-294c91e57001" providerId="ADAL" clId="{6A1FCFA7-2E78-48AA-9233-83B015DE87EC}" dt="2024-09-06T02:19:11.038" v="3" actId="478"/>
+          <ac:spMkLst>
+            <pc:docMk/>
+            <pc:sldMk cId="2199148273" sldId="256"/>
+            <ac:spMk id="225" creationId="{A63DFD48-D2B8-C982-B601-5ADB4987AF3E}"/>
+          </ac:spMkLst>
+        </pc:spChg>
+        <pc:spChg chg="mod">
+          <ac:chgData name="이한석" userId="ea2efb7e-b181-42d9-a574-294c91e57001" providerId="ADAL" clId="{6A1FCFA7-2E78-48AA-9233-83B015DE87EC}" dt="2024-09-06T02:21:27.157" v="23" actId="164"/>
+          <ac:spMkLst>
+            <pc:docMk/>
+            <pc:sldMk cId="2199148273" sldId="256"/>
+            <ac:spMk id="226" creationId="{05D6CB1A-AD21-9A1F-59AE-E35B5030BCD0}"/>
+          </ac:spMkLst>
+        </pc:spChg>
+        <pc:spChg chg="del mod">
+          <ac:chgData name="이한석" userId="ea2efb7e-b181-42d9-a574-294c91e57001" providerId="ADAL" clId="{6A1FCFA7-2E78-48AA-9233-83B015DE87EC}" dt="2024-09-06T02:19:28.606" v="6" actId="478"/>
+          <ac:spMkLst>
+            <pc:docMk/>
+            <pc:sldMk cId="2199148273" sldId="256"/>
+            <ac:spMk id="237" creationId="{6F7BB668-39D7-B462-CD2B-C8F6F847D421}"/>
+          </ac:spMkLst>
+        </pc:spChg>
+        <pc:spChg chg="mod">
+          <ac:chgData name="이한석" userId="ea2efb7e-b181-42d9-a574-294c91e57001" providerId="ADAL" clId="{6A1FCFA7-2E78-48AA-9233-83B015DE87EC}" dt="2024-09-06T02:21:27.157" v="23" actId="164"/>
+          <ac:spMkLst>
+            <pc:docMk/>
+            <pc:sldMk cId="2199148273" sldId="256"/>
+            <ac:spMk id="238" creationId="{4A86CAD8-BF80-F3A3-6B0D-74C2A254554C}"/>
+          </ac:spMkLst>
+        </pc:spChg>
+        <pc:grpChg chg="add mod">
+          <ac:chgData name="이한석" userId="ea2efb7e-b181-42d9-a574-294c91e57001" providerId="ADAL" clId="{6A1FCFA7-2E78-48AA-9233-83B015DE87EC}" dt="2024-09-06T02:21:27.157" v="23" actId="164"/>
+          <ac:grpSpMkLst>
+            <pc:docMk/>
+            <pc:sldMk cId="2199148273" sldId="256"/>
+            <ac:grpSpMk id="16" creationId="{D3D4A3DF-0B46-CA9D-D9E6-DB380950173A}"/>
+          </ac:grpSpMkLst>
+        </pc:grpChg>
+        <pc:grpChg chg="add mod">
+          <ac:chgData name="이한석" userId="ea2efb7e-b181-42d9-a574-294c91e57001" providerId="ADAL" clId="{6A1FCFA7-2E78-48AA-9233-83B015DE87EC}" dt="2024-09-06T02:21:34.055" v="24" actId="164"/>
+          <ac:grpSpMkLst>
+            <pc:docMk/>
+            <pc:sldMk cId="2199148273" sldId="256"/>
+            <ac:grpSpMk id="17" creationId="{922B600E-9432-F083-B2DB-A8695E761520}"/>
+          </ac:grpSpMkLst>
+        </pc:grpChg>
+        <pc:grpChg chg="add mod">
+          <ac:chgData name="이한석" userId="ea2efb7e-b181-42d9-a574-294c91e57001" providerId="ADAL" clId="{6A1FCFA7-2E78-48AA-9233-83B015DE87EC}" dt="2024-09-06T02:21:38.778" v="25" actId="164"/>
+          <ac:grpSpMkLst>
+            <pc:docMk/>
+            <pc:sldMk cId="2199148273" sldId="256"/>
+            <ac:grpSpMk id="19" creationId="{505BCC26-E678-DD4F-778D-8BDEC6F764B4}"/>
+          </ac:grpSpMkLst>
+        </pc:grpChg>
+        <pc:grpChg chg="add mod">
+          <ac:chgData name="이한석" userId="ea2efb7e-b181-42d9-a574-294c91e57001" providerId="ADAL" clId="{6A1FCFA7-2E78-48AA-9233-83B015DE87EC}" dt="2024-09-06T02:21:44.337" v="26" actId="164"/>
+          <ac:grpSpMkLst>
+            <pc:docMk/>
+            <pc:sldMk cId="2199148273" sldId="256"/>
+            <ac:grpSpMk id="20" creationId="{5B66ECBA-3920-2CCC-7542-BB9DDFF1BFED}"/>
+          </ac:grpSpMkLst>
+        </pc:grpChg>
+        <pc:grpChg chg="add mod">
+          <ac:chgData name="이한석" userId="ea2efb7e-b181-42d9-a574-294c91e57001" providerId="ADAL" clId="{6A1FCFA7-2E78-48AA-9233-83B015DE87EC}" dt="2024-09-06T02:21:48.187" v="27" actId="164"/>
+          <ac:grpSpMkLst>
+            <pc:docMk/>
+            <pc:sldMk cId="2199148273" sldId="256"/>
+            <ac:grpSpMk id="21" creationId="{69595F61-BC30-9F32-2B56-7B08FA2E4FF0}"/>
+          </ac:grpSpMkLst>
+        </pc:grpChg>
+        <pc:cxnChg chg="mod">
+          <ac:chgData name="이한석" userId="ea2efb7e-b181-42d9-a574-294c91e57001" providerId="ADAL" clId="{6A1FCFA7-2E78-48AA-9233-83B015DE87EC}" dt="2024-09-06T02:21:44.337" v="26" actId="164"/>
+          <ac:cxnSpMkLst>
+            <pc:docMk/>
+            <pc:sldMk cId="2199148273" sldId="256"/>
+            <ac:cxnSpMk id="12" creationId="{4FECF96C-046F-24BC-950B-FCBCA4A20592}"/>
+          </ac:cxnSpMkLst>
+        </pc:cxnChg>
+        <pc:cxnChg chg="mod">
+          <ac:chgData name="이한석" userId="ea2efb7e-b181-42d9-a574-294c91e57001" providerId="ADAL" clId="{6A1FCFA7-2E78-48AA-9233-83B015DE87EC}" dt="2024-09-06T02:21:44.337" v="26" actId="164"/>
+          <ac:cxnSpMkLst>
+            <pc:docMk/>
+            <pc:sldMk cId="2199148273" sldId="256"/>
+            <ac:cxnSpMk id="18" creationId="{19CFD8B2-D3D7-9D75-6F08-A7686206BEA5}"/>
+          </ac:cxnSpMkLst>
+        </pc:cxnChg>
+        <pc:cxnChg chg="mod">
+          <ac:chgData name="이한석" userId="ea2efb7e-b181-42d9-a574-294c91e57001" providerId="ADAL" clId="{6A1FCFA7-2E78-48AA-9233-83B015DE87EC}" dt="2024-09-06T02:21:44.337" v="26" actId="164"/>
+          <ac:cxnSpMkLst>
+            <pc:docMk/>
+            <pc:sldMk cId="2199148273" sldId="256"/>
+            <ac:cxnSpMk id="23" creationId="{3F9DC0CB-6CC3-5745-C4F9-6999DEE0DF9F}"/>
+          </ac:cxnSpMkLst>
+        </pc:cxnChg>
+        <pc:cxnChg chg="mod">
+          <ac:chgData name="이한석" userId="ea2efb7e-b181-42d9-a574-294c91e57001" providerId="ADAL" clId="{6A1FCFA7-2E78-48AA-9233-83B015DE87EC}" dt="2024-09-06T02:21:44.337" v="26" actId="164"/>
+          <ac:cxnSpMkLst>
+            <pc:docMk/>
+            <pc:sldMk cId="2199148273" sldId="256"/>
+            <ac:cxnSpMk id="27" creationId="{B75D2DFC-3B8F-C042-E138-5D9914891EBC}"/>
+          </ac:cxnSpMkLst>
+        </pc:cxnChg>
+        <pc:cxnChg chg="mod">
+          <ac:chgData name="이한석" userId="ea2efb7e-b181-42d9-a574-294c91e57001" providerId="ADAL" clId="{6A1FCFA7-2E78-48AA-9233-83B015DE87EC}" dt="2024-09-06T02:21:34.055" v="24" actId="164"/>
+          <ac:cxnSpMkLst>
+            <pc:docMk/>
+            <pc:sldMk cId="2199148273" sldId="256"/>
+            <ac:cxnSpMk id="70" creationId="{92D67DF3-5B87-082F-8724-DAED91D27EE0}"/>
+          </ac:cxnSpMkLst>
+        </pc:cxnChg>
+        <pc:cxnChg chg="mod">
+          <ac:chgData name="이한석" userId="ea2efb7e-b181-42d9-a574-294c91e57001" providerId="ADAL" clId="{6A1FCFA7-2E78-48AA-9233-83B015DE87EC}" dt="2024-09-06T02:21:34.055" v="24" actId="164"/>
+          <ac:cxnSpMkLst>
+            <pc:docMk/>
+            <pc:sldMk cId="2199148273" sldId="256"/>
+            <ac:cxnSpMk id="109" creationId="{487ED67A-2749-07B1-F916-9AE6F6270CAC}"/>
+          </ac:cxnSpMkLst>
+        </pc:cxnChg>
+        <pc:cxnChg chg="mod">
+          <ac:chgData name="이한석" userId="ea2efb7e-b181-42d9-a574-294c91e57001" providerId="ADAL" clId="{6A1FCFA7-2E78-48AA-9233-83B015DE87EC}" dt="2024-09-06T02:21:27.157" v="23" actId="164"/>
+          <ac:cxnSpMkLst>
+            <pc:docMk/>
+            <pc:sldMk cId="2199148273" sldId="256"/>
+            <ac:cxnSpMk id="118" creationId="{667B2672-AE0A-30CD-944C-39363A7674C5}"/>
+          </ac:cxnSpMkLst>
+        </pc:cxnChg>
+        <pc:cxnChg chg="mod">
+          <ac:chgData name="이한석" userId="ea2efb7e-b181-42d9-a574-294c91e57001" providerId="ADAL" clId="{6A1FCFA7-2E78-48AA-9233-83B015DE87EC}" dt="2024-09-06T02:21:27.157" v="23" actId="164"/>
+          <ac:cxnSpMkLst>
+            <pc:docMk/>
+            <pc:sldMk cId="2199148273" sldId="256"/>
+            <ac:cxnSpMk id="122" creationId="{BC85FC12-603F-81CE-4D47-00BBE686124C}"/>
+          </ac:cxnSpMkLst>
+        </pc:cxnChg>
+        <pc:cxnChg chg="del mod">
+          <ac:chgData name="이한석" userId="ea2efb7e-b181-42d9-a574-294c91e57001" providerId="ADAL" clId="{6A1FCFA7-2E78-48AA-9233-83B015DE87EC}" dt="2024-09-06T02:19:07.424" v="1" actId="478"/>
+          <ac:cxnSpMkLst>
+            <pc:docMk/>
+            <pc:sldMk cId="2199148273" sldId="256"/>
+            <ac:cxnSpMk id="162" creationId="{CBEFACC1-6AF6-845C-84B4-9F382F997463}"/>
+          </ac:cxnSpMkLst>
+        </pc:cxnChg>
+        <pc:cxnChg chg="mod">
+          <ac:chgData name="이한석" userId="ea2efb7e-b181-42d9-a574-294c91e57001" providerId="ADAL" clId="{6A1FCFA7-2E78-48AA-9233-83B015DE87EC}" dt="2024-09-06T02:21:27.157" v="23" actId="164"/>
+          <ac:cxnSpMkLst>
+            <pc:docMk/>
+            <pc:sldMk cId="2199148273" sldId="256"/>
+            <ac:cxnSpMk id="174" creationId="{73694E9A-ED7B-64B8-795A-B366C3B92FBD}"/>
+          </ac:cxnSpMkLst>
+        </pc:cxnChg>
+        <pc:cxnChg chg="mod">
+          <ac:chgData name="이한석" userId="ea2efb7e-b181-42d9-a574-294c91e57001" providerId="ADAL" clId="{6A1FCFA7-2E78-48AA-9233-83B015DE87EC}" dt="2024-09-06T02:21:27.157" v="23" actId="164"/>
+          <ac:cxnSpMkLst>
+            <pc:docMk/>
+            <pc:sldMk cId="2199148273" sldId="256"/>
+            <ac:cxnSpMk id="180" creationId="{63F1C91C-5319-DF3B-C96B-A6A7576DB12F}"/>
+          </ac:cxnSpMkLst>
+        </pc:cxnChg>
+        <pc:cxnChg chg="del mod">
+          <ac:chgData name="이한석" userId="ea2efb7e-b181-42d9-a574-294c91e57001" providerId="ADAL" clId="{6A1FCFA7-2E78-48AA-9233-83B015DE87EC}" dt="2024-09-06T02:19:29.349" v="7" actId="478"/>
+          <ac:cxnSpMkLst>
+            <pc:docMk/>
+            <pc:sldMk cId="2199148273" sldId="256"/>
+            <ac:cxnSpMk id="183" creationId="{2439DB33-3F93-5088-EEA5-BA17CD588CEC}"/>
+          </ac:cxnSpMkLst>
+        </pc:cxnChg>
+        <pc:cxnChg chg="mod">
+          <ac:chgData name="이한석" userId="ea2efb7e-b181-42d9-a574-294c91e57001" providerId="ADAL" clId="{6A1FCFA7-2E78-48AA-9233-83B015DE87EC}" dt="2024-09-06T02:21:27.157" v="23" actId="164"/>
+          <ac:cxnSpMkLst>
+            <pc:docMk/>
+            <pc:sldMk cId="2199148273" sldId="256"/>
+            <ac:cxnSpMk id="187" creationId="{2B2087F4-5F2F-9502-1A9F-8CEBD5B2C36F}"/>
+          </ac:cxnSpMkLst>
+        </pc:cxnChg>
+        <pc:cxnChg chg="mod">
+          <ac:chgData name="이한석" userId="ea2efb7e-b181-42d9-a574-294c91e57001" providerId="ADAL" clId="{6A1FCFA7-2E78-48AA-9233-83B015DE87EC}" dt="2024-09-06T02:21:27.157" v="23" actId="164"/>
+          <ac:cxnSpMkLst>
+            <pc:docMk/>
+            <pc:sldMk cId="2199148273" sldId="256"/>
+            <ac:cxnSpMk id="190" creationId="{224D03D6-B96B-3122-F59C-50D8841A4A0C}"/>
+          </ac:cxnSpMkLst>
+        </pc:cxnChg>
+        <pc:cxnChg chg="mod">
+          <ac:chgData name="이한석" userId="ea2efb7e-b181-42d9-a574-294c91e57001" providerId="ADAL" clId="{6A1FCFA7-2E78-48AA-9233-83B015DE87EC}" dt="2024-09-06T02:21:48.187" v="27" actId="164"/>
+          <ac:cxnSpMkLst>
+            <pc:docMk/>
+            <pc:sldMk cId="2199148273" sldId="256"/>
+            <ac:cxnSpMk id="199" creationId="{9524C453-ABDB-51AC-9397-2E8A9CBBAA88}"/>
+          </ac:cxnSpMkLst>
+        </pc:cxnChg>
+        <pc:cxnChg chg="mod">
+          <ac:chgData name="이한석" userId="ea2efb7e-b181-42d9-a574-294c91e57001" providerId="ADAL" clId="{6A1FCFA7-2E78-48AA-9233-83B015DE87EC}" dt="2024-09-06T02:21:48.187" v="27" actId="164"/>
+          <ac:cxnSpMkLst>
+            <pc:docMk/>
+            <pc:sldMk cId="2199148273" sldId="256"/>
+            <ac:cxnSpMk id="202" creationId="{6FD204EF-944E-A4FE-2233-3792A0E1460D}"/>
+          </ac:cxnSpMkLst>
+        </pc:cxnChg>
+        <pc:cxnChg chg="mod">
+          <ac:chgData name="이한석" userId="ea2efb7e-b181-42d9-a574-294c91e57001" providerId="ADAL" clId="{6A1FCFA7-2E78-48AA-9233-83B015DE87EC}" dt="2024-09-06T02:21:48.187" v="27" actId="164"/>
+          <ac:cxnSpMkLst>
+            <pc:docMk/>
+            <pc:sldMk cId="2199148273" sldId="256"/>
+            <ac:cxnSpMk id="205" creationId="{F3C90B7B-1D1E-83B0-DB4F-E26CB5AC0E99}"/>
+          </ac:cxnSpMkLst>
+        </pc:cxnChg>
+      </pc:sldChg>
+    </pc:docChg>
+  </pc:docChgLst>
+</pc:chgInfo>
 </file>
 
 <file path=ppt/slideLayouts/slideLayout1.xml><?xml version="1.0" encoding="utf-8"?>
@@ -254,7 +776,7 @@
           <a:p>
             <a:fld id="{309FAC85-FE2E-45F2-B9FC-7DEE9C9E32BB}" type="datetimeFigureOut">
               <a:rPr lang="ko-KR" altLang="en-US" smtClean="0"/>
-              <a:t>2024-09-05</a:t>
+              <a:t>2024-09-06</a:t>
             </a:fld>
             <a:endParaRPr lang="ko-KR" altLang="en-US"/>
           </a:p>
@@ -452,7 +974,7 @@
           <a:p>
             <a:fld id="{309FAC85-FE2E-45F2-B9FC-7DEE9C9E32BB}" type="datetimeFigureOut">
               <a:rPr lang="ko-KR" altLang="en-US" smtClean="0"/>
-              <a:t>2024-09-05</a:t>
+              <a:t>2024-09-06</a:t>
             </a:fld>
             <a:endParaRPr lang="ko-KR" altLang="en-US"/>
           </a:p>
@@ -660,7 +1182,7 @@
           <a:p>
             <a:fld id="{309FAC85-FE2E-45F2-B9FC-7DEE9C9E32BB}" type="datetimeFigureOut">
               <a:rPr lang="ko-KR" altLang="en-US" smtClean="0"/>
-              <a:t>2024-09-05</a:t>
+              <a:t>2024-09-06</a:t>
             </a:fld>
             <a:endParaRPr lang="ko-KR" altLang="en-US"/>
           </a:p>
@@ -858,7 +1380,7 @@
           <a:p>
             <a:fld id="{309FAC85-FE2E-45F2-B9FC-7DEE9C9E32BB}" type="datetimeFigureOut">
               <a:rPr lang="ko-KR" altLang="en-US" smtClean="0"/>
-              <a:t>2024-09-05</a:t>
+              <a:t>2024-09-06</a:t>
             </a:fld>
             <a:endParaRPr lang="ko-KR" altLang="en-US"/>
           </a:p>
@@ -1133,7 +1655,7 @@
           <a:p>
             <a:fld id="{309FAC85-FE2E-45F2-B9FC-7DEE9C9E32BB}" type="datetimeFigureOut">
               <a:rPr lang="ko-KR" altLang="en-US" smtClean="0"/>
-              <a:t>2024-09-05</a:t>
+              <a:t>2024-09-06</a:t>
             </a:fld>
             <a:endParaRPr lang="ko-KR" altLang="en-US"/>
           </a:p>
@@ -1398,7 +1920,7 @@
           <a:p>
             <a:fld id="{309FAC85-FE2E-45F2-B9FC-7DEE9C9E32BB}" type="datetimeFigureOut">
               <a:rPr lang="ko-KR" altLang="en-US" smtClean="0"/>
-              <a:t>2024-09-05</a:t>
+              <a:t>2024-09-06</a:t>
             </a:fld>
             <a:endParaRPr lang="ko-KR" altLang="en-US"/>
           </a:p>
@@ -1810,7 +2332,7 @@
           <a:p>
             <a:fld id="{309FAC85-FE2E-45F2-B9FC-7DEE9C9E32BB}" type="datetimeFigureOut">
               <a:rPr lang="ko-KR" altLang="en-US" smtClean="0"/>
-              <a:t>2024-09-05</a:t>
+              <a:t>2024-09-06</a:t>
             </a:fld>
             <a:endParaRPr lang="ko-KR" altLang="en-US"/>
           </a:p>
@@ -1951,7 +2473,7 @@
           <a:p>
             <a:fld id="{309FAC85-FE2E-45F2-B9FC-7DEE9C9E32BB}" type="datetimeFigureOut">
               <a:rPr lang="ko-KR" altLang="en-US" smtClean="0"/>
-              <a:t>2024-09-05</a:t>
+              <a:t>2024-09-06</a:t>
             </a:fld>
             <a:endParaRPr lang="ko-KR" altLang="en-US"/>
           </a:p>
@@ -2064,7 +2586,7 @@
           <a:p>
             <a:fld id="{309FAC85-FE2E-45F2-B9FC-7DEE9C9E32BB}" type="datetimeFigureOut">
               <a:rPr lang="ko-KR" altLang="en-US" smtClean="0"/>
-              <a:t>2024-09-05</a:t>
+              <a:t>2024-09-06</a:t>
             </a:fld>
             <a:endParaRPr lang="ko-KR" altLang="en-US"/>
           </a:p>
@@ -2375,7 +2897,7 @@
           <a:p>
             <a:fld id="{309FAC85-FE2E-45F2-B9FC-7DEE9C9E32BB}" type="datetimeFigureOut">
               <a:rPr lang="ko-KR" altLang="en-US" smtClean="0"/>
-              <a:t>2024-09-05</a:t>
+              <a:t>2024-09-06</a:t>
             </a:fld>
             <a:endParaRPr lang="ko-KR" altLang="en-US"/>
           </a:p>
@@ -2663,7 +3185,7 @@
           <a:p>
             <a:fld id="{309FAC85-FE2E-45F2-B9FC-7DEE9C9E32BB}" type="datetimeFigureOut">
               <a:rPr lang="ko-KR" altLang="en-US" smtClean="0"/>
-              <a:t>2024-09-05</a:t>
+              <a:t>2024-09-06</a:t>
             </a:fld>
             <a:endParaRPr lang="ko-KR" altLang="en-US"/>
           </a:p>
@@ -2904,7 +3426,7 @@
           <a:p>
             <a:fld id="{309FAC85-FE2E-45F2-B9FC-7DEE9C9E32BB}" type="datetimeFigureOut">
               <a:rPr lang="ko-KR" altLang="en-US" smtClean="0"/>
-              <a:t>2024-09-05</a:t>
+              <a:t>2024-09-06</a:t>
             </a:fld>
             <a:endParaRPr lang="ko-KR" altLang="en-US"/>
           </a:p>
@@ -3321,3142 +3843,2988 @@
           <a:chExt cx="0" cy="0"/>
         </a:xfrm>
       </p:grpSpPr>
-      <p:sp>
-        <p:nvSpPr>
-          <p:cNvPr id="4" name="사각형: 둥근 모서리 3">
+      <p:grpSp>
+        <p:nvGrpSpPr>
+          <p:cNvPr id="19" name="그룹 18">
             <a:extLst>
               <a:ext uri="{FF2B5EF4-FFF2-40B4-BE49-F238E27FC236}">
-                <a16:creationId xmlns:a16="http://schemas.microsoft.com/office/drawing/2014/main" id="{F0CBA55F-3D78-0E96-3D06-8A2C005AF3B9}"/>
+                <a16:creationId xmlns:a16="http://schemas.microsoft.com/office/drawing/2014/main" id="{505BCC26-E678-DD4F-778D-8BDEC6F764B4}"/>
               </a:ext>
             </a:extLst>
           </p:cNvPr>
-          <p:cNvSpPr/>
+          <p:cNvGrpSpPr/>
           <p:nvPr/>
-        </p:nvSpPr>
-        <p:spPr>
+        </p:nvGrpSpPr>
+        <p:grpSpPr>
           <a:xfrm>
-            <a:off x="1041400" y="1083735"/>
-            <a:ext cx="4546600" cy="5090640"/>
+            <a:off x="1215935" y="-1257969"/>
+            <a:ext cx="4546600" cy="1180802"/>
+            <a:chOff x="1215935" y="-1257969"/>
+            <a:chExt cx="4546600" cy="1180802"/>
           </a:xfrm>
-          <a:prstGeom prst="roundRect">
-            <a:avLst/>
-          </a:prstGeom>
-          <a:solidFill>
-            <a:srgbClr val="599BB1"/>
-          </a:solidFill>
-          <a:ln>
+        </p:grpSpPr>
+        <p:sp>
+          <p:nvSpPr>
+            <p:cNvPr id="50" name="사각형: 둥근 모서리 49">
+              <a:extLst>
+                <a:ext uri="{FF2B5EF4-FFF2-40B4-BE49-F238E27FC236}">
+                  <a16:creationId xmlns:a16="http://schemas.microsoft.com/office/drawing/2014/main" id="{5B2A43AE-C28C-207E-A53E-65D64A574F74}"/>
+                </a:ext>
+              </a:extLst>
+            </p:cNvPr>
+            <p:cNvSpPr/>
+            <p:nvPr/>
+          </p:nvSpPr>
+          <p:spPr>
+            <a:xfrm>
+              <a:off x="1215935" y="-836689"/>
+              <a:ext cx="4546600" cy="759522"/>
+            </a:xfrm>
+            <a:prstGeom prst="roundRect">
+              <a:avLst/>
+            </a:prstGeom>
+            <a:solidFill>
+              <a:srgbClr val="B6D2DC"/>
+            </a:solidFill>
+            <a:ln>
+              <a:noFill/>
+            </a:ln>
+          </p:spPr>
+          <p:style>
+            <a:lnRef idx="2">
+              <a:schemeClr val="accent1">
+                <a:shade val="15000"/>
+              </a:schemeClr>
+            </a:lnRef>
+            <a:fillRef idx="1">
+              <a:schemeClr val="accent1"/>
+            </a:fillRef>
+            <a:effectRef idx="0">
+              <a:schemeClr val="accent1"/>
+            </a:effectRef>
+            <a:fontRef idx="minor">
+              <a:schemeClr val="lt1"/>
+            </a:fontRef>
+          </p:style>
+          <p:txBody>
+            <a:bodyPr rtlCol="0" anchor="ctr"/>
+            <a:lstStyle/>
+            <a:p>
+              <a:pPr algn="ctr"/>
+              <a:r>
+                <a:rPr lang="en-US" altLang="ko-KR" dirty="0">
+                  <a:solidFill>
+                    <a:schemeClr val="tx1"/>
+                  </a:solidFill>
+                  <a:latin typeface="HelveticaNeueLT Com 53 Ex" panose="020B0605020202020204" pitchFamily="34" charset="0"/>
+                </a:rPr>
+                <a:t>for </a:t>
+              </a:r>
+              <a:r>
+                <a:rPr lang="en-US" altLang="ko-KR" dirty="0" err="1">
+                  <a:solidFill>
+                    <a:schemeClr val="tx1"/>
+                  </a:solidFill>
+                  <a:latin typeface="HelveticaNeueLT Com 53 Ex" panose="020B0605020202020204" pitchFamily="34" charset="0"/>
+                </a:rPr>
+                <a:t>i</a:t>
+              </a:r>
+              <a:r>
+                <a:rPr lang="en-US" altLang="ko-KR" dirty="0">
+                  <a:solidFill>
+                    <a:schemeClr val="tx1"/>
+                  </a:solidFill>
+                  <a:latin typeface="HelveticaNeueLT Com 53 Ex" panose="020B0605020202020204" pitchFamily="34" charset="0"/>
+                </a:rPr>
+                <a:t> in range(</a:t>
+              </a:r>
+              <a:r>
+                <a:rPr lang="en-US" altLang="ko-KR" dirty="0" err="1">
+                  <a:solidFill>
+                    <a:schemeClr val="tx1"/>
+                  </a:solidFill>
+                  <a:latin typeface="HelveticaNeueLT Com 53 Ex" panose="020B0605020202020204" pitchFamily="34" charset="0"/>
+                </a:rPr>
+                <a:t>len</a:t>
+              </a:r>
+              <a:r>
+                <a:rPr lang="en-US" altLang="ko-KR" dirty="0">
+                  <a:solidFill>
+                    <a:schemeClr val="tx1"/>
+                  </a:solidFill>
+                  <a:latin typeface="HelveticaNeueLT Com 53 Ex" panose="020B0605020202020204" pitchFamily="34" charset="0"/>
+                </a:rPr>
+                <a:t>(</a:t>
+              </a:r>
+              <a:r>
+                <a:rPr lang="en-US" altLang="ko-KR" dirty="0" err="1">
+                  <a:solidFill>
+                    <a:schemeClr val="tx1"/>
+                  </a:solidFill>
+                  <a:latin typeface="HelveticaNeueLT Com 53 Ex" panose="020B0605020202020204" pitchFamily="34" charset="0"/>
+                </a:rPr>
+                <a:t>key_list</a:t>
+              </a:r>
+              <a:r>
+                <a:rPr lang="en-US" altLang="ko-KR" dirty="0">
+                  <a:solidFill>
+                    <a:schemeClr val="tx1"/>
+                  </a:solidFill>
+                  <a:latin typeface="HelveticaNeueLT Com 53 Ex" panose="020B0605020202020204" pitchFamily="34" charset="0"/>
+                </a:rPr>
+                <a:t>))</a:t>
+              </a:r>
+              <a:endParaRPr lang="ko-KR" altLang="en-US" dirty="0">
+                <a:solidFill>
+                  <a:schemeClr val="tx1"/>
+                </a:solidFill>
+                <a:latin typeface="HelveticaNeueLT Com 53 Ex" panose="020B0605020202020204" pitchFamily="34" charset="0"/>
+              </a:endParaRPr>
+            </a:p>
+          </p:txBody>
+        </p:sp>
+        <p:sp>
+          <p:nvSpPr>
+            <p:cNvPr id="60" name="TextBox 59">
+              <a:extLst>
+                <a:ext uri="{FF2B5EF4-FFF2-40B4-BE49-F238E27FC236}">
+                  <a16:creationId xmlns:a16="http://schemas.microsoft.com/office/drawing/2014/main" id="{7380813F-C106-F927-2B79-A929627B8399}"/>
+                </a:ext>
+              </a:extLst>
+            </p:cNvPr>
+            <p:cNvSpPr txBox="1"/>
+            <p:nvPr/>
+          </p:nvSpPr>
+          <p:spPr>
+            <a:xfrm>
+              <a:off x="2520060" y="-1257969"/>
+              <a:ext cx="1938351" cy="400110"/>
+            </a:xfrm>
+            <a:prstGeom prst="rect">
+              <a:avLst/>
+            </a:prstGeom>
             <a:noFill/>
-          </a:ln>
-        </p:spPr>
-        <p:style>
-          <a:lnRef idx="2">
-            <a:schemeClr val="accent1">
-              <a:shade val="15000"/>
-            </a:schemeClr>
-          </a:lnRef>
-          <a:fillRef idx="1">
-            <a:schemeClr val="accent1"/>
-          </a:fillRef>
-          <a:effectRef idx="0">
-            <a:schemeClr val="accent1"/>
-          </a:effectRef>
-          <a:fontRef idx="minor">
-            <a:schemeClr val="lt1"/>
-          </a:fontRef>
-        </p:style>
-        <p:txBody>
-          <a:bodyPr rtlCol="0" anchor="ctr"/>
-          <a:lstStyle/>
-          <a:p>
-            <a:pPr algn="ctr"/>
-            <a:endParaRPr lang="ko-KR" altLang="en-US"/>
-          </a:p>
-        </p:txBody>
-      </p:sp>
-      <p:sp>
-        <p:nvSpPr>
-          <p:cNvPr id="5" name="TextBox 4">
+          </p:spPr>
+          <p:txBody>
+            <a:bodyPr wrap="none" rtlCol="0">
+              <a:spAutoFit/>
+            </a:bodyPr>
+            <a:lstStyle/>
+            <a:p>
+              <a:r>
+                <a:rPr lang="en-US" altLang="ko-KR" sz="2000" dirty="0" err="1">
+                  <a:latin typeface="Helvetica LT Std Black" panose="020B0904030502020204" pitchFamily="34" charset="0"/>
+                </a:rPr>
+                <a:t>print_menu</a:t>
+              </a:r>
+              <a:r>
+                <a:rPr lang="en-US" altLang="ko-KR" sz="2000" dirty="0">
+                  <a:latin typeface="Helvetica LT Std Black" panose="020B0904030502020204" pitchFamily="34" charset="0"/>
+                </a:rPr>
+                <a:t>()</a:t>
+              </a:r>
+              <a:endParaRPr lang="ko-KR" altLang="en-US" sz="2000" dirty="0">
+                <a:latin typeface="Helvetica LT Std Black" panose="020B0904030502020204" pitchFamily="34" charset="0"/>
+              </a:endParaRPr>
+            </a:p>
+          </p:txBody>
+        </p:sp>
+      </p:grpSp>
+      <p:grpSp>
+        <p:nvGrpSpPr>
+          <p:cNvPr id="20" name="그룹 19">
             <a:extLst>
               <a:ext uri="{FF2B5EF4-FFF2-40B4-BE49-F238E27FC236}">
-                <a16:creationId xmlns:a16="http://schemas.microsoft.com/office/drawing/2014/main" id="{4651D5F3-CF50-CACA-8055-F1F8AC5D6241}"/>
+                <a16:creationId xmlns:a16="http://schemas.microsoft.com/office/drawing/2014/main" id="{5B66ECBA-3920-2CCC-7542-BB9DDFF1BFED}"/>
               </a:ext>
             </a:extLst>
           </p:cNvPr>
-          <p:cNvSpPr txBox="1"/>
+          <p:cNvGrpSpPr/>
           <p:nvPr/>
-        </p:nvSpPr>
-        <p:spPr>
+        </p:nvGrpSpPr>
+        <p:grpSpPr>
           <a:xfrm>
-            <a:off x="1965158" y="666692"/>
-            <a:ext cx="2682145" cy="400110"/>
+            <a:off x="1041400" y="666692"/>
+            <a:ext cx="4546600" cy="5507683"/>
+            <a:chOff x="1041400" y="666692"/>
+            <a:chExt cx="4546600" cy="5507683"/>
           </a:xfrm>
-          <a:prstGeom prst="rect">
-            <a:avLst/>
-          </a:prstGeom>
-          <a:noFill/>
-        </p:spPr>
-        <p:txBody>
-          <a:bodyPr wrap="square" rtlCol="0">
-            <a:spAutoFit/>
-          </a:bodyPr>
-          <a:lstStyle/>
-          <a:p>
-            <a:r>
-              <a:rPr lang="en-US" altLang="ko-KR" sz="2000" dirty="0" err="1">
+        </p:grpSpPr>
+        <p:sp>
+          <p:nvSpPr>
+            <p:cNvPr id="4" name="사각형: 둥근 모서리 3">
+              <a:extLst>
+                <a:ext uri="{FF2B5EF4-FFF2-40B4-BE49-F238E27FC236}">
+                  <a16:creationId xmlns:a16="http://schemas.microsoft.com/office/drawing/2014/main" id="{F0CBA55F-3D78-0E96-3D06-8A2C005AF3B9}"/>
+                </a:ext>
+              </a:extLst>
+            </p:cNvPr>
+            <p:cNvSpPr/>
+            <p:nvPr/>
+          </p:nvSpPr>
+          <p:spPr>
+            <a:xfrm>
+              <a:off x="1041400" y="1083735"/>
+              <a:ext cx="4546600" cy="5090640"/>
+            </a:xfrm>
+            <a:prstGeom prst="roundRect">
+              <a:avLst/>
+            </a:prstGeom>
+            <a:solidFill>
+              <a:srgbClr val="599BB1"/>
+            </a:solidFill>
+            <a:ln>
+              <a:noFill/>
+            </a:ln>
+          </p:spPr>
+          <p:style>
+            <a:lnRef idx="2">
+              <a:schemeClr val="accent1">
+                <a:shade val="15000"/>
+              </a:schemeClr>
+            </a:lnRef>
+            <a:fillRef idx="1">
+              <a:schemeClr val="accent1"/>
+            </a:fillRef>
+            <a:effectRef idx="0">
+              <a:schemeClr val="accent1"/>
+            </a:effectRef>
+            <a:fontRef idx="minor">
+              <a:schemeClr val="lt1"/>
+            </a:fontRef>
+          </p:style>
+          <p:txBody>
+            <a:bodyPr rtlCol="0" anchor="ctr"/>
+            <a:lstStyle/>
+            <a:p>
+              <a:pPr algn="ctr"/>
+              <a:endParaRPr lang="ko-KR" altLang="en-US"/>
+            </a:p>
+          </p:txBody>
+        </p:sp>
+        <p:sp>
+          <p:nvSpPr>
+            <p:cNvPr id="5" name="TextBox 4">
+              <a:extLst>
+                <a:ext uri="{FF2B5EF4-FFF2-40B4-BE49-F238E27FC236}">
+                  <a16:creationId xmlns:a16="http://schemas.microsoft.com/office/drawing/2014/main" id="{4651D5F3-CF50-CACA-8055-F1F8AC5D6241}"/>
+                </a:ext>
+              </a:extLst>
+            </p:cNvPr>
+            <p:cNvSpPr txBox="1"/>
+            <p:nvPr/>
+          </p:nvSpPr>
+          <p:spPr>
+            <a:xfrm>
+              <a:off x="1965158" y="666692"/>
+              <a:ext cx="2682145" cy="400110"/>
+            </a:xfrm>
+            <a:prstGeom prst="rect">
+              <a:avLst/>
+            </a:prstGeom>
+            <a:noFill/>
+          </p:spPr>
+          <p:txBody>
+            <a:bodyPr wrap="square" rtlCol="0">
+              <a:spAutoFit/>
+            </a:bodyPr>
+            <a:lstStyle/>
+            <a:p>
+              <a:r>
+                <a:rPr lang="en-US" altLang="ko-KR" sz="2000" dirty="0" err="1">
+                  <a:latin typeface="Helvetica LT Std Black" panose="020B0904030502020204" pitchFamily="34" charset="0"/>
+                </a:rPr>
+                <a:t>vendingmachine</a:t>
+              </a:r>
+              <a:r>
+                <a:rPr lang="en-US" altLang="ko-KR" sz="2000" dirty="0">
+                  <a:latin typeface="Helvetica LT Std Black" panose="020B0904030502020204" pitchFamily="34" charset="0"/>
+                </a:rPr>
+                <a:t>()</a:t>
+              </a:r>
+              <a:endParaRPr lang="ko-KR" altLang="en-US" sz="2000" dirty="0">
                 <a:latin typeface="Helvetica LT Std Black" panose="020B0904030502020204" pitchFamily="34" charset="0"/>
-              </a:rPr>
-              <a:t>vendingmachine</a:t>
-            </a:r>
-            <a:r>
-              <a:rPr lang="en-US" altLang="ko-KR" sz="2000" dirty="0">
-                <a:latin typeface="Helvetica LT Std Black" panose="020B0904030502020204" pitchFamily="34" charset="0"/>
-              </a:rPr>
-              <a:t>()</a:t>
-            </a:r>
-            <a:endParaRPr lang="ko-KR" altLang="en-US" sz="2000" dirty="0">
-              <a:latin typeface="Helvetica LT Std Black" panose="020B0904030502020204" pitchFamily="34" charset="0"/>
-            </a:endParaRPr>
-          </a:p>
-        </p:txBody>
-      </p:sp>
-      <p:sp>
-        <p:nvSpPr>
-          <p:cNvPr id="7" name="사각형: 둥근 모서리 6">
-            <a:extLst>
-              <a:ext uri="{FF2B5EF4-FFF2-40B4-BE49-F238E27FC236}">
-                <a16:creationId xmlns:a16="http://schemas.microsoft.com/office/drawing/2014/main" id="{62D938A7-7255-CA23-1424-1000C7ABA793}"/>
-              </a:ext>
-            </a:extLst>
-          </p:cNvPr>
-          <p:cNvSpPr/>
-          <p:nvPr/>
-        </p:nvSpPr>
-        <p:spPr>
-          <a:xfrm>
-            <a:off x="2417233" y="1386357"/>
-            <a:ext cx="1794933" cy="762000"/>
-          </a:xfrm>
-          <a:prstGeom prst="roundRect">
-            <a:avLst/>
-          </a:prstGeom>
-          <a:solidFill>
-            <a:srgbClr val="B6D2DC"/>
-          </a:solidFill>
-          <a:ln>
-            <a:noFill/>
-          </a:ln>
-        </p:spPr>
-        <p:style>
-          <a:lnRef idx="2">
-            <a:schemeClr val="accent1">
-              <a:shade val="15000"/>
-            </a:schemeClr>
-          </a:lnRef>
-          <a:fillRef idx="1">
-            <a:schemeClr val="accent1"/>
-          </a:fillRef>
-          <a:effectRef idx="0">
-            <a:schemeClr val="accent1"/>
-          </a:effectRef>
-          <a:fontRef idx="minor">
-            <a:schemeClr val="lt1"/>
-          </a:fontRef>
-        </p:style>
-        <p:txBody>
-          <a:bodyPr rtlCol="0" anchor="ctr"/>
-          <a:lstStyle/>
-          <a:p>
-            <a:pPr algn="ctr"/>
-            <a:r>
-              <a:rPr lang="en-US" altLang="ko-KR" dirty="0" err="1">
+              </a:endParaRPr>
+            </a:p>
+          </p:txBody>
+        </p:sp>
+        <p:sp>
+          <p:nvSpPr>
+            <p:cNvPr id="7" name="사각형: 둥근 모서리 6">
+              <a:extLst>
+                <a:ext uri="{FF2B5EF4-FFF2-40B4-BE49-F238E27FC236}">
+                  <a16:creationId xmlns:a16="http://schemas.microsoft.com/office/drawing/2014/main" id="{62D938A7-7255-CA23-1424-1000C7ABA793}"/>
+                </a:ext>
+              </a:extLst>
+            </p:cNvPr>
+            <p:cNvSpPr/>
+            <p:nvPr/>
+          </p:nvSpPr>
+          <p:spPr>
+            <a:xfrm>
+              <a:off x="2417233" y="1386357"/>
+              <a:ext cx="1794933" cy="762000"/>
+            </a:xfrm>
+            <a:prstGeom prst="roundRect">
+              <a:avLst/>
+            </a:prstGeom>
+            <a:solidFill>
+              <a:srgbClr val="B6D2DC"/>
+            </a:solidFill>
+            <a:ln>
+              <a:noFill/>
+            </a:ln>
+          </p:spPr>
+          <p:style>
+            <a:lnRef idx="2">
+              <a:schemeClr val="accent1">
+                <a:shade val="15000"/>
+              </a:schemeClr>
+            </a:lnRef>
+            <a:fillRef idx="1">
+              <a:schemeClr val="accent1"/>
+            </a:fillRef>
+            <a:effectRef idx="0">
+              <a:schemeClr val="accent1"/>
+            </a:effectRef>
+            <a:fontRef idx="minor">
+              <a:schemeClr val="lt1"/>
+            </a:fontRef>
+          </p:style>
+          <p:txBody>
+            <a:bodyPr rtlCol="0" anchor="ctr"/>
+            <a:lstStyle/>
+            <a:p>
+              <a:pPr algn="ctr"/>
+              <a:r>
+                <a:rPr lang="en-US" altLang="ko-KR" dirty="0" err="1">
+                  <a:solidFill>
+                    <a:schemeClr val="tx1"/>
+                  </a:solidFill>
+                  <a:latin typeface="Helvetica LT Std Black" panose="020B0904030502020204" pitchFamily="34" charset="0"/>
+                </a:rPr>
+                <a:t>print_menu</a:t>
+              </a:r>
+              <a:r>
+                <a:rPr lang="en-US" altLang="ko-KR" dirty="0">
+                  <a:solidFill>
+                    <a:schemeClr val="tx1"/>
+                  </a:solidFill>
+                  <a:latin typeface="Helvetica LT Std Black" panose="020B0904030502020204" pitchFamily="34" charset="0"/>
+                </a:rPr>
+                <a:t>()</a:t>
+              </a:r>
+              <a:endParaRPr lang="ko-KR" altLang="en-US" dirty="0">
                 <a:solidFill>
                   <a:schemeClr val="tx1"/>
                 </a:solidFill>
                 <a:latin typeface="Helvetica LT Std Black" panose="020B0904030502020204" pitchFamily="34" charset="0"/>
-              </a:rPr>
-              <a:t>print_menu</a:t>
-            </a:r>
-            <a:r>
-              <a:rPr lang="en-US" altLang="ko-KR" dirty="0">
+              </a:endParaRPr>
+            </a:p>
+          </p:txBody>
+        </p:sp>
+        <p:sp>
+          <p:nvSpPr>
+            <p:cNvPr id="8" name="사각형: 둥근 모서리 7">
+              <a:extLst>
+                <a:ext uri="{FF2B5EF4-FFF2-40B4-BE49-F238E27FC236}">
+                  <a16:creationId xmlns:a16="http://schemas.microsoft.com/office/drawing/2014/main" id="{A33F57D0-ABE3-343F-A922-A460960EB5C0}"/>
+                </a:ext>
+              </a:extLst>
+            </p:cNvPr>
+            <p:cNvSpPr/>
+            <p:nvPr/>
+          </p:nvSpPr>
+          <p:spPr>
+            <a:xfrm>
+              <a:off x="1902882" y="2450979"/>
+              <a:ext cx="2823636" cy="762000"/>
+            </a:xfrm>
+            <a:prstGeom prst="roundRect">
+              <a:avLst/>
+            </a:prstGeom>
+            <a:solidFill>
+              <a:srgbClr val="B6D2DC"/>
+            </a:solidFill>
+            <a:ln>
+              <a:noFill/>
+            </a:ln>
+          </p:spPr>
+          <p:style>
+            <a:lnRef idx="2">
+              <a:schemeClr val="accent1">
+                <a:shade val="15000"/>
+              </a:schemeClr>
+            </a:lnRef>
+            <a:fillRef idx="1">
+              <a:schemeClr val="accent1"/>
+            </a:fillRef>
+            <a:effectRef idx="0">
+              <a:schemeClr val="accent1"/>
+            </a:effectRef>
+            <a:fontRef idx="minor">
+              <a:schemeClr val="lt1"/>
+            </a:fontRef>
+          </p:style>
+          <p:txBody>
+            <a:bodyPr rtlCol="0" anchor="ctr"/>
+            <a:lstStyle/>
+            <a:p>
+              <a:pPr algn="ctr"/>
+              <a:r>
+                <a:rPr lang="en-US" altLang="ko-KR" dirty="0" err="1">
+                  <a:solidFill>
+                    <a:schemeClr val="tx1"/>
+                  </a:solidFill>
+                  <a:latin typeface="Helvetica LT Std Black" panose="020B0904030502020204" pitchFamily="34" charset="0"/>
+                </a:rPr>
+                <a:t>insert_cash</a:t>
+              </a:r>
+              <a:r>
+                <a:rPr lang="en-US" altLang="ko-KR" dirty="0">
+                  <a:solidFill>
+                    <a:schemeClr val="tx1"/>
+                  </a:solidFill>
+                  <a:latin typeface="Helvetica LT Std Black" panose="020B0904030502020204" pitchFamily="34" charset="0"/>
+                </a:rPr>
+                <a:t>(money)</a:t>
+              </a:r>
+              <a:endParaRPr lang="ko-KR" altLang="en-US" dirty="0">
                 <a:solidFill>
                   <a:schemeClr val="tx1"/>
                 </a:solidFill>
                 <a:latin typeface="Helvetica LT Std Black" panose="020B0904030502020204" pitchFamily="34" charset="0"/>
-              </a:rPr>
-              <a:t>()</a:t>
-            </a:r>
-            <a:endParaRPr lang="ko-KR" altLang="en-US" dirty="0">
-              <a:solidFill>
-                <a:schemeClr val="tx1"/>
-              </a:solidFill>
-              <a:latin typeface="Helvetica LT Std Black" panose="020B0904030502020204" pitchFamily="34" charset="0"/>
-            </a:endParaRPr>
-          </a:p>
-        </p:txBody>
-      </p:sp>
-      <p:sp>
-        <p:nvSpPr>
-          <p:cNvPr id="8" name="사각형: 둥근 모서리 7">
+              </a:endParaRPr>
+            </a:p>
+          </p:txBody>
+        </p:sp>
+        <p:sp>
+          <p:nvSpPr>
+            <p:cNvPr id="9" name="다이아몬드 8">
+              <a:extLst>
+                <a:ext uri="{FF2B5EF4-FFF2-40B4-BE49-F238E27FC236}">
+                  <a16:creationId xmlns:a16="http://schemas.microsoft.com/office/drawing/2014/main" id="{278BE1F2-B523-A869-6C9B-C0F7B818FF73}"/>
+                </a:ext>
+              </a:extLst>
+            </p:cNvPr>
+            <p:cNvSpPr/>
+            <p:nvPr/>
+          </p:nvSpPr>
+          <p:spPr>
+            <a:xfrm>
+              <a:off x="1636628" y="3608430"/>
+              <a:ext cx="3356141" cy="999066"/>
+            </a:xfrm>
+            <a:prstGeom prst="diamond">
+              <a:avLst/>
+            </a:prstGeom>
+            <a:solidFill>
+              <a:srgbClr val="97C8CD"/>
+            </a:solidFill>
+            <a:ln>
+              <a:noFill/>
+            </a:ln>
+          </p:spPr>
+          <p:style>
+            <a:lnRef idx="2">
+              <a:schemeClr val="accent1">
+                <a:shade val="15000"/>
+              </a:schemeClr>
+            </a:lnRef>
+            <a:fillRef idx="1">
+              <a:schemeClr val="accent1"/>
+            </a:fillRef>
+            <a:effectRef idx="0">
+              <a:schemeClr val="accent1"/>
+            </a:effectRef>
+            <a:fontRef idx="minor">
+              <a:schemeClr val="lt1"/>
+            </a:fontRef>
+          </p:style>
+          <p:txBody>
+            <a:bodyPr rtlCol="0" anchor="ctr"/>
+            <a:lstStyle/>
+            <a:p>
+              <a:pPr algn="ctr"/>
+              <a:r>
+                <a:rPr lang="en-US" altLang="ko-KR" dirty="0">
+                  <a:solidFill>
+                    <a:schemeClr val="tx1"/>
+                  </a:solidFill>
+                  <a:latin typeface="HelveticaNeueLT Com 53 Ex" panose="020B0605020202020204" pitchFamily="34" charset="0"/>
+                </a:rPr>
+                <a:t>Continue transaction?</a:t>
+              </a:r>
+              <a:endParaRPr lang="ko-KR" altLang="en-US" dirty="0">
+                <a:solidFill>
+                  <a:schemeClr val="tx1"/>
+                </a:solidFill>
+                <a:latin typeface="HelveticaNeueLT Com 53 Ex" panose="020B0605020202020204" pitchFamily="34" charset="0"/>
+              </a:endParaRPr>
+            </a:p>
+          </p:txBody>
+        </p:sp>
+        <p:sp>
+          <p:nvSpPr>
+            <p:cNvPr id="10" name="사각형: 둥근 모서리 9">
+              <a:extLst>
+                <a:ext uri="{FF2B5EF4-FFF2-40B4-BE49-F238E27FC236}">
+                  <a16:creationId xmlns:a16="http://schemas.microsoft.com/office/drawing/2014/main" id="{594B8692-E0C9-E0AE-8C1D-85D8FABF5D23}"/>
+                </a:ext>
+              </a:extLst>
+            </p:cNvPr>
+            <p:cNvSpPr/>
+            <p:nvPr/>
+          </p:nvSpPr>
+          <p:spPr>
+            <a:xfrm>
+              <a:off x="1902882" y="5012265"/>
+              <a:ext cx="2823636" cy="762000"/>
+            </a:xfrm>
+            <a:prstGeom prst="roundRect">
+              <a:avLst/>
+            </a:prstGeom>
+            <a:solidFill>
+              <a:srgbClr val="B6D2DC"/>
+            </a:solidFill>
+            <a:ln>
+              <a:noFill/>
+            </a:ln>
+          </p:spPr>
+          <p:style>
+            <a:lnRef idx="2">
+              <a:schemeClr val="accent1">
+                <a:shade val="15000"/>
+              </a:schemeClr>
+            </a:lnRef>
+            <a:fillRef idx="1">
+              <a:schemeClr val="accent1"/>
+            </a:fillRef>
+            <a:effectRef idx="0">
+              <a:schemeClr val="accent1"/>
+            </a:effectRef>
+            <a:fontRef idx="minor">
+              <a:schemeClr val="lt1"/>
+            </a:fontRef>
+          </p:style>
+          <p:txBody>
+            <a:bodyPr rtlCol="0" anchor="ctr"/>
+            <a:lstStyle/>
+            <a:p>
+              <a:pPr algn="ctr"/>
+              <a:r>
+                <a:rPr lang="en-US" altLang="ko-KR" dirty="0">
+                  <a:solidFill>
+                    <a:schemeClr val="tx1"/>
+                  </a:solidFill>
+                  <a:latin typeface="HelveticaNeueLT Com 53 Ex" panose="020B0605020202020204" pitchFamily="34" charset="0"/>
+                </a:rPr>
+                <a:t>“End Transaction,</a:t>
+              </a:r>
+            </a:p>
+            <a:p>
+              <a:pPr algn="ctr"/>
+              <a:r>
+                <a:rPr lang="en-US" altLang="ko-KR" dirty="0">
+                  <a:solidFill>
+                    <a:schemeClr val="tx1"/>
+                  </a:solidFill>
+                  <a:latin typeface="HelveticaNeueLT Com 53 Ex" panose="020B0605020202020204" pitchFamily="34" charset="0"/>
+                </a:rPr>
+                <a:t>Return Change”</a:t>
+              </a:r>
+              <a:endParaRPr lang="ko-KR" altLang="en-US" dirty="0">
+                <a:solidFill>
+                  <a:schemeClr val="tx1"/>
+                </a:solidFill>
+                <a:latin typeface="HelveticaNeueLT Com 53 Ex" panose="020B0605020202020204" pitchFamily="34" charset="0"/>
+              </a:endParaRPr>
+            </a:p>
+          </p:txBody>
+        </p:sp>
+        <p:cxnSp>
+          <p:nvCxnSpPr>
+            <p:cNvPr id="12" name="직선 화살표 연결선 11">
+              <a:extLst>
+                <a:ext uri="{FF2B5EF4-FFF2-40B4-BE49-F238E27FC236}">
+                  <a16:creationId xmlns:a16="http://schemas.microsoft.com/office/drawing/2014/main" id="{4FECF96C-046F-24BC-950B-FCBCA4A20592}"/>
+                </a:ext>
+              </a:extLst>
+            </p:cNvPr>
+            <p:cNvCxnSpPr>
+              <a:cxnSpLocks/>
+              <a:stCxn id="8" idx="2"/>
+              <a:endCxn id="9" idx="0"/>
+            </p:cNvCxnSpPr>
+            <p:nvPr/>
+          </p:nvCxnSpPr>
+          <p:spPr>
+            <a:xfrm flipH="1">
+              <a:off x="3314699" y="3212979"/>
+              <a:ext cx="1" cy="395451"/>
+            </a:xfrm>
+            <a:prstGeom prst="straightConnector1">
+              <a:avLst/>
+            </a:prstGeom>
+            <a:ln>
+              <a:tailEnd type="triangle"/>
+            </a:ln>
+          </p:spPr>
+          <p:style>
+            <a:lnRef idx="1">
+              <a:schemeClr val="dk1"/>
+            </a:lnRef>
+            <a:fillRef idx="0">
+              <a:schemeClr val="dk1"/>
+            </a:fillRef>
+            <a:effectRef idx="0">
+              <a:schemeClr val="dk1"/>
+            </a:effectRef>
+            <a:fontRef idx="minor">
+              <a:schemeClr val="tx1"/>
+            </a:fontRef>
+          </p:style>
+        </p:cxnSp>
+        <p:cxnSp>
+          <p:nvCxnSpPr>
+            <p:cNvPr id="18" name="직선 화살표 연결선 17">
+              <a:extLst>
+                <a:ext uri="{FF2B5EF4-FFF2-40B4-BE49-F238E27FC236}">
+                  <a16:creationId xmlns:a16="http://schemas.microsoft.com/office/drawing/2014/main" id="{19CFD8B2-D3D7-9D75-6F08-A7686206BEA5}"/>
+                </a:ext>
+              </a:extLst>
+            </p:cNvPr>
+            <p:cNvCxnSpPr>
+              <a:cxnSpLocks/>
+              <a:stCxn id="9" idx="2"/>
+              <a:endCxn id="10" idx="0"/>
+            </p:cNvCxnSpPr>
+            <p:nvPr/>
+          </p:nvCxnSpPr>
+          <p:spPr>
+            <a:xfrm>
+              <a:off x="3314699" y="4607496"/>
+              <a:ext cx="1" cy="404769"/>
+            </a:xfrm>
+            <a:prstGeom prst="straightConnector1">
+              <a:avLst/>
+            </a:prstGeom>
+            <a:ln>
+              <a:tailEnd type="triangle"/>
+            </a:ln>
+          </p:spPr>
+          <p:style>
+            <a:lnRef idx="1">
+              <a:schemeClr val="dk1"/>
+            </a:lnRef>
+            <a:fillRef idx="0">
+              <a:schemeClr val="dk1"/>
+            </a:fillRef>
+            <a:effectRef idx="0">
+              <a:schemeClr val="dk1"/>
+            </a:effectRef>
+            <a:fontRef idx="minor">
+              <a:schemeClr val="tx1"/>
+            </a:fontRef>
+          </p:style>
+        </p:cxnSp>
+        <p:cxnSp>
+          <p:nvCxnSpPr>
+            <p:cNvPr id="23" name="직선 화살표 연결선 22">
+              <a:extLst>
+                <a:ext uri="{FF2B5EF4-FFF2-40B4-BE49-F238E27FC236}">
+                  <a16:creationId xmlns:a16="http://schemas.microsoft.com/office/drawing/2014/main" id="{3F9DC0CB-6CC3-5745-C4F9-6999DEE0DF9F}"/>
+                </a:ext>
+              </a:extLst>
+            </p:cNvPr>
+            <p:cNvCxnSpPr>
+              <a:cxnSpLocks/>
+              <a:stCxn id="7" idx="2"/>
+              <a:endCxn id="8" idx="0"/>
+            </p:cNvCxnSpPr>
+            <p:nvPr/>
+          </p:nvCxnSpPr>
+          <p:spPr>
+            <a:xfrm>
+              <a:off x="3314700" y="2148357"/>
+              <a:ext cx="0" cy="302622"/>
+            </a:xfrm>
+            <a:prstGeom prst="straightConnector1">
+              <a:avLst/>
+            </a:prstGeom>
+            <a:ln>
+              <a:tailEnd type="triangle"/>
+            </a:ln>
+          </p:spPr>
+          <p:style>
+            <a:lnRef idx="1">
+              <a:schemeClr val="dk1"/>
+            </a:lnRef>
+            <a:fillRef idx="0">
+              <a:schemeClr val="dk1"/>
+            </a:fillRef>
+            <a:effectRef idx="0">
+              <a:schemeClr val="dk1"/>
+            </a:effectRef>
+            <a:fontRef idx="minor">
+              <a:schemeClr val="tx1"/>
+            </a:fontRef>
+          </p:style>
+        </p:cxnSp>
+        <p:cxnSp>
+          <p:nvCxnSpPr>
+            <p:cNvPr id="27" name="연결선: 꺾임 26">
+              <a:extLst>
+                <a:ext uri="{FF2B5EF4-FFF2-40B4-BE49-F238E27FC236}">
+                  <a16:creationId xmlns:a16="http://schemas.microsoft.com/office/drawing/2014/main" id="{B75D2DFC-3B8F-C042-E138-5D9914891EBC}"/>
+                </a:ext>
+              </a:extLst>
+            </p:cNvPr>
+            <p:cNvCxnSpPr>
+              <a:cxnSpLocks/>
+              <a:stCxn id="9" idx="3"/>
+              <a:endCxn id="7" idx="3"/>
+            </p:cNvCxnSpPr>
+            <p:nvPr/>
+          </p:nvCxnSpPr>
+          <p:spPr>
+            <a:xfrm flipH="1" flipV="1">
+              <a:off x="4212166" y="1767357"/>
+              <a:ext cx="780603" cy="2340606"/>
+            </a:xfrm>
+            <a:prstGeom prst="bentConnector3">
+              <a:avLst>
+                <a:gd name="adj1" fmla="val -29285"/>
+              </a:avLst>
+            </a:prstGeom>
+            <a:ln>
+              <a:tailEnd type="triangle"/>
+            </a:ln>
+          </p:spPr>
+          <p:style>
+            <a:lnRef idx="1">
+              <a:schemeClr val="dk1"/>
+            </a:lnRef>
+            <a:fillRef idx="0">
+              <a:schemeClr val="dk1"/>
+            </a:fillRef>
+            <a:effectRef idx="0">
+              <a:schemeClr val="dk1"/>
+            </a:effectRef>
+            <a:fontRef idx="minor">
+              <a:schemeClr val="tx1"/>
+            </a:fontRef>
+          </p:style>
+        </p:cxnSp>
+        <p:sp>
+          <p:nvSpPr>
+            <p:cNvPr id="61" name="TextBox 60">
+              <a:extLst>
+                <a:ext uri="{FF2B5EF4-FFF2-40B4-BE49-F238E27FC236}">
+                  <a16:creationId xmlns:a16="http://schemas.microsoft.com/office/drawing/2014/main" id="{B4BFDB12-AF8B-15CB-A343-CDB5A7AE766B}"/>
+                </a:ext>
+              </a:extLst>
+            </p:cNvPr>
+            <p:cNvSpPr txBox="1"/>
+            <p:nvPr/>
+          </p:nvSpPr>
+          <p:spPr>
+            <a:xfrm>
+              <a:off x="3306230" y="4602922"/>
+              <a:ext cx="462114" cy="369332"/>
+            </a:xfrm>
+            <a:prstGeom prst="rect">
+              <a:avLst/>
+            </a:prstGeom>
+            <a:noFill/>
+          </p:spPr>
+          <p:txBody>
+            <a:bodyPr wrap="none" rtlCol="0">
+              <a:spAutoFit/>
+            </a:bodyPr>
+            <a:lstStyle/>
+            <a:p>
+              <a:r>
+                <a:rPr lang="en-US" altLang="ko-KR" dirty="0">
+                  <a:latin typeface="HelveticaNeueLT Com 47 LtCn" panose="020B0406020202030204" pitchFamily="34" charset="0"/>
+                </a:rPr>
+                <a:t>Yes</a:t>
+              </a:r>
+              <a:endParaRPr lang="ko-KR" altLang="en-US" dirty="0">
+                <a:latin typeface="HelveticaNeueLT Com 47 LtCn" panose="020B0406020202030204" pitchFamily="34" charset="0"/>
+              </a:endParaRPr>
+            </a:p>
+          </p:txBody>
+        </p:sp>
+        <p:sp>
+          <p:nvSpPr>
+            <p:cNvPr id="62" name="TextBox 61">
+              <a:extLst>
+                <a:ext uri="{FF2B5EF4-FFF2-40B4-BE49-F238E27FC236}">
+                  <a16:creationId xmlns:a16="http://schemas.microsoft.com/office/drawing/2014/main" id="{EC8A9F00-A235-EBB1-B953-1AADA1B2A915}"/>
+                </a:ext>
+              </a:extLst>
+            </p:cNvPr>
+            <p:cNvSpPr txBox="1"/>
+            <p:nvPr/>
+          </p:nvSpPr>
+          <p:spPr>
+            <a:xfrm>
+              <a:off x="5165838" y="2626688"/>
+              <a:ext cx="405880" cy="369332"/>
+            </a:xfrm>
+            <a:prstGeom prst="rect">
+              <a:avLst/>
+            </a:prstGeom>
+            <a:noFill/>
+          </p:spPr>
+          <p:txBody>
+            <a:bodyPr wrap="none" rtlCol="0">
+              <a:spAutoFit/>
+            </a:bodyPr>
+            <a:lstStyle/>
+            <a:p>
+              <a:r>
+                <a:rPr lang="en-US" altLang="ko-KR" dirty="0">
+                  <a:latin typeface="HelveticaNeueLT Com 47 LtCn" panose="020B0406020202030204" pitchFamily="34" charset="0"/>
+                </a:rPr>
+                <a:t>No</a:t>
+              </a:r>
+              <a:endParaRPr lang="ko-KR" altLang="en-US" dirty="0">
+                <a:latin typeface="HelveticaNeueLT Com 47 LtCn" panose="020B0406020202030204" pitchFamily="34" charset="0"/>
+              </a:endParaRPr>
+            </a:p>
+          </p:txBody>
+        </p:sp>
+      </p:grpSp>
+      <p:grpSp>
+        <p:nvGrpSpPr>
+          <p:cNvPr id="17" name="그룹 16">
             <a:extLst>
               <a:ext uri="{FF2B5EF4-FFF2-40B4-BE49-F238E27FC236}">
-                <a16:creationId xmlns:a16="http://schemas.microsoft.com/office/drawing/2014/main" id="{A33F57D0-ABE3-343F-A922-A460960EB5C0}"/>
+                <a16:creationId xmlns:a16="http://schemas.microsoft.com/office/drawing/2014/main" id="{922B600E-9432-F083-B2DB-A8695E761520}"/>
               </a:ext>
             </a:extLst>
           </p:cNvPr>
-          <p:cNvSpPr/>
+          <p:cNvGrpSpPr/>
           <p:nvPr/>
-        </p:nvSpPr>
-        <p:spPr>
+        </p:nvGrpSpPr>
+        <p:grpSpPr>
           <a:xfrm>
-            <a:off x="1902882" y="2450979"/>
-            <a:ext cx="2823636" cy="762000"/>
+            <a:off x="6253344" y="-3740326"/>
+            <a:ext cx="6008772" cy="5507683"/>
+            <a:chOff x="6253344" y="-3740326"/>
+            <a:chExt cx="6008772" cy="5507683"/>
           </a:xfrm>
-          <a:prstGeom prst="roundRect">
-            <a:avLst/>
-          </a:prstGeom>
-          <a:solidFill>
-            <a:srgbClr val="B6D2DC"/>
-          </a:solidFill>
-          <a:ln>
-            <a:noFill/>
-          </a:ln>
-        </p:spPr>
-        <p:style>
-          <a:lnRef idx="2">
-            <a:schemeClr val="accent1">
-              <a:shade val="15000"/>
-            </a:schemeClr>
-          </a:lnRef>
-          <a:fillRef idx="1">
-            <a:schemeClr val="accent1"/>
-          </a:fillRef>
-          <a:effectRef idx="0">
-            <a:schemeClr val="accent1"/>
-          </a:effectRef>
-          <a:fontRef idx="minor">
-            <a:schemeClr val="lt1"/>
-          </a:fontRef>
-        </p:style>
-        <p:txBody>
-          <a:bodyPr rtlCol="0" anchor="ctr"/>
-          <a:lstStyle/>
-          <a:p>
-            <a:pPr algn="ctr"/>
-            <a:r>
-              <a:rPr lang="en-US" altLang="ko-KR" dirty="0" err="1">
+        </p:grpSpPr>
+        <p:sp>
+          <p:nvSpPr>
+            <p:cNvPr id="63" name="사각형: 둥근 모서리 62">
+              <a:extLst>
+                <a:ext uri="{FF2B5EF4-FFF2-40B4-BE49-F238E27FC236}">
+                  <a16:creationId xmlns:a16="http://schemas.microsoft.com/office/drawing/2014/main" id="{5159F124-A5C3-01B5-30C4-62392CECBFB3}"/>
+                </a:ext>
+              </a:extLst>
+            </p:cNvPr>
+            <p:cNvSpPr/>
+            <p:nvPr/>
+          </p:nvSpPr>
+          <p:spPr>
+            <a:xfrm>
+              <a:off x="6253344" y="-3323283"/>
+              <a:ext cx="6008772" cy="5090640"/>
+            </a:xfrm>
+            <a:prstGeom prst="roundRect">
+              <a:avLst/>
+            </a:prstGeom>
+            <a:solidFill>
+              <a:srgbClr val="599BB1"/>
+            </a:solidFill>
+            <a:ln>
+              <a:noFill/>
+            </a:ln>
+          </p:spPr>
+          <p:style>
+            <a:lnRef idx="2">
+              <a:schemeClr val="accent1">
+                <a:shade val="15000"/>
+              </a:schemeClr>
+            </a:lnRef>
+            <a:fillRef idx="1">
+              <a:schemeClr val="accent1"/>
+            </a:fillRef>
+            <a:effectRef idx="0">
+              <a:schemeClr val="accent1"/>
+            </a:effectRef>
+            <a:fontRef idx="minor">
+              <a:schemeClr val="lt1"/>
+            </a:fontRef>
+          </p:style>
+          <p:txBody>
+            <a:bodyPr rtlCol="0" anchor="ctr"/>
+            <a:lstStyle/>
+            <a:p>
+              <a:pPr algn="ctr"/>
+              <a:endParaRPr lang="ko-KR" altLang="en-US"/>
+            </a:p>
+          </p:txBody>
+        </p:sp>
+        <p:sp>
+          <p:nvSpPr>
+            <p:cNvPr id="67" name="다이아몬드 66">
+              <a:extLst>
+                <a:ext uri="{FF2B5EF4-FFF2-40B4-BE49-F238E27FC236}">
+                  <a16:creationId xmlns:a16="http://schemas.microsoft.com/office/drawing/2014/main" id="{29FCA938-ACD4-D8F5-536A-4A1845D4D6E3}"/>
+                </a:ext>
+              </a:extLst>
+            </p:cNvPr>
+            <p:cNvSpPr/>
+            <p:nvPr/>
+          </p:nvSpPr>
+          <p:spPr>
+            <a:xfrm>
+              <a:off x="6694133" y="-2902003"/>
+              <a:ext cx="3014466" cy="999066"/>
+            </a:xfrm>
+            <a:prstGeom prst="diamond">
+              <a:avLst/>
+            </a:prstGeom>
+            <a:solidFill>
+              <a:srgbClr val="97C8CD"/>
+            </a:solidFill>
+            <a:ln>
+              <a:noFill/>
+            </a:ln>
+          </p:spPr>
+          <p:style>
+            <a:lnRef idx="2">
+              <a:schemeClr val="accent1">
+                <a:shade val="15000"/>
+              </a:schemeClr>
+            </a:lnRef>
+            <a:fillRef idx="1">
+              <a:schemeClr val="accent1"/>
+            </a:fillRef>
+            <a:effectRef idx="0">
+              <a:schemeClr val="accent1"/>
+            </a:effectRef>
+            <a:fontRef idx="minor">
+              <a:schemeClr val="lt1"/>
+            </a:fontRef>
+          </p:style>
+          <p:txBody>
+            <a:bodyPr rtlCol="0" anchor="ctr"/>
+            <a:lstStyle/>
+            <a:p>
+              <a:pPr algn="ctr"/>
+              <a:r>
+                <a:rPr lang="en-US" altLang="ko-KR" dirty="0">
+                  <a:solidFill>
+                    <a:schemeClr val="tx1"/>
+                  </a:solidFill>
+                  <a:latin typeface="HelveticaNeueLT Com 53 Ex" panose="020B0605020202020204" pitchFamily="34" charset="0"/>
+                </a:rPr>
+                <a:t>money ≥ 0</a:t>
+              </a:r>
+              <a:endParaRPr lang="ko-KR" altLang="en-US" dirty="0">
+                <a:solidFill>
+                  <a:schemeClr val="tx1"/>
+                </a:solidFill>
+                <a:latin typeface="HelveticaNeueLT Com 53 Ex" panose="020B0605020202020204" pitchFamily="34" charset="0"/>
+              </a:endParaRPr>
+            </a:p>
+          </p:txBody>
+        </p:sp>
+        <p:sp>
+          <p:nvSpPr>
+            <p:cNvPr id="68" name="사각형: 둥근 모서리 67">
+              <a:extLst>
+                <a:ext uri="{FF2B5EF4-FFF2-40B4-BE49-F238E27FC236}">
+                  <a16:creationId xmlns:a16="http://schemas.microsoft.com/office/drawing/2014/main" id="{62D53E42-3FB3-7BD8-0654-7507D445999D}"/>
+                </a:ext>
+              </a:extLst>
+            </p:cNvPr>
+            <p:cNvSpPr/>
+            <p:nvPr/>
+          </p:nvSpPr>
+          <p:spPr>
+            <a:xfrm>
+              <a:off x="6777628" y="445986"/>
+              <a:ext cx="2823636" cy="762000"/>
+            </a:xfrm>
+            <a:prstGeom prst="roundRect">
+              <a:avLst/>
+            </a:prstGeom>
+            <a:solidFill>
+              <a:srgbClr val="B6D2DC"/>
+            </a:solidFill>
+            <a:ln>
+              <a:noFill/>
+            </a:ln>
+          </p:spPr>
+          <p:style>
+            <a:lnRef idx="2">
+              <a:schemeClr val="accent1">
+                <a:shade val="15000"/>
+              </a:schemeClr>
+            </a:lnRef>
+            <a:fillRef idx="1">
+              <a:schemeClr val="accent1"/>
+            </a:fillRef>
+            <a:effectRef idx="0">
+              <a:schemeClr val="accent1"/>
+            </a:effectRef>
+            <a:fontRef idx="minor">
+              <a:schemeClr val="lt1"/>
+            </a:fontRef>
+          </p:style>
+          <p:txBody>
+            <a:bodyPr rtlCol="0" anchor="ctr"/>
+            <a:lstStyle/>
+            <a:p>
+              <a:pPr algn="ctr"/>
+              <a:r>
+                <a:rPr lang="en-US" altLang="ko-KR" dirty="0">
+                  <a:solidFill>
+                    <a:schemeClr val="tx1"/>
+                  </a:solidFill>
+                  <a:latin typeface="Helvetica LT Std Black" panose="020B0904030502020204" pitchFamily="34" charset="0"/>
+                </a:rPr>
+                <a:t>choose(money)</a:t>
+              </a:r>
+              <a:endParaRPr lang="ko-KR" altLang="en-US" dirty="0">
                 <a:solidFill>
                   <a:schemeClr val="tx1"/>
                 </a:solidFill>
                 <a:latin typeface="Helvetica LT Std Black" panose="020B0904030502020204" pitchFamily="34" charset="0"/>
-              </a:rPr>
-              <a:t>insert_cash</a:t>
-            </a:r>
-            <a:r>
-              <a:rPr lang="en-US" altLang="ko-KR" dirty="0">
-                <a:solidFill>
-                  <a:schemeClr val="tx1"/>
-                </a:solidFill>
+              </a:endParaRPr>
+            </a:p>
+          </p:txBody>
+        </p:sp>
+        <p:cxnSp>
+          <p:nvCxnSpPr>
+            <p:cNvPr id="70" name="직선 화살표 연결선 69">
+              <a:extLst>
+                <a:ext uri="{FF2B5EF4-FFF2-40B4-BE49-F238E27FC236}">
+                  <a16:creationId xmlns:a16="http://schemas.microsoft.com/office/drawing/2014/main" id="{92D67DF3-5B87-082F-8724-DAED91D27EE0}"/>
+                </a:ext>
+              </a:extLst>
+            </p:cNvPr>
+            <p:cNvCxnSpPr>
+              <a:cxnSpLocks/>
+              <a:stCxn id="67" idx="2"/>
+              <a:endCxn id="68" idx="0"/>
+            </p:cNvCxnSpPr>
+            <p:nvPr/>
+          </p:nvCxnSpPr>
+          <p:spPr>
+            <a:xfrm flipH="1">
+              <a:off x="8189446" y="-1902937"/>
+              <a:ext cx="11920" cy="2348923"/>
+            </a:xfrm>
+            <a:prstGeom prst="straightConnector1">
+              <a:avLst/>
+            </a:prstGeom>
+            <a:ln>
+              <a:tailEnd type="triangle"/>
+            </a:ln>
+          </p:spPr>
+          <p:style>
+            <a:lnRef idx="1">
+              <a:schemeClr val="dk1"/>
+            </a:lnRef>
+            <a:fillRef idx="0">
+              <a:schemeClr val="dk1"/>
+            </a:fillRef>
+            <a:effectRef idx="0">
+              <a:schemeClr val="dk1"/>
+            </a:effectRef>
+            <a:fontRef idx="minor">
+              <a:schemeClr val="tx1"/>
+            </a:fontRef>
+          </p:style>
+        </p:cxnSp>
+        <p:sp>
+          <p:nvSpPr>
+            <p:cNvPr id="73" name="TextBox 72">
+              <a:extLst>
+                <a:ext uri="{FF2B5EF4-FFF2-40B4-BE49-F238E27FC236}">
+                  <a16:creationId xmlns:a16="http://schemas.microsoft.com/office/drawing/2014/main" id="{28C48FAC-DCC1-41BD-73C9-FD607F40937D}"/>
+                </a:ext>
+              </a:extLst>
+            </p:cNvPr>
+            <p:cNvSpPr txBox="1"/>
+            <p:nvPr/>
+          </p:nvSpPr>
+          <p:spPr>
+            <a:xfrm>
+              <a:off x="8172052" y="-1050432"/>
+              <a:ext cx="462114" cy="369332"/>
+            </a:xfrm>
+            <a:prstGeom prst="rect">
+              <a:avLst/>
+            </a:prstGeom>
+            <a:noFill/>
+          </p:spPr>
+          <p:txBody>
+            <a:bodyPr wrap="square" rtlCol="0">
+              <a:spAutoFit/>
+            </a:bodyPr>
+            <a:lstStyle/>
+            <a:p>
+              <a:r>
+                <a:rPr lang="en-US" altLang="ko-KR" dirty="0">
+                  <a:latin typeface="HelveticaNeueLT Com 47 LtCn" panose="020B0406020202030204" pitchFamily="34" charset="0"/>
+                </a:rPr>
+                <a:t>Yes</a:t>
+              </a:r>
+              <a:endParaRPr lang="ko-KR" altLang="en-US" dirty="0">
+                <a:latin typeface="HelveticaNeueLT Com 47 LtCn" panose="020B0406020202030204" pitchFamily="34" charset="0"/>
+              </a:endParaRPr>
+            </a:p>
+          </p:txBody>
+        </p:sp>
+        <p:sp>
+          <p:nvSpPr>
+            <p:cNvPr id="74" name="TextBox 73">
+              <a:extLst>
+                <a:ext uri="{FF2B5EF4-FFF2-40B4-BE49-F238E27FC236}">
+                  <a16:creationId xmlns:a16="http://schemas.microsoft.com/office/drawing/2014/main" id="{CB0E81C8-A5BD-4AF9-FD33-FFF7D9616BAD}"/>
+                </a:ext>
+              </a:extLst>
+            </p:cNvPr>
+            <p:cNvSpPr txBox="1"/>
+            <p:nvPr/>
+          </p:nvSpPr>
+          <p:spPr>
+            <a:xfrm>
+              <a:off x="10057148" y="-2757932"/>
+              <a:ext cx="405880" cy="369332"/>
+            </a:xfrm>
+            <a:prstGeom prst="rect">
+              <a:avLst/>
+            </a:prstGeom>
+            <a:noFill/>
+          </p:spPr>
+          <p:txBody>
+            <a:bodyPr wrap="square" rtlCol="0">
+              <a:spAutoFit/>
+            </a:bodyPr>
+            <a:lstStyle/>
+            <a:p>
+              <a:r>
+                <a:rPr lang="en-US" altLang="ko-KR" dirty="0">
+                  <a:latin typeface="HelveticaNeueLT Com 47 LtCn" panose="020B0406020202030204" pitchFamily="34" charset="0"/>
+                </a:rPr>
+                <a:t>No</a:t>
+              </a:r>
+              <a:endParaRPr lang="ko-KR" altLang="en-US" dirty="0">
+                <a:latin typeface="HelveticaNeueLT Com 47 LtCn" panose="020B0406020202030204" pitchFamily="34" charset="0"/>
+              </a:endParaRPr>
+            </a:p>
+          </p:txBody>
+        </p:sp>
+        <p:sp>
+          <p:nvSpPr>
+            <p:cNvPr id="75" name="TextBox 74">
+              <a:extLst>
+                <a:ext uri="{FF2B5EF4-FFF2-40B4-BE49-F238E27FC236}">
+                  <a16:creationId xmlns:a16="http://schemas.microsoft.com/office/drawing/2014/main" id="{D982E8C3-F300-05D4-26BC-B478AEDA9A03}"/>
+                </a:ext>
+              </a:extLst>
+            </p:cNvPr>
+            <p:cNvSpPr txBox="1"/>
+            <p:nvPr/>
+          </p:nvSpPr>
+          <p:spPr>
+            <a:xfrm>
+              <a:off x="7793322" y="-3740326"/>
+              <a:ext cx="2928815" cy="400110"/>
+            </a:xfrm>
+            <a:prstGeom prst="rect">
+              <a:avLst/>
+            </a:prstGeom>
+            <a:noFill/>
+          </p:spPr>
+          <p:txBody>
+            <a:bodyPr wrap="square" rtlCol="0">
+              <a:spAutoFit/>
+            </a:bodyPr>
+            <a:lstStyle/>
+            <a:p>
+              <a:r>
+                <a:rPr lang="en-US" altLang="ko-KR" sz="2000" dirty="0" err="1">
+                  <a:latin typeface="Helvetica LT Std Black" panose="020B0904030502020204" pitchFamily="34" charset="0"/>
+                </a:rPr>
+                <a:t>insert_cash</a:t>
+              </a:r>
+              <a:r>
+                <a:rPr lang="en-US" altLang="ko-KR" sz="2000" dirty="0">
+                  <a:latin typeface="Helvetica LT Std Black" panose="020B0904030502020204" pitchFamily="34" charset="0"/>
+                </a:rPr>
+                <a:t>(money)</a:t>
+              </a:r>
+              <a:endParaRPr lang="ko-KR" altLang="en-US" sz="2000" dirty="0">
                 <a:latin typeface="Helvetica LT Std Black" panose="020B0904030502020204" pitchFamily="34" charset="0"/>
-              </a:rPr>
-              <a:t>(money)</a:t>
-            </a:r>
-            <a:endParaRPr lang="ko-KR" altLang="en-US" dirty="0">
-              <a:solidFill>
-                <a:schemeClr val="tx1"/>
-              </a:solidFill>
-              <a:latin typeface="Helvetica LT Std Black" panose="020B0904030502020204" pitchFamily="34" charset="0"/>
-            </a:endParaRPr>
-          </a:p>
-        </p:txBody>
-      </p:sp>
-      <p:sp>
-        <p:nvSpPr>
-          <p:cNvPr id="9" name="다이아몬드 8">
-            <a:extLst>
-              <a:ext uri="{FF2B5EF4-FFF2-40B4-BE49-F238E27FC236}">
-                <a16:creationId xmlns:a16="http://schemas.microsoft.com/office/drawing/2014/main" id="{278BE1F2-B523-A869-6C9B-C0F7B818FF73}"/>
-              </a:ext>
-            </a:extLst>
-          </p:cNvPr>
-          <p:cNvSpPr/>
-          <p:nvPr/>
-        </p:nvSpPr>
-        <p:spPr>
-          <a:xfrm>
-            <a:off x="1636628" y="3608430"/>
-            <a:ext cx="3356141" cy="999066"/>
-          </a:xfrm>
-          <a:prstGeom prst="diamond">
-            <a:avLst/>
-          </a:prstGeom>
-          <a:solidFill>
-            <a:srgbClr val="97C8CD"/>
-          </a:solidFill>
-          <a:ln>
-            <a:noFill/>
-          </a:ln>
-        </p:spPr>
-        <p:style>
-          <a:lnRef idx="2">
-            <a:schemeClr val="accent1">
-              <a:shade val="15000"/>
-            </a:schemeClr>
-          </a:lnRef>
-          <a:fillRef idx="1">
-            <a:schemeClr val="accent1"/>
-          </a:fillRef>
-          <a:effectRef idx="0">
-            <a:schemeClr val="accent1"/>
-          </a:effectRef>
-          <a:fontRef idx="minor">
-            <a:schemeClr val="lt1"/>
-          </a:fontRef>
-        </p:style>
-        <p:txBody>
-          <a:bodyPr rtlCol="0" anchor="ctr"/>
-          <a:lstStyle/>
-          <a:p>
-            <a:pPr algn="ctr"/>
-            <a:r>
-              <a:rPr lang="en-US" altLang="ko-KR" dirty="0">
+              </a:endParaRPr>
+            </a:p>
+          </p:txBody>
+        </p:sp>
+        <p:cxnSp>
+          <p:nvCxnSpPr>
+            <p:cNvPr id="109" name="연결선: 꺾임 108">
+              <a:extLst>
+                <a:ext uri="{FF2B5EF4-FFF2-40B4-BE49-F238E27FC236}">
+                  <a16:creationId xmlns:a16="http://schemas.microsoft.com/office/drawing/2014/main" id="{487ED67A-2749-07B1-F916-9AE6F6270CAC}"/>
+                </a:ext>
+              </a:extLst>
+            </p:cNvPr>
+            <p:cNvCxnSpPr>
+              <a:cxnSpLocks/>
+              <a:stCxn id="67" idx="3"/>
+              <a:endCxn id="112" idx="0"/>
+            </p:cNvCxnSpPr>
+            <p:nvPr/>
+          </p:nvCxnSpPr>
+          <p:spPr>
+            <a:xfrm>
+              <a:off x="9708599" y="-2402470"/>
+              <a:ext cx="932613" cy="1050866"/>
+            </a:xfrm>
+            <a:prstGeom prst="bentConnector2">
+              <a:avLst/>
+            </a:prstGeom>
+            <a:ln>
+              <a:tailEnd type="triangle"/>
+            </a:ln>
+          </p:spPr>
+          <p:style>
+            <a:lnRef idx="1">
+              <a:schemeClr val="dk1"/>
+            </a:lnRef>
+            <a:fillRef idx="0">
+              <a:schemeClr val="dk1"/>
+            </a:fillRef>
+            <a:effectRef idx="0">
+              <a:schemeClr val="dk1"/>
+            </a:effectRef>
+            <a:fontRef idx="minor">
+              <a:schemeClr val="tx1"/>
+            </a:fontRef>
+          </p:style>
+        </p:cxnSp>
+        <p:sp>
+          <p:nvSpPr>
+            <p:cNvPr id="112" name="사각형: 둥근 모서리 111">
+              <a:extLst>
+                <a:ext uri="{FF2B5EF4-FFF2-40B4-BE49-F238E27FC236}">
+                  <a16:creationId xmlns:a16="http://schemas.microsoft.com/office/drawing/2014/main" id="{82792097-0322-3D5F-534A-3418FE1CC9BF}"/>
+                </a:ext>
+              </a:extLst>
+            </p:cNvPr>
+            <p:cNvSpPr/>
+            <p:nvPr/>
+          </p:nvSpPr>
+          <p:spPr>
+            <a:xfrm>
+              <a:off x="9229394" y="-1351604"/>
+              <a:ext cx="2823636" cy="762000"/>
+            </a:xfrm>
+            <a:prstGeom prst="roundRect">
+              <a:avLst/>
+            </a:prstGeom>
+            <a:solidFill>
+              <a:srgbClr val="B6D2DC"/>
+            </a:solidFill>
+            <a:ln>
+              <a:noFill/>
+            </a:ln>
+          </p:spPr>
+          <p:style>
+            <a:lnRef idx="2">
+              <a:schemeClr val="accent1">
+                <a:shade val="15000"/>
+              </a:schemeClr>
+            </a:lnRef>
+            <a:fillRef idx="1">
+              <a:schemeClr val="accent1"/>
+            </a:fillRef>
+            <a:effectRef idx="0">
+              <a:schemeClr val="accent1"/>
+            </a:effectRef>
+            <a:fontRef idx="minor">
+              <a:schemeClr val="lt1"/>
+            </a:fontRef>
+          </p:style>
+          <p:txBody>
+            <a:bodyPr rtlCol="0" anchor="ctr"/>
+            <a:lstStyle/>
+            <a:p>
+              <a:pPr algn="ctr"/>
+              <a:r>
+                <a:rPr lang="en-US" altLang="ko-KR" b="0" i="0" dirty="0">
+                  <a:solidFill>
+                    <a:srgbClr val="1A1918"/>
+                  </a:solidFill>
+                  <a:effectLst/>
+                  <a:latin typeface="HelveticaNeueLT Com 53 Ex" panose="020B0605020202020204" pitchFamily="34" charset="0"/>
+                </a:rPr>
+                <a:t>Cash cannot be less than 0</a:t>
+              </a:r>
+              <a:endParaRPr lang="ko-KR" altLang="en-US" dirty="0">
                 <a:solidFill>
                   <a:schemeClr val="tx1"/>
                 </a:solidFill>
                 <a:latin typeface="HelveticaNeueLT Com 53 Ex" panose="020B0605020202020204" pitchFamily="34" charset="0"/>
-              </a:rPr>
-              <a:t>Continue transaction?</a:t>
-            </a:r>
-            <a:endParaRPr lang="ko-KR" altLang="en-US" dirty="0">
-              <a:solidFill>
-                <a:schemeClr val="tx1"/>
-              </a:solidFill>
-              <a:latin typeface="HelveticaNeueLT Com 53 Ex" panose="020B0605020202020204" pitchFamily="34" charset="0"/>
-            </a:endParaRPr>
-          </a:p>
-        </p:txBody>
-      </p:sp>
-      <p:sp>
-        <p:nvSpPr>
-          <p:cNvPr id="10" name="사각형: 둥근 모서리 9">
+              </a:endParaRPr>
+            </a:p>
+          </p:txBody>
+        </p:sp>
+      </p:grpSp>
+      <p:grpSp>
+        <p:nvGrpSpPr>
+          <p:cNvPr id="21" name="그룹 20">
             <a:extLst>
               <a:ext uri="{FF2B5EF4-FFF2-40B4-BE49-F238E27FC236}">
-                <a16:creationId xmlns:a16="http://schemas.microsoft.com/office/drawing/2014/main" id="{594B8692-E0C9-E0AE-8C1D-85D8FABF5D23}"/>
+                <a16:creationId xmlns:a16="http://schemas.microsoft.com/office/drawing/2014/main" id="{69595F61-BC30-9F32-2B56-7B08FA2E4FF0}"/>
               </a:ext>
             </a:extLst>
           </p:cNvPr>
-          <p:cNvSpPr/>
+          <p:cNvGrpSpPr/>
           <p:nvPr/>
-        </p:nvSpPr>
-        <p:spPr>
+        </p:nvGrpSpPr>
+        <p:grpSpPr>
           <a:xfrm>
-            <a:off x="1902882" y="5012265"/>
-            <a:ext cx="2823636" cy="762000"/>
+            <a:off x="481555" y="7891259"/>
+            <a:ext cx="4546600" cy="6116841"/>
+            <a:chOff x="481555" y="7891259"/>
+            <a:chExt cx="4546600" cy="6116841"/>
           </a:xfrm>
-          <a:prstGeom prst="roundRect">
-            <a:avLst/>
-          </a:prstGeom>
-          <a:solidFill>
-            <a:srgbClr val="B6D2DC"/>
-          </a:solidFill>
-          <a:ln>
+        </p:grpSpPr>
+        <p:sp>
+          <p:nvSpPr>
+            <p:cNvPr id="194" name="TextBox 193">
+              <a:extLst>
+                <a:ext uri="{FF2B5EF4-FFF2-40B4-BE49-F238E27FC236}">
+                  <a16:creationId xmlns:a16="http://schemas.microsoft.com/office/drawing/2014/main" id="{CEB4B9A0-7989-1C21-C413-EDBAB7F42FFC}"/>
+                </a:ext>
+              </a:extLst>
+            </p:cNvPr>
+            <p:cNvSpPr txBox="1"/>
+            <p:nvPr/>
+          </p:nvSpPr>
+          <p:spPr>
+            <a:xfrm>
+              <a:off x="524821" y="7891259"/>
+              <a:ext cx="4460067" cy="400110"/>
+            </a:xfrm>
+            <a:prstGeom prst="rect">
+              <a:avLst/>
+            </a:prstGeom>
             <a:noFill/>
-          </a:ln>
-        </p:spPr>
-        <p:style>
-          <a:lnRef idx="2">
-            <a:schemeClr val="accent1">
-              <a:shade val="15000"/>
-            </a:schemeClr>
-          </a:lnRef>
-          <a:fillRef idx="1">
-            <a:schemeClr val="accent1"/>
-          </a:fillRef>
-          <a:effectRef idx="0">
-            <a:schemeClr val="accent1"/>
-          </a:effectRef>
-          <a:fontRef idx="minor">
-            <a:schemeClr val="lt1"/>
-          </a:fontRef>
-        </p:style>
-        <p:txBody>
-          <a:bodyPr rtlCol="0" anchor="ctr"/>
-          <a:lstStyle/>
-          <a:p>
-            <a:pPr algn="ctr"/>
-            <a:r>
-              <a:rPr lang="en-US" altLang="ko-KR" dirty="0">
+          </p:spPr>
+          <p:txBody>
+            <a:bodyPr wrap="none" rtlCol="0">
+              <a:spAutoFit/>
+            </a:bodyPr>
+            <a:lstStyle/>
+            <a:p>
+              <a:r>
+                <a:rPr lang="en-US" altLang="ko-KR" sz="2000" dirty="0" err="1">
+                  <a:latin typeface="Helvetica LT Std Black" panose="020B0904030502020204" pitchFamily="34" charset="0"/>
+                </a:rPr>
+                <a:t>process_order</a:t>
+              </a:r>
+              <a:r>
+                <a:rPr lang="en-US" altLang="ko-KR" sz="2000" dirty="0">
+                  <a:latin typeface="Helvetica LT Std Black" panose="020B0904030502020204" pitchFamily="34" charset="0"/>
+                </a:rPr>
+                <a:t>(num, inserted2)</a:t>
+              </a:r>
+              <a:endParaRPr lang="ko-KR" altLang="en-US" sz="2000" dirty="0">
+                <a:latin typeface="Helvetica LT Std Black" panose="020B0904030502020204" pitchFamily="34" charset="0"/>
+              </a:endParaRPr>
+            </a:p>
+          </p:txBody>
+        </p:sp>
+        <p:sp>
+          <p:nvSpPr>
+            <p:cNvPr id="195" name="사각형: 둥근 모서리 194">
+              <a:extLst>
+                <a:ext uri="{FF2B5EF4-FFF2-40B4-BE49-F238E27FC236}">
+                  <a16:creationId xmlns:a16="http://schemas.microsoft.com/office/drawing/2014/main" id="{EC235906-E523-1C08-221C-FB7FB2F84425}"/>
+                </a:ext>
+              </a:extLst>
+            </p:cNvPr>
+            <p:cNvSpPr/>
+            <p:nvPr/>
+          </p:nvSpPr>
+          <p:spPr>
+            <a:xfrm>
+              <a:off x="481555" y="8332618"/>
+              <a:ext cx="4546600" cy="5675482"/>
+            </a:xfrm>
+            <a:prstGeom prst="roundRect">
+              <a:avLst/>
+            </a:prstGeom>
+            <a:solidFill>
+              <a:srgbClr val="599BB1"/>
+            </a:solidFill>
+            <a:ln>
+              <a:noFill/>
+            </a:ln>
+          </p:spPr>
+          <p:style>
+            <a:lnRef idx="2">
+              <a:schemeClr val="accent1">
+                <a:shade val="15000"/>
+              </a:schemeClr>
+            </a:lnRef>
+            <a:fillRef idx="1">
+              <a:schemeClr val="accent1"/>
+            </a:fillRef>
+            <a:effectRef idx="0">
+              <a:schemeClr val="accent1"/>
+            </a:effectRef>
+            <a:fontRef idx="minor">
+              <a:schemeClr val="lt1"/>
+            </a:fontRef>
+          </p:style>
+          <p:txBody>
+            <a:bodyPr rtlCol="0" anchor="ctr"/>
+            <a:lstStyle/>
+            <a:p>
+              <a:pPr algn="ctr"/>
+              <a:endParaRPr lang="ko-KR" altLang="en-US"/>
+            </a:p>
+          </p:txBody>
+        </p:sp>
+        <p:sp>
+          <p:nvSpPr>
+            <p:cNvPr id="193" name="사각형: 둥근 모서리 192">
+              <a:extLst>
+                <a:ext uri="{FF2B5EF4-FFF2-40B4-BE49-F238E27FC236}">
+                  <a16:creationId xmlns:a16="http://schemas.microsoft.com/office/drawing/2014/main" id="{1C605EA9-1017-5127-4656-45E1E6E19907}"/>
+                </a:ext>
+              </a:extLst>
+            </p:cNvPr>
+            <p:cNvSpPr/>
+            <p:nvPr/>
+          </p:nvSpPr>
+          <p:spPr>
+            <a:xfrm>
+              <a:off x="939183" y="8699070"/>
+              <a:ext cx="3733267" cy="887906"/>
+            </a:xfrm>
+            <a:prstGeom prst="roundRect">
+              <a:avLst/>
+            </a:prstGeom>
+            <a:solidFill>
+              <a:srgbClr val="B6D2DC"/>
+            </a:solidFill>
+            <a:ln>
+              <a:noFill/>
+            </a:ln>
+          </p:spPr>
+          <p:style>
+            <a:lnRef idx="2">
+              <a:schemeClr val="accent1">
+                <a:shade val="15000"/>
+              </a:schemeClr>
+            </a:lnRef>
+            <a:fillRef idx="1">
+              <a:schemeClr val="accent1"/>
+            </a:fillRef>
+            <a:effectRef idx="0">
+              <a:schemeClr val="accent1"/>
+            </a:effectRef>
+            <a:fontRef idx="minor">
+              <a:schemeClr val="lt1"/>
+            </a:fontRef>
+          </p:style>
+          <p:txBody>
+            <a:bodyPr rtlCol="0" anchor="ctr"/>
+            <a:lstStyle/>
+            <a:p>
+              <a:pPr algn="ctr"/>
+              <a:r>
+                <a:rPr lang="en-US" altLang="ko-KR" dirty="0">
+                  <a:solidFill>
+                    <a:schemeClr val="tx1"/>
+                  </a:solidFill>
+                  <a:latin typeface="HelveticaNeueLT Com 53 Ex" panose="020B0605020202020204" pitchFamily="34" charset="0"/>
+                </a:rPr>
+                <a:t>inserted2 -= </a:t>
+              </a:r>
+              <a:r>
+                <a:rPr lang="en-US" altLang="ko-KR" dirty="0" err="1">
+                  <a:solidFill>
+                    <a:schemeClr val="tx1"/>
+                  </a:solidFill>
+                  <a:latin typeface="HelveticaNeueLT Com 53 Ex" panose="020B0605020202020204" pitchFamily="34" charset="0"/>
+                </a:rPr>
+                <a:t>value_list</a:t>
+              </a:r>
+              <a:r>
+                <a:rPr lang="en-US" altLang="ko-KR" dirty="0">
+                  <a:solidFill>
+                    <a:schemeClr val="tx1"/>
+                  </a:solidFill>
+                  <a:latin typeface="HelveticaNeueLT Com 53 Ex" panose="020B0605020202020204" pitchFamily="34" charset="0"/>
+                </a:rPr>
+                <a:t>[num]</a:t>
+              </a:r>
+              <a:endParaRPr lang="ko-KR" altLang="en-US" dirty="0">
                 <a:solidFill>
                   <a:schemeClr val="tx1"/>
                 </a:solidFill>
                 <a:latin typeface="HelveticaNeueLT Com 53 Ex" panose="020B0605020202020204" pitchFamily="34" charset="0"/>
-              </a:rPr>
-              <a:t>“End Transaction,</a:t>
-            </a:r>
-          </a:p>
-          <a:p>
-            <a:pPr algn="ctr"/>
-            <a:r>
-              <a:rPr lang="en-US" altLang="ko-KR" dirty="0">
+              </a:endParaRPr>
+            </a:p>
+          </p:txBody>
+        </p:sp>
+        <p:sp>
+          <p:nvSpPr>
+            <p:cNvPr id="196" name="사각형: 둥근 모서리 195">
+              <a:extLst>
+                <a:ext uri="{FF2B5EF4-FFF2-40B4-BE49-F238E27FC236}">
+                  <a16:creationId xmlns:a16="http://schemas.microsoft.com/office/drawing/2014/main" id="{BA7D71BE-4C73-259F-2E41-9E7B989B7654}"/>
+                </a:ext>
+              </a:extLst>
+            </p:cNvPr>
+            <p:cNvSpPr/>
+            <p:nvPr/>
+          </p:nvSpPr>
+          <p:spPr>
+            <a:xfrm>
+              <a:off x="939183" y="10008253"/>
+              <a:ext cx="3733267" cy="887906"/>
+            </a:xfrm>
+            <a:prstGeom prst="roundRect">
+              <a:avLst/>
+            </a:prstGeom>
+            <a:solidFill>
+              <a:srgbClr val="B6D2DC"/>
+            </a:solidFill>
+            <a:ln>
+              <a:noFill/>
+            </a:ln>
+          </p:spPr>
+          <p:style>
+            <a:lnRef idx="2">
+              <a:schemeClr val="accent1">
+                <a:shade val="15000"/>
+              </a:schemeClr>
+            </a:lnRef>
+            <a:fillRef idx="1">
+              <a:schemeClr val="accent1"/>
+            </a:fillRef>
+            <a:effectRef idx="0">
+              <a:schemeClr val="accent1"/>
+            </a:effectRef>
+            <a:fontRef idx="minor">
+              <a:schemeClr val="lt1"/>
+            </a:fontRef>
+          </p:style>
+          <p:txBody>
+            <a:bodyPr rtlCol="0" anchor="ctr"/>
+            <a:lstStyle/>
+            <a:p>
+              <a:pPr algn="ctr"/>
+              <a:r>
+                <a:rPr lang="en-US" altLang="ko-KR" dirty="0">
+                  <a:solidFill>
+                    <a:schemeClr val="tx1"/>
+                  </a:solidFill>
+                  <a:latin typeface="HelveticaNeueLT Com 53 Ex" panose="020B0605020202020204" pitchFamily="34" charset="0"/>
+                </a:rPr>
+                <a:t>“Please take your drink”</a:t>
+              </a:r>
+              <a:endParaRPr lang="ko-KR" altLang="en-US" dirty="0">
                 <a:solidFill>
                   <a:schemeClr val="tx1"/>
                 </a:solidFill>
                 <a:latin typeface="HelveticaNeueLT Com 53 Ex" panose="020B0605020202020204" pitchFamily="34" charset="0"/>
-              </a:rPr>
-              <a:t>Return Change”</a:t>
-            </a:r>
-            <a:endParaRPr lang="ko-KR" altLang="en-US" dirty="0">
-              <a:solidFill>
-                <a:schemeClr val="tx1"/>
-              </a:solidFill>
-              <a:latin typeface="HelveticaNeueLT Com 53 Ex" panose="020B0605020202020204" pitchFamily="34" charset="0"/>
-            </a:endParaRPr>
-          </a:p>
-        </p:txBody>
-      </p:sp>
-      <p:cxnSp>
-        <p:nvCxnSpPr>
-          <p:cNvPr id="12" name="직선 화살표 연결선 11">
-            <a:extLst>
-              <a:ext uri="{FF2B5EF4-FFF2-40B4-BE49-F238E27FC236}">
-                <a16:creationId xmlns:a16="http://schemas.microsoft.com/office/drawing/2014/main" id="{4FECF96C-046F-24BC-950B-FCBCA4A20592}"/>
-              </a:ext>
-            </a:extLst>
-          </p:cNvPr>
-          <p:cNvCxnSpPr>
-            <a:cxnSpLocks/>
-            <a:stCxn id="8" idx="2"/>
-            <a:endCxn id="9" idx="0"/>
-          </p:cNvCxnSpPr>
-          <p:nvPr/>
-        </p:nvCxnSpPr>
-        <p:spPr>
-          <a:xfrm flipH="1">
-            <a:off x="3314699" y="3212979"/>
-            <a:ext cx="1" cy="395451"/>
-          </a:xfrm>
-          <a:prstGeom prst="straightConnector1">
-            <a:avLst/>
-          </a:prstGeom>
-          <a:ln>
-            <a:tailEnd type="triangle"/>
-          </a:ln>
-        </p:spPr>
-        <p:style>
-          <a:lnRef idx="1">
-            <a:schemeClr val="dk1"/>
-          </a:lnRef>
-          <a:fillRef idx="0">
-            <a:schemeClr val="dk1"/>
-          </a:fillRef>
-          <a:effectRef idx="0">
-            <a:schemeClr val="dk1"/>
-          </a:effectRef>
-          <a:fontRef idx="minor">
-            <a:schemeClr val="tx1"/>
-          </a:fontRef>
-        </p:style>
-      </p:cxnSp>
-      <p:cxnSp>
-        <p:nvCxnSpPr>
-          <p:cNvPr id="18" name="직선 화살표 연결선 17">
-            <a:extLst>
-              <a:ext uri="{FF2B5EF4-FFF2-40B4-BE49-F238E27FC236}">
-                <a16:creationId xmlns:a16="http://schemas.microsoft.com/office/drawing/2014/main" id="{19CFD8B2-D3D7-9D75-6F08-A7686206BEA5}"/>
-              </a:ext>
-            </a:extLst>
-          </p:cNvPr>
-          <p:cNvCxnSpPr>
-            <a:cxnSpLocks/>
-            <a:stCxn id="9" idx="2"/>
-            <a:endCxn id="10" idx="0"/>
-          </p:cNvCxnSpPr>
-          <p:nvPr/>
-        </p:nvCxnSpPr>
-        <p:spPr>
-          <a:xfrm>
-            <a:off x="3314699" y="4607496"/>
-            <a:ext cx="1" cy="404769"/>
-          </a:xfrm>
-          <a:prstGeom prst="straightConnector1">
-            <a:avLst/>
-          </a:prstGeom>
-          <a:ln>
-            <a:tailEnd type="triangle"/>
-          </a:ln>
-        </p:spPr>
-        <p:style>
-          <a:lnRef idx="1">
-            <a:schemeClr val="dk1"/>
-          </a:lnRef>
-          <a:fillRef idx="0">
-            <a:schemeClr val="dk1"/>
-          </a:fillRef>
-          <a:effectRef idx="0">
-            <a:schemeClr val="dk1"/>
-          </a:effectRef>
-          <a:fontRef idx="minor">
-            <a:schemeClr val="tx1"/>
-          </a:fontRef>
-        </p:style>
-      </p:cxnSp>
-      <p:cxnSp>
-        <p:nvCxnSpPr>
-          <p:cNvPr id="23" name="직선 화살표 연결선 22">
-            <a:extLst>
-              <a:ext uri="{FF2B5EF4-FFF2-40B4-BE49-F238E27FC236}">
-                <a16:creationId xmlns:a16="http://schemas.microsoft.com/office/drawing/2014/main" id="{3F9DC0CB-6CC3-5745-C4F9-6999DEE0DF9F}"/>
-              </a:ext>
-            </a:extLst>
-          </p:cNvPr>
-          <p:cNvCxnSpPr>
-            <a:cxnSpLocks/>
-            <a:stCxn id="7" idx="2"/>
-            <a:endCxn id="8" idx="0"/>
-          </p:cNvCxnSpPr>
-          <p:nvPr/>
-        </p:nvCxnSpPr>
-        <p:spPr>
-          <a:xfrm>
-            <a:off x="3314700" y="2148357"/>
-            <a:ext cx="0" cy="302622"/>
-          </a:xfrm>
-          <a:prstGeom prst="straightConnector1">
-            <a:avLst/>
-          </a:prstGeom>
-          <a:ln>
-            <a:tailEnd type="triangle"/>
-          </a:ln>
-        </p:spPr>
-        <p:style>
-          <a:lnRef idx="1">
-            <a:schemeClr val="dk1"/>
-          </a:lnRef>
-          <a:fillRef idx="0">
-            <a:schemeClr val="dk1"/>
-          </a:fillRef>
-          <a:effectRef idx="0">
-            <a:schemeClr val="dk1"/>
-          </a:effectRef>
-          <a:fontRef idx="minor">
-            <a:schemeClr val="tx1"/>
-          </a:fontRef>
-        </p:style>
-      </p:cxnSp>
-      <p:cxnSp>
-        <p:nvCxnSpPr>
-          <p:cNvPr id="27" name="연결선: 꺾임 26">
-            <a:extLst>
-              <a:ext uri="{FF2B5EF4-FFF2-40B4-BE49-F238E27FC236}">
-                <a16:creationId xmlns:a16="http://schemas.microsoft.com/office/drawing/2014/main" id="{B75D2DFC-3B8F-C042-E138-5D9914891EBC}"/>
-              </a:ext>
-            </a:extLst>
-          </p:cNvPr>
-          <p:cNvCxnSpPr>
-            <a:cxnSpLocks/>
-            <a:stCxn id="9" idx="3"/>
-            <a:endCxn id="7" idx="3"/>
-          </p:cNvCxnSpPr>
-          <p:nvPr/>
-        </p:nvCxnSpPr>
-        <p:spPr>
-          <a:xfrm flipH="1" flipV="1">
-            <a:off x="4212166" y="1767357"/>
-            <a:ext cx="780603" cy="2340606"/>
-          </a:xfrm>
-          <a:prstGeom prst="bentConnector3">
-            <a:avLst>
-              <a:gd name="adj1" fmla="val -29285"/>
-            </a:avLst>
-          </a:prstGeom>
-          <a:ln>
-            <a:tailEnd type="triangle"/>
-          </a:ln>
-        </p:spPr>
-        <p:style>
-          <a:lnRef idx="1">
-            <a:schemeClr val="dk1"/>
-          </a:lnRef>
-          <a:fillRef idx="0">
-            <a:schemeClr val="dk1"/>
-          </a:fillRef>
-          <a:effectRef idx="0">
-            <a:schemeClr val="dk1"/>
-          </a:effectRef>
-          <a:fontRef idx="minor">
-            <a:schemeClr val="tx1"/>
-          </a:fontRef>
-        </p:style>
-      </p:cxnSp>
-      <p:sp>
-        <p:nvSpPr>
-          <p:cNvPr id="50" name="사각형: 둥근 모서리 49">
-            <a:extLst>
-              <a:ext uri="{FF2B5EF4-FFF2-40B4-BE49-F238E27FC236}">
-                <a16:creationId xmlns:a16="http://schemas.microsoft.com/office/drawing/2014/main" id="{5B2A43AE-C28C-207E-A53E-65D64A574F74}"/>
-              </a:ext>
-            </a:extLst>
-          </p:cNvPr>
-          <p:cNvSpPr/>
-          <p:nvPr/>
-        </p:nvSpPr>
-        <p:spPr>
-          <a:xfrm>
-            <a:off x="1215935" y="-836689"/>
-            <a:ext cx="4546600" cy="759522"/>
-          </a:xfrm>
-          <a:prstGeom prst="roundRect">
-            <a:avLst/>
-          </a:prstGeom>
-          <a:solidFill>
-            <a:srgbClr val="B6D2DC"/>
-          </a:solidFill>
-          <a:ln>
-            <a:noFill/>
-          </a:ln>
-        </p:spPr>
-        <p:style>
-          <a:lnRef idx="2">
-            <a:schemeClr val="accent1">
-              <a:shade val="15000"/>
-            </a:schemeClr>
-          </a:lnRef>
-          <a:fillRef idx="1">
-            <a:schemeClr val="accent1"/>
-          </a:fillRef>
-          <a:effectRef idx="0">
-            <a:schemeClr val="accent1"/>
-          </a:effectRef>
-          <a:fontRef idx="minor">
-            <a:schemeClr val="lt1"/>
-          </a:fontRef>
-        </p:style>
-        <p:txBody>
-          <a:bodyPr rtlCol="0" anchor="ctr"/>
-          <a:lstStyle/>
-          <a:p>
-            <a:pPr algn="ctr"/>
-            <a:r>
-              <a:rPr lang="en-US" altLang="ko-KR" dirty="0">
+              </a:endParaRPr>
+            </a:p>
+          </p:txBody>
+        </p:sp>
+        <p:sp>
+          <p:nvSpPr>
+            <p:cNvPr id="197" name="사각형: 둥근 모서리 196">
+              <a:extLst>
+                <a:ext uri="{FF2B5EF4-FFF2-40B4-BE49-F238E27FC236}">
+                  <a16:creationId xmlns:a16="http://schemas.microsoft.com/office/drawing/2014/main" id="{80B55780-A439-EC77-571E-FF88D3397601}"/>
+                </a:ext>
+              </a:extLst>
+            </p:cNvPr>
+            <p:cNvSpPr/>
+            <p:nvPr/>
+          </p:nvSpPr>
+          <p:spPr>
+            <a:xfrm>
+              <a:off x="939183" y="11317436"/>
+              <a:ext cx="3733267" cy="887906"/>
+            </a:xfrm>
+            <a:prstGeom prst="roundRect">
+              <a:avLst/>
+            </a:prstGeom>
+            <a:solidFill>
+              <a:srgbClr val="B6D2DC"/>
+            </a:solidFill>
+            <a:ln>
+              <a:noFill/>
+            </a:ln>
+          </p:spPr>
+          <p:style>
+            <a:lnRef idx="2">
+              <a:schemeClr val="accent1">
+                <a:shade val="15000"/>
+              </a:schemeClr>
+            </a:lnRef>
+            <a:fillRef idx="1">
+              <a:schemeClr val="accent1"/>
+            </a:fillRef>
+            <a:effectRef idx="0">
+              <a:schemeClr val="accent1"/>
+            </a:effectRef>
+            <a:fontRef idx="minor">
+              <a:schemeClr val="lt1"/>
+            </a:fontRef>
+          </p:style>
+          <p:txBody>
+            <a:bodyPr rtlCol="0" anchor="ctr"/>
+            <a:lstStyle/>
+            <a:p>
+              <a:pPr algn="ctr"/>
+              <a:r>
+                <a:rPr lang="en-US" altLang="ko-KR" dirty="0">
+                  <a:solidFill>
+                    <a:schemeClr val="tx1"/>
+                  </a:solidFill>
+                  <a:latin typeface="HelveticaNeueLT Com 53 Ex" panose="020B0605020202020204" pitchFamily="34" charset="0"/>
+                </a:rPr>
+                <a:t>“Please take your change”</a:t>
+              </a:r>
+              <a:endParaRPr lang="ko-KR" altLang="en-US" dirty="0">
                 <a:solidFill>
                   <a:schemeClr val="tx1"/>
                 </a:solidFill>
                 <a:latin typeface="HelveticaNeueLT Com 53 Ex" panose="020B0605020202020204" pitchFamily="34" charset="0"/>
-              </a:rPr>
-              <a:t>for </a:t>
-            </a:r>
-            <a:r>
-              <a:rPr lang="en-US" altLang="ko-KR" dirty="0" err="1">
+              </a:endParaRPr>
+            </a:p>
+          </p:txBody>
+        </p:sp>
+        <p:sp>
+          <p:nvSpPr>
+            <p:cNvPr id="198" name="순서도: 수행의 시작/종료 197">
+              <a:extLst>
+                <a:ext uri="{FF2B5EF4-FFF2-40B4-BE49-F238E27FC236}">
+                  <a16:creationId xmlns:a16="http://schemas.microsoft.com/office/drawing/2014/main" id="{04A2BD3A-1FE9-EE2F-5EBA-B1F8F7040FD0}"/>
+                </a:ext>
+              </a:extLst>
+            </p:cNvPr>
+            <p:cNvSpPr/>
+            <p:nvPr/>
+          </p:nvSpPr>
+          <p:spPr>
+            <a:xfrm>
+              <a:off x="1500971" y="12626619"/>
+              <a:ext cx="2609690" cy="957338"/>
+            </a:xfrm>
+            <a:prstGeom prst="flowChartTerminator">
+              <a:avLst/>
+            </a:prstGeom>
+            <a:ln>
+              <a:noFill/>
+            </a:ln>
+          </p:spPr>
+          <p:style>
+            <a:lnRef idx="2">
+              <a:schemeClr val="accent1">
+                <a:shade val="15000"/>
+              </a:schemeClr>
+            </a:lnRef>
+            <a:fillRef idx="1">
+              <a:schemeClr val="accent1"/>
+            </a:fillRef>
+            <a:effectRef idx="0">
+              <a:schemeClr val="accent1"/>
+            </a:effectRef>
+            <a:fontRef idx="minor">
+              <a:schemeClr val="lt1"/>
+            </a:fontRef>
+          </p:style>
+          <p:txBody>
+            <a:bodyPr rtlCol="0" anchor="ctr"/>
+            <a:lstStyle/>
+            <a:p>
+              <a:pPr algn="ctr"/>
+              <a:r>
+                <a:rPr lang="en-US" altLang="ko-KR" sz="2000" dirty="0">
+                  <a:latin typeface="Helvetica LT Std Black" panose="020B0904030502020204" pitchFamily="34" charset="0"/>
+                </a:rPr>
+                <a:t>return</a:t>
+              </a:r>
+              <a:endParaRPr lang="ko-KR" altLang="en-US" sz="2000" dirty="0">
+                <a:latin typeface="Helvetica LT Std Black" panose="020B0904030502020204" pitchFamily="34" charset="0"/>
+              </a:endParaRPr>
+            </a:p>
+          </p:txBody>
+        </p:sp>
+        <p:cxnSp>
+          <p:nvCxnSpPr>
+            <p:cNvPr id="199" name="직선 화살표 연결선 198">
+              <a:extLst>
+                <a:ext uri="{FF2B5EF4-FFF2-40B4-BE49-F238E27FC236}">
+                  <a16:creationId xmlns:a16="http://schemas.microsoft.com/office/drawing/2014/main" id="{9524C453-ABDB-51AC-9397-2E8A9CBBAA88}"/>
+                </a:ext>
+              </a:extLst>
+            </p:cNvPr>
+            <p:cNvCxnSpPr>
+              <a:cxnSpLocks/>
+              <a:stCxn id="193" idx="2"/>
+              <a:endCxn id="196" idx="0"/>
+            </p:cNvCxnSpPr>
+            <p:nvPr/>
+          </p:nvCxnSpPr>
+          <p:spPr>
+            <a:xfrm>
+              <a:off x="2805817" y="9586976"/>
+              <a:ext cx="0" cy="421277"/>
+            </a:xfrm>
+            <a:prstGeom prst="straightConnector1">
+              <a:avLst/>
+            </a:prstGeom>
+            <a:ln>
+              <a:tailEnd type="triangle"/>
+            </a:ln>
+          </p:spPr>
+          <p:style>
+            <a:lnRef idx="1">
+              <a:schemeClr val="dk1"/>
+            </a:lnRef>
+            <a:fillRef idx="0">
+              <a:schemeClr val="dk1"/>
+            </a:fillRef>
+            <a:effectRef idx="0">
+              <a:schemeClr val="dk1"/>
+            </a:effectRef>
+            <a:fontRef idx="minor">
+              <a:schemeClr val="tx1"/>
+            </a:fontRef>
+          </p:style>
+        </p:cxnSp>
+        <p:cxnSp>
+          <p:nvCxnSpPr>
+            <p:cNvPr id="202" name="직선 화살표 연결선 201">
+              <a:extLst>
+                <a:ext uri="{FF2B5EF4-FFF2-40B4-BE49-F238E27FC236}">
+                  <a16:creationId xmlns:a16="http://schemas.microsoft.com/office/drawing/2014/main" id="{6FD204EF-944E-A4FE-2233-3792A0E1460D}"/>
+                </a:ext>
+              </a:extLst>
+            </p:cNvPr>
+            <p:cNvCxnSpPr>
+              <a:cxnSpLocks/>
+              <a:stCxn id="196" idx="2"/>
+              <a:endCxn id="197" idx="0"/>
+            </p:cNvCxnSpPr>
+            <p:nvPr/>
+          </p:nvCxnSpPr>
+          <p:spPr>
+            <a:xfrm>
+              <a:off x="2805817" y="10896159"/>
+              <a:ext cx="0" cy="421277"/>
+            </a:xfrm>
+            <a:prstGeom prst="straightConnector1">
+              <a:avLst/>
+            </a:prstGeom>
+            <a:ln>
+              <a:tailEnd type="triangle"/>
+            </a:ln>
+          </p:spPr>
+          <p:style>
+            <a:lnRef idx="1">
+              <a:schemeClr val="dk1"/>
+            </a:lnRef>
+            <a:fillRef idx="0">
+              <a:schemeClr val="dk1"/>
+            </a:fillRef>
+            <a:effectRef idx="0">
+              <a:schemeClr val="dk1"/>
+            </a:effectRef>
+            <a:fontRef idx="minor">
+              <a:schemeClr val="tx1"/>
+            </a:fontRef>
+          </p:style>
+        </p:cxnSp>
+        <p:cxnSp>
+          <p:nvCxnSpPr>
+            <p:cNvPr id="205" name="직선 화살표 연결선 204">
+              <a:extLst>
+                <a:ext uri="{FF2B5EF4-FFF2-40B4-BE49-F238E27FC236}">
+                  <a16:creationId xmlns:a16="http://schemas.microsoft.com/office/drawing/2014/main" id="{F3C90B7B-1D1E-83B0-DB4F-E26CB5AC0E99}"/>
+                </a:ext>
+              </a:extLst>
+            </p:cNvPr>
+            <p:cNvCxnSpPr>
+              <a:cxnSpLocks/>
+              <a:stCxn id="197" idx="2"/>
+              <a:endCxn id="198" idx="0"/>
+            </p:cNvCxnSpPr>
+            <p:nvPr/>
+          </p:nvCxnSpPr>
+          <p:spPr>
+            <a:xfrm flipH="1">
+              <a:off x="2805816" y="12205342"/>
+              <a:ext cx="1" cy="421277"/>
+            </a:xfrm>
+            <a:prstGeom prst="straightConnector1">
+              <a:avLst/>
+            </a:prstGeom>
+            <a:ln>
+              <a:tailEnd type="triangle"/>
+            </a:ln>
+          </p:spPr>
+          <p:style>
+            <a:lnRef idx="1">
+              <a:schemeClr val="dk1"/>
+            </a:lnRef>
+            <a:fillRef idx="0">
+              <a:schemeClr val="dk1"/>
+            </a:fillRef>
+            <a:effectRef idx="0">
+              <a:schemeClr val="dk1"/>
+            </a:effectRef>
+            <a:fontRef idx="minor">
+              <a:schemeClr val="tx1"/>
+            </a:fontRef>
+          </p:style>
+        </p:cxnSp>
+      </p:grpSp>
+      <p:grpSp>
+        <p:nvGrpSpPr>
+          <p:cNvPr id="16" name="그룹 15">
+            <a:extLst>
+              <a:ext uri="{FF2B5EF4-FFF2-40B4-BE49-F238E27FC236}">
+                <a16:creationId xmlns:a16="http://schemas.microsoft.com/office/drawing/2014/main" id="{D3D4A3DF-0B46-CA9D-D9E6-DB380950173A}"/>
+              </a:ext>
+            </a:extLst>
+          </p:cNvPr>
+          <p:cNvGrpSpPr/>
+          <p:nvPr/>
+        </p:nvGrpSpPr>
+        <p:grpSpPr>
+          <a:xfrm>
+            <a:off x="6253343" y="1828010"/>
+            <a:ext cx="7340737" cy="6706390"/>
+            <a:chOff x="6253343" y="1828010"/>
+            <a:chExt cx="7340737" cy="6706390"/>
+          </a:xfrm>
+        </p:grpSpPr>
+        <p:sp>
+          <p:nvSpPr>
+            <p:cNvPr id="115" name="사각형: 둥근 모서리 114">
+              <a:extLst>
+                <a:ext uri="{FF2B5EF4-FFF2-40B4-BE49-F238E27FC236}">
+                  <a16:creationId xmlns:a16="http://schemas.microsoft.com/office/drawing/2014/main" id="{3771F2A9-0687-7B61-A69D-5C6855AE8AA6}"/>
+                </a:ext>
+              </a:extLst>
+            </p:cNvPr>
+            <p:cNvSpPr/>
+            <p:nvPr/>
+          </p:nvSpPr>
+          <p:spPr>
+            <a:xfrm>
+              <a:off x="6253343" y="2228219"/>
+              <a:ext cx="7340737" cy="6306181"/>
+            </a:xfrm>
+            <a:prstGeom prst="roundRect">
+              <a:avLst/>
+            </a:prstGeom>
+            <a:solidFill>
+              <a:srgbClr val="599BB1"/>
+            </a:solidFill>
+            <a:ln>
+              <a:noFill/>
+            </a:ln>
+          </p:spPr>
+          <p:style>
+            <a:lnRef idx="2">
+              <a:schemeClr val="accent1">
+                <a:shade val="15000"/>
+              </a:schemeClr>
+            </a:lnRef>
+            <a:fillRef idx="1">
+              <a:schemeClr val="accent1"/>
+            </a:fillRef>
+            <a:effectRef idx="0">
+              <a:schemeClr val="accent1"/>
+            </a:effectRef>
+            <a:fontRef idx="minor">
+              <a:schemeClr val="lt1"/>
+            </a:fontRef>
+          </p:style>
+          <p:txBody>
+            <a:bodyPr rtlCol="0" anchor="ctr"/>
+            <a:lstStyle/>
+            <a:p>
+              <a:pPr algn="ctr"/>
+              <a:endParaRPr lang="ko-KR" altLang="en-US"/>
+            </a:p>
+          </p:txBody>
+        </p:sp>
+        <p:sp>
+          <p:nvSpPr>
+            <p:cNvPr id="116" name="다이아몬드 115">
+              <a:extLst>
+                <a:ext uri="{FF2B5EF4-FFF2-40B4-BE49-F238E27FC236}">
+                  <a16:creationId xmlns:a16="http://schemas.microsoft.com/office/drawing/2014/main" id="{F808184D-EC78-4C3C-5C34-87611E2DE828}"/>
+                </a:ext>
+              </a:extLst>
+            </p:cNvPr>
+            <p:cNvSpPr/>
+            <p:nvPr/>
+          </p:nvSpPr>
+          <p:spPr>
+            <a:xfrm>
+              <a:off x="6660847" y="4466411"/>
+              <a:ext cx="3363240" cy="999066"/>
+            </a:xfrm>
+            <a:prstGeom prst="diamond">
+              <a:avLst/>
+            </a:prstGeom>
+            <a:solidFill>
+              <a:srgbClr val="97C8CD"/>
+            </a:solidFill>
+            <a:ln>
+              <a:noFill/>
+            </a:ln>
+          </p:spPr>
+          <p:style>
+            <a:lnRef idx="2">
+              <a:schemeClr val="accent1">
+                <a:shade val="15000"/>
+              </a:schemeClr>
+            </a:lnRef>
+            <a:fillRef idx="1">
+              <a:schemeClr val="accent1"/>
+            </a:fillRef>
+            <a:effectRef idx="0">
+              <a:schemeClr val="accent1"/>
+            </a:effectRef>
+            <a:fontRef idx="minor">
+              <a:schemeClr val="lt1"/>
+            </a:fontRef>
+          </p:style>
+          <p:txBody>
+            <a:bodyPr rtlCol="0" anchor="ctr"/>
+            <a:lstStyle/>
+            <a:p>
+              <a:pPr algn="ctr"/>
+              <a:r>
+                <a:rPr lang="en-US" altLang="ko-KR" sz="1400" dirty="0" err="1">
+                  <a:solidFill>
+                    <a:schemeClr val="tx1"/>
+                  </a:solidFill>
+                  <a:latin typeface="HelveticaNeueLT Com 53 Ex" panose="020B0605020202020204" pitchFamily="34" charset="0"/>
+                </a:rPr>
+                <a:t>len</a:t>
+              </a:r>
+              <a:r>
+                <a:rPr lang="en-US" altLang="ko-KR" sz="1400" dirty="0">
+                  <a:solidFill>
+                    <a:schemeClr val="tx1"/>
+                  </a:solidFill>
+                  <a:latin typeface="HelveticaNeueLT Com 53 Ex" panose="020B0605020202020204" pitchFamily="34" charset="0"/>
+                </a:rPr>
+                <a:t>(</a:t>
+              </a:r>
+              <a:r>
+                <a:rPr lang="en-US" altLang="ko-KR" sz="1400" dirty="0" err="1">
+                  <a:solidFill>
+                    <a:schemeClr val="tx1"/>
+                  </a:solidFill>
+                  <a:latin typeface="HelveticaNeueLT Com 53 Ex" panose="020B0605020202020204" pitchFamily="34" charset="0"/>
+                </a:rPr>
+                <a:t>key_list</a:t>
+              </a:r>
+              <a:r>
+                <a:rPr lang="en-US" altLang="ko-KR" sz="1400" dirty="0">
+                  <a:solidFill>
+                    <a:schemeClr val="tx1"/>
+                  </a:solidFill>
+                  <a:latin typeface="HelveticaNeueLT Com 53 Ex" panose="020B0605020202020204" pitchFamily="34" charset="0"/>
+                </a:rPr>
+                <a:t>) ≥ inserted ≥ 0</a:t>
+              </a:r>
+              <a:endParaRPr lang="ko-KR" altLang="en-US" sz="1400" dirty="0">
                 <a:solidFill>
                   <a:schemeClr val="tx1"/>
                 </a:solidFill>
                 <a:latin typeface="HelveticaNeueLT Com 53 Ex" panose="020B0605020202020204" pitchFamily="34" charset="0"/>
-              </a:rPr>
-              <a:t>i</a:t>
-            </a:r>
-            <a:r>
-              <a:rPr lang="en-US" altLang="ko-KR" dirty="0">
+              </a:endParaRPr>
+            </a:p>
+          </p:txBody>
+        </p:sp>
+        <p:cxnSp>
+          <p:nvCxnSpPr>
+            <p:cNvPr id="118" name="직선 화살표 연결선 117">
+              <a:extLst>
+                <a:ext uri="{FF2B5EF4-FFF2-40B4-BE49-F238E27FC236}">
+                  <a16:creationId xmlns:a16="http://schemas.microsoft.com/office/drawing/2014/main" id="{667B2672-AE0A-30CD-944C-39363A7674C5}"/>
+                </a:ext>
+              </a:extLst>
+            </p:cNvPr>
+            <p:cNvCxnSpPr>
+              <a:cxnSpLocks/>
+              <a:stCxn id="116" idx="2"/>
+              <a:endCxn id="160" idx="0"/>
+            </p:cNvCxnSpPr>
+            <p:nvPr/>
+          </p:nvCxnSpPr>
+          <p:spPr>
+            <a:xfrm>
+              <a:off x="8342467" y="5465477"/>
+              <a:ext cx="0" cy="444794"/>
+            </a:xfrm>
+            <a:prstGeom prst="straightConnector1">
+              <a:avLst/>
+            </a:prstGeom>
+            <a:ln>
+              <a:tailEnd type="triangle"/>
+            </a:ln>
+          </p:spPr>
+          <p:style>
+            <a:lnRef idx="1">
+              <a:schemeClr val="dk1"/>
+            </a:lnRef>
+            <a:fillRef idx="0">
+              <a:schemeClr val="dk1"/>
+            </a:fillRef>
+            <a:effectRef idx="0">
+              <a:schemeClr val="dk1"/>
+            </a:effectRef>
+            <a:fontRef idx="minor">
+              <a:schemeClr val="tx1"/>
+            </a:fontRef>
+          </p:style>
+        </p:cxnSp>
+        <p:sp>
+          <p:nvSpPr>
+            <p:cNvPr id="119" name="TextBox 118">
+              <a:extLst>
+                <a:ext uri="{FF2B5EF4-FFF2-40B4-BE49-F238E27FC236}">
+                  <a16:creationId xmlns:a16="http://schemas.microsoft.com/office/drawing/2014/main" id="{2581369A-B059-F9D4-0CDB-DE92F1225E96}"/>
+                </a:ext>
+              </a:extLst>
+            </p:cNvPr>
+            <p:cNvSpPr txBox="1"/>
+            <p:nvPr/>
+          </p:nvSpPr>
+          <p:spPr>
+            <a:xfrm>
+              <a:off x="7747411" y="5399251"/>
+              <a:ext cx="462114" cy="369332"/>
+            </a:xfrm>
+            <a:prstGeom prst="rect">
+              <a:avLst/>
+            </a:prstGeom>
+            <a:noFill/>
+          </p:spPr>
+          <p:txBody>
+            <a:bodyPr wrap="square" rtlCol="0">
+              <a:spAutoFit/>
+            </a:bodyPr>
+            <a:lstStyle/>
+            <a:p>
+              <a:r>
+                <a:rPr lang="en-US" altLang="ko-KR" dirty="0">
+                  <a:latin typeface="HelveticaNeueLT Com 47 LtCn" panose="020B0406020202030204" pitchFamily="34" charset="0"/>
+                </a:rPr>
+                <a:t>Yes</a:t>
+              </a:r>
+              <a:endParaRPr lang="ko-KR" altLang="en-US" dirty="0">
+                <a:latin typeface="HelveticaNeueLT Com 47 LtCn" panose="020B0406020202030204" pitchFamily="34" charset="0"/>
+              </a:endParaRPr>
+            </a:p>
+          </p:txBody>
+        </p:sp>
+        <p:sp>
+          <p:nvSpPr>
+            <p:cNvPr id="120" name="TextBox 119">
+              <a:extLst>
+                <a:ext uri="{FF2B5EF4-FFF2-40B4-BE49-F238E27FC236}">
+                  <a16:creationId xmlns:a16="http://schemas.microsoft.com/office/drawing/2014/main" id="{795572F0-6237-5CA6-756E-E1E3C3308FF4}"/>
+                </a:ext>
+              </a:extLst>
+            </p:cNvPr>
+            <p:cNvSpPr txBox="1"/>
+            <p:nvPr/>
+          </p:nvSpPr>
+          <p:spPr>
+            <a:xfrm>
+              <a:off x="10722137" y="4581174"/>
+              <a:ext cx="405880" cy="369332"/>
+            </a:xfrm>
+            <a:prstGeom prst="rect">
+              <a:avLst/>
+            </a:prstGeom>
+            <a:noFill/>
+          </p:spPr>
+          <p:txBody>
+            <a:bodyPr wrap="square" rtlCol="0">
+              <a:spAutoFit/>
+            </a:bodyPr>
+            <a:lstStyle/>
+            <a:p>
+              <a:r>
+                <a:rPr lang="en-US" altLang="ko-KR" dirty="0">
+                  <a:latin typeface="HelveticaNeueLT Com 47 LtCn" panose="020B0406020202030204" pitchFamily="34" charset="0"/>
+                </a:rPr>
+                <a:t>No</a:t>
+              </a:r>
+              <a:endParaRPr lang="ko-KR" altLang="en-US" dirty="0">
+                <a:latin typeface="HelveticaNeueLT Com 47 LtCn" panose="020B0406020202030204" pitchFamily="34" charset="0"/>
+              </a:endParaRPr>
+            </a:p>
+          </p:txBody>
+        </p:sp>
+        <p:cxnSp>
+          <p:nvCxnSpPr>
+            <p:cNvPr id="122" name="연결선: 꺾임 121">
+              <a:extLst>
+                <a:ext uri="{FF2B5EF4-FFF2-40B4-BE49-F238E27FC236}">
+                  <a16:creationId xmlns:a16="http://schemas.microsoft.com/office/drawing/2014/main" id="{BC85FC12-603F-81CE-4D47-00BBE686124C}"/>
+                </a:ext>
+              </a:extLst>
+            </p:cNvPr>
+            <p:cNvCxnSpPr>
+              <a:cxnSpLocks/>
+              <a:stCxn id="116" idx="3"/>
+              <a:endCxn id="123" idx="0"/>
+            </p:cNvCxnSpPr>
+            <p:nvPr/>
+          </p:nvCxnSpPr>
+          <p:spPr>
+            <a:xfrm>
+              <a:off x="10024087" y="4965944"/>
+              <a:ext cx="1641735" cy="333917"/>
+            </a:xfrm>
+            <a:prstGeom prst="bentConnector2">
+              <a:avLst/>
+            </a:prstGeom>
+            <a:ln>
+              <a:tailEnd type="triangle"/>
+            </a:ln>
+          </p:spPr>
+          <p:style>
+            <a:lnRef idx="1">
+              <a:schemeClr val="dk1"/>
+            </a:lnRef>
+            <a:fillRef idx="0">
+              <a:schemeClr val="dk1"/>
+            </a:fillRef>
+            <a:effectRef idx="0">
+              <a:schemeClr val="dk1"/>
+            </a:effectRef>
+            <a:fontRef idx="minor">
+              <a:schemeClr val="tx1"/>
+            </a:fontRef>
+          </p:style>
+        </p:cxnSp>
+        <p:sp>
+          <p:nvSpPr>
+            <p:cNvPr id="123" name="사각형: 둥근 모서리 122">
+              <a:extLst>
+                <a:ext uri="{FF2B5EF4-FFF2-40B4-BE49-F238E27FC236}">
+                  <a16:creationId xmlns:a16="http://schemas.microsoft.com/office/drawing/2014/main" id="{146216EB-419C-49AF-C816-FA67183988DD}"/>
+                </a:ext>
+              </a:extLst>
+            </p:cNvPr>
+            <p:cNvSpPr/>
+            <p:nvPr/>
+          </p:nvSpPr>
+          <p:spPr>
+            <a:xfrm>
+              <a:off x="10254004" y="5299861"/>
+              <a:ext cx="2823636" cy="762000"/>
+            </a:xfrm>
+            <a:prstGeom prst="roundRect">
+              <a:avLst/>
+            </a:prstGeom>
+            <a:solidFill>
+              <a:srgbClr val="B6D2DC"/>
+            </a:solidFill>
+            <a:ln>
+              <a:noFill/>
+            </a:ln>
+          </p:spPr>
+          <p:style>
+            <a:lnRef idx="2">
+              <a:schemeClr val="accent1">
+                <a:shade val="15000"/>
+              </a:schemeClr>
+            </a:lnRef>
+            <a:fillRef idx="1">
+              <a:schemeClr val="accent1"/>
+            </a:fillRef>
+            <a:effectRef idx="0">
+              <a:schemeClr val="accent1"/>
+            </a:effectRef>
+            <a:fontRef idx="minor">
+              <a:schemeClr val="lt1"/>
+            </a:fontRef>
+          </p:style>
+          <p:txBody>
+            <a:bodyPr rtlCol="0" anchor="ctr"/>
+            <a:lstStyle/>
+            <a:p>
+              <a:pPr algn="ctr"/>
+              <a:r>
+                <a:rPr lang="en-US" altLang="ko-KR" b="0" i="0" dirty="0">
+                  <a:solidFill>
+                    <a:srgbClr val="1A1918"/>
+                  </a:solidFill>
+                  <a:effectLst/>
+                  <a:latin typeface="HelveticaNeueLT Com 53 Ex" panose="020B0605020202020204" pitchFamily="34" charset="0"/>
+                </a:rPr>
+                <a:t>"Select a valid menu number."</a:t>
+              </a:r>
+              <a:endParaRPr lang="ko-KR" altLang="en-US" dirty="0">
                 <a:solidFill>
                   <a:schemeClr val="tx1"/>
                 </a:solidFill>
                 <a:latin typeface="HelveticaNeueLT Com 53 Ex" panose="020B0605020202020204" pitchFamily="34" charset="0"/>
-              </a:rPr>
-              <a:t> in range(</a:t>
-            </a:r>
-            <a:r>
-              <a:rPr lang="en-US" altLang="ko-KR" dirty="0" err="1">
-                <a:solidFill>
-                  <a:schemeClr val="tx1"/>
-                </a:solidFill>
-                <a:latin typeface="HelveticaNeueLT Com 53 Ex" panose="020B0605020202020204" pitchFamily="34" charset="0"/>
-              </a:rPr>
-              <a:t>len</a:t>
-            </a:r>
-            <a:r>
-              <a:rPr lang="en-US" altLang="ko-KR" dirty="0">
-                <a:solidFill>
-                  <a:schemeClr val="tx1"/>
-                </a:solidFill>
-                <a:latin typeface="HelveticaNeueLT Com 53 Ex" panose="020B0605020202020204" pitchFamily="34" charset="0"/>
-              </a:rPr>
-              <a:t>(</a:t>
-            </a:r>
-            <a:r>
-              <a:rPr lang="en-US" altLang="ko-KR" dirty="0" err="1">
-                <a:solidFill>
-                  <a:schemeClr val="tx1"/>
-                </a:solidFill>
-                <a:latin typeface="HelveticaNeueLT Com 53 Ex" panose="020B0605020202020204" pitchFamily="34" charset="0"/>
-              </a:rPr>
-              <a:t>key_list</a:t>
-            </a:r>
-            <a:r>
-              <a:rPr lang="en-US" altLang="ko-KR" dirty="0">
-                <a:solidFill>
-                  <a:schemeClr val="tx1"/>
-                </a:solidFill>
-                <a:latin typeface="HelveticaNeueLT Com 53 Ex" panose="020B0605020202020204" pitchFamily="34" charset="0"/>
-              </a:rPr>
-              <a:t>))</a:t>
-            </a:r>
-            <a:endParaRPr lang="ko-KR" altLang="en-US" dirty="0">
-              <a:solidFill>
-                <a:schemeClr val="tx1"/>
-              </a:solidFill>
-              <a:latin typeface="HelveticaNeueLT Com 53 Ex" panose="020B0605020202020204" pitchFamily="34" charset="0"/>
-            </a:endParaRPr>
-          </a:p>
-        </p:txBody>
-      </p:sp>
-      <p:sp>
-        <p:nvSpPr>
-          <p:cNvPr id="60" name="TextBox 59">
-            <a:extLst>
-              <a:ext uri="{FF2B5EF4-FFF2-40B4-BE49-F238E27FC236}">
-                <a16:creationId xmlns:a16="http://schemas.microsoft.com/office/drawing/2014/main" id="{7380813F-C106-F927-2B79-A929627B8399}"/>
-              </a:ext>
-            </a:extLst>
-          </p:cNvPr>
-          <p:cNvSpPr txBox="1"/>
-          <p:nvPr/>
-        </p:nvSpPr>
-        <p:spPr>
-          <a:xfrm>
-            <a:off x="2520060" y="-1257969"/>
-            <a:ext cx="1938351" cy="400110"/>
-          </a:xfrm>
-          <a:prstGeom prst="rect">
-            <a:avLst/>
-          </a:prstGeom>
-          <a:noFill/>
-        </p:spPr>
-        <p:txBody>
-          <a:bodyPr wrap="none" rtlCol="0">
-            <a:spAutoFit/>
-          </a:bodyPr>
-          <a:lstStyle/>
-          <a:p>
-            <a:r>
-              <a:rPr lang="en-US" altLang="ko-KR" sz="2000" dirty="0" err="1">
+              </a:endParaRPr>
+            </a:p>
+          </p:txBody>
+        </p:sp>
+        <p:sp>
+          <p:nvSpPr>
+            <p:cNvPr id="124" name="TextBox 123">
+              <a:extLst>
+                <a:ext uri="{FF2B5EF4-FFF2-40B4-BE49-F238E27FC236}">
+                  <a16:creationId xmlns:a16="http://schemas.microsoft.com/office/drawing/2014/main" id="{3177678F-929E-23BD-B184-49F1DCB8EDA6}"/>
+                </a:ext>
+              </a:extLst>
+            </p:cNvPr>
+            <p:cNvSpPr txBox="1"/>
+            <p:nvPr/>
+          </p:nvSpPr>
+          <p:spPr>
+            <a:xfrm>
+              <a:off x="8744826" y="1828010"/>
+              <a:ext cx="2558521" cy="677108"/>
+            </a:xfrm>
+            <a:prstGeom prst="rect">
+              <a:avLst/>
+            </a:prstGeom>
+            <a:noFill/>
+          </p:spPr>
+          <p:txBody>
+            <a:bodyPr wrap="none" rtlCol="0">
+              <a:spAutoFit/>
+            </a:bodyPr>
+            <a:lstStyle/>
+            <a:p>
+              <a:r>
+                <a:rPr lang="en-US" altLang="ko-KR" sz="2000" dirty="0">
+                  <a:latin typeface="Helvetica LT Std Black" panose="020B0904030502020204" pitchFamily="34" charset="0"/>
+                </a:rPr>
+                <a:t>choose(inserted)</a:t>
+              </a:r>
+              <a:endParaRPr lang="ko-KR" altLang="en-US" sz="2000" dirty="0">
                 <a:latin typeface="Helvetica LT Std Black" panose="020B0904030502020204" pitchFamily="34" charset="0"/>
-              </a:rPr>
-              <a:t>print_menu</a:t>
-            </a:r>
-            <a:r>
-              <a:rPr lang="en-US" altLang="ko-KR" sz="2000" dirty="0">
-                <a:latin typeface="Helvetica LT Std Black" panose="020B0904030502020204" pitchFamily="34" charset="0"/>
-              </a:rPr>
-              <a:t>()</a:t>
-            </a:r>
-            <a:endParaRPr lang="ko-KR" altLang="en-US" sz="2000" dirty="0">
-              <a:latin typeface="Helvetica LT Std Black" panose="020B0904030502020204" pitchFamily="34" charset="0"/>
-            </a:endParaRPr>
-          </a:p>
-        </p:txBody>
-      </p:sp>
-      <p:sp>
-        <p:nvSpPr>
-          <p:cNvPr id="61" name="TextBox 60">
-            <a:extLst>
-              <a:ext uri="{FF2B5EF4-FFF2-40B4-BE49-F238E27FC236}">
-                <a16:creationId xmlns:a16="http://schemas.microsoft.com/office/drawing/2014/main" id="{B4BFDB12-AF8B-15CB-A343-CDB5A7AE766B}"/>
-              </a:ext>
-            </a:extLst>
-          </p:cNvPr>
-          <p:cNvSpPr txBox="1"/>
-          <p:nvPr/>
-        </p:nvSpPr>
-        <p:spPr>
-          <a:xfrm>
-            <a:off x="3306230" y="4602922"/>
-            <a:ext cx="462114" cy="369332"/>
-          </a:xfrm>
-          <a:prstGeom prst="rect">
-            <a:avLst/>
-          </a:prstGeom>
-          <a:noFill/>
-        </p:spPr>
-        <p:txBody>
-          <a:bodyPr wrap="none" rtlCol="0">
-            <a:spAutoFit/>
-          </a:bodyPr>
-          <a:lstStyle/>
-          <a:p>
-            <a:r>
-              <a:rPr lang="en-US" altLang="ko-KR" dirty="0">
-                <a:latin typeface="HelveticaNeueLT Com 47 LtCn" panose="020B0406020202030204" pitchFamily="34" charset="0"/>
-              </a:rPr>
-              <a:t>Yes</a:t>
-            </a:r>
-            <a:endParaRPr lang="ko-KR" altLang="en-US" dirty="0">
-              <a:latin typeface="HelveticaNeueLT Com 47 LtCn" panose="020B0406020202030204" pitchFamily="34" charset="0"/>
-            </a:endParaRPr>
-          </a:p>
-        </p:txBody>
-      </p:sp>
-      <p:sp>
-        <p:nvSpPr>
-          <p:cNvPr id="62" name="TextBox 61">
-            <a:extLst>
-              <a:ext uri="{FF2B5EF4-FFF2-40B4-BE49-F238E27FC236}">
-                <a16:creationId xmlns:a16="http://schemas.microsoft.com/office/drawing/2014/main" id="{EC8A9F00-A235-EBB1-B953-1AADA1B2A915}"/>
-              </a:ext>
-            </a:extLst>
-          </p:cNvPr>
-          <p:cNvSpPr txBox="1"/>
-          <p:nvPr/>
-        </p:nvSpPr>
-        <p:spPr>
-          <a:xfrm>
-            <a:off x="5165838" y="2626688"/>
-            <a:ext cx="405880" cy="369332"/>
-          </a:xfrm>
-          <a:prstGeom prst="rect">
-            <a:avLst/>
-          </a:prstGeom>
-          <a:noFill/>
-        </p:spPr>
-        <p:txBody>
-          <a:bodyPr wrap="none" rtlCol="0">
-            <a:spAutoFit/>
-          </a:bodyPr>
-          <a:lstStyle/>
-          <a:p>
-            <a:r>
-              <a:rPr lang="en-US" altLang="ko-KR" dirty="0">
-                <a:latin typeface="HelveticaNeueLT Com 47 LtCn" panose="020B0406020202030204" pitchFamily="34" charset="0"/>
-              </a:rPr>
-              <a:t>No</a:t>
-            </a:r>
-            <a:endParaRPr lang="ko-KR" altLang="en-US" dirty="0">
-              <a:latin typeface="HelveticaNeueLT Com 47 LtCn" panose="020B0406020202030204" pitchFamily="34" charset="0"/>
-            </a:endParaRPr>
-          </a:p>
-        </p:txBody>
-      </p:sp>
-      <p:sp>
-        <p:nvSpPr>
-          <p:cNvPr id="63" name="사각형: 둥근 모서리 62">
-            <a:extLst>
-              <a:ext uri="{FF2B5EF4-FFF2-40B4-BE49-F238E27FC236}">
-                <a16:creationId xmlns:a16="http://schemas.microsoft.com/office/drawing/2014/main" id="{5159F124-A5C3-01B5-30C4-62392CECBFB3}"/>
-              </a:ext>
-            </a:extLst>
-          </p:cNvPr>
-          <p:cNvSpPr/>
-          <p:nvPr/>
-        </p:nvSpPr>
-        <p:spPr>
-          <a:xfrm>
-            <a:off x="6253344" y="-3323283"/>
-            <a:ext cx="6008772" cy="5090640"/>
-          </a:xfrm>
-          <a:prstGeom prst="roundRect">
-            <a:avLst/>
-          </a:prstGeom>
-          <a:solidFill>
-            <a:srgbClr val="599BB1"/>
-          </a:solidFill>
-          <a:ln>
-            <a:noFill/>
-          </a:ln>
-        </p:spPr>
-        <p:style>
-          <a:lnRef idx="2">
-            <a:schemeClr val="accent1">
-              <a:shade val="15000"/>
-            </a:schemeClr>
-          </a:lnRef>
-          <a:fillRef idx="1">
-            <a:schemeClr val="accent1"/>
-          </a:fillRef>
-          <a:effectRef idx="0">
-            <a:schemeClr val="accent1"/>
-          </a:effectRef>
-          <a:fontRef idx="minor">
-            <a:schemeClr val="lt1"/>
-          </a:fontRef>
-        </p:style>
-        <p:txBody>
-          <a:bodyPr rtlCol="0" anchor="ctr"/>
-          <a:lstStyle/>
-          <a:p>
-            <a:pPr algn="ctr"/>
-            <a:endParaRPr lang="ko-KR" altLang="en-US"/>
-          </a:p>
-        </p:txBody>
-      </p:sp>
-      <p:sp>
-        <p:nvSpPr>
-          <p:cNvPr id="67" name="다이아몬드 66">
-            <a:extLst>
-              <a:ext uri="{FF2B5EF4-FFF2-40B4-BE49-F238E27FC236}">
-                <a16:creationId xmlns:a16="http://schemas.microsoft.com/office/drawing/2014/main" id="{29FCA938-ACD4-D8F5-536A-4A1845D4D6E3}"/>
-              </a:ext>
-            </a:extLst>
-          </p:cNvPr>
-          <p:cNvSpPr/>
-          <p:nvPr/>
-        </p:nvSpPr>
-        <p:spPr>
-          <a:xfrm>
-            <a:off x="6694133" y="-2902003"/>
-            <a:ext cx="3014466" cy="999066"/>
-          </a:xfrm>
-          <a:prstGeom prst="diamond">
-            <a:avLst/>
-          </a:prstGeom>
-          <a:solidFill>
-            <a:srgbClr val="97C8CD"/>
-          </a:solidFill>
-          <a:ln>
-            <a:noFill/>
-          </a:ln>
-        </p:spPr>
-        <p:style>
-          <a:lnRef idx="2">
-            <a:schemeClr val="accent1">
-              <a:shade val="15000"/>
-            </a:schemeClr>
-          </a:lnRef>
-          <a:fillRef idx="1">
-            <a:schemeClr val="accent1"/>
-          </a:fillRef>
-          <a:effectRef idx="0">
-            <a:schemeClr val="accent1"/>
-          </a:effectRef>
-          <a:fontRef idx="minor">
-            <a:schemeClr val="lt1"/>
-          </a:fontRef>
-        </p:style>
-        <p:txBody>
-          <a:bodyPr rtlCol="0" anchor="ctr"/>
-          <a:lstStyle/>
-          <a:p>
-            <a:pPr algn="ctr"/>
-            <a:r>
-              <a:rPr lang="en-US" altLang="ko-KR" dirty="0">
-                <a:solidFill>
-                  <a:schemeClr val="tx1"/>
-                </a:solidFill>
-                <a:latin typeface="HelveticaNeueLT Com 53 Ex" panose="020B0605020202020204" pitchFamily="34" charset="0"/>
-              </a:rPr>
-              <a:t>money ≥ 0</a:t>
-            </a:r>
-            <a:endParaRPr lang="ko-KR" altLang="en-US" dirty="0">
-              <a:solidFill>
-                <a:schemeClr val="tx1"/>
-              </a:solidFill>
-              <a:latin typeface="HelveticaNeueLT Com 53 Ex" panose="020B0605020202020204" pitchFamily="34" charset="0"/>
-            </a:endParaRPr>
-          </a:p>
-        </p:txBody>
-      </p:sp>
-      <p:sp>
-        <p:nvSpPr>
-          <p:cNvPr id="68" name="사각형: 둥근 모서리 67">
-            <a:extLst>
-              <a:ext uri="{FF2B5EF4-FFF2-40B4-BE49-F238E27FC236}">
-                <a16:creationId xmlns:a16="http://schemas.microsoft.com/office/drawing/2014/main" id="{62D53E42-3FB3-7BD8-0654-7507D445999D}"/>
-              </a:ext>
-            </a:extLst>
-          </p:cNvPr>
-          <p:cNvSpPr/>
-          <p:nvPr/>
-        </p:nvSpPr>
-        <p:spPr>
-          <a:xfrm>
-            <a:off x="6777628" y="445986"/>
-            <a:ext cx="2823636" cy="762000"/>
-          </a:xfrm>
-          <a:prstGeom prst="roundRect">
-            <a:avLst/>
-          </a:prstGeom>
-          <a:solidFill>
-            <a:srgbClr val="B6D2DC"/>
-          </a:solidFill>
-          <a:ln>
-            <a:noFill/>
-          </a:ln>
-        </p:spPr>
-        <p:style>
-          <a:lnRef idx="2">
-            <a:schemeClr val="accent1">
-              <a:shade val="15000"/>
-            </a:schemeClr>
-          </a:lnRef>
-          <a:fillRef idx="1">
-            <a:schemeClr val="accent1"/>
-          </a:fillRef>
-          <a:effectRef idx="0">
-            <a:schemeClr val="accent1"/>
-          </a:effectRef>
-          <a:fontRef idx="minor">
-            <a:schemeClr val="lt1"/>
-          </a:fontRef>
-        </p:style>
-        <p:txBody>
-          <a:bodyPr rtlCol="0" anchor="ctr"/>
-          <a:lstStyle/>
-          <a:p>
-            <a:pPr algn="ctr"/>
-            <a:r>
-              <a:rPr lang="en-US" altLang="ko-KR" dirty="0">
-                <a:solidFill>
-                  <a:schemeClr val="tx1"/>
-                </a:solidFill>
-                <a:latin typeface="Helvetica LT Std Black" panose="020B0904030502020204" pitchFamily="34" charset="0"/>
-              </a:rPr>
-              <a:t>choose(money)</a:t>
-            </a:r>
-            <a:endParaRPr lang="ko-KR" altLang="en-US" dirty="0">
-              <a:solidFill>
-                <a:schemeClr val="tx1"/>
-              </a:solidFill>
-              <a:latin typeface="Helvetica LT Std Black" panose="020B0904030502020204" pitchFamily="34" charset="0"/>
-            </a:endParaRPr>
-          </a:p>
-        </p:txBody>
-      </p:sp>
-      <p:cxnSp>
-        <p:nvCxnSpPr>
-          <p:cNvPr id="70" name="직선 화살표 연결선 69">
-            <a:extLst>
-              <a:ext uri="{FF2B5EF4-FFF2-40B4-BE49-F238E27FC236}">
-                <a16:creationId xmlns:a16="http://schemas.microsoft.com/office/drawing/2014/main" id="{92D67DF3-5B87-082F-8724-DAED91D27EE0}"/>
-              </a:ext>
-            </a:extLst>
-          </p:cNvPr>
-          <p:cNvCxnSpPr>
-            <a:cxnSpLocks/>
-            <a:stCxn id="67" idx="2"/>
-            <a:endCxn id="68" idx="0"/>
-          </p:cNvCxnSpPr>
-          <p:nvPr/>
-        </p:nvCxnSpPr>
-        <p:spPr>
-          <a:xfrm flipH="1">
-            <a:off x="8189446" y="-1902937"/>
-            <a:ext cx="11920" cy="2348923"/>
-          </a:xfrm>
-          <a:prstGeom prst="straightConnector1">
-            <a:avLst/>
-          </a:prstGeom>
-          <a:ln>
-            <a:tailEnd type="triangle"/>
-          </a:ln>
-        </p:spPr>
-        <p:style>
-          <a:lnRef idx="1">
-            <a:schemeClr val="dk1"/>
-          </a:lnRef>
-          <a:fillRef idx="0">
-            <a:schemeClr val="dk1"/>
-          </a:fillRef>
-          <a:effectRef idx="0">
-            <a:schemeClr val="dk1"/>
-          </a:effectRef>
-          <a:fontRef idx="minor">
-            <a:schemeClr val="tx1"/>
-          </a:fontRef>
-        </p:style>
-      </p:cxnSp>
-      <p:sp>
-        <p:nvSpPr>
-          <p:cNvPr id="73" name="TextBox 72">
-            <a:extLst>
-              <a:ext uri="{FF2B5EF4-FFF2-40B4-BE49-F238E27FC236}">
-                <a16:creationId xmlns:a16="http://schemas.microsoft.com/office/drawing/2014/main" id="{28C48FAC-DCC1-41BD-73C9-FD607F40937D}"/>
-              </a:ext>
-            </a:extLst>
-          </p:cNvPr>
-          <p:cNvSpPr txBox="1"/>
-          <p:nvPr/>
-        </p:nvSpPr>
-        <p:spPr>
-          <a:xfrm>
-            <a:off x="8172052" y="-1050432"/>
-            <a:ext cx="462114" cy="369332"/>
-          </a:xfrm>
-          <a:prstGeom prst="rect">
-            <a:avLst/>
-          </a:prstGeom>
-          <a:noFill/>
-        </p:spPr>
-        <p:txBody>
-          <a:bodyPr wrap="square" rtlCol="0">
-            <a:spAutoFit/>
-          </a:bodyPr>
-          <a:lstStyle/>
-          <a:p>
-            <a:r>
-              <a:rPr lang="en-US" altLang="ko-KR" dirty="0">
-                <a:latin typeface="HelveticaNeueLT Com 47 LtCn" panose="020B0406020202030204" pitchFamily="34" charset="0"/>
-              </a:rPr>
-              <a:t>Yes</a:t>
-            </a:r>
-            <a:endParaRPr lang="ko-KR" altLang="en-US" dirty="0">
-              <a:latin typeface="HelveticaNeueLT Com 47 LtCn" panose="020B0406020202030204" pitchFamily="34" charset="0"/>
-            </a:endParaRPr>
-          </a:p>
-        </p:txBody>
-      </p:sp>
-      <p:sp>
-        <p:nvSpPr>
-          <p:cNvPr id="74" name="TextBox 73">
-            <a:extLst>
-              <a:ext uri="{FF2B5EF4-FFF2-40B4-BE49-F238E27FC236}">
-                <a16:creationId xmlns:a16="http://schemas.microsoft.com/office/drawing/2014/main" id="{CB0E81C8-A5BD-4AF9-FD33-FFF7D9616BAD}"/>
-              </a:ext>
-            </a:extLst>
-          </p:cNvPr>
-          <p:cNvSpPr txBox="1"/>
-          <p:nvPr/>
-        </p:nvSpPr>
-        <p:spPr>
-          <a:xfrm>
-            <a:off x="10057148" y="-2757932"/>
-            <a:ext cx="405880" cy="369332"/>
-          </a:xfrm>
-          <a:prstGeom prst="rect">
-            <a:avLst/>
-          </a:prstGeom>
-          <a:noFill/>
-        </p:spPr>
-        <p:txBody>
-          <a:bodyPr wrap="square" rtlCol="0">
-            <a:spAutoFit/>
-          </a:bodyPr>
-          <a:lstStyle/>
-          <a:p>
-            <a:r>
-              <a:rPr lang="en-US" altLang="ko-KR" dirty="0">
-                <a:latin typeface="HelveticaNeueLT Com 47 LtCn" panose="020B0406020202030204" pitchFamily="34" charset="0"/>
-              </a:rPr>
-              <a:t>No</a:t>
-            </a:r>
-            <a:endParaRPr lang="ko-KR" altLang="en-US" dirty="0">
-              <a:latin typeface="HelveticaNeueLT Com 47 LtCn" panose="020B0406020202030204" pitchFamily="34" charset="0"/>
-            </a:endParaRPr>
-          </a:p>
-        </p:txBody>
-      </p:sp>
-      <p:sp>
-        <p:nvSpPr>
-          <p:cNvPr id="75" name="TextBox 74">
-            <a:extLst>
-              <a:ext uri="{FF2B5EF4-FFF2-40B4-BE49-F238E27FC236}">
-                <a16:creationId xmlns:a16="http://schemas.microsoft.com/office/drawing/2014/main" id="{D982E8C3-F300-05D4-26BC-B478AEDA9A03}"/>
-              </a:ext>
-            </a:extLst>
-          </p:cNvPr>
-          <p:cNvSpPr txBox="1"/>
-          <p:nvPr/>
-        </p:nvSpPr>
-        <p:spPr>
-          <a:xfrm>
-            <a:off x="7793322" y="-3740326"/>
-            <a:ext cx="2928815" cy="400110"/>
-          </a:xfrm>
-          <a:prstGeom prst="rect">
-            <a:avLst/>
-          </a:prstGeom>
-          <a:noFill/>
-        </p:spPr>
-        <p:txBody>
-          <a:bodyPr wrap="square" rtlCol="0">
-            <a:spAutoFit/>
-          </a:bodyPr>
-          <a:lstStyle/>
-          <a:p>
-            <a:r>
-              <a:rPr lang="en-US" altLang="ko-KR" sz="2000" dirty="0" err="1">
-                <a:latin typeface="Helvetica LT Std Black" panose="020B0904030502020204" pitchFamily="34" charset="0"/>
-              </a:rPr>
-              <a:t>insert_cash</a:t>
-            </a:r>
-            <a:r>
-              <a:rPr lang="en-US" altLang="ko-KR" sz="2000" dirty="0">
-                <a:latin typeface="Helvetica LT Std Black" panose="020B0904030502020204" pitchFamily="34" charset="0"/>
-              </a:rPr>
-              <a:t>(money)</a:t>
-            </a:r>
-            <a:endParaRPr lang="ko-KR" altLang="en-US" sz="2000" dirty="0">
-              <a:latin typeface="Helvetica LT Std Black" panose="020B0904030502020204" pitchFamily="34" charset="0"/>
-            </a:endParaRPr>
-          </a:p>
-        </p:txBody>
-      </p:sp>
-      <p:cxnSp>
-        <p:nvCxnSpPr>
-          <p:cNvPr id="109" name="연결선: 꺾임 108">
-            <a:extLst>
-              <a:ext uri="{FF2B5EF4-FFF2-40B4-BE49-F238E27FC236}">
-                <a16:creationId xmlns:a16="http://schemas.microsoft.com/office/drawing/2014/main" id="{487ED67A-2749-07B1-F916-9AE6F6270CAC}"/>
-              </a:ext>
-            </a:extLst>
-          </p:cNvPr>
-          <p:cNvCxnSpPr>
-            <a:cxnSpLocks/>
-            <a:stCxn id="67" idx="3"/>
-            <a:endCxn id="112" idx="0"/>
-          </p:cNvCxnSpPr>
-          <p:nvPr/>
-        </p:nvCxnSpPr>
-        <p:spPr>
-          <a:xfrm>
-            <a:off x="9708599" y="-2402470"/>
-            <a:ext cx="932613" cy="1050866"/>
-          </a:xfrm>
-          <a:prstGeom prst="bentConnector2">
-            <a:avLst/>
-          </a:prstGeom>
-          <a:ln>
-            <a:tailEnd type="triangle"/>
-          </a:ln>
-        </p:spPr>
-        <p:style>
-          <a:lnRef idx="1">
-            <a:schemeClr val="dk1"/>
-          </a:lnRef>
-          <a:fillRef idx="0">
-            <a:schemeClr val="dk1"/>
-          </a:fillRef>
-          <a:effectRef idx="0">
-            <a:schemeClr val="dk1"/>
-          </a:effectRef>
-          <a:fontRef idx="minor">
-            <a:schemeClr val="tx1"/>
-          </a:fontRef>
-        </p:style>
-      </p:cxnSp>
-      <p:sp>
-        <p:nvSpPr>
-          <p:cNvPr id="112" name="사각형: 둥근 모서리 111">
-            <a:extLst>
-              <a:ext uri="{FF2B5EF4-FFF2-40B4-BE49-F238E27FC236}">
-                <a16:creationId xmlns:a16="http://schemas.microsoft.com/office/drawing/2014/main" id="{82792097-0322-3D5F-534A-3418FE1CC9BF}"/>
-              </a:ext>
-            </a:extLst>
-          </p:cNvPr>
-          <p:cNvSpPr/>
-          <p:nvPr/>
-        </p:nvSpPr>
-        <p:spPr>
-          <a:xfrm>
-            <a:off x="9229394" y="-1351604"/>
-            <a:ext cx="2823636" cy="762000"/>
-          </a:xfrm>
-          <a:prstGeom prst="roundRect">
-            <a:avLst/>
-          </a:prstGeom>
-          <a:solidFill>
-            <a:srgbClr val="B6D2DC"/>
-          </a:solidFill>
-          <a:ln>
-            <a:noFill/>
-          </a:ln>
-        </p:spPr>
-        <p:style>
-          <a:lnRef idx="2">
-            <a:schemeClr val="accent1">
-              <a:shade val="15000"/>
-            </a:schemeClr>
-          </a:lnRef>
-          <a:fillRef idx="1">
-            <a:schemeClr val="accent1"/>
-          </a:fillRef>
-          <a:effectRef idx="0">
-            <a:schemeClr val="accent1"/>
-          </a:effectRef>
-          <a:fontRef idx="minor">
-            <a:schemeClr val="lt1"/>
-          </a:fontRef>
-        </p:style>
-        <p:txBody>
-          <a:bodyPr rtlCol="0" anchor="ctr"/>
-          <a:lstStyle/>
-          <a:p>
-            <a:pPr algn="ctr"/>
-            <a:r>
-              <a:rPr lang="en-US" altLang="ko-KR" b="0" i="0" dirty="0">
+              </a:endParaRPr>
+            </a:p>
+            <a:p>
+              <a:endParaRPr lang="ko-KR" altLang="en-US" dirty="0"/>
+            </a:p>
+          </p:txBody>
+        </p:sp>
+        <p:sp>
+          <p:nvSpPr>
+            <p:cNvPr id="131" name="사각형: 둥근 모서리 130">
+              <a:extLst>
+                <a:ext uri="{FF2B5EF4-FFF2-40B4-BE49-F238E27FC236}">
+                  <a16:creationId xmlns:a16="http://schemas.microsoft.com/office/drawing/2014/main" id="{6D628F00-7C45-639B-E787-2672A9843059}"/>
+                </a:ext>
+              </a:extLst>
+            </p:cNvPr>
+            <p:cNvSpPr/>
+            <p:nvPr/>
+          </p:nvSpPr>
+          <p:spPr>
+            <a:xfrm>
+              <a:off x="7845910" y="2468562"/>
+              <a:ext cx="2823636" cy="762000"/>
+            </a:xfrm>
+            <a:prstGeom prst="roundRect">
+              <a:avLst/>
+            </a:prstGeom>
+            <a:solidFill>
+              <a:srgbClr val="B6D2DC"/>
+            </a:solidFill>
+            <a:ln>
+              <a:noFill/>
+            </a:ln>
+          </p:spPr>
+          <p:style>
+            <a:lnRef idx="2">
+              <a:schemeClr val="accent1">
+                <a:shade val="15000"/>
+              </a:schemeClr>
+            </a:lnRef>
+            <a:fillRef idx="1">
+              <a:schemeClr val="accent1"/>
+            </a:fillRef>
+            <a:effectRef idx="0">
+              <a:schemeClr val="accent1"/>
+            </a:effectRef>
+            <a:fontRef idx="minor">
+              <a:schemeClr val="lt1"/>
+            </a:fontRef>
+          </p:style>
+          <p:txBody>
+            <a:bodyPr rtlCol="0" anchor="ctr"/>
+            <a:lstStyle/>
+            <a:p>
+              <a:pPr algn="ctr"/>
+              <a:r>
+                <a:rPr lang="en-US" altLang="ko-KR" b="0" i="0" dirty="0">
+                  <a:solidFill>
+                    <a:srgbClr val="1A1918"/>
+                  </a:solidFill>
+                  <a:effectLst/>
+                  <a:latin typeface="HelveticaNeueLT Com 53 Ex" panose="020B0605020202020204" pitchFamily="34" charset="0"/>
+                </a:rPr>
+                <a:t>Inserted amount</a:t>
+              </a:r>
+              <a:r>
+                <a:rPr lang="en-US" altLang="ko-KR" b="0" i="0" dirty="0">
+                  <a:solidFill>
+                    <a:schemeClr val="tx1"/>
+                  </a:solidFill>
+                  <a:effectLst/>
+                  <a:latin typeface="HelveticaNeueLT Com 53 Ex" panose="020B0605020202020204" pitchFamily="34" charset="0"/>
+                </a:rPr>
+                <a:t>:</a:t>
+              </a:r>
+            </a:p>
+            <a:p>
+              <a:pPr algn="ctr"/>
+              <a:r>
+                <a:rPr lang="en-US" altLang="ko-KR" dirty="0">
+                  <a:solidFill>
+                    <a:schemeClr val="tx1"/>
+                  </a:solidFill>
+                  <a:latin typeface="HelveticaNeueLT Com 53 Ex" panose="020B0605020202020204" pitchFamily="34" charset="0"/>
+                </a:rPr>
+                <a:t>inserted</a:t>
+              </a:r>
+              <a:endParaRPr lang="en-US" altLang="ko-KR" b="0" i="0" dirty="0">
                 <a:solidFill>
                   <a:srgbClr val="1A1918"/>
                 </a:solidFill>
                 <a:effectLst/>
                 <a:latin typeface="HelveticaNeueLT Com 53 Ex" panose="020B0605020202020204" pitchFamily="34" charset="0"/>
-              </a:rPr>
-              <a:t>Cash cannot be less than 0</a:t>
-            </a:r>
-            <a:endParaRPr lang="ko-KR" altLang="en-US" dirty="0">
-              <a:solidFill>
-                <a:schemeClr val="tx1"/>
-              </a:solidFill>
-              <a:latin typeface="HelveticaNeueLT Com 53 Ex" panose="020B0605020202020204" pitchFamily="34" charset="0"/>
-            </a:endParaRPr>
-          </a:p>
-        </p:txBody>
-      </p:sp>
-      <p:sp>
-        <p:nvSpPr>
-          <p:cNvPr id="115" name="사각형: 둥근 모서리 114">
-            <a:extLst>
-              <a:ext uri="{FF2B5EF4-FFF2-40B4-BE49-F238E27FC236}">
-                <a16:creationId xmlns:a16="http://schemas.microsoft.com/office/drawing/2014/main" id="{3771F2A9-0687-7B61-A69D-5C6855AE8AA6}"/>
-              </a:ext>
-            </a:extLst>
-          </p:cNvPr>
-          <p:cNvSpPr/>
-          <p:nvPr/>
-        </p:nvSpPr>
-        <p:spPr>
-          <a:xfrm>
-            <a:off x="6253343" y="2228218"/>
-            <a:ext cx="7285675" cy="7780035"/>
-          </a:xfrm>
-          <a:prstGeom prst="roundRect">
-            <a:avLst/>
-          </a:prstGeom>
-          <a:solidFill>
-            <a:srgbClr val="599BB1"/>
-          </a:solidFill>
-          <a:ln>
-            <a:noFill/>
-          </a:ln>
-        </p:spPr>
-        <p:style>
-          <a:lnRef idx="2">
-            <a:schemeClr val="accent1">
-              <a:shade val="15000"/>
-            </a:schemeClr>
-          </a:lnRef>
-          <a:fillRef idx="1">
-            <a:schemeClr val="accent1"/>
-          </a:fillRef>
-          <a:effectRef idx="0">
-            <a:schemeClr val="accent1"/>
-          </a:effectRef>
-          <a:fontRef idx="minor">
-            <a:schemeClr val="lt1"/>
-          </a:fontRef>
-        </p:style>
-        <p:txBody>
-          <a:bodyPr rtlCol="0" anchor="ctr"/>
-          <a:lstStyle/>
-          <a:p>
-            <a:pPr algn="ctr"/>
-            <a:endParaRPr lang="ko-KR" altLang="en-US"/>
-          </a:p>
-        </p:txBody>
-      </p:sp>
-      <p:sp>
-        <p:nvSpPr>
-          <p:cNvPr id="116" name="다이아몬드 115">
-            <a:extLst>
-              <a:ext uri="{FF2B5EF4-FFF2-40B4-BE49-F238E27FC236}">
-                <a16:creationId xmlns:a16="http://schemas.microsoft.com/office/drawing/2014/main" id="{F808184D-EC78-4C3C-5C34-87611E2DE828}"/>
-              </a:ext>
-            </a:extLst>
-          </p:cNvPr>
-          <p:cNvSpPr/>
-          <p:nvPr/>
-        </p:nvSpPr>
-        <p:spPr>
-          <a:xfrm>
-            <a:off x="6660847" y="4466411"/>
-            <a:ext cx="3363240" cy="999066"/>
-          </a:xfrm>
-          <a:prstGeom prst="diamond">
-            <a:avLst/>
-          </a:prstGeom>
-          <a:solidFill>
-            <a:srgbClr val="97C8CD"/>
-          </a:solidFill>
-          <a:ln>
-            <a:noFill/>
-          </a:ln>
-        </p:spPr>
-        <p:style>
-          <a:lnRef idx="2">
-            <a:schemeClr val="accent1">
-              <a:shade val="15000"/>
-            </a:schemeClr>
-          </a:lnRef>
-          <a:fillRef idx="1">
-            <a:schemeClr val="accent1"/>
-          </a:fillRef>
-          <a:effectRef idx="0">
-            <a:schemeClr val="accent1"/>
-          </a:effectRef>
-          <a:fontRef idx="minor">
-            <a:schemeClr val="lt1"/>
-          </a:fontRef>
-        </p:style>
-        <p:txBody>
-          <a:bodyPr rtlCol="0" anchor="ctr"/>
-          <a:lstStyle/>
-          <a:p>
-            <a:pPr algn="ctr"/>
-            <a:r>
-              <a:rPr lang="en-US" altLang="ko-KR" sz="1400" dirty="0" err="1">
+              </a:endParaRPr>
+            </a:p>
+          </p:txBody>
+        </p:sp>
+        <p:sp>
+          <p:nvSpPr>
+            <p:cNvPr id="132" name="사각형: 둥근 모서리 131">
+              <a:extLst>
+                <a:ext uri="{FF2B5EF4-FFF2-40B4-BE49-F238E27FC236}">
+                  <a16:creationId xmlns:a16="http://schemas.microsoft.com/office/drawing/2014/main" id="{45D18FEF-9E68-9683-91F1-499B992E0CA8}"/>
+                </a:ext>
+              </a:extLst>
+            </p:cNvPr>
+            <p:cNvSpPr/>
+            <p:nvPr/>
+          </p:nvSpPr>
+          <p:spPr>
+            <a:xfrm>
+              <a:off x="7845910" y="3470224"/>
+              <a:ext cx="2823636" cy="762000"/>
+            </a:xfrm>
+            <a:prstGeom prst="roundRect">
+              <a:avLst/>
+            </a:prstGeom>
+            <a:solidFill>
+              <a:srgbClr val="B6D2DC"/>
+            </a:solidFill>
+            <a:ln>
+              <a:noFill/>
+            </a:ln>
+          </p:spPr>
+          <p:style>
+            <a:lnRef idx="2">
+              <a:schemeClr val="accent1">
+                <a:shade val="15000"/>
+              </a:schemeClr>
+            </a:lnRef>
+            <a:fillRef idx="1">
+              <a:schemeClr val="accent1"/>
+            </a:fillRef>
+            <a:effectRef idx="0">
+              <a:schemeClr val="accent1"/>
+            </a:effectRef>
+            <a:fontRef idx="minor">
+              <a:schemeClr val="lt1"/>
+            </a:fontRef>
+          </p:style>
+          <p:txBody>
+            <a:bodyPr rtlCol="0" anchor="ctr"/>
+            <a:lstStyle/>
+            <a:p>
+              <a:pPr algn="ctr"/>
+              <a:r>
+                <a:rPr lang="en-US" altLang="ko-KR" b="0" i="0" dirty="0">
+                  <a:solidFill>
+                    <a:srgbClr val="1A1918"/>
+                  </a:solidFill>
+                  <a:effectLst/>
+                  <a:latin typeface="HelveticaNeueLT Com 53 Ex" panose="020B0605020202020204" pitchFamily="34" charset="0"/>
+                </a:rPr>
+                <a:t>Get user input (</a:t>
+              </a:r>
+              <a:r>
+                <a:rPr lang="en-US" altLang="ko-KR" b="0" i="0" dirty="0" err="1">
+                  <a:solidFill>
+                    <a:srgbClr val="1A1918"/>
+                  </a:solidFill>
+                  <a:effectLst/>
+                  <a:latin typeface="HelveticaNeueLT Com 53 Ex" panose="020B0605020202020204" pitchFamily="34" charset="0"/>
+                </a:rPr>
+                <a:t>menu_num</a:t>
+              </a:r>
+              <a:r>
+                <a:rPr lang="en-US" altLang="ko-KR" b="0" i="0" dirty="0">
+                  <a:solidFill>
+                    <a:srgbClr val="1A1918"/>
+                  </a:solidFill>
+                  <a:effectLst/>
+                  <a:latin typeface="HelveticaNeueLT Com 53 Ex" panose="020B0605020202020204" pitchFamily="34" charset="0"/>
+                </a:rPr>
+                <a:t>)</a:t>
+              </a:r>
+              <a:endParaRPr lang="ko-KR" altLang="en-US" dirty="0">
                 <a:solidFill>
                   <a:schemeClr val="tx1"/>
                 </a:solidFill>
                 <a:latin typeface="HelveticaNeueLT Com 53 Ex" panose="020B0605020202020204" pitchFamily="34" charset="0"/>
-              </a:rPr>
-              <a:t>len</a:t>
-            </a:r>
-            <a:r>
-              <a:rPr lang="en-US" altLang="ko-KR" sz="1400" dirty="0">
+              </a:endParaRPr>
+            </a:p>
+          </p:txBody>
+        </p:sp>
+        <p:sp>
+          <p:nvSpPr>
+            <p:cNvPr id="160" name="다이아몬드 159">
+              <a:extLst>
+                <a:ext uri="{FF2B5EF4-FFF2-40B4-BE49-F238E27FC236}">
+                  <a16:creationId xmlns:a16="http://schemas.microsoft.com/office/drawing/2014/main" id="{0AB078CD-C525-41B1-1FCB-5C944567B4B0}"/>
+                </a:ext>
+              </a:extLst>
+            </p:cNvPr>
+            <p:cNvSpPr/>
+            <p:nvPr/>
+          </p:nvSpPr>
+          <p:spPr>
+            <a:xfrm>
+              <a:off x="6660847" y="5910271"/>
+              <a:ext cx="3363240" cy="999066"/>
+            </a:xfrm>
+            <a:prstGeom prst="diamond">
+              <a:avLst/>
+            </a:prstGeom>
+            <a:solidFill>
+              <a:srgbClr val="97C8CD"/>
+            </a:solidFill>
+            <a:ln>
+              <a:noFill/>
+            </a:ln>
+          </p:spPr>
+          <p:style>
+            <a:lnRef idx="2">
+              <a:schemeClr val="accent1">
+                <a:shade val="15000"/>
+              </a:schemeClr>
+            </a:lnRef>
+            <a:fillRef idx="1">
+              <a:schemeClr val="accent1"/>
+            </a:fillRef>
+            <a:effectRef idx="0">
+              <a:schemeClr val="accent1"/>
+            </a:effectRef>
+            <a:fontRef idx="minor">
+              <a:schemeClr val="lt1"/>
+            </a:fontRef>
+          </p:style>
+          <p:txBody>
+            <a:bodyPr rtlCol="0" anchor="ctr"/>
+            <a:lstStyle/>
+            <a:p>
+              <a:pPr algn="ctr"/>
+              <a:r>
+                <a:rPr lang="en-US" altLang="ko-KR" sz="1400" dirty="0">
+                  <a:solidFill>
+                    <a:schemeClr val="tx1"/>
+                  </a:solidFill>
+                  <a:latin typeface="HelveticaNeueLT Com 53 Ex" panose="020B0605020202020204" pitchFamily="34" charset="0"/>
+                </a:rPr>
+                <a:t>inserted≥ </a:t>
+              </a:r>
+              <a:r>
+                <a:rPr lang="en-US" altLang="ko-KR" sz="1400" dirty="0" err="1">
+                  <a:solidFill>
+                    <a:schemeClr val="tx1"/>
+                  </a:solidFill>
+                  <a:latin typeface="HelveticaNeueLT Com 53 Ex" panose="020B0605020202020204" pitchFamily="34" charset="0"/>
+                </a:rPr>
+                <a:t>value_list</a:t>
+              </a:r>
+              <a:r>
+                <a:rPr lang="en-US" altLang="ko-KR" sz="1400" dirty="0">
+                  <a:solidFill>
+                    <a:schemeClr val="tx1"/>
+                  </a:solidFill>
+                  <a:latin typeface="HelveticaNeueLT Com 53 Ex" panose="020B0605020202020204" pitchFamily="34" charset="0"/>
+                </a:rPr>
+                <a:t>[</a:t>
+              </a:r>
+              <a:r>
+                <a:rPr lang="en-US" altLang="ko-KR" sz="1400" dirty="0" err="1">
+                  <a:solidFill>
+                    <a:schemeClr val="tx1"/>
+                  </a:solidFill>
+                  <a:latin typeface="HelveticaNeueLT Com 53 Ex" panose="020B0605020202020204" pitchFamily="34" charset="0"/>
+                </a:rPr>
+                <a:t>menu_num</a:t>
+              </a:r>
+              <a:r>
+                <a:rPr lang="en-US" altLang="ko-KR" sz="1400" dirty="0">
+                  <a:solidFill>
+                    <a:schemeClr val="tx1"/>
+                  </a:solidFill>
+                  <a:latin typeface="HelveticaNeueLT Com 53 Ex" panose="020B0605020202020204" pitchFamily="34" charset="0"/>
+                </a:rPr>
+                <a:t> – 1]</a:t>
+              </a:r>
+              <a:endParaRPr lang="ko-KR" altLang="en-US" sz="1400" dirty="0">
                 <a:solidFill>
                   <a:schemeClr val="tx1"/>
                 </a:solidFill>
                 <a:latin typeface="HelveticaNeueLT Com 53 Ex" panose="020B0605020202020204" pitchFamily="34" charset="0"/>
-              </a:rPr>
-              <a:t>(</a:t>
-            </a:r>
-            <a:r>
-              <a:rPr lang="en-US" altLang="ko-KR" sz="1400" dirty="0" err="1">
+              </a:endParaRPr>
+            </a:p>
+          </p:txBody>
+        </p:sp>
+        <p:sp>
+          <p:nvSpPr>
+            <p:cNvPr id="173" name="사각형: 둥근 모서리 172">
+              <a:extLst>
+                <a:ext uri="{FF2B5EF4-FFF2-40B4-BE49-F238E27FC236}">
+                  <a16:creationId xmlns:a16="http://schemas.microsoft.com/office/drawing/2014/main" id="{09507213-F7DD-7ECE-6102-967F8DA93FE3}"/>
+                </a:ext>
+              </a:extLst>
+            </p:cNvPr>
+            <p:cNvSpPr/>
+            <p:nvPr/>
+          </p:nvSpPr>
+          <p:spPr>
+            <a:xfrm>
+              <a:off x="6930649" y="7357142"/>
+              <a:ext cx="2823636" cy="762000"/>
+            </a:xfrm>
+            <a:prstGeom prst="roundRect">
+              <a:avLst/>
+            </a:prstGeom>
+            <a:solidFill>
+              <a:srgbClr val="B6D2DC"/>
+            </a:solidFill>
+            <a:ln>
+              <a:noFill/>
+            </a:ln>
+          </p:spPr>
+          <p:style>
+            <a:lnRef idx="2">
+              <a:schemeClr val="accent1">
+                <a:shade val="15000"/>
+              </a:schemeClr>
+            </a:lnRef>
+            <a:fillRef idx="1">
+              <a:schemeClr val="accent1"/>
+            </a:fillRef>
+            <a:effectRef idx="0">
+              <a:schemeClr val="accent1"/>
+            </a:effectRef>
+            <a:fontRef idx="minor">
+              <a:schemeClr val="lt1"/>
+            </a:fontRef>
+          </p:style>
+          <p:txBody>
+            <a:bodyPr rtlCol="0" anchor="ctr"/>
+            <a:lstStyle/>
+            <a:p>
+              <a:pPr algn="ctr"/>
+              <a:r>
+                <a:rPr lang="en-US" altLang="ko-KR" sz="1600" dirty="0" err="1">
+                  <a:solidFill>
+                    <a:schemeClr val="tx1"/>
+                  </a:solidFill>
+                  <a:latin typeface="Helvetica LT Std Black" panose="020B0904030502020204" pitchFamily="34" charset="0"/>
+                </a:rPr>
+                <a:t>process_order</a:t>
+              </a:r>
+              <a:endParaRPr lang="en-US" altLang="ko-KR" sz="1600" dirty="0">
+                <a:solidFill>
+                  <a:schemeClr val="tx1"/>
+                </a:solidFill>
+                <a:latin typeface="Helvetica LT Std Black" panose="020B0904030502020204" pitchFamily="34" charset="0"/>
+              </a:endParaRPr>
+            </a:p>
+            <a:p>
+              <a:pPr algn="ctr"/>
+              <a:r>
+                <a:rPr lang="en-US" altLang="ko-KR" sz="1600" dirty="0">
+                  <a:solidFill>
+                    <a:schemeClr val="tx1"/>
+                  </a:solidFill>
+                  <a:latin typeface="Helvetica LT Std Black" panose="020B0904030502020204" pitchFamily="34" charset="0"/>
+                </a:rPr>
+                <a:t>(menu_num-1, inserted)</a:t>
+              </a:r>
+              <a:endParaRPr lang="ko-KR" altLang="en-US" sz="1600" dirty="0">
+                <a:solidFill>
+                  <a:schemeClr val="tx1"/>
+                </a:solidFill>
+                <a:latin typeface="Helvetica LT Std Black" panose="020B0904030502020204" pitchFamily="34" charset="0"/>
+              </a:endParaRPr>
+            </a:p>
+          </p:txBody>
+        </p:sp>
+        <p:cxnSp>
+          <p:nvCxnSpPr>
+            <p:cNvPr id="174" name="직선 화살표 연결선 173">
+              <a:extLst>
+                <a:ext uri="{FF2B5EF4-FFF2-40B4-BE49-F238E27FC236}">
+                  <a16:creationId xmlns:a16="http://schemas.microsoft.com/office/drawing/2014/main" id="{73694E9A-ED7B-64B8-795A-B366C3B92FBD}"/>
+                </a:ext>
+              </a:extLst>
+            </p:cNvPr>
+            <p:cNvCxnSpPr>
+              <a:cxnSpLocks/>
+              <a:stCxn id="160" idx="2"/>
+              <a:endCxn id="173" idx="0"/>
+            </p:cNvCxnSpPr>
+            <p:nvPr/>
+          </p:nvCxnSpPr>
+          <p:spPr>
+            <a:xfrm>
+              <a:off x="8342467" y="6909337"/>
+              <a:ext cx="0" cy="447805"/>
+            </a:xfrm>
+            <a:prstGeom prst="straightConnector1">
+              <a:avLst/>
+            </a:prstGeom>
+            <a:ln>
+              <a:tailEnd type="triangle"/>
+            </a:ln>
+          </p:spPr>
+          <p:style>
+            <a:lnRef idx="1">
+              <a:schemeClr val="dk1"/>
+            </a:lnRef>
+            <a:fillRef idx="0">
+              <a:schemeClr val="dk1"/>
+            </a:fillRef>
+            <a:effectRef idx="0">
+              <a:schemeClr val="dk1"/>
+            </a:effectRef>
+            <a:fontRef idx="minor">
+              <a:schemeClr val="tx1"/>
+            </a:fontRef>
+          </p:style>
+        </p:cxnSp>
+        <p:sp>
+          <p:nvSpPr>
+            <p:cNvPr id="179" name="사각형: 둥근 모서리 178">
+              <a:extLst>
+                <a:ext uri="{FF2B5EF4-FFF2-40B4-BE49-F238E27FC236}">
+                  <a16:creationId xmlns:a16="http://schemas.microsoft.com/office/drawing/2014/main" id="{AF401D60-1FBF-A02B-B789-E32C960D2D8F}"/>
+                </a:ext>
+              </a:extLst>
+            </p:cNvPr>
+            <p:cNvSpPr/>
+            <p:nvPr/>
+          </p:nvSpPr>
+          <p:spPr>
+            <a:xfrm>
+              <a:off x="10254004" y="7357142"/>
+              <a:ext cx="2823636" cy="762000"/>
+            </a:xfrm>
+            <a:prstGeom prst="roundRect">
+              <a:avLst/>
+            </a:prstGeom>
+            <a:solidFill>
+              <a:srgbClr val="B6D2DC"/>
+            </a:solidFill>
+            <a:ln>
+              <a:noFill/>
+            </a:ln>
+          </p:spPr>
+          <p:style>
+            <a:lnRef idx="2">
+              <a:schemeClr val="accent1">
+                <a:shade val="15000"/>
+              </a:schemeClr>
+            </a:lnRef>
+            <a:fillRef idx="1">
+              <a:schemeClr val="accent1"/>
+            </a:fillRef>
+            <a:effectRef idx="0">
+              <a:schemeClr val="accent1"/>
+            </a:effectRef>
+            <a:fontRef idx="minor">
+              <a:schemeClr val="lt1"/>
+            </a:fontRef>
+          </p:style>
+          <p:txBody>
+            <a:bodyPr rtlCol="0" anchor="ctr"/>
+            <a:lstStyle/>
+            <a:p>
+              <a:pPr algn="ctr"/>
+              <a:r>
+                <a:rPr lang="en-US" altLang="ko-KR" b="0" i="0" dirty="0">
+                  <a:solidFill>
+                    <a:srgbClr val="1A1918"/>
+                  </a:solidFill>
+                  <a:effectLst/>
+                  <a:latin typeface="HelveticaNeueLT Com 53 Ex" panose="020B0605020202020204" pitchFamily="34" charset="0"/>
+                </a:rPr>
+                <a:t>“Not enough money”</a:t>
+              </a:r>
+              <a:endParaRPr lang="ko-KR" altLang="en-US" dirty="0">
                 <a:solidFill>
                   <a:schemeClr val="tx1"/>
                 </a:solidFill>
                 <a:latin typeface="HelveticaNeueLT Com 53 Ex" panose="020B0605020202020204" pitchFamily="34" charset="0"/>
-              </a:rPr>
-              <a:t>key_list</a:t>
-            </a:r>
-            <a:r>
-              <a:rPr lang="en-US" altLang="ko-KR" sz="1400" dirty="0">
-                <a:solidFill>
-                  <a:schemeClr val="tx1"/>
-                </a:solidFill>
-                <a:latin typeface="HelveticaNeueLT Com 53 Ex" panose="020B0605020202020204" pitchFamily="34" charset="0"/>
-              </a:rPr>
-              <a:t>) ≥ inserted ≥ 0</a:t>
-            </a:r>
-            <a:endParaRPr lang="ko-KR" altLang="en-US" sz="1400" dirty="0">
-              <a:solidFill>
-                <a:schemeClr val="tx1"/>
-              </a:solidFill>
-              <a:latin typeface="HelveticaNeueLT Com 53 Ex" panose="020B0605020202020204" pitchFamily="34" charset="0"/>
-            </a:endParaRPr>
-          </a:p>
-        </p:txBody>
-      </p:sp>
-      <p:cxnSp>
-        <p:nvCxnSpPr>
-          <p:cNvPr id="118" name="직선 화살표 연결선 117">
-            <a:extLst>
-              <a:ext uri="{FF2B5EF4-FFF2-40B4-BE49-F238E27FC236}">
-                <a16:creationId xmlns:a16="http://schemas.microsoft.com/office/drawing/2014/main" id="{667B2672-AE0A-30CD-944C-39363A7674C5}"/>
-              </a:ext>
-            </a:extLst>
-          </p:cNvPr>
-          <p:cNvCxnSpPr>
-            <a:cxnSpLocks/>
-            <a:stCxn id="116" idx="2"/>
-            <a:endCxn id="146" idx="0"/>
-          </p:cNvCxnSpPr>
-          <p:nvPr/>
-        </p:nvCxnSpPr>
-        <p:spPr>
-          <a:xfrm>
-            <a:off x="8342467" y="5465477"/>
-            <a:ext cx="3550" cy="393457"/>
-          </a:xfrm>
-          <a:prstGeom prst="straightConnector1">
-            <a:avLst/>
-          </a:prstGeom>
-          <a:ln>
-            <a:tailEnd type="triangle"/>
-          </a:ln>
-        </p:spPr>
-        <p:style>
-          <a:lnRef idx="1">
-            <a:schemeClr val="dk1"/>
-          </a:lnRef>
-          <a:fillRef idx="0">
-            <a:schemeClr val="dk1"/>
-          </a:fillRef>
-          <a:effectRef idx="0">
-            <a:schemeClr val="dk1"/>
-          </a:effectRef>
-          <a:fontRef idx="minor">
-            <a:schemeClr val="tx1"/>
-          </a:fontRef>
-        </p:style>
-      </p:cxnSp>
-      <p:sp>
-        <p:nvSpPr>
-          <p:cNvPr id="119" name="TextBox 118">
-            <a:extLst>
-              <a:ext uri="{FF2B5EF4-FFF2-40B4-BE49-F238E27FC236}">
-                <a16:creationId xmlns:a16="http://schemas.microsoft.com/office/drawing/2014/main" id="{2581369A-B059-F9D4-0CDB-DE92F1225E96}"/>
-              </a:ext>
-            </a:extLst>
-          </p:cNvPr>
-          <p:cNvSpPr txBox="1"/>
-          <p:nvPr/>
-        </p:nvSpPr>
-        <p:spPr>
-          <a:xfrm>
-            <a:off x="7747411" y="5399251"/>
-            <a:ext cx="462114" cy="369332"/>
-          </a:xfrm>
-          <a:prstGeom prst="rect">
-            <a:avLst/>
-          </a:prstGeom>
-          <a:noFill/>
-        </p:spPr>
-        <p:txBody>
-          <a:bodyPr wrap="square" rtlCol="0">
-            <a:spAutoFit/>
-          </a:bodyPr>
-          <a:lstStyle/>
-          <a:p>
-            <a:r>
-              <a:rPr lang="en-US" altLang="ko-KR" dirty="0">
+              </a:endParaRPr>
+            </a:p>
+          </p:txBody>
+        </p:sp>
+        <p:cxnSp>
+          <p:nvCxnSpPr>
+            <p:cNvPr id="180" name="연결선: 꺾임 179">
+              <a:extLst>
+                <a:ext uri="{FF2B5EF4-FFF2-40B4-BE49-F238E27FC236}">
+                  <a16:creationId xmlns:a16="http://schemas.microsoft.com/office/drawing/2014/main" id="{63F1C91C-5319-DF3B-C96B-A6A7576DB12F}"/>
+                </a:ext>
+              </a:extLst>
+            </p:cNvPr>
+            <p:cNvCxnSpPr>
+              <a:cxnSpLocks/>
+              <a:stCxn id="160" idx="3"/>
+              <a:endCxn id="179" idx="0"/>
+            </p:cNvCxnSpPr>
+            <p:nvPr/>
+          </p:nvCxnSpPr>
+          <p:spPr>
+            <a:xfrm>
+              <a:off x="10024087" y="6409804"/>
+              <a:ext cx="1641735" cy="947338"/>
+            </a:xfrm>
+            <a:prstGeom prst="bentConnector2">
+              <a:avLst/>
+            </a:prstGeom>
+            <a:ln>
+              <a:tailEnd type="triangle"/>
+            </a:ln>
+          </p:spPr>
+          <p:style>
+            <a:lnRef idx="1">
+              <a:schemeClr val="dk1"/>
+            </a:lnRef>
+            <a:fillRef idx="0">
+              <a:schemeClr val="dk1"/>
+            </a:fillRef>
+            <a:effectRef idx="0">
+              <a:schemeClr val="dk1"/>
+            </a:effectRef>
+            <a:fontRef idx="minor">
+              <a:schemeClr val="tx1"/>
+            </a:fontRef>
+          </p:style>
+        </p:cxnSp>
+        <p:cxnSp>
+          <p:nvCxnSpPr>
+            <p:cNvPr id="187" name="직선 화살표 연결선 186">
+              <a:extLst>
+                <a:ext uri="{FF2B5EF4-FFF2-40B4-BE49-F238E27FC236}">
+                  <a16:creationId xmlns:a16="http://schemas.microsoft.com/office/drawing/2014/main" id="{2B2087F4-5F2F-9502-1A9F-8CEBD5B2C36F}"/>
+                </a:ext>
+              </a:extLst>
+            </p:cNvPr>
+            <p:cNvCxnSpPr>
+              <a:cxnSpLocks/>
+              <a:endCxn id="132" idx="0"/>
+            </p:cNvCxnSpPr>
+            <p:nvPr/>
+          </p:nvCxnSpPr>
+          <p:spPr>
+            <a:xfrm>
+              <a:off x="9257728" y="3230562"/>
+              <a:ext cx="0" cy="239662"/>
+            </a:xfrm>
+            <a:prstGeom prst="straightConnector1">
+              <a:avLst/>
+            </a:prstGeom>
+            <a:ln>
+              <a:tailEnd type="triangle"/>
+            </a:ln>
+          </p:spPr>
+          <p:style>
+            <a:lnRef idx="1">
+              <a:schemeClr val="dk1"/>
+            </a:lnRef>
+            <a:fillRef idx="0">
+              <a:schemeClr val="dk1"/>
+            </a:fillRef>
+            <a:effectRef idx="0">
+              <a:schemeClr val="dk1"/>
+            </a:effectRef>
+            <a:fontRef idx="minor">
+              <a:schemeClr val="tx1"/>
+            </a:fontRef>
+          </p:style>
+        </p:cxnSp>
+        <p:cxnSp>
+          <p:nvCxnSpPr>
+            <p:cNvPr id="190" name="직선 화살표 연결선 189">
+              <a:extLst>
+                <a:ext uri="{FF2B5EF4-FFF2-40B4-BE49-F238E27FC236}">
+                  <a16:creationId xmlns:a16="http://schemas.microsoft.com/office/drawing/2014/main" id="{224D03D6-B96B-3122-F59C-50D8841A4A0C}"/>
+                </a:ext>
+              </a:extLst>
+            </p:cNvPr>
+            <p:cNvCxnSpPr>
+              <a:cxnSpLocks/>
+              <a:stCxn id="132" idx="2"/>
+              <a:endCxn id="116" idx="0"/>
+            </p:cNvCxnSpPr>
+            <p:nvPr/>
+          </p:nvCxnSpPr>
+          <p:spPr>
+            <a:xfrm flipH="1">
+              <a:off x="8342467" y="4232224"/>
+              <a:ext cx="915261" cy="234187"/>
+            </a:xfrm>
+            <a:prstGeom prst="straightConnector1">
+              <a:avLst/>
+            </a:prstGeom>
+            <a:ln>
+              <a:tailEnd type="triangle"/>
+            </a:ln>
+          </p:spPr>
+          <p:style>
+            <a:lnRef idx="1">
+              <a:schemeClr val="dk1"/>
+            </a:lnRef>
+            <a:fillRef idx="0">
+              <a:schemeClr val="dk1"/>
+            </a:fillRef>
+            <a:effectRef idx="0">
+              <a:schemeClr val="dk1"/>
+            </a:effectRef>
+            <a:fontRef idx="minor">
+              <a:schemeClr val="tx1"/>
+            </a:fontRef>
+          </p:style>
+        </p:cxnSp>
+        <p:sp>
+          <p:nvSpPr>
+            <p:cNvPr id="226" name="TextBox 225">
+              <a:extLst>
+                <a:ext uri="{FF2B5EF4-FFF2-40B4-BE49-F238E27FC236}">
+                  <a16:creationId xmlns:a16="http://schemas.microsoft.com/office/drawing/2014/main" id="{05D6CB1A-AD21-9A1F-59AE-E35B5030BCD0}"/>
+                </a:ext>
+              </a:extLst>
+            </p:cNvPr>
+            <p:cNvSpPr txBox="1"/>
+            <p:nvPr/>
+          </p:nvSpPr>
+          <p:spPr>
+            <a:xfrm>
+              <a:off x="7747411" y="6858000"/>
+              <a:ext cx="462114" cy="369332"/>
+            </a:xfrm>
+            <a:prstGeom prst="rect">
+              <a:avLst/>
+            </a:prstGeom>
+            <a:noFill/>
+          </p:spPr>
+          <p:txBody>
+            <a:bodyPr wrap="square" rtlCol="0">
+              <a:spAutoFit/>
+            </a:bodyPr>
+            <a:lstStyle/>
+            <a:p>
+              <a:r>
+                <a:rPr lang="en-US" altLang="ko-KR" dirty="0">
+                  <a:latin typeface="HelveticaNeueLT Com 47 LtCn" panose="020B0406020202030204" pitchFamily="34" charset="0"/>
+                </a:rPr>
+                <a:t>Yes</a:t>
+              </a:r>
+              <a:endParaRPr lang="ko-KR" altLang="en-US" dirty="0">
                 <a:latin typeface="HelveticaNeueLT Com 47 LtCn" panose="020B0406020202030204" pitchFamily="34" charset="0"/>
-              </a:rPr>
-              <a:t>Yes</a:t>
-            </a:r>
-            <a:endParaRPr lang="ko-KR" altLang="en-US" dirty="0">
-              <a:latin typeface="HelveticaNeueLT Com 47 LtCn" panose="020B0406020202030204" pitchFamily="34" charset="0"/>
-            </a:endParaRPr>
-          </a:p>
-        </p:txBody>
-      </p:sp>
-      <p:sp>
-        <p:nvSpPr>
-          <p:cNvPr id="120" name="TextBox 119">
-            <a:extLst>
-              <a:ext uri="{FF2B5EF4-FFF2-40B4-BE49-F238E27FC236}">
-                <a16:creationId xmlns:a16="http://schemas.microsoft.com/office/drawing/2014/main" id="{795572F0-6237-5CA6-756E-E1E3C3308FF4}"/>
-              </a:ext>
-            </a:extLst>
-          </p:cNvPr>
-          <p:cNvSpPr txBox="1"/>
-          <p:nvPr/>
-        </p:nvSpPr>
-        <p:spPr>
-          <a:xfrm>
-            <a:off x="10722137" y="4581174"/>
-            <a:ext cx="405880" cy="369332"/>
-          </a:xfrm>
-          <a:prstGeom prst="rect">
-            <a:avLst/>
-          </a:prstGeom>
-          <a:noFill/>
-        </p:spPr>
-        <p:txBody>
-          <a:bodyPr wrap="square" rtlCol="0">
-            <a:spAutoFit/>
-          </a:bodyPr>
-          <a:lstStyle/>
-          <a:p>
-            <a:r>
-              <a:rPr lang="en-US" altLang="ko-KR" dirty="0">
+              </a:endParaRPr>
+            </a:p>
+          </p:txBody>
+        </p:sp>
+        <p:sp>
+          <p:nvSpPr>
+            <p:cNvPr id="238" name="TextBox 237">
+              <a:extLst>
+                <a:ext uri="{FF2B5EF4-FFF2-40B4-BE49-F238E27FC236}">
+                  <a16:creationId xmlns:a16="http://schemas.microsoft.com/office/drawing/2014/main" id="{4A86CAD8-BF80-F3A3-6B0D-74C2A254554C}"/>
+                </a:ext>
+              </a:extLst>
+            </p:cNvPr>
+            <p:cNvSpPr txBox="1"/>
+            <p:nvPr/>
+          </p:nvSpPr>
+          <p:spPr>
+            <a:xfrm>
+              <a:off x="11250607" y="6858000"/>
+              <a:ext cx="405880" cy="369332"/>
+            </a:xfrm>
+            <a:prstGeom prst="rect">
+              <a:avLst/>
+            </a:prstGeom>
+            <a:noFill/>
+          </p:spPr>
+          <p:txBody>
+            <a:bodyPr wrap="square" rtlCol="0">
+              <a:spAutoFit/>
+            </a:bodyPr>
+            <a:lstStyle/>
+            <a:p>
+              <a:r>
+                <a:rPr lang="en-US" altLang="ko-KR" dirty="0">
+                  <a:latin typeface="HelveticaNeueLT Com 47 LtCn" panose="020B0406020202030204" pitchFamily="34" charset="0"/>
+                </a:rPr>
+                <a:t>No</a:t>
+              </a:r>
+              <a:endParaRPr lang="ko-KR" altLang="en-US" dirty="0">
                 <a:latin typeface="HelveticaNeueLT Com 47 LtCn" panose="020B0406020202030204" pitchFamily="34" charset="0"/>
-              </a:rPr>
-              <a:t>No</a:t>
-            </a:r>
-            <a:endParaRPr lang="ko-KR" altLang="en-US" dirty="0">
-              <a:latin typeface="HelveticaNeueLT Com 47 LtCn" panose="020B0406020202030204" pitchFamily="34" charset="0"/>
-            </a:endParaRPr>
-          </a:p>
-        </p:txBody>
-      </p:sp>
-      <p:cxnSp>
-        <p:nvCxnSpPr>
-          <p:cNvPr id="122" name="연결선: 꺾임 121">
-            <a:extLst>
-              <a:ext uri="{FF2B5EF4-FFF2-40B4-BE49-F238E27FC236}">
-                <a16:creationId xmlns:a16="http://schemas.microsoft.com/office/drawing/2014/main" id="{BC85FC12-603F-81CE-4D47-00BBE686124C}"/>
-              </a:ext>
-            </a:extLst>
-          </p:cNvPr>
-          <p:cNvCxnSpPr>
-            <a:cxnSpLocks/>
-            <a:stCxn id="116" idx="3"/>
-            <a:endCxn id="123" idx="0"/>
-          </p:cNvCxnSpPr>
-          <p:nvPr/>
-        </p:nvCxnSpPr>
-        <p:spPr>
-          <a:xfrm>
-            <a:off x="10024087" y="4965944"/>
-            <a:ext cx="1641735" cy="333917"/>
-          </a:xfrm>
-          <a:prstGeom prst="bentConnector2">
-            <a:avLst/>
-          </a:prstGeom>
-          <a:ln>
-            <a:tailEnd type="triangle"/>
-          </a:ln>
-        </p:spPr>
-        <p:style>
-          <a:lnRef idx="1">
-            <a:schemeClr val="dk1"/>
-          </a:lnRef>
-          <a:fillRef idx="0">
-            <a:schemeClr val="dk1"/>
-          </a:fillRef>
-          <a:effectRef idx="0">
-            <a:schemeClr val="dk1"/>
-          </a:effectRef>
-          <a:fontRef idx="minor">
-            <a:schemeClr val="tx1"/>
-          </a:fontRef>
-        </p:style>
-      </p:cxnSp>
-      <p:sp>
-        <p:nvSpPr>
-          <p:cNvPr id="123" name="사각형: 둥근 모서리 122">
-            <a:extLst>
-              <a:ext uri="{FF2B5EF4-FFF2-40B4-BE49-F238E27FC236}">
-                <a16:creationId xmlns:a16="http://schemas.microsoft.com/office/drawing/2014/main" id="{146216EB-419C-49AF-C816-FA67183988DD}"/>
-              </a:ext>
-            </a:extLst>
-          </p:cNvPr>
-          <p:cNvSpPr/>
-          <p:nvPr/>
-        </p:nvSpPr>
-        <p:spPr>
-          <a:xfrm>
-            <a:off x="10254004" y="5299861"/>
-            <a:ext cx="2823636" cy="762000"/>
-          </a:xfrm>
-          <a:prstGeom prst="roundRect">
-            <a:avLst/>
-          </a:prstGeom>
-          <a:solidFill>
-            <a:srgbClr val="B6D2DC"/>
-          </a:solidFill>
-          <a:ln>
-            <a:noFill/>
-          </a:ln>
-        </p:spPr>
-        <p:style>
-          <a:lnRef idx="2">
-            <a:schemeClr val="accent1">
-              <a:shade val="15000"/>
-            </a:schemeClr>
-          </a:lnRef>
-          <a:fillRef idx="1">
-            <a:schemeClr val="accent1"/>
-          </a:fillRef>
-          <a:effectRef idx="0">
-            <a:schemeClr val="accent1"/>
-          </a:effectRef>
-          <a:fontRef idx="minor">
-            <a:schemeClr val="lt1"/>
-          </a:fontRef>
-        </p:style>
-        <p:txBody>
-          <a:bodyPr rtlCol="0" anchor="ctr"/>
-          <a:lstStyle/>
-          <a:p>
-            <a:pPr algn="ctr"/>
-            <a:r>
-              <a:rPr lang="en-US" altLang="ko-KR" b="0" i="0" dirty="0">
-                <a:solidFill>
-                  <a:srgbClr val="1A1918"/>
-                </a:solidFill>
-                <a:effectLst/>
-                <a:latin typeface="HelveticaNeueLT Com 53 Ex" panose="020B0605020202020204" pitchFamily="34" charset="0"/>
-              </a:rPr>
-              <a:t>"Select a valid menu number."</a:t>
-            </a:r>
-            <a:endParaRPr lang="ko-KR" altLang="en-US" dirty="0">
-              <a:solidFill>
-                <a:schemeClr val="tx1"/>
-              </a:solidFill>
-              <a:latin typeface="HelveticaNeueLT Com 53 Ex" panose="020B0605020202020204" pitchFamily="34" charset="0"/>
-            </a:endParaRPr>
-          </a:p>
-        </p:txBody>
-      </p:sp>
-      <p:sp>
-        <p:nvSpPr>
-          <p:cNvPr id="124" name="TextBox 123">
-            <a:extLst>
-              <a:ext uri="{FF2B5EF4-FFF2-40B4-BE49-F238E27FC236}">
-                <a16:creationId xmlns:a16="http://schemas.microsoft.com/office/drawing/2014/main" id="{3177678F-929E-23BD-B184-49F1DCB8EDA6}"/>
-              </a:ext>
-            </a:extLst>
-          </p:cNvPr>
-          <p:cNvSpPr txBox="1"/>
-          <p:nvPr/>
-        </p:nvSpPr>
-        <p:spPr>
-          <a:xfrm>
-            <a:off x="8744826" y="1828010"/>
-            <a:ext cx="2558521" cy="677108"/>
-          </a:xfrm>
-          <a:prstGeom prst="rect">
-            <a:avLst/>
-          </a:prstGeom>
-          <a:noFill/>
-        </p:spPr>
-        <p:txBody>
-          <a:bodyPr wrap="none" rtlCol="0">
-            <a:spAutoFit/>
-          </a:bodyPr>
-          <a:lstStyle/>
-          <a:p>
-            <a:r>
-              <a:rPr lang="en-US" altLang="ko-KR" sz="2000" dirty="0">
-                <a:latin typeface="Helvetica LT Std Black" panose="020B0904030502020204" pitchFamily="34" charset="0"/>
-              </a:rPr>
-              <a:t>choose(inserted)</a:t>
-            </a:r>
-            <a:endParaRPr lang="ko-KR" altLang="en-US" sz="2000" dirty="0">
-              <a:latin typeface="Helvetica LT Std Black" panose="020B0904030502020204" pitchFamily="34" charset="0"/>
-            </a:endParaRPr>
-          </a:p>
-          <a:p>
-            <a:endParaRPr lang="ko-KR" altLang="en-US" dirty="0"/>
-          </a:p>
-        </p:txBody>
-      </p:sp>
-      <p:sp>
-        <p:nvSpPr>
-          <p:cNvPr id="131" name="사각형: 둥근 모서리 130">
-            <a:extLst>
-              <a:ext uri="{FF2B5EF4-FFF2-40B4-BE49-F238E27FC236}">
-                <a16:creationId xmlns:a16="http://schemas.microsoft.com/office/drawing/2014/main" id="{6D628F00-7C45-639B-E787-2672A9843059}"/>
-              </a:ext>
-            </a:extLst>
-          </p:cNvPr>
-          <p:cNvSpPr/>
-          <p:nvPr/>
-        </p:nvSpPr>
-        <p:spPr>
-          <a:xfrm>
-            <a:off x="7845910" y="2468562"/>
-            <a:ext cx="2823636" cy="762000"/>
-          </a:xfrm>
-          <a:prstGeom prst="roundRect">
-            <a:avLst/>
-          </a:prstGeom>
-          <a:solidFill>
-            <a:srgbClr val="B6D2DC"/>
-          </a:solidFill>
-          <a:ln>
-            <a:noFill/>
-          </a:ln>
-        </p:spPr>
-        <p:style>
-          <a:lnRef idx="2">
-            <a:schemeClr val="accent1">
-              <a:shade val="15000"/>
-            </a:schemeClr>
-          </a:lnRef>
-          <a:fillRef idx="1">
-            <a:schemeClr val="accent1"/>
-          </a:fillRef>
-          <a:effectRef idx="0">
-            <a:schemeClr val="accent1"/>
-          </a:effectRef>
-          <a:fontRef idx="minor">
-            <a:schemeClr val="lt1"/>
-          </a:fontRef>
-        </p:style>
-        <p:txBody>
-          <a:bodyPr rtlCol="0" anchor="ctr"/>
-          <a:lstStyle/>
-          <a:p>
-            <a:pPr algn="ctr"/>
-            <a:r>
-              <a:rPr lang="en-US" altLang="ko-KR" b="0" i="0" dirty="0">
-                <a:solidFill>
-                  <a:srgbClr val="1A1918"/>
-                </a:solidFill>
-                <a:effectLst/>
-                <a:latin typeface="HelveticaNeueLT Com 53 Ex" panose="020B0605020202020204" pitchFamily="34" charset="0"/>
-              </a:rPr>
-              <a:t>Inserted amount</a:t>
-            </a:r>
-            <a:r>
-              <a:rPr lang="en-US" altLang="ko-KR" b="0" i="0" dirty="0">
-                <a:solidFill>
-                  <a:schemeClr val="tx1"/>
-                </a:solidFill>
-                <a:effectLst/>
-                <a:latin typeface="HelveticaNeueLT Com 53 Ex" panose="020B0605020202020204" pitchFamily="34" charset="0"/>
-              </a:rPr>
-              <a:t>:</a:t>
-            </a:r>
-          </a:p>
-          <a:p>
-            <a:pPr algn="ctr"/>
-            <a:r>
-              <a:rPr lang="en-US" altLang="ko-KR" dirty="0">
-                <a:solidFill>
-                  <a:schemeClr val="tx1"/>
-                </a:solidFill>
-                <a:latin typeface="HelveticaNeueLT Com 53 Ex" panose="020B0605020202020204" pitchFamily="34" charset="0"/>
-              </a:rPr>
-              <a:t>inserted</a:t>
-            </a:r>
-            <a:endParaRPr lang="en-US" altLang="ko-KR" b="0" i="0" dirty="0">
-              <a:solidFill>
-                <a:srgbClr val="1A1918"/>
-              </a:solidFill>
-              <a:effectLst/>
-              <a:latin typeface="HelveticaNeueLT Com 53 Ex" panose="020B0605020202020204" pitchFamily="34" charset="0"/>
-            </a:endParaRPr>
-          </a:p>
-        </p:txBody>
-      </p:sp>
-      <p:sp>
-        <p:nvSpPr>
-          <p:cNvPr id="132" name="사각형: 둥근 모서리 131">
-            <a:extLst>
-              <a:ext uri="{FF2B5EF4-FFF2-40B4-BE49-F238E27FC236}">
-                <a16:creationId xmlns:a16="http://schemas.microsoft.com/office/drawing/2014/main" id="{45D18FEF-9E68-9683-91F1-499B992E0CA8}"/>
-              </a:ext>
-            </a:extLst>
-          </p:cNvPr>
-          <p:cNvSpPr/>
-          <p:nvPr/>
-        </p:nvSpPr>
-        <p:spPr>
-          <a:xfrm>
-            <a:off x="7845910" y="3470224"/>
-            <a:ext cx="2823636" cy="762000"/>
-          </a:xfrm>
-          <a:prstGeom prst="roundRect">
-            <a:avLst/>
-          </a:prstGeom>
-          <a:solidFill>
-            <a:srgbClr val="B6D2DC"/>
-          </a:solidFill>
-          <a:ln>
-            <a:noFill/>
-          </a:ln>
-        </p:spPr>
-        <p:style>
-          <a:lnRef idx="2">
-            <a:schemeClr val="accent1">
-              <a:shade val="15000"/>
-            </a:schemeClr>
-          </a:lnRef>
-          <a:fillRef idx="1">
-            <a:schemeClr val="accent1"/>
-          </a:fillRef>
-          <a:effectRef idx="0">
-            <a:schemeClr val="accent1"/>
-          </a:effectRef>
-          <a:fontRef idx="minor">
-            <a:schemeClr val="lt1"/>
-          </a:fontRef>
-        </p:style>
-        <p:txBody>
-          <a:bodyPr rtlCol="0" anchor="ctr"/>
-          <a:lstStyle/>
-          <a:p>
-            <a:pPr algn="ctr"/>
-            <a:r>
-              <a:rPr lang="en-US" altLang="ko-KR" b="0" i="0" dirty="0">
-                <a:solidFill>
-                  <a:srgbClr val="1A1918"/>
-                </a:solidFill>
-                <a:effectLst/>
-                <a:latin typeface="HelveticaNeueLT Com 53 Ex" panose="020B0605020202020204" pitchFamily="34" charset="0"/>
-              </a:rPr>
-              <a:t>Get user input (</a:t>
-            </a:r>
-            <a:r>
-              <a:rPr lang="en-US" altLang="ko-KR" b="0" i="0" dirty="0" err="1">
-                <a:solidFill>
-                  <a:srgbClr val="1A1918"/>
-                </a:solidFill>
-                <a:effectLst/>
-                <a:latin typeface="HelveticaNeueLT Com 53 Ex" panose="020B0605020202020204" pitchFamily="34" charset="0"/>
-              </a:rPr>
-              <a:t>menu_num</a:t>
-            </a:r>
-            <a:r>
-              <a:rPr lang="en-US" altLang="ko-KR" b="0" i="0" dirty="0">
-                <a:solidFill>
-                  <a:srgbClr val="1A1918"/>
-                </a:solidFill>
-                <a:effectLst/>
-                <a:latin typeface="HelveticaNeueLT Com 53 Ex" panose="020B0605020202020204" pitchFamily="34" charset="0"/>
-              </a:rPr>
-              <a:t>)</a:t>
-            </a:r>
-            <a:endParaRPr lang="ko-KR" altLang="en-US" dirty="0">
-              <a:solidFill>
-                <a:schemeClr val="tx1"/>
-              </a:solidFill>
-              <a:latin typeface="HelveticaNeueLT Com 53 Ex" panose="020B0605020202020204" pitchFamily="34" charset="0"/>
-            </a:endParaRPr>
-          </a:p>
-        </p:txBody>
-      </p:sp>
-      <p:sp>
-        <p:nvSpPr>
-          <p:cNvPr id="146" name="다이아몬드 145">
-            <a:extLst>
-              <a:ext uri="{FF2B5EF4-FFF2-40B4-BE49-F238E27FC236}">
-                <a16:creationId xmlns:a16="http://schemas.microsoft.com/office/drawing/2014/main" id="{9BEE0E62-0C40-D569-B5B5-F221D759923D}"/>
-              </a:ext>
-            </a:extLst>
-          </p:cNvPr>
-          <p:cNvSpPr/>
-          <p:nvPr/>
-        </p:nvSpPr>
-        <p:spPr>
-          <a:xfrm>
-            <a:off x="6667946" y="5858934"/>
-            <a:ext cx="3356141" cy="999066"/>
-          </a:xfrm>
-          <a:prstGeom prst="diamond">
-            <a:avLst/>
-          </a:prstGeom>
-          <a:solidFill>
-            <a:srgbClr val="97C8CD"/>
-          </a:solidFill>
-          <a:ln>
-            <a:noFill/>
-          </a:ln>
-        </p:spPr>
-        <p:style>
-          <a:lnRef idx="2">
-            <a:schemeClr val="accent1">
-              <a:shade val="15000"/>
-            </a:schemeClr>
-          </a:lnRef>
-          <a:fillRef idx="1">
-            <a:schemeClr val="accent1"/>
-          </a:fillRef>
-          <a:effectRef idx="0">
-            <a:schemeClr val="accent1"/>
-          </a:effectRef>
-          <a:fontRef idx="minor">
-            <a:schemeClr val="lt1"/>
-          </a:fontRef>
-        </p:style>
-        <p:txBody>
-          <a:bodyPr rtlCol="0" anchor="ctr"/>
-          <a:lstStyle/>
-          <a:p>
-            <a:pPr algn="ctr"/>
-            <a:r>
-              <a:rPr lang="en-US" altLang="ko-KR" sz="1600" dirty="0">
-                <a:solidFill>
-                  <a:schemeClr val="tx1"/>
-                </a:solidFill>
-                <a:latin typeface="HelveticaNeueLT Com 53 Ex" panose="020B0605020202020204" pitchFamily="34" charset="0"/>
-              </a:rPr>
-              <a:t>Is </a:t>
-            </a:r>
-            <a:r>
-              <a:rPr lang="en-US" altLang="ko-KR" sz="1600" dirty="0" err="1">
-                <a:solidFill>
-                  <a:schemeClr val="tx1"/>
-                </a:solidFill>
-                <a:latin typeface="HelveticaNeueLT Com 53 Ex" panose="020B0605020202020204" pitchFamily="34" charset="0"/>
-              </a:rPr>
-              <a:t>menu_num</a:t>
-            </a:r>
-            <a:endParaRPr lang="en-US" altLang="ko-KR" sz="1600" dirty="0">
-              <a:solidFill>
-                <a:schemeClr val="tx1"/>
-              </a:solidFill>
-              <a:latin typeface="HelveticaNeueLT Com 53 Ex" panose="020B0605020202020204" pitchFamily="34" charset="0"/>
-            </a:endParaRPr>
-          </a:p>
-          <a:p>
-            <a:pPr algn="ctr"/>
-            <a:r>
-              <a:rPr lang="en-US" altLang="ko-KR" sz="1600" dirty="0">
-                <a:solidFill>
-                  <a:schemeClr val="tx1"/>
-                </a:solidFill>
-                <a:latin typeface="HelveticaNeueLT Com 53 Ex" panose="020B0605020202020204" pitchFamily="34" charset="0"/>
-              </a:rPr>
-              <a:t>an integer?</a:t>
-            </a:r>
-            <a:endParaRPr lang="ko-KR" altLang="en-US" sz="1600" dirty="0">
-              <a:solidFill>
-                <a:schemeClr val="tx1"/>
-              </a:solidFill>
-              <a:latin typeface="HelveticaNeueLT Com 53 Ex" panose="020B0605020202020204" pitchFamily="34" charset="0"/>
-            </a:endParaRPr>
-          </a:p>
-        </p:txBody>
-      </p:sp>
-      <p:sp>
-        <p:nvSpPr>
-          <p:cNvPr id="160" name="다이아몬드 159">
-            <a:extLst>
-              <a:ext uri="{FF2B5EF4-FFF2-40B4-BE49-F238E27FC236}">
-                <a16:creationId xmlns:a16="http://schemas.microsoft.com/office/drawing/2014/main" id="{0AB078CD-C525-41B1-1FCB-5C944567B4B0}"/>
-              </a:ext>
-            </a:extLst>
-          </p:cNvPr>
-          <p:cNvSpPr/>
-          <p:nvPr/>
-        </p:nvSpPr>
-        <p:spPr>
-          <a:xfrm>
-            <a:off x="6667946" y="7256237"/>
-            <a:ext cx="3363240" cy="999066"/>
-          </a:xfrm>
-          <a:prstGeom prst="diamond">
-            <a:avLst/>
-          </a:prstGeom>
-          <a:solidFill>
-            <a:srgbClr val="97C8CD"/>
-          </a:solidFill>
-          <a:ln>
-            <a:noFill/>
-          </a:ln>
-        </p:spPr>
-        <p:style>
-          <a:lnRef idx="2">
-            <a:schemeClr val="accent1">
-              <a:shade val="15000"/>
-            </a:schemeClr>
-          </a:lnRef>
-          <a:fillRef idx="1">
-            <a:schemeClr val="accent1"/>
-          </a:fillRef>
-          <a:effectRef idx="0">
-            <a:schemeClr val="accent1"/>
-          </a:effectRef>
-          <a:fontRef idx="minor">
-            <a:schemeClr val="lt1"/>
-          </a:fontRef>
-        </p:style>
-        <p:txBody>
-          <a:bodyPr rtlCol="0" anchor="ctr"/>
-          <a:lstStyle/>
-          <a:p>
-            <a:pPr algn="ctr"/>
-            <a:r>
-              <a:rPr lang="en-US" altLang="ko-KR" sz="1400" dirty="0">
-                <a:solidFill>
-                  <a:schemeClr val="tx1"/>
-                </a:solidFill>
-                <a:latin typeface="HelveticaNeueLT Com 53 Ex" panose="020B0605020202020204" pitchFamily="34" charset="0"/>
-              </a:rPr>
-              <a:t>inserted≥ </a:t>
-            </a:r>
-            <a:r>
-              <a:rPr lang="en-US" altLang="ko-KR" sz="1400" dirty="0" err="1">
-                <a:solidFill>
-                  <a:schemeClr val="tx1"/>
-                </a:solidFill>
-                <a:latin typeface="HelveticaNeueLT Com 53 Ex" panose="020B0605020202020204" pitchFamily="34" charset="0"/>
-              </a:rPr>
-              <a:t>value_list</a:t>
-            </a:r>
-            <a:r>
-              <a:rPr lang="en-US" altLang="ko-KR" sz="1400" dirty="0">
-                <a:solidFill>
-                  <a:schemeClr val="tx1"/>
-                </a:solidFill>
-                <a:latin typeface="HelveticaNeueLT Com 53 Ex" panose="020B0605020202020204" pitchFamily="34" charset="0"/>
-              </a:rPr>
-              <a:t>[</a:t>
-            </a:r>
-            <a:r>
-              <a:rPr lang="en-US" altLang="ko-KR" sz="1400" dirty="0" err="1">
-                <a:solidFill>
-                  <a:schemeClr val="tx1"/>
-                </a:solidFill>
-                <a:latin typeface="HelveticaNeueLT Com 53 Ex" panose="020B0605020202020204" pitchFamily="34" charset="0"/>
-              </a:rPr>
-              <a:t>menu_num</a:t>
-            </a:r>
-            <a:r>
-              <a:rPr lang="en-US" altLang="ko-KR" sz="1400" dirty="0">
-                <a:solidFill>
-                  <a:schemeClr val="tx1"/>
-                </a:solidFill>
-                <a:latin typeface="HelveticaNeueLT Com 53 Ex" panose="020B0605020202020204" pitchFamily="34" charset="0"/>
-              </a:rPr>
-              <a:t> – 1]</a:t>
-            </a:r>
-            <a:endParaRPr lang="ko-KR" altLang="en-US" sz="1400" dirty="0">
-              <a:solidFill>
-                <a:schemeClr val="tx1"/>
-              </a:solidFill>
-              <a:latin typeface="HelveticaNeueLT Com 53 Ex" panose="020B0605020202020204" pitchFamily="34" charset="0"/>
-            </a:endParaRPr>
-          </a:p>
-        </p:txBody>
-      </p:sp>
-      <p:cxnSp>
-        <p:nvCxnSpPr>
-          <p:cNvPr id="162" name="직선 화살표 연결선 161">
-            <a:extLst>
-              <a:ext uri="{FF2B5EF4-FFF2-40B4-BE49-F238E27FC236}">
-                <a16:creationId xmlns:a16="http://schemas.microsoft.com/office/drawing/2014/main" id="{CBEFACC1-6AF6-845C-84B4-9F382F997463}"/>
-              </a:ext>
-            </a:extLst>
-          </p:cNvPr>
-          <p:cNvCxnSpPr>
-            <a:cxnSpLocks/>
-            <a:stCxn id="146" idx="2"/>
-            <a:endCxn id="160" idx="0"/>
-          </p:cNvCxnSpPr>
-          <p:nvPr/>
-        </p:nvCxnSpPr>
-        <p:spPr>
-          <a:xfrm>
-            <a:off x="8346017" y="6858000"/>
-            <a:ext cx="3549" cy="398237"/>
-          </a:xfrm>
-          <a:prstGeom prst="straightConnector1">
-            <a:avLst/>
-          </a:prstGeom>
-          <a:ln>
-            <a:tailEnd type="triangle"/>
-          </a:ln>
-        </p:spPr>
-        <p:style>
-          <a:lnRef idx="1">
-            <a:schemeClr val="dk1"/>
-          </a:lnRef>
-          <a:fillRef idx="0">
-            <a:schemeClr val="dk1"/>
-          </a:fillRef>
-          <a:effectRef idx="0">
-            <a:schemeClr val="dk1"/>
-          </a:effectRef>
-          <a:fontRef idx="minor">
-            <a:schemeClr val="tx1"/>
-          </a:fontRef>
-        </p:style>
-      </p:cxnSp>
-      <p:sp>
-        <p:nvSpPr>
-          <p:cNvPr id="173" name="사각형: 둥근 모서리 172">
-            <a:extLst>
-              <a:ext uri="{FF2B5EF4-FFF2-40B4-BE49-F238E27FC236}">
-                <a16:creationId xmlns:a16="http://schemas.microsoft.com/office/drawing/2014/main" id="{09507213-F7DD-7ECE-6102-967F8DA93FE3}"/>
-              </a:ext>
-            </a:extLst>
-          </p:cNvPr>
-          <p:cNvSpPr/>
-          <p:nvPr/>
-        </p:nvSpPr>
-        <p:spPr>
-          <a:xfrm>
-            <a:off x="6955109" y="8692330"/>
-            <a:ext cx="2823636" cy="762000"/>
-          </a:xfrm>
-          <a:prstGeom prst="roundRect">
-            <a:avLst/>
-          </a:prstGeom>
-          <a:solidFill>
-            <a:srgbClr val="B6D2DC"/>
-          </a:solidFill>
-          <a:ln>
-            <a:noFill/>
-          </a:ln>
-        </p:spPr>
-        <p:style>
-          <a:lnRef idx="2">
-            <a:schemeClr val="accent1">
-              <a:shade val="15000"/>
-            </a:schemeClr>
-          </a:lnRef>
-          <a:fillRef idx="1">
-            <a:schemeClr val="accent1"/>
-          </a:fillRef>
-          <a:effectRef idx="0">
-            <a:schemeClr val="accent1"/>
-          </a:effectRef>
-          <a:fontRef idx="minor">
-            <a:schemeClr val="lt1"/>
-          </a:fontRef>
-        </p:style>
-        <p:txBody>
-          <a:bodyPr rtlCol="0" anchor="ctr"/>
-          <a:lstStyle/>
-          <a:p>
-            <a:pPr algn="ctr"/>
-            <a:r>
-              <a:rPr lang="en-US" altLang="ko-KR" sz="1600" dirty="0" err="1">
-                <a:solidFill>
-                  <a:schemeClr val="tx1"/>
-                </a:solidFill>
-                <a:latin typeface="Helvetica LT Std Black" panose="020B0904030502020204" pitchFamily="34" charset="0"/>
-              </a:rPr>
-              <a:t>process_order</a:t>
-            </a:r>
-            <a:endParaRPr lang="en-US" altLang="ko-KR" sz="1600" dirty="0">
-              <a:solidFill>
-                <a:schemeClr val="tx1"/>
-              </a:solidFill>
-              <a:latin typeface="Helvetica LT Std Black" panose="020B0904030502020204" pitchFamily="34" charset="0"/>
-            </a:endParaRPr>
-          </a:p>
-          <a:p>
-            <a:pPr algn="ctr"/>
-            <a:r>
-              <a:rPr lang="en-US" altLang="ko-KR" sz="1600" dirty="0">
-                <a:solidFill>
-                  <a:schemeClr val="tx1"/>
-                </a:solidFill>
-                <a:latin typeface="Helvetica LT Std Black" panose="020B0904030502020204" pitchFamily="34" charset="0"/>
-              </a:rPr>
-              <a:t>(menu_num-1, inserted)</a:t>
-            </a:r>
-            <a:endParaRPr lang="ko-KR" altLang="en-US" sz="1600" dirty="0">
-              <a:solidFill>
-                <a:schemeClr val="tx1"/>
-              </a:solidFill>
-              <a:latin typeface="Helvetica LT Std Black" panose="020B0904030502020204" pitchFamily="34" charset="0"/>
-            </a:endParaRPr>
-          </a:p>
-        </p:txBody>
-      </p:sp>
-      <p:cxnSp>
-        <p:nvCxnSpPr>
-          <p:cNvPr id="174" name="직선 화살표 연결선 173">
-            <a:extLst>
-              <a:ext uri="{FF2B5EF4-FFF2-40B4-BE49-F238E27FC236}">
-                <a16:creationId xmlns:a16="http://schemas.microsoft.com/office/drawing/2014/main" id="{73694E9A-ED7B-64B8-795A-B366C3B92FBD}"/>
-              </a:ext>
-            </a:extLst>
-          </p:cNvPr>
-          <p:cNvCxnSpPr>
-            <a:cxnSpLocks/>
-            <a:stCxn id="160" idx="2"/>
-            <a:endCxn id="173" idx="0"/>
-          </p:cNvCxnSpPr>
-          <p:nvPr/>
-        </p:nvCxnSpPr>
-        <p:spPr>
-          <a:xfrm>
-            <a:off x="8349566" y="8255303"/>
-            <a:ext cx="17361" cy="437027"/>
-          </a:xfrm>
-          <a:prstGeom prst="straightConnector1">
-            <a:avLst/>
-          </a:prstGeom>
-          <a:ln>
-            <a:tailEnd type="triangle"/>
-          </a:ln>
-        </p:spPr>
-        <p:style>
-          <a:lnRef idx="1">
-            <a:schemeClr val="dk1"/>
-          </a:lnRef>
-          <a:fillRef idx="0">
-            <a:schemeClr val="dk1"/>
-          </a:fillRef>
-          <a:effectRef idx="0">
-            <a:schemeClr val="dk1"/>
-          </a:effectRef>
-          <a:fontRef idx="minor">
-            <a:schemeClr val="tx1"/>
-          </a:fontRef>
-        </p:style>
-      </p:cxnSp>
-      <p:sp>
-        <p:nvSpPr>
-          <p:cNvPr id="179" name="사각형: 둥근 모서리 178">
-            <a:extLst>
-              <a:ext uri="{FF2B5EF4-FFF2-40B4-BE49-F238E27FC236}">
-                <a16:creationId xmlns:a16="http://schemas.microsoft.com/office/drawing/2014/main" id="{AF401D60-1FBF-A02B-B789-E32C960D2D8F}"/>
-              </a:ext>
-            </a:extLst>
-          </p:cNvPr>
-          <p:cNvSpPr/>
-          <p:nvPr/>
-        </p:nvSpPr>
-        <p:spPr>
-          <a:xfrm>
-            <a:off x="10254004" y="8129701"/>
-            <a:ext cx="2823636" cy="762000"/>
-          </a:xfrm>
-          <a:prstGeom prst="roundRect">
-            <a:avLst/>
-          </a:prstGeom>
-          <a:solidFill>
-            <a:srgbClr val="B6D2DC"/>
-          </a:solidFill>
-          <a:ln>
-            <a:noFill/>
-          </a:ln>
-        </p:spPr>
-        <p:style>
-          <a:lnRef idx="2">
-            <a:schemeClr val="accent1">
-              <a:shade val="15000"/>
-            </a:schemeClr>
-          </a:lnRef>
-          <a:fillRef idx="1">
-            <a:schemeClr val="accent1"/>
-          </a:fillRef>
-          <a:effectRef idx="0">
-            <a:schemeClr val="accent1"/>
-          </a:effectRef>
-          <a:fontRef idx="minor">
-            <a:schemeClr val="lt1"/>
-          </a:fontRef>
-        </p:style>
-        <p:txBody>
-          <a:bodyPr rtlCol="0" anchor="ctr"/>
-          <a:lstStyle/>
-          <a:p>
-            <a:pPr algn="ctr"/>
-            <a:r>
-              <a:rPr lang="en-US" altLang="ko-KR" b="0" i="0" dirty="0">
-                <a:solidFill>
-                  <a:srgbClr val="1A1918"/>
-                </a:solidFill>
-                <a:effectLst/>
-                <a:latin typeface="HelveticaNeueLT Com 53 Ex" panose="020B0605020202020204" pitchFamily="34" charset="0"/>
-              </a:rPr>
-              <a:t>“Not enough money”</a:t>
-            </a:r>
-            <a:endParaRPr lang="ko-KR" altLang="en-US" dirty="0">
-              <a:solidFill>
-                <a:schemeClr val="tx1"/>
-              </a:solidFill>
-              <a:latin typeface="HelveticaNeueLT Com 53 Ex" panose="020B0605020202020204" pitchFamily="34" charset="0"/>
-            </a:endParaRPr>
-          </a:p>
-        </p:txBody>
-      </p:sp>
-      <p:cxnSp>
-        <p:nvCxnSpPr>
-          <p:cNvPr id="180" name="연결선: 꺾임 179">
-            <a:extLst>
-              <a:ext uri="{FF2B5EF4-FFF2-40B4-BE49-F238E27FC236}">
-                <a16:creationId xmlns:a16="http://schemas.microsoft.com/office/drawing/2014/main" id="{63F1C91C-5319-DF3B-C96B-A6A7576DB12F}"/>
-              </a:ext>
-            </a:extLst>
-          </p:cNvPr>
-          <p:cNvCxnSpPr>
-            <a:cxnSpLocks/>
-            <a:stCxn id="160" idx="3"/>
-            <a:endCxn id="179" idx="0"/>
-          </p:cNvCxnSpPr>
-          <p:nvPr/>
-        </p:nvCxnSpPr>
-        <p:spPr>
-          <a:xfrm>
-            <a:off x="10031186" y="7755770"/>
-            <a:ext cx="1634636" cy="373931"/>
-          </a:xfrm>
-          <a:prstGeom prst="bentConnector2">
-            <a:avLst/>
-          </a:prstGeom>
-          <a:ln>
-            <a:tailEnd type="triangle"/>
-          </a:ln>
-        </p:spPr>
-        <p:style>
-          <a:lnRef idx="1">
-            <a:schemeClr val="dk1"/>
-          </a:lnRef>
-          <a:fillRef idx="0">
-            <a:schemeClr val="dk1"/>
-          </a:fillRef>
-          <a:effectRef idx="0">
-            <a:schemeClr val="dk1"/>
-          </a:effectRef>
-          <a:fontRef idx="minor">
-            <a:schemeClr val="tx1"/>
-          </a:fontRef>
-        </p:style>
-      </p:cxnSp>
-      <p:cxnSp>
-        <p:nvCxnSpPr>
-          <p:cNvPr id="183" name="연결선: 꺾임 182">
-            <a:extLst>
-              <a:ext uri="{FF2B5EF4-FFF2-40B4-BE49-F238E27FC236}">
-                <a16:creationId xmlns:a16="http://schemas.microsoft.com/office/drawing/2014/main" id="{2439DB33-3F93-5088-EEA5-BA17CD588CEC}"/>
-              </a:ext>
-            </a:extLst>
-          </p:cNvPr>
-          <p:cNvCxnSpPr>
-            <a:cxnSpLocks/>
-            <a:stCxn id="146" idx="3"/>
-            <a:endCxn id="123" idx="2"/>
-          </p:cNvCxnSpPr>
-          <p:nvPr/>
-        </p:nvCxnSpPr>
-        <p:spPr>
-          <a:xfrm flipV="1">
-            <a:off x="10024087" y="6061861"/>
-            <a:ext cx="1641735" cy="296606"/>
-          </a:xfrm>
-          <a:prstGeom prst="bentConnector2">
-            <a:avLst/>
-          </a:prstGeom>
-          <a:ln>
-            <a:tailEnd type="triangle"/>
-          </a:ln>
-        </p:spPr>
-        <p:style>
-          <a:lnRef idx="1">
-            <a:schemeClr val="dk1"/>
-          </a:lnRef>
-          <a:fillRef idx="0">
-            <a:schemeClr val="dk1"/>
-          </a:fillRef>
-          <a:effectRef idx="0">
-            <a:schemeClr val="dk1"/>
-          </a:effectRef>
-          <a:fontRef idx="minor">
-            <a:schemeClr val="tx1"/>
-          </a:fontRef>
-        </p:style>
-      </p:cxnSp>
-      <p:cxnSp>
-        <p:nvCxnSpPr>
-          <p:cNvPr id="187" name="직선 화살표 연결선 186">
-            <a:extLst>
-              <a:ext uri="{FF2B5EF4-FFF2-40B4-BE49-F238E27FC236}">
-                <a16:creationId xmlns:a16="http://schemas.microsoft.com/office/drawing/2014/main" id="{2B2087F4-5F2F-9502-1A9F-8CEBD5B2C36F}"/>
-              </a:ext>
-            </a:extLst>
-          </p:cNvPr>
-          <p:cNvCxnSpPr>
-            <a:cxnSpLocks/>
-            <a:endCxn id="132" idx="0"/>
-          </p:cNvCxnSpPr>
-          <p:nvPr/>
-        </p:nvCxnSpPr>
-        <p:spPr>
-          <a:xfrm>
-            <a:off x="9257728" y="3230562"/>
-            <a:ext cx="0" cy="239662"/>
-          </a:xfrm>
-          <a:prstGeom prst="straightConnector1">
-            <a:avLst/>
-          </a:prstGeom>
-          <a:ln>
-            <a:tailEnd type="triangle"/>
-          </a:ln>
-        </p:spPr>
-        <p:style>
-          <a:lnRef idx="1">
-            <a:schemeClr val="dk1"/>
-          </a:lnRef>
-          <a:fillRef idx="0">
-            <a:schemeClr val="dk1"/>
-          </a:fillRef>
-          <a:effectRef idx="0">
-            <a:schemeClr val="dk1"/>
-          </a:effectRef>
-          <a:fontRef idx="minor">
-            <a:schemeClr val="tx1"/>
-          </a:fontRef>
-        </p:style>
-      </p:cxnSp>
-      <p:cxnSp>
-        <p:nvCxnSpPr>
-          <p:cNvPr id="190" name="직선 화살표 연결선 189">
-            <a:extLst>
-              <a:ext uri="{FF2B5EF4-FFF2-40B4-BE49-F238E27FC236}">
-                <a16:creationId xmlns:a16="http://schemas.microsoft.com/office/drawing/2014/main" id="{224D03D6-B96B-3122-F59C-50D8841A4A0C}"/>
-              </a:ext>
-            </a:extLst>
-          </p:cNvPr>
-          <p:cNvCxnSpPr>
-            <a:cxnSpLocks/>
-            <a:stCxn id="132" idx="2"/>
-            <a:endCxn id="116" idx="0"/>
-          </p:cNvCxnSpPr>
-          <p:nvPr/>
-        </p:nvCxnSpPr>
-        <p:spPr>
-          <a:xfrm flipH="1">
-            <a:off x="8342467" y="4232224"/>
-            <a:ext cx="915261" cy="234187"/>
-          </a:xfrm>
-          <a:prstGeom prst="straightConnector1">
-            <a:avLst/>
-          </a:prstGeom>
-          <a:ln>
-            <a:tailEnd type="triangle"/>
-          </a:ln>
-        </p:spPr>
-        <p:style>
-          <a:lnRef idx="1">
-            <a:schemeClr val="dk1"/>
-          </a:lnRef>
-          <a:fillRef idx="0">
-            <a:schemeClr val="dk1"/>
-          </a:fillRef>
-          <a:effectRef idx="0">
-            <a:schemeClr val="dk1"/>
-          </a:effectRef>
-          <a:fontRef idx="minor">
-            <a:schemeClr val="tx1"/>
-          </a:fontRef>
-        </p:style>
-      </p:cxnSp>
-      <p:sp>
-        <p:nvSpPr>
-          <p:cNvPr id="194" name="TextBox 193">
-            <a:extLst>
-              <a:ext uri="{FF2B5EF4-FFF2-40B4-BE49-F238E27FC236}">
-                <a16:creationId xmlns:a16="http://schemas.microsoft.com/office/drawing/2014/main" id="{CEB4B9A0-7989-1C21-C413-EDBAB7F42FFC}"/>
-              </a:ext>
-            </a:extLst>
-          </p:cNvPr>
-          <p:cNvSpPr txBox="1"/>
-          <p:nvPr/>
-        </p:nvSpPr>
-        <p:spPr>
-          <a:xfrm>
-            <a:off x="524821" y="7891259"/>
-            <a:ext cx="4460067" cy="400110"/>
-          </a:xfrm>
-          <a:prstGeom prst="rect">
-            <a:avLst/>
-          </a:prstGeom>
-          <a:noFill/>
-        </p:spPr>
-        <p:txBody>
-          <a:bodyPr wrap="none" rtlCol="0">
-            <a:spAutoFit/>
-          </a:bodyPr>
-          <a:lstStyle/>
-          <a:p>
-            <a:r>
-              <a:rPr lang="en-US" altLang="ko-KR" sz="2000" dirty="0" err="1">
-                <a:latin typeface="Helvetica LT Std Black" panose="020B0904030502020204" pitchFamily="34" charset="0"/>
-              </a:rPr>
-              <a:t>process_order</a:t>
-            </a:r>
-            <a:r>
-              <a:rPr lang="en-US" altLang="ko-KR" sz="2000" dirty="0">
-                <a:latin typeface="Helvetica LT Std Black" panose="020B0904030502020204" pitchFamily="34" charset="0"/>
-              </a:rPr>
-              <a:t>(num, inserted2)</a:t>
-            </a:r>
-            <a:endParaRPr lang="ko-KR" altLang="en-US" sz="2000" dirty="0">
-              <a:latin typeface="Helvetica LT Std Black" panose="020B0904030502020204" pitchFamily="34" charset="0"/>
-            </a:endParaRPr>
-          </a:p>
-        </p:txBody>
-      </p:sp>
-      <p:sp>
-        <p:nvSpPr>
-          <p:cNvPr id="195" name="사각형: 둥근 모서리 194">
-            <a:extLst>
-              <a:ext uri="{FF2B5EF4-FFF2-40B4-BE49-F238E27FC236}">
-                <a16:creationId xmlns:a16="http://schemas.microsoft.com/office/drawing/2014/main" id="{EC235906-E523-1C08-221C-FB7FB2F84425}"/>
-              </a:ext>
-            </a:extLst>
-          </p:cNvPr>
-          <p:cNvSpPr/>
-          <p:nvPr/>
-        </p:nvSpPr>
-        <p:spPr>
-          <a:xfrm>
-            <a:off x="481555" y="8332618"/>
-            <a:ext cx="4546600" cy="5675482"/>
-          </a:xfrm>
-          <a:prstGeom prst="roundRect">
-            <a:avLst/>
-          </a:prstGeom>
-          <a:solidFill>
-            <a:srgbClr val="599BB1"/>
-          </a:solidFill>
-          <a:ln>
-            <a:noFill/>
-          </a:ln>
-        </p:spPr>
-        <p:style>
-          <a:lnRef idx="2">
-            <a:schemeClr val="accent1">
-              <a:shade val="15000"/>
-            </a:schemeClr>
-          </a:lnRef>
-          <a:fillRef idx="1">
-            <a:schemeClr val="accent1"/>
-          </a:fillRef>
-          <a:effectRef idx="0">
-            <a:schemeClr val="accent1"/>
-          </a:effectRef>
-          <a:fontRef idx="minor">
-            <a:schemeClr val="lt1"/>
-          </a:fontRef>
-        </p:style>
-        <p:txBody>
-          <a:bodyPr rtlCol="0" anchor="ctr"/>
-          <a:lstStyle/>
-          <a:p>
-            <a:pPr algn="ctr"/>
-            <a:endParaRPr lang="ko-KR" altLang="en-US"/>
-          </a:p>
-        </p:txBody>
-      </p:sp>
-      <p:sp>
-        <p:nvSpPr>
-          <p:cNvPr id="193" name="사각형: 둥근 모서리 192">
-            <a:extLst>
-              <a:ext uri="{FF2B5EF4-FFF2-40B4-BE49-F238E27FC236}">
-                <a16:creationId xmlns:a16="http://schemas.microsoft.com/office/drawing/2014/main" id="{1C605EA9-1017-5127-4656-45E1E6E19907}"/>
-              </a:ext>
-            </a:extLst>
-          </p:cNvPr>
-          <p:cNvSpPr/>
-          <p:nvPr/>
-        </p:nvSpPr>
-        <p:spPr>
-          <a:xfrm>
-            <a:off x="939183" y="8699070"/>
-            <a:ext cx="3733267" cy="887906"/>
-          </a:xfrm>
-          <a:prstGeom prst="roundRect">
-            <a:avLst/>
-          </a:prstGeom>
-          <a:solidFill>
-            <a:srgbClr val="B6D2DC"/>
-          </a:solidFill>
-          <a:ln>
-            <a:noFill/>
-          </a:ln>
-        </p:spPr>
-        <p:style>
-          <a:lnRef idx="2">
-            <a:schemeClr val="accent1">
-              <a:shade val="15000"/>
-            </a:schemeClr>
-          </a:lnRef>
-          <a:fillRef idx="1">
-            <a:schemeClr val="accent1"/>
-          </a:fillRef>
-          <a:effectRef idx="0">
-            <a:schemeClr val="accent1"/>
-          </a:effectRef>
-          <a:fontRef idx="minor">
-            <a:schemeClr val="lt1"/>
-          </a:fontRef>
-        </p:style>
-        <p:txBody>
-          <a:bodyPr rtlCol="0" anchor="ctr"/>
-          <a:lstStyle/>
-          <a:p>
-            <a:pPr algn="ctr"/>
-            <a:r>
-              <a:rPr lang="en-US" altLang="ko-KR" dirty="0">
-                <a:solidFill>
-                  <a:schemeClr val="tx1"/>
-                </a:solidFill>
-                <a:latin typeface="HelveticaNeueLT Com 53 Ex" panose="020B0605020202020204" pitchFamily="34" charset="0"/>
-              </a:rPr>
-              <a:t>inserted2 -= </a:t>
-            </a:r>
-            <a:r>
-              <a:rPr lang="en-US" altLang="ko-KR" dirty="0" err="1">
-                <a:solidFill>
-                  <a:schemeClr val="tx1"/>
-                </a:solidFill>
-                <a:latin typeface="HelveticaNeueLT Com 53 Ex" panose="020B0605020202020204" pitchFamily="34" charset="0"/>
-              </a:rPr>
-              <a:t>value_list</a:t>
-            </a:r>
-            <a:r>
-              <a:rPr lang="en-US" altLang="ko-KR" dirty="0">
-                <a:solidFill>
-                  <a:schemeClr val="tx1"/>
-                </a:solidFill>
-                <a:latin typeface="HelveticaNeueLT Com 53 Ex" panose="020B0605020202020204" pitchFamily="34" charset="0"/>
-              </a:rPr>
-              <a:t>[num]</a:t>
-            </a:r>
-            <a:endParaRPr lang="ko-KR" altLang="en-US" dirty="0">
-              <a:solidFill>
-                <a:schemeClr val="tx1"/>
-              </a:solidFill>
-              <a:latin typeface="HelveticaNeueLT Com 53 Ex" panose="020B0605020202020204" pitchFamily="34" charset="0"/>
-            </a:endParaRPr>
-          </a:p>
-        </p:txBody>
-      </p:sp>
-      <p:sp>
-        <p:nvSpPr>
-          <p:cNvPr id="196" name="사각형: 둥근 모서리 195">
-            <a:extLst>
-              <a:ext uri="{FF2B5EF4-FFF2-40B4-BE49-F238E27FC236}">
-                <a16:creationId xmlns:a16="http://schemas.microsoft.com/office/drawing/2014/main" id="{BA7D71BE-4C73-259F-2E41-9E7B989B7654}"/>
-              </a:ext>
-            </a:extLst>
-          </p:cNvPr>
-          <p:cNvSpPr/>
-          <p:nvPr/>
-        </p:nvSpPr>
-        <p:spPr>
-          <a:xfrm>
-            <a:off x="939183" y="10008253"/>
-            <a:ext cx="3733267" cy="887906"/>
-          </a:xfrm>
-          <a:prstGeom prst="roundRect">
-            <a:avLst/>
-          </a:prstGeom>
-          <a:solidFill>
-            <a:srgbClr val="B6D2DC"/>
-          </a:solidFill>
-          <a:ln>
-            <a:noFill/>
-          </a:ln>
-        </p:spPr>
-        <p:style>
-          <a:lnRef idx="2">
-            <a:schemeClr val="accent1">
-              <a:shade val="15000"/>
-            </a:schemeClr>
-          </a:lnRef>
-          <a:fillRef idx="1">
-            <a:schemeClr val="accent1"/>
-          </a:fillRef>
-          <a:effectRef idx="0">
-            <a:schemeClr val="accent1"/>
-          </a:effectRef>
-          <a:fontRef idx="minor">
-            <a:schemeClr val="lt1"/>
-          </a:fontRef>
-        </p:style>
-        <p:txBody>
-          <a:bodyPr rtlCol="0" anchor="ctr"/>
-          <a:lstStyle/>
-          <a:p>
-            <a:pPr algn="ctr"/>
-            <a:r>
-              <a:rPr lang="en-US" altLang="ko-KR" dirty="0">
-                <a:solidFill>
-                  <a:schemeClr val="tx1"/>
-                </a:solidFill>
-                <a:latin typeface="HelveticaNeueLT Com 53 Ex" panose="020B0605020202020204" pitchFamily="34" charset="0"/>
-              </a:rPr>
-              <a:t>“Please take your drink”</a:t>
-            </a:r>
-            <a:endParaRPr lang="ko-KR" altLang="en-US" dirty="0">
-              <a:solidFill>
-                <a:schemeClr val="tx1"/>
-              </a:solidFill>
-              <a:latin typeface="HelveticaNeueLT Com 53 Ex" panose="020B0605020202020204" pitchFamily="34" charset="0"/>
-            </a:endParaRPr>
-          </a:p>
-        </p:txBody>
-      </p:sp>
-      <p:sp>
-        <p:nvSpPr>
-          <p:cNvPr id="197" name="사각형: 둥근 모서리 196">
-            <a:extLst>
-              <a:ext uri="{FF2B5EF4-FFF2-40B4-BE49-F238E27FC236}">
-                <a16:creationId xmlns:a16="http://schemas.microsoft.com/office/drawing/2014/main" id="{80B55780-A439-EC77-571E-FF88D3397601}"/>
-              </a:ext>
-            </a:extLst>
-          </p:cNvPr>
-          <p:cNvSpPr/>
-          <p:nvPr/>
-        </p:nvSpPr>
-        <p:spPr>
-          <a:xfrm>
-            <a:off x="939183" y="11317436"/>
-            <a:ext cx="3733267" cy="887906"/>
-          </a:xfrm>
-          <a:prstGeom prst="roundRect">
-            <a:avLst/>
-          </a:prstGeom>
-          <a:solidFill>
-            <a:srgbClr val="B6D2DC"/>
-          </a:solidFill>
-          <a:ln>
-            <a:noFill/>
-          </a:ln>
-        </p:spPr>
-        <p:style>
-          <a:lnRef idx="2">
-            <a:schemeClr val="accent1">
-              <a:shade val="15000"/>
-            </a:schemeClr>
-          </a:lnRef>
-          <a:fillRef idx="1">
-            <a:schemeClr val="accent1"/>
-          </a:fillRef>
-          <a:effectRef idx="0">
-            <a:schemeClr val="accent1"/>
-          </a:effectRef>
-          <a:fontRef idx="minor">
-            <a:schemeClr val="lt1"/>
-          </a:fontRef>
-        </p:style>
-        <p:txBody>
-          <a:bodyPr rtlCol="0" anchor="ctr"/>
-          <a:lstStyle/>
-          <a:p>
-            <a:pPr algn="ctr"/>
-            <a:r>
-              <a:rPr lang="en-US" altLang="ko-KR" dirty="0">
-                <a:solidFill>
-                  <a:schemeClr val="tx1"/>
-                </a:solidFill>
-                <a:latin typeface="HelveticaNeueLT Com 53 Ex" panose="020B0605020202020204" pitchFamily="34" charset="0"/>
-              </a:rPr>
-              <a:t>“Please take your change”</a:t>
-            </a:r>
-            <a:endParaRPr lang="ko-KR" altLang="en-US" dirty="0">
-              <a:solidFill>
-                <a:schemeClr val="tx1"/>
-              </a:solidFill>
-              <a:latin typeface="HelveticaNeueLT Com 53 Ex" panose="020B0605020202020204" pitchFamily="34" charset="0"/>
-            </a:endParaRPr>
-          </a:p>
-        </p:txBody>
-      </p:sp>
-      <p:sp>
-        <p:nvSpPr>
-          <p:cNvPr id="198" name="순서도: 수행의 시작/종료 197">
-            <a:extLst>
-              <a:ext uri="{FF2B5EF4-FFF2-40B4-BE49-F238E27FC236}">
-                <a16:creationId xmlns:a16="http://schemas.microsoft.com/office/drawing/2014/main" id="{04A2BD3A-1FE9-EE2F-5EBA-B1F8F7040FD0}"/>
-              </a:ext>
-            </a:extLst>
-          </p:cNvPr>
-          <p:cNvSpPr/>
-          <p:nvPr/>
-        </p:nvSpPr>
-        <p:spPr>
-          <a:xfrm>
-            <a:off x="1500971" y="12626619"/>
-            <a:ext cx="2609690" cy="957338"/>
-          </a:xfrm>
-          <a:prstGeom prst="flowChartTerminator">
-            <a:avLst/>
-          </a:prstGeom>
-          <a:ln>
-            <a:noFill/>
-          </a:ln>
-        </p:spPr>
-        <p:style>
-          <a:lnRef idx="2">
-            <a:schemeClr val="accent1">
-              <a:shade val="15000"/>
-            </a:schemeClr>
-          </a:lnRef>
-          <a:fillRef idx="1">
-            <a:schemeClr val="accent1"/>
-          </a:fillRef>
-          <a:effectRef idx="0">
-            <a:schemeClr val="accent1"/>
-          </a:effectRef>
-          <a:fontRef idx="minor">
-            <a:schemeClr val="lt1"/>
-          </a:fontRef>
-        </p:style>
-        <p:txBody>
-          <a:bodyPr rtlCol="0" anchor="ctr"/>
-          <a:lstStyle/>
-          <a:p>
-            <a:pPr algn="ctr"/>
-            <a:r>
-              <a:rPr lang="en-US" altLang="ko-KR" sz="2000" dirty="0">
-                <a:latin typeface="Helvetica LT Std Black" panose="020B0904030502020204" pitchFamily="34" charset="0"/>
-              </a:rPr>
-              <a:t>return</a:t>
-            </a:r>
-            <a:endParaRPr lang="ko-KR" altLang="en-US" sz="2000" dirty="0">
-              <a:latin typeface="Helvetica LT Std Black" panose="020B0904030502020204" pitchFamily="34" charset="0"/>
-            </a:endParaRPr>
-          </a:p>
-        </p:txBody>
-      </p:sp>
-      <p:cxnSp>
-        <p:nvCxnSpPr>
-          <p:cNvPr id="199" name="직선 화살표 연결선 198">
-            <a:extLst>
-              <a:ext uri="{FF2B5EF4-FFF2-40B4-BE49-F238E27FC236}">
-                <a16:creationId xmlns:a16="http://schemas.microsoft.com/office/drawing/2014/main" id="{9524C453-ABDB-51AC-9397-2E8A9CBBAA88}"/>
-              </a:ext>
-            </a:extLst>
-          </p:cNvPr>
-          <p:cNvCxnSpPr>
-            <a:cxnSpLocks/>
-            <a:stCxn id="193" idx="2"/>
-            <a:endCxn id="196" idx="0"/>
-          </p:cNvCxnSpPr>
-          <p:nvPr/>
-        </p:nvCxnSpPr>
-        <p:spPr>
-          <a:xfrm>
-            <a:off x="2805817" y="9586976"/>
-            <a:ext cx="0" cy="421277"/>
-          </a:xfrm>
-          <a:prstGeom prst="straightConnector1">
-            <a:avLst/>
-          </a:prstGeom>
-          <a:ln>
-            <a:tailEnd type="triangle"/>
-          </a:ln>
-        </p:spPr>
-        <p:style>
-          <a:lnRef idx="1">
-            <a:schemeClr val="dk1"/>
-          </a:lnRef>
-          <a:fillRef idx="0">
-            <a:schemeClr val="dk1"/>
-          </a:fillRef>
-          <a:effectRef idx="0">
-            <a:schemeClr val="dk1"/>
-          </a:effectRef>
-          <a:fontRef idx="minor">
-            <a:schemeClr val="tx1"/>
-          </a:fontRef>
-        </p:style>
-      </p:cxnSp>
-      <p:cxnSp>
-        <p:nvCxnSpPr>
-          <p:cNvPr id="202" name="직선 화살표 연결선 201">
-            <a:extLst>
-              <a:ext uri="{FF2B5EF4-FFF2-40B4-BE49-F238E27FC236}">
-                <a16:creationId xmlns:a16="http://schemas.microsoft.com/office/drawing/2014/main" id="{6FD204EF-944E-A4FE-2233-3792A0E1460D}"/>
-              </a:ext>
-            </a:extLst>
-          </p:cNvPr>
-          <p:cNvCxnSpPr>
-            <a:cxnSpLocks/>
-            <a:stCxn id="196" idx="2"/>
-            <a:endCxn id="197" idx="0"/>
-          </p:cNvCxnSpPr>
-          <p:nvPr/>
-        </p:nvCxnSpPr>
-        <p:spPr>
-          <a:xfrm>
-            <a:off x="2805817" y="10896159"/>
-            <a:ext cx="0" cy="421277"/>
-          </a:xfrm>
-          <a:prstGeom prst="straightConnector1">
-            <a:avLst/>
-          </a:prstGeom>
-          <a:ln>
-            <a:tailEnd type="triangle"/>
-          </a:ln>
-        </p:spPr>
-        <p:style>
-          <a:lnRef idx="1">
-            <a:schemeClr val="dk1"/>
-          </a:lnRef>
-          <a:fillRef idx="0">
-            <a:schemeClr val="dk1"/>
-          </a:fillRef>
-          <a:effectRef idx="0">
-            <a:schemeClr val="dk1"/>
-          </a:effectRef>
-          <a:fontRef idx="minor">
-            <a:schemeClr val="tx1"/>
-          </a:fontRef>
-        </p:style>
-      </p:cxnSp>
-      <p:cxnSp>
-        <p:nvCxnSpPr>
-          <p:cNvPr id="205" name="직선 화살표 연결선 204">
-            <a:extLst>
-              <a:ext uri="{FF2B5EF4-FFF2-40B4-BE49-F238E27FC236}">
-                <a16:creationId xmlns:a16="http://schemas.microsoft.com/office/drawing/2014/main" id="{F3C90B7B-1D1E-83B0-DB4F-E26CB5AC0E99}"/>
-              </a:ext>
-            </a:extLst>
-          </p:cNvPr>
-          <p:cNvCxnSpPr>
-            <a:cxnSpLocks/>
-            <a:stCxn id="197" idx="2"/>
-            <a:endCxn id="198" idx="0"/>
-          </p:cNvCxnSpPr>
-          <p:nvPr/>
-        </p:nvCxnSpPr>
-        <p:spPr>
-          <a:xfrm flipH="1">
-            <a:off x="2805816" y="12205342"/>
-            <a:ext cx="1" cy="421277"/>
-          </a:xfrm>
-          <a:prstGeom prst="straightConnector1">
-            <a:avLst/>
-          </a:prstGeom>
-          <a:ln>
-            <a:tailEnd type="triangle"/>
-          </a:ln>
-        </p:spPr>
-        <p:style>
-          <a:lnRef idx="1">
-            <a:schemeClr val="dk1"/>
-          </a:lnRef>
-          <a:fillRef idx="0">
-            <a:schemeClr val="dk1"/>
-          </a:fillRef>
-          <a:effectRef idx="0">
-            <a:schemeClr val="dk1"/>
-          </a:effectRef>
-          <a:fontRef idx="minor">
-            <a:schemeClr val="tx1"/>
-          </a:fontRef>
-        </p:style>
-      </p:cxnSp>
-      <p:sp>
-        <p:nvSpPr>
-          <p:cNvPr id="225" name="TextBox 224">
-            <a:extLst>
-              <a:ext uri="{FF2B5EF4-FFF2-40B4-BE49-F238E27FC236}">
-                <a16:creationId xmlns:a16="http://schemas.microsoft.com/office/drawing/2014/main" id="{A63DFD48-D2B8-C982-B601-5ADB4987AF3E}"/>
-              </a:ext>
-            </a:extLst>
-          </p:cNvPr>
-          <p:cNvSpPr txBox="1"/>
-          <p:nvPr/>
-        </p:nvSpPr>
-        <p:spPr>
-          <a:xfrm>
-            <a:off x="7747411" y="6886905"/>
-            <a:ext cx="462114" cy="369332"/>
-          </a:xfrm>
-          <a:prstGeom prst="rect">
-            <a:avLst/>
-          </a:prstGeom>
-          <a:noFill/>
-        </p:spPr>
-        <p:txBody>
-          <a:bodyPr wrap="square" rtlCol="0">
-            <a:spAutoFit/>
-          </a:bodyPr>
-          <a:lstStyle/>
-          <a:p>
-            <a:r>
-              <a:rPr lang="en-US" altLang="ko-KR" dirty="0">
-                <a:latin typeface="HelveticaNeueLT Com 47 LtCn" panose="020B0406020202030204" pitchFamily="34" charset="0"/>
-              </a:rPr>
-              <a:t>Yes</a:t>
-            </a:r>
-            <a:endParaRPr lang="ko-KR" altLang="en-US" dirty="0">
-              <a:latin typeface="HelveticaNeueLT Com 47 LtCn" panose="020B0406020202030204" pitchFamily="34" charset="0"/>
-            </a:endParaRPr>
-          </a:p>
-        </p:txBody>
-      </p:sp>
-      <p:sp>
-        <p:nvSpPr>
-          <p:cNvPr id="226" name="TextBox 225">
-            <a:extLst>
-              <a:ext uri="{FF2B5EF4-FFF2-40B4-BE49-F238E27FC236}">
-                <a16:creationId xmlns:a16="http://schemas.microsoft.com/office/drawing/2014/main" id="{05D6CB1A-AD21-9A1F-59AE-E35B5030BCD0}"/>
-              </a:ext>
-            </a:extLst>
-          </p:cNvPr>
-          <p:cNvSpPr txBox="1"/>
-          <p:nvPr/>
-        </p:nvSpPr>
-        <p:spPr>
-          <a:xfrm>
-            <a:off x="7785837" y="8326035"/>
-            <a:ext cx="462114" cy="369332"/>
-          </a:xfrm>
-          <a:prstGeom prst="rect">
-            <a:avLst/>
-          </a:prstGeom>
-          <a:noFill/>
-        </p:spPr>
-        <p:txBody>
-          <a:bodyPr wrap="square" rtlCol="0">
-            <a:spAutoFit/>
-          </a:bodyPr>
-          <a:lstStyle/>
-          <a:p>
-            <a:r>
-              <a:rPr lang="en-US" altLang="ko-KR" dirty="0">
-                <a:latin typeface="HelveticaNeueLT Com 47 LtCn" panose="020B0406020202030204" pitchFamily="34" charset="0"/>
-              </a:rPr>
-              <a:t>Yes</a:t>
-            </a:r>
-            <a:endParaRPr lang="ko-KR" altLang="en-US" dirty="0">
-              <a:latin typeface="HelveticaNeueLT Com 47 LtCn" panose="020B0406020202030204" pitchFamily="34" charset="0"/>
-            </a:endParaRPr>
-          </a:p>
-        </p:txBody>
-      </p:sp>
-      <p:sp>
-        <p:nvSpPr>
-          <p:cNvPr id="237" name="TextBox 236">
-            <a:extLst>
-              <a:ext uri="{FF2B5EF4-FFF2-40B4-BE49-F238E27FC236}">
-                <a16:creationId xmlns:a16="http://schemas.microsoft.com/office/drawing/2014/main" id="{6F7BB668-39D7-B462-CD2B-C8F6F847D421}"/>
-              </a:ext>
-            </a:extLst>
-          </p:cNvPr>
-          <p:cNvSpPr txBox="1"/>
-          <p:nvPr/>
-        </p:nvSpPr>
-        <p:spPr>
-          <a:xfrm>
-            <a:off x="10722137" y="6375311"/>
-            <a:ext cx="405880" cy="369332"/>
-          </a:xfrm>
-          <a:prstGeom prst="rect">
-            <a:avLst/>
-          </a:prstGeom>
-          <a:noFill/>
-        </p:spPr>
-        <p:txBody>
-          <a:bodyPr wrap="square" rtlCol="0">
-            <a:spAutoFit/>
-          </a:bodyPr>
-          <a:lstStyle/>
-          <a:p>
-            <a:r>
-              <a:rPr lang="en-US" altLang="ko-KR" dirty="0">
-                <a:latin typeface="HelveticaNeueLT Com 47 LtCn" panose="020B0406020202030204" pitchFamily="34" charset="0"/>
-              </a:rPr>
-              <a:t>No</a:t>
-            </a:r>
-            <a:endParaRPr lang="ko-KR" altLang="en-US" dirty="0">
-              <a:latin typeface="HelveticaNeueLT Com 47 LtCn" panose="020B0406020202030204" pitchFamily="34" charset="0"/>
-            </a:endParaRPr>
-          </a:p>
-        </p:txBody>
-      </p:sp>
-      <p:sp>
-        <p:nvSpPr>
-          <p:cNvPr id="238" name="TextBox 237">
-            <a:extLst>
-              <a:ext uri="{FF2B5EF4-FFF2-40B4-BE49-F238E27FC236}">
-                <a16:creationId xmlns:a16="http://schemas.microsoft.com/office/drawing/2014/main" id="{4A86CAD8-BF80-F3A3-6B0D-74C2A254554C}"/>
-              </a:ext>
-            </a:extLst>
-          </p:cNvPr>
-          <p:cNvSpPr txBox="1"/>
-          <p:nvPr/>
-        </p:nvSpPr>
-        <p:spPr>
-          <a:xfrm>
-            <a:off x="10722137" y="7389943"/>
-            <a:ext cx="405880" cy="369332"/>
-          </a:xfrm>
-          <a:prstGeom prst="rect">
-            <a:avLst/>
-          </a:prstGeom>
-          <a:noFill/>
-        </p:spPr>
-        <p:txBody>
-          <a:bodyPr wrap="square" rtlCol="0">
-            <a:spAutoFit/>
-          </a:bodyPr>
-          <a:lstStyle/>
-          <a:p>
-            <a:r>
-              <a:rPr lang="en-US" altLang="ko-KR" dirty="0">
-                <a:latin typeface="HelveticaNeueLT Com 47 LtCn" panose="020B0406020202030204" pitchFamily="34" charset="0"/>
-              </a:rPr>
-              <a:t>No</a:t>
-            </a:r>
-            <a:endParaRPr lang="ko-KR" altLang="en-US" dirty="0">
-              <a:latin typeface="HelveticaNeueLT Com 47 LtCn" panose="020B0406020202030204" pitchFamily="34" charset="0"/>
-            </a:endParaRPr>
-          </a:p>
-        </p:txBody>
-      </p:sp>
+              </a:endParaRPr>
+            </a:p>
+          </p:txBody>
+        </p:sp>
+      </p:grpSp>
     </p:spTree>
     <p:extLst>
       <p:ext uri="{BB962C8B-B14F-4D97-AF65-F5344CB8AC3E}">

--- a/assignment/flowchart.pptx
+++ b/assignment/flowchart.pptx
@@ -4,8 +4,13 @@
   <p:sldMasterIdLst>
     <p:sldMasterId id="2147483648" r:id="rId1"/>
   </p:sldMasterIdLst>
+  <p:notesMasterIdLst>
+    <p:notesMasterId r:id="rId5"/>
+  </p:notesMasterIdLst>
   <p:sldIdLst>
     <p:sldId id="256" r:id="rId2"/>
+    <p:sldId id="257" r:id="rId3"/>
+    <p:sldId id="258" r:id="rId4"/>
   </p:sldIdLst>
   <p:sldSz cx="12192000" cy="6858000"/>
   <p:notesSz cx="6858000" cy="9144000"/>
@@ -629,6 +634,439 @@
 </pc:chgInfo>
 </file>
 
+<file path=ppt/notesMasters/notesMaster1.xml><?xml version="1.0" encoding="utf-8"?>
+<p:notesMaster xmlns:a="http://schemas.openxmlformats.org/drawingml/2006/main" xmlns:r="http://schemas.openxmlformats.org/officeDocument/2006/relationships" xmlns:p="http://schemas.openxmlformats.org/presentationml/2006/main">
+  <p:cSld>
+    <p:bg>
+      <p:bgRef idx="1001">
+        <a:schemeClr val="bg1"/>
+      </p:bgRef>
+    </p:bg>
+    <p:spTree>
+      <p:nvGrpSpPr>
+        <p:cNvPr id="1" name=""/>
+        <p:cNvGrpSpPr/>
+        <p:nvPr/>
+      </p:nvGrpSpPr>
+      <p:grpSpPr>
+        <a:xfrm>
+          <a:off x="0" y="0"/>
+          <a:ext cx="0" cy="0"/>
+          <a:chOff x="0" y="0"/>
+          <a:chExt cx="0" cy="0"/>
+        </a:xfrm>
+      </p:grpSpPr>
+      <p:sp>
+        <p:nvSpPr>
+          <p:cNvPr id="2" name="머리글 개체 틀 1"/>
+          <p:cNvSpPr>
+            <a:spLocks noGrp="1"/>
+          </p:cNvSpPr>
+          <p:nvPr>
+            <p:ph type="hdr" sz="quarter"/>
+          </p:nvPr>
+        </p:nvSpPr>
+        <p:spPr>
+          <a:xfrm>
+            <a:off x="0" y="0"/>
+            <a:ext cx="2971800" cy="458788"/>
+          </a:xfrm>
+          <a:prstGeom prst="rect">
+            <a:avLst/>
+          </a:prstGeom>
+        </p:spPr>
+        <p:txBody>
+          <a:bodyPr vert="horz" lIns="91440" tIns="45720" rIns="91440" bIns="45720" rtlCol="0"/>
+          <a:lstStyle>
+            <a:lvl1pPr algn="l">
+              <a:defRPr sz="1200"/>
+            </a:lvl1pPr>
+          </a:lstStyle>
+          <a:p>
+            <a:endParaRPr lang="ko-KR" altLang="en-US"/>
+          </a:p>
+        </p:txBody>
+      </p:sp>
+      <p:sp>
+        <p:nvSpPr>
+          <p:cNvPr id="3" name="날짜 개체 틀 2"/>
+          <p:cNvSpPr>
+            <a:spLocks noGrp="1"/>
+          </p:cNvSpPr>
+          <p:nvPr>
+            <p:ph type="dt" idx="1"/>
+          </p:nvPr>
+        </p:nvSpPr>
+        <p:spPr>
+          <a:xfrm>
+            <a:off x="3884613" y="0"/>
+            <a:ext cx="2971800" cy="458788"/>
+          </a:xfrm>
+          <a:prstGeom prst="rect">
+            <a:avLst/>
+          </a:prstGeom>
+        </p:spPr>
+        <p:txBody>
+          <a:bodyPr vert="horz" lIns="91440" tIns="45720" rIns="91440" bIns="45720" rtlCol="0"/>
+          <a:lstStyle>
+            <a:lvl1pPr algn="r">
+              <a:defRPr sz="1200"/>
+            </a:lvl1pPr>
+          </a:lstStyle>
+          <a:p>
+            <a:fld id="{5927B6FC-06AB-4693-AF8B-014FED449DAF}" type="datetimeFigureOut">
+              <a:rPr lang="ko-KR" altLang="en-US" smtClean="0"/>
+              <a:t>2024-11-15</a:t>
+            </a:fld>
+            <a:endParaRPr lang="ko-KR" altLang="en-US"/>
+          </a:p>
+        </p:txBody>
+      </p:sp>
+      <p:sp>
+        <p:nvSpPr>
+          <p:cNvPr id="4" name="슬라이드 이미지 개체 틀 3"/>
+          <p:cNvSpPr>
+            <a:spLocks noGrp="1" noRot="1" noChangeAspect="1"/>
+          </p:cNvSpPr>
+          <p:nvPr>
+            <p:ph type="sldImg" idx="2"/>
+          </p:nvPr>
+        </p:nvSpPr>
+        <p:spPr>
+          <a:xfrm>
+            <a:off x="685800" y="1143000"/>
+            <a:ext cx="5486400" cy="3086100"/>
+          </a:xfrm>
+          <a:prstGeom prst="rect">
+            <a:avLst/>
+          </a:prstGeom>
+          <a:noFill/>
+          <a:ln w="12700">
+            <a:solidFill>
+              <a:prstClr val="black"/>
+            </a:solidFill>
+          </a:ln>
+        </p:spPr>
+        <p:txBody>
+          <a:bodyPr vert="horz" lIns="91440" tIns="45720" rIns="91440" bIns="45720" rtlCol="0" anchor="ctr"/>
+          <a:lstStyle/>
+          <a:p>
+            <a:endParaRPr lang="ko-KR" altLang="en-US"/>
+          </a:p>
+        </p:txBody>
+      </p:sp>
+      <p:sp>
+        <p:nvSpPr>
+          <p:cNvPr id="5" name="슬라이드 노트 개체 틀 4"/>
+          <p:cNvSpPr>
+            <a:spLocks noGrp="1"/>
+          </p:cNvSpPr>
+          <p:nvPr>
+            <p:ph type="body" sz="quarter" idx="3"/>
+          </p:nvPr>
+        </p:nvSpPr>
+        <p:spPr>
+          <a:xfrm>
+            <a:off x="685800" y="4400550"/>
+            <a:ext cx="5486400" cy="3600450"/>
+          </a:xfrm>
+          <a:prstGeom prst="rect">
+            <a:avLst/>
+          </a:prstGeom>
+        </p:spPr>
+        <p:txBody>
+          <a:bodyPr vert="horz" lIns="91440" tIns="45720" rIns="91440" bIns="45720" rtlCol="0"/>
+          <a:lstStyle/>
+          <a:p>
+            <a:pPr lvl="0"/>
+            <a:r>
+              <a:rPr lang="ko-KR" altLang="en-US"/>
+              <a:t>마스터 텍스트 스타일을 편집하려면 클릭</a:t>
+            </a:r>
+          </a:p>
+          <a:p>
+            <a:pPr lvl="1"/>
+            <a:r>
+              <a:rPr lang="ko-KR" altLang="en-US"/>
+              <a:t>두 번째 수준</a:t>
+            </a:r>
+          </a:p>
+          <a:p>
+            <a:pPr lvl="2"/>
+            <a:r>
+              <a:rPr lang="ko-KR" altLang="en-US"/>
+              <a:t>세 번째 수준</a:t>
+            </a:r>
+          </a:p>
+          <a:p>
+            <a:pPr lvl="3"/>
+            <a:r>
+              <a:rPr lang="ko-KR" altLang="en-US"/>
+              <a:t>네 번째 수준</a:t>
+            </a:r>
+          </a:p>
+          <a:p>
+            <a:pPr lvl="4"/>
+            <a:r>
+              <a:rPr lang="ko-KR" altLang="en-US"/>
+              <a:t>다섯 번째 수준</a:t>
+            </a:r>
+          </a:p>
+        </p:txBody>
+      </p:sp>
+      <p:sp>
+        <p:nvSpPr>
+          <p:cNvPr id="6" name="바닥글 개체 틀 5"/>
+          <p:cNvSpPr>
+            <a:spLocks noGrp="1"/>
+          </p:cNvSpPr>
+          <p:nvPr>
+            <p:ph type="ftr" sz="quarter" idx="4"/>
+          </p:nvPr>
+        </p:nvSpPr>
+        <p:spPr>
+          <a:xfrm>
+            <a:off x="0" y="8685213"/>
+            <a:ext cx="2971800" cy="458787"/>
+          </a:xfrm>
+          <a:prstGeom prst="rect">
+            <a:avLst/>
+          </a:prstGeom>
+        </p:spPr>
+        <p:txBody>
+          <a:bodyPr vert="horz" lIns="91440" tIns="45720" rIns="91440" bIns="45720" rtlCol="0" anchor="b"/>
+          <a:lstStyle>
+            <a:lvl1pPr algn="l">
+              <a:defRPr sz="1200"/>
+            </a:lvl1pPr>
+          </a:lstStyle>
+          <a:p>
+            <a:endParaRPr lang="ko-KR" altLang="en-US"/>
+          </a:p>
+        </p:txBody>
+      </p:sp>
+      <p:sp>
+        <p:nvSpPr>
+          <p:cNvPr id="7" name="슬라이드 번호 개체 틀 6"/>
+          <p:cNvSpPr>
+            <a:spLocks noGrp="1"/>
+          </p:cNvSpPr>
+          <p:nvPr>
+            <p:ph type="sldNum" sz="quarter" idx="5"/>
+          </p:nvPr>
+        </p:nvSpPr>
+        <p:spPr>
+          <a:xfrm>
+            <a:off x="3884613" y="8685213"/>
+            <a:ext cx="2971800" cy="458787"/>
+          </a:xfrm>
+          <a:prstGeom prst="rect">
+            <a:avLst/>
+          </a:prstGeom>
+        </p:spPr>
+        <p:txBody>
+          <a:bodyPr vert="horz" lIns="91440" tIns="45720" rIns="91440" bIns="45720" rtlCol="0" anchor="b"/>
+          <a:lstStyle>
+            <a:lvl1pPr algn="r">
+              <a:defRPr sz="1200"/>
+            </a:lvl1pPr>
+          </a:lstStyle>
+          <a:p>
+            <a:fld id="{BB9F2C59-767F-4A69-8531-62041107E87B}" type="slidenum">
+              <a:rPr lang="ko-KR" altLang="en-US" smtClean="0"/>
+              <a:t>‹#›</a:t>
+            </a:fld>
+            <a:endParaRPr lang="ko-KR" altLang="en-US"/>
+          </a:p>
+        </p:txBody>
+      </p:sp>
+    </p:spTree>
+    <p:extLst>
+      <p:ext uri="{BB962C8B-B14F-4D97-AF65-F5344CB8AC3E}">
+        <p14:creationId xmlns:p14="http://schemas.microsoft.com/office/powerpoint/2010/main" val="3961539970"/>
+      </p:ext>
+    </p:extLst>
+  </p:cSld>
+  <p:clrMap bg1="lt1" tx1="dk1" bg2="lt2" tx2="dk2" accent1="accent1" accent2="accent2" accent3="accent3" accent4="accent4" accent5="accent5" accent6="accent6" hlink="hlink" folHlink="folHlink"/>
+  <p:notesStyle>
+    <a:lvl1pPr marL="0" algn="l" defTabSz="914400" rtl="0" eaLnBrk="1" latinLnBrk="1" hangingPunct="1">
+      <a:defRPr sz="1200" kern="1200">
+        <a:solidFill>
+          <a:schemeClr val="tx1"/>
+        </a:solidFill>
+        <a:latin typeface="+mn-lt"/>
+        <a:ea typeface="+mn-ea"/>
+        <a:cs typeface="+mn-cs"/>
+      </a:defRPr>
+    </a:lvl1pPr>
+    <a:lvl2pPr marL="457200" algn="l" defTabSz="914400" rtl="0" eaLnBrk="1" latinLnBrk="1" hangingPunct="1">
+      <a:defRPr sz="1200" kern="1200">
+        <a:solidFill>
+          <a:schemeClr val="tx1"/>
+        </a:solidFill>
+        <a:latin typeface="+mn-lt"/>
+        <a:ea typeface="+mn-ea"/>
+        <a:cs typeface="+mn-cs"/>
+      </a:defRPr>
+    </a:lvl2pPr>
+    <a:lvl3pPr marL="914400" algn="l" defTabSz="914400" rtl="0" eaLnBrk="1" latinLnBrk="1" hangingPunct="1">
+      <a:defRPr sz="1200" kern="1200">
+        <a:solidFill>
+          <a:schemeClr val="tx1"/>
+        </a:solidFill>
+        <a:latin typeface="+mn-lt"/>
+        <a:ea typeface="+mn-ea"/>
+        <a:cs typeface="+mn-cs"/>
+      </a:defRPr>
+    </a:lvl3pPr>
+    <a:lvl4pPr marL="1371600" algn="l" defTabSz="914400" rtl="0" eaLnBrk="1" latinLnBrk="1" hangingPunct="1">
+      <a:defRPr sz="1200" kern="1200">
+        <a:solidFill>
+          <a:schemeClr val="tx1"/>
+        </a:solidFill>
+        <a:latin typeface="+mn-lt"/>
+        <a:ea typeface="+mn-ea"/>
+        <a:cs typeface="+mn-cs"/>
+      </a:defRPr>
+    </a:lvl4pPr>
+    <a:lvl5pPr marL="1828800" algn="l" defTabSz="914400" rtl="0" eaLnBrk="1" latinLnBrk="1" hangingPunct="1">
+      <a:defRPr sz="1200" kern="1200">
+        <a:solidFill>
+          <a:schemeClr val="tx1"/>
+        </a:solidFill>
+        <a:latin typeface="+mn-lt"/>
+        <a:ea typeface="+mn-ea"/>
+        <a:cs typeface="+mn-cs"/>
+      </a:defRPr>
+    </a:lvl5pPr>
+    <a:lvl6pPr marL="2286000" algn="l" defTabSz="914400" rtl="0" eaLnBrk="1" latinLnBrk="1" hangingPunct="1">
+      <a:defRPr sz="1200" kern="1200">
+        <a:solidFill>
+          <a:schemeClr val="tx1"/>
+        </a:solidFill>
+        <a:latin typeface="+mn-lt"/>
+        <a:ea typeface="+mn-ea"/>
+        <a:cs typeface="+mn-cs"/>
+      </a:defRPr>
+    </a:lvl6pPr>
+    <a:lvl7pPr marL="2743200" algn="l" defTabSz="914400" rtl="0" eaLnBrk="1" latinLnBrk="1" hangingPunct="1">
+      <a:defRPr sz="1200" kern="1200">
+        <a:solidFill>
+          <a:schemeClr val="tx1"/>
+        </a:solidFill>
+        <a:latin typeface="+mn-lt"/>
+        <a:ea typeface="+mn-ea"/>
+        <a:cs typeface="+mn-cs"/>
+      </a:defRPr>
+    </a:lvl7pPr>
+    <a:lvl8pPr marL="3200400" algn="l" defTabSz="914400" rtl="0" eaLnBrk="1" latinLnBrk="1" hangingPunct="1">
+      <a:defRPr sz="1200" kern="1200">
+        <a:solidFill>
+          <a:schemeClr val="tx1"/>
+        </a:solidFill>
+        <a:latin typeface="+mn-lt"/>
+        <a:ea typeface="+mn-ea"/>
+        <a:cs typeface="+mn-cs"/>
+      </a:defRPr>
+    </a:lvl8pPr>
+    <a:lvl9pPr marL="3657600" algn="l" defTabSz="914400" rtl="0" eaLnBrk="1" latinLnBrk="1" hangingPunct="1">
+      <a:defRPr sz="1200" kern="1200">
+        <a:solidFill>
+          <a:schemeClr val="tx1"/>
+        </a:solidFill>
+        <a:latin typeface="+mn-lt"/>
+        <a:ea typeface="+mn-ea"/>
+        <a:cs typeface="+mn-cs"/>
+      </a:defRPr>
+    </a:lvl9pPr>
+  </p:notesStyle>
+</p:notesMaster>
+</file>
+
+<file path=ppt/notesSlides/notesSlide1.xml><?xml version="1.0" encoding="utf-8"?>
+<p:notes xmlns:a="http://schemas.openxmlformats.org/drawingml/2006/main" xmlns:r="http://schemas.openxmlformats.org/officeDocument/2006/relationships" xmlns:p="http://schemas.openxmlformats.org/presentationml/2006/main">
+  <p:cSld>
+    <p:spTree>
+      <p:nvGrpSpPr>
+        <p:cNvPr id="1" name=""/>
+        <p:cNvGrpSpPr/>
+        <p:nvPr/>
+      </p:nvGrpSpPr>
+      <p:grpSpPr>
+        <a:xfrm>
+          <a:off x="0" y="0"/>
+          <a:ext cx="0" cy="0"/>
+          <a:chOff x="0" y="0"/>
+          <a:chExt cx="0" cy="0"/>
+        </a:xfrm>
+      </p:grpSpPr>
+      <p:sp>
+        <p:nvSpPr>
+          <p:cNvPr id="2" name="슬라이드 이미지 개체 틀 1"/>
+          <p:cNvSpPr>
+            <a:spLocks noGrp="1" noRot="1" noChangeAspect="1"/>
+          </p:cNvSpPr>
+          <p:nvPr>
+            <p:ph type="sldImg"/>
+          </p:nvPr>
+        </p:nvSpPr>
+        <p:spPr/>
+      </p:sp>
+      <p:sp>
+        <p:nvSpPr>
+          <p:cNvPr id="3" name="슬라이드 노트 개체 틀 2"/>
+          <p:cNvSpPr>
+            <a:spLocks noGrp="1"/>
+          </p:cNvSpPr>
+          <p:nvPr>
+            <p:ph type="body" idx="1"/>
+          </p:nvPr>
+        </p:nvSpPr>
+        <p:spPr/>
+        <p:txBody>
+          <a:bodyPr/>
+          <a:lstStyle/>
+          <a:p>
+            <a:endParaRPr lang="ko-KR" altLang="en-US" dirty="0"/>
+          </a:p>
+        </p:txBody>
+      </p:sp>
+      <p:sp>
+        <p:nvSpPr>
+          <p:cNvPr id="4" name="슬라이드 번호 개체 틀 3"/>
+          <p:cNvSpPr>
+            <a:spLocks noGrp="1"/>
+          </p:cNvSpPr>
+          <p:nvPr>
+            <p:ph type="sldNum" sz="quarter" idx="5"/>
+          </p:nvPr>
+        </p:nvSpPr>
+        <p:spPr/>
+        <p:txBody>
+          <a:bodyPr/>
+          <a:lstStyle/>
+          <a:p>
+            <a:fld id="{BB9F2C59-767F-4A69-8531-62041107E87B}" type="slidenum">
+              <a:rPr lang="ko-KR" altLang="en-US" smtClean="0"/>
+              <a:t>2</a:t>
+            </a:fld>
+            <a:endParaRPr lang="ko-KR" altLang="en-US"/>
+          </a:p>
+        </p:txBody>
+      </p:sp>
+    </p:spTree>
+    <p:extLst>
+      <p:ext uri="{BB962C8B-B14F-4D97-AF65-F5344CB8AC3E}">
+        <p14:creationId xmlns:p14="http://schemas.microsoft.com/office/powerpoint/2010/main" val="406777592"/>
+      </p:ext>
+    </p:extLst>
+  </p:cSld>
+  <p:clrMapOvr>
+    <a:masterClrMapping/>
+  </p:clrMapOvr>
+</p:notes>
+</file>
+
 <file path=ppt/slideLayouts/slideLayout1.xml><?xml version="1.0" encoding="utf-8"?>
 <p:sldLayout xmlns:a="http://schemas.openxmlformats.org/drawingml/2006/main" xmlns:r="http://schemas.openxmlformats.org/officeDocument/2006/relationships" xmlns:p="http://schemas.openxmlformats.org/presentationml/2006/main" type="title" preserve="1">
   <p:cSld name="제목 슬라이드">
@@ -776,7 +1214,7 @@
           <a:p>
             <a:fld id="{309FAC85-FE2E-45F2-B9FC-7DEE9C9E32BB}" type="datetimeFigureOut">
               <a:rPr lang="ko-KR" altLang="en-US" smtClean="0"/>
-              <a:t>2024-09-06</a:t>
+              <a:t>2024-11-15</a:t>
             </a:fld>
             <a:endParaRPr lang="ko-KR" altLang="en-US"/>
           </a:p>
@@ -974,7 +1412,7 @@
           <a:p>
             <a:fld id="{309FAC85-FE2E-45F2-B9FC-7DEE9C9E32BB}" type="datetimeFigureOut">
               <a:rPr lang="ko-KR" altLang="en-US" smtClean="0"/>
-              <a:t>2024-09-06</a:t>
+              <a:t>2024-11-15</a:t>
             </a:fld>
             <a:endParaRPr lang="ko-KR" altLang="en-US"/>
           </a:p>
@@ -1182,7 +1620,7 @@
           <a:p>
             <a:fld id="{309FAC85-FE2E-45F2-B9FC-7DEE9C9E32BB}" type="datetimeFigureOut">
               <a:rPr lang="ko-KR" altLang="en-US" smtClean="0"/>
-              <a:t>2024-09-06</a:t>
+              <a:t>2024-11-15</a:t>
             </a:fld>
             <a:endParaRPr lang="ko-KR" altLang="en-US"/>
           </a:p>
@@ -1380,7 +1818,7 @@
           <a:p>
             <a:fld id="{309FAC85-FE2E-45F2-B9FC-7DEE9C9E32BB}" type="datetimeFigureOut">
               <a:rPr lang="ko-KR" altLang="en-US" smtClean="0"/>
-              <a:t>2024-09-06</a:t>
+              <a:t>2024-11-15</a:t>
             </a:fld>
             <a:endParaRPr lang="ko-KR" altLang="en-US"/>
           </a:p>
@@ -1655,7 +2093,7 @@
           <a:p>
             <a:fld id="{309FAC85-FE2E-45F2-B9FC-7DEE9C9E32BB}" type="datetimeFigureOut">
               <a:rPr lang="ko-KR" altLang="en-US" smtClean="0"/>
-              <a:t>2024-09-06</a:t>
+              <a:t>2024-11-15</a:t>
             </a:fld>
             <a:endParaRPr lang="ko-KR" altLang="en-US"/>
           </a:p>
@@ -1920,7 +2358,7 @@
           <a:p>
             <a:fld id="{309FAC85-FE2E-45F2-B9FC-7DEE9C9E32BB}" type="datetimeFigureOut">
               <a:rPr lang="ko-KR" altLang="en-US" smtClean="0"/>
-              <a:t>2024-09-06</a:t>
+              <a:t>2024-11-15</a:t>
             </a:fld>
             <a:endParaRPr lang="ko-KR" altLang="en-US"/>
           </a:p>
@@ -2332,7 +2770,7 @@
           <a:p>
             <a:fld id="{309FAC85-FE2E-45F2-B9FC-7DEE9C9E32BB}" type="datetimeFigureOut">
               <a:rPr lang="ko-KR" altLang="en-US" smtClean="0"/>
-              <a:t>2024-09-06</a:t>
+              <a:t>2024-11-15</a:t>
             </a:fld>
             <a:endParaRPr lang="ko-KR" altLang="en-US"/>
           </a:p>
@@ -2473,7 +2911,7 @@
           <a:p>
             <a:fld id="{309FAC85-FE2E-45F2-B9FC-7DEE9C9E32BB}" type="datetimeFigureOut">
               <a:rPr lang="ko-KR" altLang="en-US" smtClean="0"/>
-              <a:t>2024-09-06</a:t>
+              <a:t>2024-11-15</a:t>
             </a:fld>
             <a:endParaRPr lang="ko-KR" altLang="en-US"/>
           </a:p>
@@ -2586,7 +3024,7 @@
           <a:p>
             <a:fld id="{309FAC85-FE2E-45F2-B9FC-7DEE9C9E32BB}" type="datetimeFigureOut">
               <a:rPr lang="ko-KR" altLang="en-US" smtClean="0"/>
-              <a:t>2024-09-06</a:t>
+              <a:t>2024-11-15</a:t>
             </a:fld>
             <a:endParaRPr lang="ko-KR" altLang="en-US"/>
           </a:p>
@@ -2897,7 +3335,7 @@
           <a:p>
             <a:fld id="{309FAC85-FE2E-45F2-B9FC-7DEE9C9E32BB}" type="datetimeFigureOut">
               <a:rPr lang="ko-KR" altLang="en-US" smtClean="0"/>
-              <a:t>2024-09-06</a:t>
+              <a:t>2024-11-15</a:t>
             </a:fld>
             <a:endParaRPr lang="ko-KR" altLang="en-US"/>
           </a:p>
@@ -3185,7 +3623,7 @@
           <a:p>
             <a:fld id="{309FAC85-FE2E-45F2-B9FC-7DEE9C9E32BB}" type="datetimeFigureOut">
               <a:rPr lang="ko-KR" altLang="en-US" smtClean="0"/>
-              <a:t>2024-09-06</a:t>
+              <a:t>2024-11-15</a:t>
             </a:fld>
             <a:endParaRPr lang="ko-KR" altLang="en-US"/>
           </a:p>
@@ -3426,7 +3864,7 @@
           <a:p>
             <a:fld id="{309FAC85-FE2E-45F2-B9FC-7DEE9C9E32BB}" type="datetimeFigureOut">
               <a:rPr lang="ko-KR" altLang="en-US" smtClean="0"/>
-              <a:t>2024-09-06</a:t>
+              <a:t>2024-11-15</a:t>
             </a:fld>
             <a:endParaRPr lang="ko-KR" altLang="en-US"/>
           </a:p>
@@ -6838,6 +7276,3155 @@
 </p:sld>
 </file>
 
+<file path=ppt/slides/slide2.xml><?xml version="1.0" encoding="utf-8"?>
+<p:sld xmlns:a="http://schemas.openxmlformats.org/drawingml/2006/main" xmlns:r="http://schemas.openxmlformats.org/officeDocument/2006/relationships" xmlns:p="http://schemas.openxmlformats.org/presentationml/2006/main">
+  <p:cSld>
+    <p:spTree>
+      <p:nvGrpSpPr>
+        <p:cNvPr id="1" name="">
+          <a:extLst>
+            <a:ext uri="{FF2B5EF4-FFF2-40B4-BE49-F238E27FC236}">
+              <a16:creationId xmlns:a16="http://schemas.microsoft.com/office/drawing/2014/main" id="{32B48F12-282E-797F-3CA5-D3AF3FF10D16}"/>
+            </a:ext>
+          </a:extLst>
+        </p:cNvPr>
+        <p:cNvGrpSpPr/>
+        <p:nvPr/>
+      </p:nvGrpSpPr>
+      <p:grpSpPr>
+        <a:xfrm>
+          <a:off x="0" y="0"/>
+          <a:ext cx="0" cy="0"/>
+          <a:chOff x="0" y="0"/>
+          <a:chExt cx="0" cy="0"/>
+        </a:xfrm>
+      </p:grpSpPr>
+      <p:grpSp>
+        <p:nvGrpSpPr>
+          <p:cNvPr id="36" name="그룹 35">
+            <a:extLst>
+              <a:ext uri="{FF2B5EF4-FFF2-40B4-BE49-F238E27FC236}">
+                <a16:creationId xmlns:a16="http://schemas.microsoft.com/office/drawing/2014/main" id="{3C7CEDD4-1451-1302-6780-145DD3378610}"/>
+              </a:ext>
+            </a:extLst>
+          </p:cNvPr>
+          <p:cNvGrpSpPr/>
+          <p:nvPr/>
+        </p:nvGrpSpPr>
+        <p:grpSpPr>
+          <a:xfrm>
+            <a:off x="736600" y="0"/>
+            <a:ext cx="4546600" cy="7025880"/>
+            <a:chOff x="736600" y="0"/>
+            <a:chExt cx="4546600" cy="7025880"/>
+          </a:xfrm>
+        </p:grpSpPr>
+        <p:sp>
+          <p:nvSpPr>
+            <p:cNvPr id="4" name="사각형: 둥근 모서리 3">
+              <a:extLst>
+                <a:ext uri="{FF2B5EF4-FFF2-40B4-BE49-F238E27FC236}">
+                  <a16:creationId xmlns:a16="http://schemas.microsoft.com/office/drawing/2014/main" id="{A1B9BEA2-7193-EC65-CEF9-69CEB8EF3CEA}"/>
+                </a:ext>
+              </a:extLst>
+            </p:cNvPr>
+            <p:cNvSpPr/>
+            <p:nvPr/>
+          </p:nvSpPr>
+          <p:spPr>
+            <a:xfrm>
+              <a:off x="736600" y="400111"/>
+              <a:ext cx="4546600" cy="6625769"/>
+            </a:xfrm>
+            <a:prstGeom prst="roundRect">
+              <a:avLst/>
+            </a:prstGeom>
+            <a:solidFill>
+              <a:srgbClr val="599BB1"/>
+            </a:solidFill>
+            <a:ln>
+              <a:noFill/>
+            </a:ln>
+          </p:spPr>
+          <p:style>
+            <a:lnRef idx="2">
+              <a:schemeClr val="accent1">
+                <a:shade val="15000"/>
+              </a:schemeClr>
+            </a:lnRef>
+            <a:fillRef idx="1">
+              <a:schemeClr val="accent1"/>
+            </a:fillRef>
+            <a:effectRef idx="0">
+              <a:schemeClr val="accent1"/>
+            </a:effectRef>
+            <a:fontRef idx="minor">
+              <a:schemeClr val="lt1"/>
+            </a:fontRef>
+          </p:style>
+          <p:txBody>
+            <a:bodyPr rtlCol="0" anchor="ctr"/>
+            <a:lstStyle/>
+            <a:p>
+              <a:pPr algn="ctr"/>
+              <a:endParaRPr lang="ko-KR" altLang="en-US" dirty="0"/>
+            </a:p>
+          </p:txBody>
+        </p:sp>
+        <p:sp>
+          <p:nvSpPr>
+            <p:cNvPr id="5" name="TextBox 4">
+              <a:extLst>
+                <a:ext uri="{FF2B5EF4-FFF2-40B4-BE49-F238E27FC236}">
+                  <a16:creationId xmlns:a16="http://schemas.microsoft.com/office/drawing/2014/main" id="{EFC4697C-3BD0-F10A-7F90-DDC795B3277B}"/>
+                </a:ext>
+              </a:extLst>
+            </p:cNvPr>
+            <p:cNvSpPr txBox="1"/>
+            <p:nvPr/>
+          </p:nvSpPr>
+          <p:spPr>
+            <a:xfrm>
+              <a:off x="1759312" y="0"/>
+              <a:ext cx="2682145" cy="400110"/>
+            </a:xfrm>
+            <a:prstGeom prst="rect">
+              <a:avLst/>
+            </a:prstGeom>
+            <a:noFill/>
+          </p:spPr>
+          <p:txBody>
+            <a:bodyPr wrap="square" rtlCol="0">
+              <a:spAutoFit/>
+            </a:bodyPr>
+            <a:lstStyle/>
+            <a:p>
+              <a:pPr algn="ctr"/>
+              <a:r>
+                <a:rPr lang="en-US" altLang="ko-KR" sz="2000" dirty="0">
+                  <a:latin typeface="Helvetica LT Std Black" panose="020B0904030502020204" pitchFamily="34" charset="0"/>
+                </a:rPr>
+                <a:t>beverage</a:t>
+              </a:r>
+              <a:endParaRPr lang="ko-KR" altLang="en-US" sz="2000" dirty="0">
+                <a:latin typeface="Helvetica LT Std Black" panose="020B0904030502020204" pitchFamily="34" charset="0"/>
+              </a:endParaRPr>
+            </a:p>
+          </p:txBody>
+        </p:sp>
+        <p:grpSp>
+          <p:nvGrpSpPr>
+            <p:cNvPr id="15" name="그룹 14">
+              <a:extLst>
+                <a:ext uri="{FF2B5EF4-FFF2-40B4-BE49-F238E27FC236}">
+                  <a16:creationId xmlns:a16="http://schemas.microsoft.com/office/drawing/2014/main" id="{577C5C90-D067-29B0-24E1-F22DBC638662}"/>
+                </a:ext>
+              </a:extLst>
+            </p:cNvPr>
+            <p:cNvGrpSpPr/>
+            <p:nvPr/>
+          </p:nvGrpSpPr>
+          <p:grpSpPr>
+            <a:xfrm>
+              <a:off x="1393744" y="696650"/>
+              <a:ext cx="3215372" cy="6032690"/>
+              <a:chOff x="1608059" y="1308522"/>
+              <a:chExt cx="3215372" cy="6032690"/>
+            </a:xfrm>
+          </p:grpSpPr>
+          <p:sp>
+            <p:nvSpPr>
+              <p:cNvPr id="2" name="TextBox 1">
+                <a:extLst>
+                  <a:ext uri="{FF2B5EF4-FFF2-40B4-BE49-F238E27FC236}">
+                    <a16:creationId xmlns:a16="http://schemas.microsoft.com/office/drawing/2014/main" id="{9D079042-426D-4171-4889-25271AA8EACE}"/>
+                  </a:ext>
+                </a:extLst>
+              </p:cNvPr>
+              <p:cNvSpPr txBox="1"/>
+              <p:nvPr/>
+            </p:nvSpPr>
+            <p:spPr>
+              <a:xfrm>
+                <a:off x="1608059" y="1308522"/>
+                <a:ext cx="1672169" cy="646331"/>
+              </a:xfrm>
+              <a:prstGeom prst="rect">
+                <a:avLst/>
+              </a:prstGeom>
+              <a:noFill/>
+            </p:spPr>
+            <p:txBody>
+              <a:bodyPr wrap="square" rtlCol="0">
+                <a:spAutoFit/>
+              </a:bodyPr>
+              <a:lstStyle/>
+              <a:p>
+                <a:r>
+                  <a:rPr lang="en-US" altLang="ko-KR" dirty="0">
+                    <a:latin typeface="Helvetica LT Std Black" panose="020B0904030502020204" pitchFamily="34" charset="0"/>
+                  </a:rPr>
+                  <a:t>C</a:t>
+                </a:r>
+                <a:r>
+                  <a:rPr lang="en-US" altLang="ko-KR" dirty="0">
+                    <a:solidFill>
+                      <a:schemeClr val="tx1"/>
+                    </a:solidFill>
+                    <a:latin typeface="Helvetica LT Std Black" panose="020B0904030502020204" pitchFamily="34" charset="0"/>
+                  </a:rPr>
+                  <a:t>onstructor</a:t>
+                </a:r>
+                <a:endParaRPr lang="ko-KR" altLang="en-US" dirty="0">
+                  <a:solidFill>
+                    <a:schemeClr val="tx1"/>
+                  </a:solidFill>
+                  <a:latin typeface="Helvetica LT Std Black" panose="020B0904030502020204" pitchFamily="34" charset="0"/>
+                </a:endParaRPr>
+              </a:p>
+              <a:p>
+                <a:endParaRPr lang="ko-KR" altLang="en-US" dirty="0"/>
+              </a:p>
+            </p:txBody>
+          </p:sp>
+          <p:sp>
+            <p:nvSpPr>
+              <p:cNvPr id="3" name="사각형: 둥근 모서리 2">
+                <a:extLst>
+                  <a:ext uri="{FF2B5EF4-FFF2-40B4-BE49-F238E27FC236}">
+                    <a16:creationId xmlns:a16="http://schemas.microsoft.com/office/drawing/2014/main" id="{49D58237-CC7D-FB31-A9F1-BDA3F32AD877}"/>
+                  </a:ext>
+                </a:extLst>
+              </p:cNvPr>
+              <p:cNvSpPr/>
+              <p:nvPr/>
+            </p:nvSpPr>
+            <p:spPr>
+              <a:xfrm>
+                <a:off x="1805970" y="1669221"/>
+                <a:ext cx="3017460" cy="1358256"/>
+              </a:xfrm>
+              <a:prstGeom prst="roundRect">
+                <a:avLst/>
+              </a:prstGeom>
+              <a:solidFill>
+                <a:srgbClr val="B6D2DC"/>
+              </a:solidFill>
+              <a:ln>
+                <a:noFill/>
+              </a:ln>
+            </p:spPr>
+            <p:style>
+              <a:lnRef idx="2">
+                <a:schemeClr val="accent1">
+                  <a:shade val="15000"/>
+                </a:schemeClr>
+              </a:lnRef>
+              <a:fillRef idx="1">
+                <a:schemeClr val="accent1"/>
+              </a:fillRef>
+              <a:effectRef idx="0">
+                <a:schemeClr val="accent1"/>
+              </a:effectRef>
+              <a:fontRef idx="minor">
+                <a:schemeClr val="lt1"/>
+              </a:fontRef>
+            </p:style>
+            <p:txBody>
+              <a:bodyPr rtlCol="0" anchor="ctr"/>
+              <a:lstStyle/>
+              <a:p>
+                <a:r>
+                  <a:rPr lang="en-US" altLang="ko-KR" dirty="0">
+                    <a:solidFill>
+                      <a:srgbClr val="1A1918"/>
+                    </a:solidFill>
+                    <a:latin typeface="HelveticaNeueLT Com 53 Ex" panose="020B0605020202020204" pitchFamily="34" charset="0"/>
+                  </a:rPr>
+                  <a:t>__name</a:t>
+                </a:r>
+              </a:p>
+              <a:p>
+                <a:r>
+                  <a:rPr lang="en-US" altLang="ko-KR" b="0" i="0" dirty="0">
+                    <a:solidFill>
+                      <a:srgbClr val="1A1918"/>
+                    </a:solidFill>
+                    <a:effectLst/>
+                    <a:latin typeface="HelveticaNeueLT Com 53 Ex" panose="020B0605020202020204" pitchFamily="34" charset="0"/>
+                  </a:rPr>
+                  <a:t>__price</a:t>
+                </a:r>
+              </a:p>
+              <a:p>
+                <a:r>
+                  <a:rPr lang="en-US" altLang="ko-KR" dirty="0">
+                    <a:solidFill>
+                      <a:srgbClr val="1A1918"/>
+                    </a:solidFill>
+                    <a:latin typeface="HelveticaNeueLT Com 53 Ex" panose="020B0605020202020204" pitchFamily="34" charset="0"/>
+                  </a:rPr>
+                  <a:t>__count</a:t>
+                </a:r>
+              </a:p>
+              <a:p>
+                <a:r>
+                  <a:rPr lang="en-US" altLang="ko-KR" b="0" i="0" dirty="0">
+                    <a:solidFill>
+                      <a:srgbClr val="1A1918"/>
+                    </a:solidFill>
+                    <a:effectLst/>
+                    <a:latin typeface="HelveticaNeueLT Com 53 Ex" panose="020B0605020202020204" pitchFamily="34" charset="0"/>
+                  </a:rPr>
+                  <a:t>__</a:t>
+                </a:r>
+                <a:r>
+                  <a:rPr lang="en-US" altLang="ko-KR" b="0" i="0" dirty="0" err="1">
+                    <a:solidFill>
+                      <a:srgbClr val="1A1918"/>
+                    </a:solidFill>
+                    <a:effectLst/>
+                    <a:latin typeface="HelveticaNeueLT Com 53 Ex" panose="020B0605020202020204" pitchFamily="34" charset="0"/>
+                  </a:rPr>
+                  <a:t>salescount</a:t>
+                </a:r>
+                <a:endParaRPr lang="en-US" altLang="ko-KR" b="0" i="0" dirty="0">
+                  <a:solidFill>
+                    <a:srgbClr val="1A1918"/>
+                  </a:solidFill>
+                  <a:effectLst/>
+                  <a:latin typeface="HelveticaNeueLT Com 53 Ex" panose="020B0605020202020204" pitchFamily="34" charset="0"/>
+                </a:endParaRPr>
+              </a:p>
+            </p:txBody>
+          </p:sp>
+          <p:sp>
+            <p:nvSpPr>
+              <p:cNvPr id="6" name="사각형: 둥근 모서리 5">
+                <a:extLst>
+                  <a:ext uri="{FF2B5EF4-FFF2-40B4-BE49-F238E27FC236}">
+                    <a16:creationId xmlns:a16="http://schemas.microsoft.com/office/drawing/2014/main" id="{E7A20ACE-D022-ACC6-E58E-D38373819D4A}"/>
+                  </a:ext>
+                </a:extLst>
+              </p:cNvPr>
+              <p:cNvSpPr/>
+              <p:nvPr/>
+            </p:nvSpPr>
+            <p:spPr>
+              <a:xfrm>
+                <a:off x="1805970" y="3625753"/>
+                <a:ext cx="3017461" cy="1358256"/>
+              </a:xfrm>
+              <a:prstGeom prst="roundRect">
+                <a:avLst/>
+              </a:prstGeom>
+              <a:solidFill>
+                <a:srgbClr val="B6D2DC"/>
+              </a:solidFill>
+              <a:ln>
+                <a:noFill/>
+              </a:ln>
+            </p:spPr>
+            <p:style>
+              <a:lnRef idx="2">
+                <a:schemeClr val="accent1">
+                  <a:shade val="15000"/>
+                </a:schemeClr>
+              </a:lnRef>
+              <a:fillRef idx="1">
+                <a:schemeClr val="accent1"/>
+              </a:fillRef>
+              <a:effectRef idx="0">
+                <a:schemeClr val="accent1"/>
+              </a:effectRef>
+              <a:fontRef idx="minor">
+                <a:schemeClr val="lt1"/>
+              </a:fontRef>
+            </p:style>
+            <p:txBody>
+              <a:bodyPr rtlCol="0" anchor="ctr"/>
+              <a:lstStyle/>
+              <a:p>
+                <a:pPr algn="ctr"/>
+                <a:r>
+                  <a:rPr lang="en-US" altLang="ko-KR" b="0" i="0" dirty="0" err="1">
+                    <a:solidFill>
+                      <a:srgbClr val="1A1918"/>
+                    </a:solidFill>
+                    <a:effectLst/>
+                    <a:latin typeface="Helvetica LT Std Black" panose="020B0904030502020204" pitchFamily="34" charset="0"/>
+                  </a:rPr>
+                  <a:t>getName</a:t>
+                </a:r>
+                <a:r>
+                  <a:rPr lang="en-US" altLang="ko-KR" b="0" i="0" dirty="0">
+                    <a:solidFill>
+                      <a:srgbClr val="1A1918"/>
+                    </a:solidFill>
+                    <a:effectLst/>
+                    <a:latin typeface="Helvetica LT Std Black" panose="020B0904030502020204" pitchFamily="34" charset="0"/>
+                  </a:rPr>
+                  <a:t>()</a:t>
+                </a:r>
+              </a:p>
+              <a:p>
+                <a:pPr algn="ctr"/>
+                <a:r>
+                  <a:rPr lang="en-US" altLang="ko-KR" dirty="0" err="1">
+                    <a:solidFill>
+                      <a:srgbClr val="1A1918"/>
+                    </a:solidFill>
+                    <a:latin typeface="Helvetica LT Std Black" panose="020B0904030502020204" pitchFamily="34" charset="0"/>
+                  </a:rPr>
+                  <a:t>getPrice</a:t>
+                </a:r>
+                <a:r>
+                  <a:rPr lang="en-US" altLang="ko-KR" dirty="0">
+                    <a:solidFill>
+                      <a:srgbClr val="1A1918"/>
+                    </a:solidFill>
+                    <a:latin typeface="Helvetica LT Std Black" panose="020B0904030502020204" pitchFamily="34" charset="0"/>
+                  </a:rPr>
+                  <a:t>()</a:t>
+                </a:r>
+              </a:p>
+              <a:p>
+                <a:pPr algn="ctr"/>
+                <a:r>
+                  <a:rPr lang="en-US" altLang="ko-KR" b="0" i="0" dirty="0" err="1">
+                    <a:solidFill>
+                      <a:srgbClr val="1A1918"/>
+                    </a:solidFill>
+                    <a:effectLst/>
+                    <a:latin typeface="Helvetica LT Std Black" panose="020B0904030502020204" pitchFamily="34" charset="0"/>
+                  </a:rPr>
+                  <a:t>getCount</a:t>
+                </a:r>
+                <a:r>
+                  <a:rPr lang="en-US" altLang="ko-KR" b="0" i="0" dirty="0">
+                    <a:solidFill>
+                      <a:srgbClr val="1A1918"/>
+                    </a:solidFill>
+                    <a:effectLst/>
+                    <a:latin typeface="Helvetica LT Std Black" panose="020B0904030502020204" pitchFamily="34" charset="0"/>
+                  </a:rPr>
+                  <a:t>()</a:t>
+                </a:r>
+              </a:p>
+              <a:p>
+                <a:pPr algn="ctr"/>
+                <a:r>
+                  <a:rPr lang="en-US" altLang="ko-KR" dirty="0">
+                    <a:solidFill>
+                      <a:srgbClr val="1A1918"/>
+                    </a:solidFill>
+                    <a:latin typeface="Helvetica LT Std Black" panose="020B0904030502020204" pitchFamily="34" charset="0"/>
+                  </a:rPr>
+                  <a:t>sale()</a:t>
+                </a:r>
+              </a:p>
+            </p:txBody>
+          </p:sp>
+          <p:sp>
+            <p:nvSpPr>
+              <p:cNvPr id="11" name="TextBox 10">
+                <a:extLst>
+                  <a:ext uri="{FF2B5EF4-FFF2-40B4-BE49-F238E27FC236}">
+                    <a16:creationId xmlns:a16="http://schemas.microsoft.com/office/drawing/2014/main" id="{727708DE-F5FB-D125-CFC7-16049E5DEFAA}"/>
+                  </a:ext>
+                </a:extLst>
+              </p:cNvPr>
+              <p:cNvSpPr txBox="1"/>
+              <p:nvPr/>
+            </p:nvSpPr>
+            <p:spPr>
+              <a:xfrm>
+                <a:off x="1608060" y="3271133"/>
+                <a:ext cx="1570570" cy="646331"/>
+              </a:xfrm>
+              <a:prstGeom prst="rect">
+                <a:avLst/>
+              </a:prstGeom>
+              <a:noFill/>
+            </p:spPr>
+            <p:txBody>
+              <a:bodyPr wrap="square" rtlCol="0">
+                <a:spAutoFit/>
+              </a:bodyPr>
+              <a:lstStyle/>
+              <a:p>
+                <a:r>
+                  <a:rPr lang="en-US" altLang="ko-KR" i="1" dirty="0">
+                    <a:solidFill>
+                      <a:schemeClr val="bg1"/>
+                    </a:solidFill>
+                    <a:latin typeface="Helvetica LT Std Black" panose="020B0904030502020204" pitchFamily="34" charset="0"/>
+                  </a:rPr>
+                  <a:t>Sale</a:t>
+                </a:r>
+                <a:endParaRPr lang="ko-KR" altLang="en-US" i="1" dirty="0">
+                  <a:solidFill>
+                    <a:schemeClr val="bg1"/>
+                  </a:solidFill>
+                  <a:latin typeface="Helvetica LT Std Black" panose="020B0904030502020204" pitchFamily="34" charset="0"/>
+                </a:endParaRPr>
+              </a:p>
+              <a:p>
+                <a:endParaRPr lang="ko-KR" altLang="en-US" dirty="0"/>
+              </a:p>
+            </p:txBody>
+          </p:sp>
+          <p:sp>
+            <p:nvSpPr>
+              <p:cNvPr id="13" name="사각형: 둥근 모서리 12">
+                <a:extLst>
+                  <a:ext uri="{FF2B5EF4-FFF2-40B4-BE49-F238E27FC236}">
+                    <a16:creationId xmlns:a16="http://schemas.microsoft.com/office/drawing/2014/main" id="{ACF43748-5D78-224C-008E-92A700A51AE8}"/>
+                  </a:ext>
+                </a:extLst>
+              </p:cNvPr>
+              <p:cNvSpPr/>
+              <p:nvPr/>
+            </p:nvSpPr>
+            <p:spPr>
+              <a:xfrm>
+                <a:off x="1805970" y="5583332"/>
+                <a:ext cx="3017461" cy="1757880"/>
+              </a:xfrm>
+              <a:prstGeom prst="roundRect">
+                <a:avLst/>
+              </a:prstGeom>
+              <a:solidFill>
+                <a:srgbClr val="B6D2DC"/>
+              </a:solidFill>
+              <a:ln>
+                <a:noFill/>
+              </a:ln>
+            </p:spPr>
+            <p:style>
+              <a:lnRef idx="2">
+                <a:schemeClr val="accent1">
+                  <a:shade val="15000"/>
+                </a:schemeClr>
+              </a:lnRef>
+              <a:fillRef idx="1">
+                <a:schemeClr val="accent1"/>
+              </a:fillRef>
+              <a:effectRef idx="0">
+                <a:schemeClr val="accent1"/>
+              </a:effectRef>
+              <a:fontRef idx="minor">
+                <a:schemeClr val="lt1"/>
+              </a:fontRef>
+            </p:style>
+            <p:txBody>
+              <a:bodyPr rtlCol="0" anchor="ctr"/>
+              <a:lstStyle/>
+              <a:p>
+                <a:pPr algn="ctr"/>
+                <a:endParaRPr lang="en-US" altLang="ko-KR" dirty="0">
+                  <a:solidFill>
+                    <a:srgbClr val="1A1918"/>
+                  </a:solidFill>
+                  <a:latin typeface="HelveticaNeueLT Com 53 Ex" panose="020B0605020202020204" pitchFamily="34" charset="0"/>
+                </a:endParaRPr>
+              </a:p>
+              <a:p>
+                <a:pPr algn="ctr"/>
+                <a:r>
+                  <a:rPr lang="en-US" altLang="ko-KR" dirty="0" err="1">
+                    <a:solidFill>
+                      <a:srgbClr val="1A1918"/>
+                    </a:solidFill>
+                    <a:latin typeface="Helvetica LT Std Black" panose="020B0904030502020204" pitchFamily="34" charset="0"/>
+                  </a:rPr>
+                  <a:t>changePrice</a:t>
+                </a:r>
+                <a:r>
+                  <a:rPr lang="en-US" altLang="ko-KR" dirty="0">
+                    <a:solidFill>
+                      <a:srgbClr val="1A1918"/>
+                    </a:solidFill>
+                    <a:latin typeface="Helvetica LT Std Black" panose="020B0904030502020204" pitchFamily="34" charset="0"/>
+                  </a:rPr>
+                  <a:t>()</a:t>
+                </a:r>
+              </a:p>
+              <a:p>
+                <a:pPr algn="ctr"/>
+                <a:r>
+                  <a:rPr lang="en-US" altLang="ko-KR" b="0" i="0" dirty="0" err="1">
+                    <a:solidFill>
+                      <a:srgbClr val="1A1918"/>
+                    </a:solidFill>
+                    <a:effectLst/>
+                    <a:latin typeface="Helvetica LT Std Black" panose="020B0904030502020204" pitchFamily="34" charset="0"/>
+                  </a:rPr>
+                  <a:t>changeCount</a:t>
+                </a:r>
+                <a:r>
+                  <a:rPr lang="en-US" altLang="ko-KR" b="0" i="0" dirty="0">
+                    <a:solidFill>
+                      <a:srgbClr val="1A1918"/>
+                    </a:solidFill>
+                    <a:effectLst/>
+                    <a:latin typeface="Helvetica LT Std Black" panose="020B0904030502020204" pitchFamily="34" charset="0"/>
+                  </a:rPr>
+                  <a:t>()</a:t>
+                </a:r>
+              </a:p>
+              <a:p>
+                <a:pPr algn="ctr"/>
+                <a:r>
+                  <a:rPr lang="en-US" altLang="ko-KR" dirty="0" err="1">
+                    <a:solidFill>
+                      <a:srgbClr val="1A1918"/>
+                    </a:solidFill>
+                    <a:latin typeface="Helvetica LT Std Black" panose="020B0904030502020204" pitchFamily="34" charset="0"/>
+                  </a:rPr>
+                  <a:t>changeName</a:t>
+                </a:r>
+                <a:r>
+                  <a:rPr lang="en-US" altLang="ko-KR" dirty="0">
+                    <a:solidFill>
+                      <a:srgbClr val="1A1918"/>
+                    </a:solidFill>
+                    <a:latin typeface="Helvetica LT Std Black" panose="020B0904030502020204" pitchFamily="34" charset="0"/>
+                  </a:rPr>
+                  <a:t>()</a:t>
+                </a:r>
+              </a:p>
+              <a:p>
+                <a:pPr algn="ctr"/>
+                <a:r>
+                  <a:rPr lang="en-US" altLang="ko-KR" b="0" i="0" dirty="0" err="1">
+                    <a:solidFill>
+                      <a:srgbClr val="1A1918"/>
+                    </a:solidFill>
+                    <a:effectLst/>
+                    <a:latin typeface="Helvetica LT Std Black" panose="020B0904030502020204" pitchFamily="34" charset="0"/>
+                  </a:rPr>
+                  <a:t>getSalesCount</a:t>
+                </a:r>
+                <a:r>
+                  <a:rPr lang="en-US" altLang="ko-KR" b="0" i="0" dirty="0">
+                    <a:solidFill>
+                      <a:srgbClr val="1A1918"/>
+                    </a:solidFill>
+                    <a:effectLst/>
+                    <a:latin typeface="Helvetica LT Std Black" panose="020B0904030502020204" pitchFamily="34" charset="0"/>
+                  </a:rPr>
+                  <a:t>()</a:t>
+                </a:r>
+              </a:p>
+              <a:p>
+                <a:pPr algn="ctr"/>
+                <a:r>
+                  <a:rPr lang="en-US" altLang="ko-KR" b="0" i="0" dirty="0" err="1">
+                    <a:solidFill>
+                      <a:srgbClr val="1A1918"/>
+                    </a:solidFill>
+                    <a:effectLst/>
+                    <a:latin typeface="Helvetica LT Std Black" panose="020B0904030502020204" pitchFamily="34" charset="0"/>
+                  </a:rPr>
+                  <a:t>resetSalesCount</a:t>
+                </a:r>
+                <a:r>
+                  <a:rPr lang="en-US" altLang="ko-KR" b="0" i="0" dirty="0">
+                    <a:solidFill>
+                      <a:srgbClr val="1A1918"/>
+                    </a:solidFill>
+                    <a:effectLst/>
+                    <a:latin typeface="Helvetica LT Std Black" panose="020B0904030502020204" pitchFamily="34" charset="0"/>
+                  </a:rPr>
+                  <a:t>()</a:t>
+                </a:r>
+              </a:p>
+              <a:p>
+                <a:pPr algn="ctr"/>
+                <a:endParaRPr lang="en-US" altLang="ko-KR" b="0" i="0" dirty="0">
+                  <a:solidFill>
+                    <a:srgbClr val="1A1918"/>
+                  </a:solidFill>
+                  <a:effectLst/>
+                  <a:latin typeface="HelveticaNeueLT Com 53 Ex" panose="020B0605020202020204" pitchFamily="34" charset="0"/>
+                </a:endParaRPr>
+              </a:p>
+            </p:txBody>
+          </p:sp>
+          <p:sp>
+            <p:nvSpPr>
+              <p:cNvPr id="14" name="TextBox 13">
+                <a:extLst>
+                  <a:ext uri="{FF2B5EF4-FFF2-40B4-BE49-F238E27FC236}">
+                    <a16:creationId xmlns:a16="http://schemas.microsoft.com/office/drawing/2014/main" id="{473414A4-FAF3-B3E2-BD23-8C5E0E634765}"/>
+                  </a:ext>
+                </a:extLst>
+              </p:cNvPr>
+              <p:cNvSpPr txBox="1"/>
+              <p:nvPr/>
+            </p:nvSpPr>
+            <p:spPr>
+              <a:xfrm>
+                <a:off x="1608059" y="5233559"/>
+                <a:ext cx="1570570" cy="646331"/>
+              </a:xfrm>
+              <a:prstGeom prst="rect">
+                <a:avLst/>
+              </a:prstGeom>
+              <a:noFill/>
+            </p:spPr>
+            <p:txBody>
+              <a:bodyPr wrap="square" rtlCol="0">
+                <a:spAutoFit/>
+              </a:bodyPr>
+              <a:lstStyle/>
+              <a:p>
+                <a:r>
+                  <a:rPr lang="en-US" altLang="ko-KR" i="1" dirty="0">
+                    <a:solidFill>
+                      <a:schemeClr val="bg1"/>
+                    </a:solidFill>
+                    <a:latin typeface="Helvetica LT Std Black" panose="020B0904030502020204" pitchFamily="34" charset="0"/>
+                  </a:rPr>
+                  <a:t>Admin</a:t>
+                </a:r>
+                <a:endParaRPr lang="ko-KR" altLang="en-US" i="1" dirty="0">
+                  <a:solidFill>
+                    <a:schemeClr val="bg1"/>
+                  </a:solidFill>
+                  <a:latin typeface="Helvetica LT Std Black" panose="020B0904030502020204" pitchFamily="34" charset="0"/>
+                </a:endParaRPr>
+              </a:p>
+              <a:p>
+                <a:endParaRPr lang="ko-KR" altLang="en-US" dirty="0"/>
+              </a:p>
+            </p:txBody>
+          </p:sp>
+        </p:grpSp>
+      </p:grpSp>
+      <p:grpSp>
+        <p:nvGrpSpPr>
+          <p:cNvPr id="35" name="그룹 34">
+            <a:extLst>
+              <a:ext uri="{FF2B5EF4-FFF2-40B4-BE49-F238E27FC236}">
+                <a16:creationId xmlns:a16="http://schemas.microsoft.com/office/drawing/2014/main" id="{FAEB39C0-8B3D-81D2-61AE-1ABF277CB422}"/>
+              </a:ext>
+            </a:extLst>
+          </p:cNvPr>
+          <p:cNvGrpSpPr/>
+          <p:nvPr/>
+        </p:nvGrpSpPr>
+        <p:grpSpPr>
+          <a:xfrm>
+            <a:off x="6251655" y="-1"/>
+            <a:ext cx="4546600" cy="7474858"/>
+            <a:chOff x="6251655" y="-1"/>
+            <a:chExt cx="4546600" cy="7474858"/>
+          </a:xfrm>
+        </p:grpSpPr>
+        <p:sp>
+          <p:nvSpPr>
+            <p:cNvPr id="22" name="사각형: 둥근 모서리 21">
+              <a:extLst>
+                <a:ext uri="{FF2B5EF4-FFF2-40B4-BE49-F238E27FC236}">
+                  <a16:creationId xmlns:a16="http://schemas.microsoft.com/office/drawing/2014/main" id="{C3D4EFCF-E24D-DD76-123A-4BC6CD825FF0}"/>
+                </a:ext>
+              </a:extLst>
+            </p:cNvPr>
+            <p:cNvSpPr/>
+            <p:nvPr/>
+          </p:nvSpPr>
+          <p:spPr>
+            <a:xfrm>
+              <a:off x="6251655" y="400110"/>
+              <a:ext cx="4546600" cy="7074747"/>
+            </a:xfrm>
+            <a:prstGeom prst="roundRect">
+              <a:avLst/>
+            </a:prstGeom>
+            <a:solidFill>
+              <a:srgbClr val="599BB1"/>
+            </a:solidFill>
+            <a:ln>
+              <a:noFill/>
+            </a:ln>
+          </p:spPr>
+          <p:style>
+            <a:lnRef idx="2">
+              <a:schemeClr val="accent1">
+                <a:shade val="15000"/>
+              </a:schemeClr>
+            </a:lnRef>
+            <a:fillRef idx="1">
+              <a:schemeClr val="accent1"/>
+            </a:fillRef>
+            <a:effectRef idx="0">
+              <a:schemeClr val="accent1"/>
+            </a:effectRef>
+            <a:fontRef idx="minor">
+              <a:schemeClr val="lt1"/>
+            </a:fontRef>
+          </p:style>
+          <p:txBody>
+            <a:bodyPr rtlCol="0" anchor="ctr"/>
+            <a:lstStyle/>
+            <a:p>
+              <a:pPr algn="ctr"/>
+              <a:endParaRPr lang="ko-KR" altLang="en-US" dirty="0"/>
+            </a:p>
+          </p:txBody>
+        </p:sp>
+        <p:sp>
+          <p:nvSpPr>
+            <p:cNvPr id="24" name="TextBox 23">
+              <a:extLst>
+                <a:ext uri="{FF2B5EF4-FFF2-40B4-BE49-F238E27FC236}">
+                  <a16:creationId xmlns:a16="http://schemas.microsoft.com/office/drawing/2014/main" id="{D2EBF4C0-A0EB-8711-7C97-59099B3E1103}"/>
+                </a:ext>
+              </a:extLst>
+            </p:cNvPr>
+            <p:cNvSpPr txBox="1"/>
+            <p:nvPr/>
+          </p:nvSpPr>
+          <p:spPr>
+            <a:xfrm>
+              <a:off x="7274367" y="-1"/>
+              <a:ext cx="2682145" cy="400110"/>
+            </a:xfrm>
+            <a:prstGeom prst="rect">
+              <a:avLst/>
+            </a:prstGeom>
+            <a:noFill/>
+          </p:spPr>
+          <p:txBody>
+            <a:bodyPr wrap="square" rtlCol="0">
+              <a:spAutoFit/>
+            </a:bodyPr>
+            <a:lstStyle/>
+            <a:p>
+              <a:pPr algn="ctr"/>
+              <a:r>
+                <a:rPr lang="en-US" altLang="ko-KR" sz="2000" dirty="0" err="1">
+                  <a:latin typeface="Helvetica LT Std Black" panose="020B0904030502020204" pitchFamily="34" charset="0"/>
+                </a:rPr>
+                <a:t>VendingMachine</a:t>
+              </a:r>
+              <a:endParaRPr lang="ko-KR" altLang="en-US" sz="2000" dirty="0">
+                <a:latin typeface="Helvetica LT Std Black" panose="020B0904030502020204" pitchFamily="34" charset="0"/>
+              </a:endParaRPr>
+            </a:p>
+          </p:txBody>
+        </p:sp>
+        <p:sp>
+          <p:nvSpPr>
+            <p:cNvPr id="26" name="TextBox 25">
+              <a:extLst>
+                <a:ext uri="{FF2B5EF4-FFF2-40B4-BE49-F238E27FC236}">
+                  <a16:creationId xmlns:a16="http://schemas.microsoft.com/office/drawing/2014/main" id="{C5294D4D-3247-0ED4-D0F7-5F0025AB2365}"/>
+                </a:ext>
+              </a:extLst>
+            </p:cNvPr>
+            <p:cNvSpPr txBox="1"/>
+            <p:nvPr/>
+          </p:nvSpPr>
+          <p:spPr>
+            <a:xfrm>
+              <a:off x="6908799" y="696649"/>
+              <a:ext cx="1672169" cy="646331"/>
+            </a:xfrm>
+            <a:prstGeom prst="rect">
+              <a:avLst/>
+            </a:prstGeom>
+            <a:noFill/>
+          </p:spPr>
+          <p:txBody>
+            <a:bodyPr wrap="square" rtlCol="0">
+              <a:spAutoFit/>
+            </a:bodyPr>
+            <a:lstStyle/>
+            <a:p>
+              <a:r>
+                <a:rPr lang="en-US" altLang="ko-KR" dirty="0">
+                  <a:latin typeface="Helvetica LT Std Black" panose="020B0904030502020204" pitchFamily="34" charset="0"/>
+                </a:rPr>
+                <a:t>C</a:t>
+              </a:r>
+              <a:r>
+                <a:rPr lang="en-US" altLang="ko-KR" dirty="0">
+                  <a:solidFill>
+                    <a:schemeClr val="tx1"/>
+                  </a:solidFill>
+                  <a:latin typeface="Helvetica LT Std Black" panose="020B0904030502020204" pitchFamily="34" charset="0"/>
+                </a:rPr>
+                <a:t>onstructor</a:t>
+              </a:r>
+              <a:endParaRPr lang="ko-KR" altLang="en-US" dirty="0">
+                <a:solidFill>
+                  <a:schemeClr val="tx1"/>
+                </a:solidFill>
+                <a:latin typeface="Helvetica LT Std Black" panose="020B0904030502020204" pitchFamily="34" charset="0"/>
+              </a:endParaRPr>
+            </a:p>
+            <a:p>
+              <a:endParaRPr lang="ko-KR" altLang="en-US" dirty="0"/>
+            </a:p>
+          </p:txBody>
+        </p:sp>
+        <p:sp>
+          <p:nvSpPr>
+            <p:cNvPr id="28" name="사각형: 둥근 모서리 27">
+              <a:extLst>
+                <a:ext uri="{FF2B5EF4-FFF2-40B4-BE49-F238E27FC236}">
+                  <a16:creationId xmlns:a16="http://schemas.microsoft.com/office/drawing/2014/main" id="{18F03552-E8A5-2181-F21F-490AA2F6EFBF}"/>
+                </a:ext>
+              </a:extLst>
+            </p:cNvPr>
+            <p:cNvSpPr/>
+            <p:nvPr/>
+          </p:nvSpPr>
+          <p:spPr>
+            <a:xfrm>
+              <a:off x="7106710" y="1057348"/>
+              <a:ext cx="3017460" cy="658856"/>
+            </a:xfrm>
+            <a:prstGeom prst="roundRect">
+              <a:avLst/>
+            </a:prstGeom>
+            <a:solidFill>
+              <a:srgbClr val="B6D2DC"/>
+            </a:solidFill>
+            <a:ln>
+              <a:noFill/>
+            </a:ln>
+          </p:spPr>
+          <p:style>
+            <a:lnRef idx="2">
+              <a:schemeClr val="accent1">
+                <a:shade val="15000"/>
+              </a:schemeClr>
+            </a:lnRef>
+            <a:fillRef idx="1">
+              <a:schemeClr val="accent1"/>
+            </a:fillRef>
+            <a:effectRef idx="0">
+              <a:schemeClr val="accent1"/>
+            </a:effectRef>
+            <a:fontRef idx="minor">
+              <a:schemeClr val="lt1"/>
+            </a:fontRef>
+          </p:style>
+          <p:txBody>
+            <a:bodyPr rtlCol="0" anchor="ctr"/>
+            <a:lstStyle/>
+            <a:p>
+              <a:r>
+                <a:rPr lang="en-US" altLang="ko-KR" dirty="0" err="1">
+                  <a:solidFill>
+                    <a:srgbClr val="1A1918"/>
+                  </a:solidFill>
+                  <a:latin typeface="HelveticaNeueLT Com 53 Ex" panose="020B0605020202020204" pitchFamily="34" charset="0"/>
+                </a:rPr>
+                <a:t>self.Menu</a:t>
+              </a:r>
+              <a:r>
+                <a:rPr lang="en-US" altLang="ko-KR" dirty="0">
+                  <a:solidFill>
+                    <a:srgbClr val="1A1918"/>
+                  </a:solidFill>
+                  <a:latin typeface="HelveticaNeueLT Com 53 Ex" panose="020B0605020202020204" pitchFamily="34" charset="0"/>
+                </a:rPr>
+                <a:t> = {}</a:t>
+              </a:r>
+            </a:p>
+            <a:p>
+              <a:r>
+                <a:rPr lang="en-US" altLang="ko-KR" b="0" i="0" dirty="0" err="1">
+                  <a:solidFill>
+                    <a:srgbClr val="1A1918"/>
+                  </a:solidFill>
+                  <a:effectLst/>
+                  <a:latin typeface="HelveticaNeueLT Com 53 Ex" panose="020B0605020202020204" pitchFamily="34" charset="0"/>
+                </a:rPr>
+                <a:t>self.inputMoney</a:t>
+              </a:r>
+              <a:endParaRPr lang="en-US" altLang="ko-KR" b="0" i="0" dirty="0">
+                <a:solidFill>
+                  <a:srgbClr val="1A1918"/>
+                </a:solidFill>
+                <a:effectLst/>
+                <a:latin typeface="HelveticaNeueLT Com 53 Ex" panose="020B0605020202020204" pitchFamily="34" charset="0"/>
+              </a:endParaRPr>
+            </a:p>
+          </p:txBody>
+        </p:sp>
+        <p:sp>
+          <p:nvSpPr>
+            <p:cNvPr id="29" name="사각형: 둥근 모서리 28">
+              <a:extLst>
+                <a:ext uri="{FF2B5EF4-FFF2-40B4-BE49-F238E27FC236}">
+                  <a16:creationId xmlns:a16="http://schemas.microsoft.com/office/drawing/2014/main" id="{E33B59C1-D288-6962-9330-7F7FFCEFB364}"/>
+                </a:ext>
+              </a:extLst>
+            </p:cNvPr>
+            <p:cNvSpPr/>
+            <p:nvPr/>
+          </p:nvSpPr>
+          <p:spPr>
+            <a:xfrm>
+              <a:off x="7106710" y="2236314"/>
+              <a:ext cx="3017461" cy="1757880"/>
+            </a:xfrm>
+            <a:prstGeom prst="roundRect">
+              <a:avLst/>
+            </a:prstGeom>
+            <a:solidFill>
+              <a:srgbClr val="B6D2DC"/>
+            </a:solidFill>
+            <a:ln>
+              <a:noFill/>
+            </a:ln>
+          </p:spPr>
+          <p:style>
+            <a:lnRef idx="2">
+              <a:schemeClr val="accent1">
+                <a:shade val="15000"/>
+              </a:schemeClr>
+            </a:lnRef>
+            <a:fillRef idx="1">
+              <a:schemeClr val="accent1"/>
+            </a:fillRef>
+            <a:effectRef idx="0">
+              <a:schemeClr val="accent1"/>
+            </a:effectRef>
+            <a:fontRef idx="minor">
+              <a:schemeClr val="lt1"/>
+            </a:fontRef>
+          </p:style>
+          <p:txBody>
+            <a:bodyPr rtlCol="0" anchor="ctr"/>
+            <a:lstStyle/>
+            <a:p>
+              <a:pPr algn="ctr"/>
+              <a:r>
+                <a:rPr lang="en-US" altLang="ko-KR" b="0" i="0" dirty="0" err="1">
+                  <a:solidFill>
+                    <a:srgbClr val="1A1918"/>
+                  </a:solidFill>
+                  <a:effectLst/>
+                  <a:latin typeface="Helvetica LT Std Black" panose="020B0904030502020204" pitchFamily="34" charset="0"/>
+                </a:rPr>
+                <a:t>PrintMenu</a:t>
+              </a:r>
+              <a:r>
+                <a:rPr lang="en-US" altLang="ko-KR" b="0" i="0" dirty="0">
+                  <a:solidFill>
+                    <a:srgbClr val="1A1918"/>
+                  </a:solidFill>
+                  <a:effectLst/>
+                  <a:latin typeface="Helvetica LT Std Black" panose="020B0904030502020204" pitchFamily="34" charset="0"/>
+                </a:rPr>
+                <a:t>()</a:t>
+              </a:r>
+            </a:p>
+            <a:p>
+              <a:pPr algn="ctr"/>
+              <a:r>
+                <a:rPr lang="en-US" altLang="ko-KR" dirty="0" err="1">
+                  <a:solidFill>
+                    <a:srgbClr val="1A1918"/>
+                  </a:solidFill>
+                  <a:latin typeface="Helvetica LT Std Black" panose="020B0904030502020204" pitchFamily="34" charset="0"/>
+                </a:rPr>
+                <a:t>InputMoney</a:t>
+              </a:r>
+              <a:r>
+                <a:rPr lang="en-US" altLang="ko-KR" dirty="0">
+                  <a:solidFill>
+                    <a:srgbClr val="1A1918"/>
+                  </a:solidFill>
+                  <a:latin typeface="Helvetica LT Std Black" panose="020B0904030502020204" pitchFamily="34" charset="0"/>
+                </a:rPr>
+                <a:t>()</a:t>
+              </a:r>
+            </a:p>
+            <a:p>
+              <a:pPr algn="ctr"/>
+              <a:r>
+                <a:rPr lang="en-US" altLang="ko-KR" dirty="0" err="1">
+                  <a:solidFill>
+                    <a:srgbClr val="1A1918"/>
+                  </a:solidFill>
+                  <a:latin typeface="Helvetica LT Std Black" panose="020B0904030502020204" pitchFamily="34" charset="0"/>
+                </a:rPr>
+                <a:t>ShowBalance</a:t>
+              </a:r>
+              <a:r>
+                <a:rPr lang="en-US" altLang="ko-KR" dirty="0">
+                  <a:solidFill>
+                    <a:srgbClr val="1A1918"/>
+                  </a:solidFill>
+                  <a:latin typeface="Helvetica LT Std Black" panose="020B0904030502020204" pitchFamily="34" charset="0"/>
+                </a:rPr>
+                <a:t>()</a:t>
+              </a:r>
+            </a:p>
+            <a:p>
+              <a:pPr algn="ctr"/>
+              <a:r>
+                <a:rPr lang="en-US" altLang="ko-KR" dirty="0" err="1">
+                  <a:solidFill>
+                    <a:srgbClr val="1A1918"/>
+                  </a:solidFill>
+                  <a:latin typeface="Helvetica LT Std Black" panose="020B0904030502020204" pitchFamily="34" charset="0"/>
+                </a:rPr>
+                <a:t>ChooseMenu</a:t>
+              </a:r>
+              <a:r>
+                <a:rPr lang="en-US" altLang="ko-KR" dirty="0">
+                  <a:solidFill>
+                    <a:srgbClr val="1A1918"/>
+                  </a:solidFill>
+                  <a:latin typeface="Helvetica LT Std Black" panose="020B0904030502020204" pitchFamily="34" charset="0"/>
+                </a:rPr>
+                <a:t>()</a:t>
+              </a:r>
+            </a:p>
+            <a:p>
+              <a:pPr algn="ctr"/>
+              <a:r>
+                <a:rPr lang="en-US" altLang="ko-KR" dirty="0" err="1">
+                  <a:solidFill>
+                    <a:srgbClr val="1A1918"/>
+                  </a:solidFill>
+                  <a:latin typeface="Helvetica LT Std Black" panose="020B0904030502020204" pitchFamily="34" charset="0"/>
+                </a:rPr>
+                <a:t>OutProduct</a:t>
+              </a:r>
+              <a:r>
+                <a:rPr lang="en-US" altLang="ko-KR" dirty="0">
+                  <a:solidFill>
+                    <a:srgbClr val="1A1918"/>
+                  </a:solidFill>
+                  <a:latin typeface="Helvetica LT Std Black" panose="020B0904030502020204" pitchFamily="34" charset="0"/>
+                </a:rPr>
+                <a:t>()</a:t>
+              </a:r>
+            </a:p>
+            <a:p>
+              <a:pPr algn="ctr"/>
+              <a:r>
+                <a:rPr lang="en-US" altLang="ko-KR" dirty="0" err="1">
+                  <a:solidFill>
+                    <a:srgbClr val="1A1918"/>
+                  </a:solidFill>
+                  <a:latin typeface="Helvetica LT Std Black" panose="020B0904030502020204" pitchFamily="34" charset="0"/>
+                </a:rPr>
+                <a:t>ReturnMoney</a:t>
+              </a:r>
+              <a:r>
+                <a:rPr lang="en-US" altLang="ko-KR" dirty="0">
+                  <a:solidFill>
+                    <a:srgbClr val="1A1918"/>
+                  </a:solidFill>
+                  <a:latin typeface="Helvetica LT Std Black" panose="020B0904030502020204" pitchFamily="34" charset="0"/>
+                </a:rPr>
+                <a:t>()</a:t>
+              </a:r>
+            </a:p>
+          </p:txBody>
+        </p:sp>
+        <p:sp>
+          <p:nvSpPr>
+            <p:cNvPr id="30" name="TextBox 29">
+              <a:extLst>
+                <a:ext uri="{FF2B5EF4-FFF2-40B4-BE49-F238E27FC236}">
+                  <a16:creationId xmlns:a16="http://schemas.microsoft.com/office/drawing/2014/main" id="{BB12832D-458B-651B-CAB8-1B1EA723509D}"/>
+                </a:ext>
+              </a:extLst>
+            </p:cNvPr>
+            <p:cNvSpPr txBox="1"/>
+            <p:nvPr/>
+          </p:nvSpPr>
+          <p:spPr>
+            <a:xfrm>
+              <a:off x="6908799" y="1855264"/>
+              <a:ext cx="1570570" cy="646331"/>
+            </a:xfrm>
+            <a:prstGeom prst="rect">
+              <a:avLst/>
+            </a:prstGeom>
+            <a:noFill/>
+          </p:spPr>
+          <p:txBody>
+            <a:bodyPr wrap="square" rtlCol="0">
+              <a:spAutoFit/>
+            </a:bodyPr>
+            <a:lstStyle/>
+            <a:p>
+              <a:r>
+                <a:rPr lang="en-US" altLang="ko-KR" i="1" dirty="0">
+                  <a:solidFill>
+                    <a:schemeClr val="bg1"/>
+                  </a:solidFill>
+                  <a:latin typeface="Helvetica LT Std Black" panose="020B0904030502020204" pitchFamily="34" charset="0"/>
+                </a:rPr>
+                <a:t>Sale</a:t>
+              </a:r>
+              <a:endParaRPr lang="ko-KR" altLang="en-US" i="1" dirty="0">
+                <a:solidFill>
+                  <a:schemeClr val="bg1"/>
+                </a:solidFill>
+                <a:latin typeface="Helvetica LT Std Black" panose="020B0904030502020204" pitchFamily="34" charset="0"/>
+              </a:endParaRPr>
+            </a:p>
+            <a:p>
+              <a:endParaRPr lang="ko-KR" altLang="en-US" dirty="0"/>
+            </a:p>
+          </p:txBody>
+        </p:sp>
+        <p:sp>
+          <p:nvSpPr>
+            <p:cNvPr id="31" name="사각형: 둥근 모서리 30">
+              <a:extLst>
+                <a:ext uri="{FF2B5EF4-FFF2-40B4-BE49-F238E27FC236}">
+                  <a16:creationId xmlns:a16="http://schemas.microsoft.com/office/drawing/2014/main" id="{3D5EB8B2-9D07-C08D-8C66-1FCC77D438E4}"/>
+                </a:ext>
+              </a:extLst>
+            </p:cNvPr>
+            <p:cNvSpPr/>
+            <p:nvPr/>
+          </p:nvSpPr>
+          <p:spPr>
+            <a:xfrm>
+              <a:off x="7106710" y="4514305"/>
+              <a:ext cx="3017461" cy="1286348"/>
+            </a:xfrm>
+            <a:prstGeom prst="roundRect">
+              <a:avLst/>
+            </a:prstGeom>
+            <a:solidFill>
+              <a:srgbClr val="B6D2DC"/>
+            </a:solidFill>
+            <a:ln>
+              <a:noFill/>
+            </a:ln>
+          </p:spPr>
+          <p:style>
+            <a:lnRef idx="2">
+              <a:schemeClr val="accent1">
+                <a:shade val="15000"/>
+              </a:schemeClr>
+            </a:lnRef>
+            <a:fillRef idx="1">
+              <a:schemeClr val="accent1"/>
+            </a:fillRef>
+            <a:effectRef idx="0">
+              <a:schemeClr val="accent1"/>
+            </a:effectRef>
+            <a:fontRef idx="minor">
+              <a:schemeClr val="lt1"/>
+            </a:fontRef>
+          </p:style>
+          <p:txBody>
+            <a:bodyPr rtlCol="0" anchor="ctr"/>
+            <a:lstStyle/>
+            <a:p>
+              <a:pPr algn="ctr"/>
+              <a:endParaRPr lang="en-US" altLang="ko-KR" dirty="0">
+                <a:solidFill>
+                  <a:srgbClr val="1A1918"/>
+                </a:solidFill>
+                <a:latin typeface="HelveticaNeueLT Com 53 Ex" panose="020B0605020202020204" pitchFamily="34" charset="0"/>
+              </a:endParaRPr>
+            </a:p>
+            <a:p>
+              <a:pPr algn="ctr"/>
+              <a:r>
+                <a:rPr lang="en-US" altLang="ko-KR" b="0" i="0" dirty="0" err="1">
+                  <a:solidFill>
+                    <a:srgbClr val="1A1918"/>
+                  </a:solidFill>
+                  <a:effectLst/>
+                  <a:latin typeface="Helvetica LT Std Black" panose="020B0904030502020204" pitchFamily="34" charset="0"/>
+                </a:rPr>
+                <a:t>AdminMode</a:t>
+              </a:r>
+              <a:r>
+                <a:rPr lang="en-US" altLang="ko-KR" b="0" i="0" dirty="0">
+                  <a:solidFill>
+                    <a:srgbClr val="1A1918"/>
+                  </a:solidFill>
+                  <a:effectLst/>
+                  <a:latin typeface="Helvetica LT Std Black" panose="020B0904030502020204" pitchFamily="34" charset="0"/>
+                </a:rPr>
+                <a:t>()</a:t>
+              </a:r>
+            </a:p>
+            <a:p>
+              <a:pPr algn="ctr"/>
+              <a:r>
+                <a:rPr lang="en-US" altLang="ko-KR" dirty="0" err="1">
+                  <a:solidFill>
+                    <a:srgbClr val="1A1918"/>
+                  </a:solidFill>
+                  <a:latin typeface="Helvetica LT Std Black" panose="020B0904030502020204" pitchFamily="34" charset="0"/>
+                </a:rPr>
+                <a:t>SettingBeverage</a:t>
+              </a:r>
+              <a:r>
+                <a:rPr lang="en-US" altLang="ko-KR" dirty="0">
+                  <a:solidFill>
+                    <a:srgbClr val="1A1918"/>
+                  </a:solidFill>
+                  <a:latin typeface="Helvetica LT Std Black" panose="020B0904030502020204" pitchFamily="34" charset="0"/>
+                </a:rPr>
+                <a:t>()</a:t>
+              </a:r>
+            </a:p>
+            <a:p>
+              <a:pPr algn="ctr"/>
+              <a:r>
+                <a:rPr lang="en-US" altLang="ko-KR" b="0" i="0" dirty="0" err="1">
+                  <a:solidFill>
+                    <a:srgbClr val="1A1918"/>
+                  </a:solidFill>
+                  <a:effectLst/>
+                  <a:latin typeface="Helvetica LT Std Black" panose="020B0904030502020204" pitchFamily="34" charset="0"/>
+                </a:rPr>
+                <a:t>ShowSalesRecord</a:t>
+              </a:r>
+              <a:r>
+                <a:rPr lang="en-US" altLang="ko-KR" dirty="0">
+                  <a:solidFill>
+                    <a:srgbClr val="1A1918"/>
+                  </a:solidFill>
+                  <a:latin typeface="Helvetica LT Std Black" panose="020B0904030502020204" pitchFamily="34" charset="0"/>
+                </a:rPr>
+                <a:t>()</a:t>
+              </a:r>
+            </a:p>
+            <a:p>
+              <a:pPr algn="ctr"/>
+              <a:r>
+                <a:rPr lang="en-US" altLang="ko-KR" b="0" i="0" dirty="0">
+                  <a:solidFill>
+                    <a:srgbClr val="1A1918"/>
+                  </a:solidFill>
+                  <a:effectLst/>
+                  <a:latin typeface="Helvetica LT Std Black" panose="020B0904030502020204" pitchFamily="34" charset="0"/>
+                </a:rPr>
+                <a:t>Reset()</a:t>
+              </a:r>
+            </a:p>
+            <a:p>
+              <a:pPr algn="ctr"/>
+              <a:endParaRPr lang="en-US" altLang="ko-KR" b="0" i="0" dirty="0">
+                <a:solidFill>
+                  <a:srgbClr val="1A1918"/>
+                </a:solidFill>
+                <a:effectLst/>
+                <a:latin typeface="HelveticaNeueLT Com 53 Ex" panose="020B0605020202020204" pitchFamily="34" charset="0"/>
+              </a:endParaRPr>
+            </a:p>
+          </p:txBody>
+        </p:sp>
+        <p:sp>
+          <p:nvSpPr>
+            <p:cNvPr id="32" name="TextBox 31">
+              <a:extLst>
+                <a:ext uri="{FF2B5EF4-FFF2-40B4-BE49-F238E27FC236}">
+                  <a16:creationId xmlns:a16="http://schemas.microsoft.com/office/drawing/2014/main" id="{12A20A83-7BD8-261E-7D12-F591C1B8AAA2}"/>
+                </a:ext>
+              </a:extLst>
+            </p:cNvPr>
+            <p:cNvSpPr txBox="1"/>
+            <p:nvPr/>
+          </p:nvSpPr>
+          <p:spPr>
+            <a:xfrm>
+              <a:off x="6908799" y="4159661"/>
+              <a:ext cx="1570570" cy="646331"/>
+            </a:xfrm>
+            <a:prstGeom prst="rect">
+              <a:avLst/>
+            </a:prstGeom>
+            <a:noFill/>
+          </p:spPr>
+          <p:txBody>
+            <a:bodyPr wrap="square" rtlCol="0">
+              <a:spAutoFit/>
+            </a:bodyPr>
+            <a:lstStyle/>
+            <a:p>
+              <a:r>
+                <a:rPr lang="en-US" altLang="ko-KR" i="1" dirty="0">
+                  <a:solidFill>
+                    <a:schemeClr val="bg1"/>
+                  </a:solidFill>
+                  <a:latin typeface="Helvetica LT Std Black" panose="020B0904030502020204" pitchFamily="34" charset="0"/>
+                </a:rPr>
+                <a:t>Admin</a:t>
+              </a:r>
+              <a:endParaRPr lang="ko-KR" altLang="en-US" i="1" dirty="0">
+                <a:solidFill>
+                  <a:schemeClr val="bg1"/>
+                </a:solidFill>
+                <a:latin typeface="Helvetica LT Std Black" panose="020B0904030502020204" pitchFamily="34" charset="0"/>
+              </a:endParaRPr>
+            </a:p>
+            <a:p>
+              <a:endParaRPr lang="ko-KR" altLang="en-US" dirty="0"/>
+            </a:p>
+          </p:txBody>
+        </p:sp>
+        <p:sp>
+          <p:nvSpPr>
+            <p:cNvPr id="33" name="TextBox 32">
+              <a:extLst>
+                <a:ext uri="{FF2B5EF4-FFF2-40B4-BE49-F238E27FC236}">
+                  <a16:creationId xmlns:a16="http://schemas.microsoft.com/office/drawing/2014/main" id="{CAE72490-2D90-1EB1-4011-2CF4C98BA6B9}"/>
+                </a:ext>
+              </a:extLst>
+            </p:cNvPr>
+            <p:cNvSpPr txBox="1"/>
+            <p:nvPr/>
+          </p:nvSpPr>
+          <p:spPr>
+            <a:xfrm>
+              <a:off x="6908799" y="5960065"/>
+              <a:ext cx="1672169" cy="646331"/>
+            </a:xfrm>
+            <a:prstGeom prst="rect">
+              <a:avLst/>
+            </a:prstGeom>
+            <a:noFill/>
+          </p:spPr>
+          <p:txBody>
+            <a:bodyPr wrap="square" rtlCol="0">
+              <a:spAutoFit/>
+            </a:bodyPr>
+            <a:lstStyle/>
+            <a:p>
+              <a:r>
+                <a:rPr lang="en-US" altLang="ko-KR" dirty="0">
+                  <a:latin typeface="Helvetica LT Std Black" panose="020B0904030502020204" pitchFamily="34" charset="0"/>
+                </a:rPr>
+                <a:t>Operate</a:t>
+              </a:r>
+              <a:endParaRPr lang="ko-KR" altLang="en-US" dirty="0">
+                <a:solidFill>
+                  <a:schemeClr val="tx1"/>
+                </a:solidFill>
+                <a:latin typeface="Helvetica LT Std Black" panose="020B0904030502020204" pitchFamily="34" charset="0"/>
+              </a:endParaRPr>
+            </a:p>
+            <a:p>
+              <a:endParaRPr lang="ko-KR" altLang="en-US" dirty="0"/>
+            </a:p>
+          </p:txBody>
+        </p:sp>
+        <p:sp>
+          <p:nvSpPr>
+            <p:cNvPr id="34" name="사각형: 둥근 모서리 33">
+              <a:extLst>
+                <a:ext uri="{FF2B5EF4-FFF2-40B4-BE49-F238E27FC236}">
+                  <a16:creationId xmlns:a16="http://schemas.microsoft.com/office/drawing/2014/main" id="{7B83F527-E0DC-7460-F94F-A0366C1278A5}"/>
+                </a:ext>
+              </a:extLst>
+            </p:cNvPr>
+            <p:cNvSpPr/>
+            <p:nvPr/>
+          </p:nvSpPr>
+          <p:spPr>
+            <a:xfrm>
+              <a:off x="7106710" y="6320764"/>
+              <a:ext cx="3017460" cy="658856"/>
+            </a:xfrm>
+            <a:prstGeom prst="roundRect">
+              <a:avLst/>
+            </a:prstGeom>
+            <a:solidFill>
+              <a:srgbClr val="97C8CD"/>
+            </a:solidFill>
+            <a:ln>
+              <a:noFill/>
+            </a:ln>
+          </p:spPr>
+          <p:style>
+            <a:lnRef idx="2">
+              <a:schemeClr val="accent1">
+                <a:shade val="15000"/>
+              </a:schemeClr>
+            </a:lnRef>
+            <a:fillRef idx="1">
+              <a:schemeClr val="accent1"/>
+            </a:fillRef>
+            <a:effectRef idx="0">
+              <a:schemeClr val="accent1"/>
+            </a:effectRef>
+            <a:fontRef idx="minor">
+              <a:schemeClr val="lt1"/>
+            </a:fontRef>
+          </p:style>
+          <p:txBody>
+            <a:bodyPr rtlCol="0" anchor="ctr"/>
+            <a:lstStyle/>
+            <a:p>
+              <a:r>
+                <a:rPr lang="en-US" altLang="ko-KR" dirty="0" err="1">
+                  <a:solidFill>
+                    <a:srgbClr val="1A1918"/>
+                  </a:solidFill>
+                  <a:latin typeface="HelveticaNeueLT Com 53 Ex" panose="020B0605020202020204" pitchFamily="34" charset="0"/>
+                </a:rPr>
+                <a:t>self.Menu</a:t>
+              </a:r>
+              <a:r>
+                <a:rPr lang="en-US" altLang="ko-KR" dirty="0">
+                  <a:solidFill>
+                    <a:srgbClr val="1A1918"/>
+                  </a:solidFill>
+                  <a:latin typeface="HelveticaNeueLT Com 53 Ex" panose="020B0605020202020204" pitchFamily="34" charset="0"/>
+                </a:rPr>
+                <a:t> = {}</a:t>
+              </a:r>
+            </a:p>
+            <a:p>
+              <a:r>
+                <a:rPr lang="en-US" altLang="ko-KR" b="0" i="0" dirty="0" err="1">
+                  <a:solidFill>
+                    <a:srgbClr val="1A1918"/>
+                  </a:solidFill>
+                  <a:effectLst/>
+                  <a:latin typeface="HelveticaNeueLT Com 53 Ex" panose="020B0605020202020204" pitchFamily="34" charset="0"/>
+                </a:rPr>
+                <a:t>self.inputMoney</a:t>
+              </a:r>
+              <a:endParaRPr lang="en-US" altLang="ko-KR" b="0" i="0" dirty="0">
+                <a:solidFill>
+                  <a:srgbClr val="1A1918"/>
+                </a:solidFill>
+                <a:effectLst/>
+                <a:latin typeface="HelveticaNeueLT Com 53 Ex" panose="020B0605020202020204" pitchFamily="34" charset="0"/>
+              </a:endParaRPr>
+            </a:p>
+          </p:txBody>
+        </p:sp>
+      </p:grpSp>
+    </p:spTree>
+    <p:extLst>
+      <p:ext uri="{BB962C8B-B14F-4D97-AF65-F5344CB8AC3E}">
+        <p14:creationId xmlns:p14="http://schemas.microsoft.com/office/powerpoint/2010/main" val="3549478937"/>
+      </p:ext>
+    </p:extLst>
+  </p:cSld>
+  <p:clrMapOvr>
+    <a:masterClrMapping/>
+  </p:clrMapOvr>
+</p:sld>
+</file>
+
+<file path=ppt/slides/slide3.xml><?xml version="1.0" encoding="utf-8"?>
+<p:sld xmlns:a="http://schemas.openxmlformats.org/drawingml/2006/main" xmlns:r="http://schemas.openxmlformats.org/officeDocument/2006/relationships" xmlns:p="http://schemas.openxmlformats.org/presentationml/2006/main">
+  <p:cSld>
+    <p:spTree>
+      <p:nvGrpSpPr>
+        <p:cNvPr id="1" name="">
+          <a:extLst>
+            <a:ext uri="{FF2B5EF4-FFF2-40B4-BE49-F238E27FC236}">
+              <a16:creationId xmlns:a16="http://schemas.microsoft.com/office/drawing/2014/main" id="{C0335594-2606-AE4D-7173-808E952870C9}"/>
+            </a:ext>
+          </a:extLst>
+        </p:cNvPr>
+        <p:cNvGrpSpPr/>
+        <p:nvPr/>
+      </p:nvGrpSpPr>
+      <p:grpSpPr>
+        <a:xfrm>
+          <a:off x="0" y="0"/>
+          <a:ext cx="0" cy="0"/>
+          <a:chOff x="0" y="0"/>
+          <a:chExt cx="0" cy="0"/>
+        </a:xfrm>
+      </p:grpSpPr>
+      <p:sp>
+        <p:nvSpPr>
+          <p:cNvPr id="22" name="사각형: 둥근 모서리 21">
+            <a:extLst>
+              <a:ext uri="{FF2B5EF4-FFF2-40B4-BE49-F238E27FC236}">
+                <a16:creationId xmlns:a16="http://schemas.microsoft.com/office/drawing/2014/main" id="{1DB76252-9807-7893-C5FD-619DA092C1F9}"/>
+              </a:ext>
+            </a:extLst>
+          </p:cNvPr>
+          <p:cNvSpPr/>
+          <p:nvPr/>
+        </p:nvSpPr>
+        <p:spPr>
+          <a:xfrm>
+            <a:off x="1099084" y="153367"/>
+            <a:ext cx="4546600" cy="7074747"/>
+          </a:xfrm>
+          <a:prstGeom prst="roundRect">
+            <a:avLst/>
+          </a:prstGeom>
+          <a:solidFill>
+            <a:srgbClr val="599BB1"/>
+          </a:solidFill>
+          <a:ln>
+            <a:noFill/>
+          </a:ln>
+        </p:spPr>
+        <p:style>
+          <a:lnRef idx="2">
+            <a:schemeClr val="accent1">
+              <a:shade val="15000"/>
+            </a:schemeClr>
+          </a:lnRef>
+          <a:fillRef idx="1">
+            <a:schemeClr val="accent1"/>
+          </a:fillRef>
+          <a:effectRef idx="0">
+            <a:schemeClr val="accent1"/>
+          </a:effectRef>
+          <a:fontRef idx="minor">
+            <a:schemeClr val="lt1"/>
+          </a:fontRef>
+        </p:style>
+        <p:txBody>
+          <a:bodyPr rtlCol="0" anchor="ctr"/>
+          <a:lstStyle/>
+          <a:p>
+            <a:pPr algn="ctr"/>
+            <a:endParaRPr lang="ko-KR" altLang="en-US" dirty="0"/>
+          </a:p>
+        </p:txBody>
+      </p:sp>
+      <p:sp>
+        <p:nvSpPr>
+          <p:cNvPr id="29" name="사각형: 둥근 모서리 28">
+            <a:extLst>
+              <a:ext uri="{FF2B5EF4-FFF2-40B4-BE49-F238E27FC236}">
+                <a16:creationId xmlns:a16="http://schemas.microsoft.com/office/drawing/2014/main" id="{EB21E019-A23F-506C-9713-97A5BE338219}"/>
+              </a:ext>
+            </a:extLst>
+          </p:cNvPr>
+          <p:cNvSpPr/>
+          <p:nvPr/>
+        </p:nvSpPr>
+        <p:spPr>
+          <a:xfrm>
+            <a:off x="1954139" y="1989571"/>
+            <a:ext cx="3017461" cy="1757880"/>
+          </a:xfrm>
+          <a:prstGeom prst="roundRect">
+            <a:avLst/>
+          </a:prstGeom>
+          <a:solidFill>
+            <a:srgbClr val="B6D2DC"/>
+          </a:solidFill>
+          <a:ln>
+            <a:noFill/>
+          </a:ln>
+        </p:spPr>
+        <p:style>
+          <a:lnRef idx="2">
+            <a:schemeClr val="accent1">
+              <a:shade val="15000"/>
+            </a:schemeClr>
+          </a:lnRef>
+          <a:fillRef idx="1">
+            <a:schemeClr val="accent1"/>
+          </a:fillRef>
+          <a:effectRef idx="0">
+            <a:schemeClr val="accent1"/>
+          </a:effectRef>
+          <a:fontRef idx="minor">
+            <a:schemeClr val="lt1"/>
+          </a:fontRef>
+        </p:style>
+        <p:txBody>
+          <a:bodyPr rtlCol="0" anchor="ctr"/>
+          <a:lstStyle/>
+          <a:p>
+            <a:pPr algn="ctr"/>
+            <a:r>
+              <a:rPr lang="en-US" altLang="ko-KR" b="0" i="0" dirty="0" err="1">
+                <a:solidFill>
+                  <a:srgbClr val="1A1918"/>
+                </a:solidFill>
+                <a:effectLst/>
+                <a:latin typeface="Helvetica LT Std Black" panose="020B0904030502020204" pitchFamily="34" charset="0"/>
+              </a:rPr>
+              <a:t>PrintMenu</a:t>
+            </a:r>
+            <a:r>
+              <a:rPr lang="en-US" altLang="ko-KR" b="0" i="0" dirty="0">
+                <a:solidFill>
+                  <a:srgbClr val="1A1918"/>
+                </a:solidFill>
+                <a:effectLst/>
+                <a:latin typeface="Helvetica LT Std Black" panose="020B0904030502020204" pitchFamily="34" charset="0"/>
+              </a:rPr>
+              <a:t>()</a:t>
+            </a:r>
+          </a:p>
+          <a:p>
+            <a:pPr algn="ctr"/>
+            <a:r>
+              <a:rPr lang="en-US" altLang="ko-KR" dirty="0" err="1">
+                <a:solidFill>
+                  <a:srgbClr val="1A1918"/>
+                </a:solidFill>
+                <a:latin typeface="Helvetica LT Std Black" panose="020B0904030502020204" pitchFamily="34" charset="0"/>
+              </a:rPr>
+              <a:t>InputMoney</a:t>
+            </a:r>
+            <a:r>
+              <a:rPr lang="en-US" altLang="ko-KR" dirty="0">
+                <a:solidFill>
+                  <a:srgbClr val="1A1918"/>
+                </a:solidFill>
+                <a:latin typeface="Helvetica LT Std Black" panose="020B0904030502020204" pitchFamily="34" charset="0"/>
+              </a:rPr>
+              <a:t>()</a:t>
+            </a:r>
+          </a:p>
+          <a:p>
+            <a:pPr algn="ctr"/>
+            <a:r>
+              <a:rPr lang="en-US" altLang="ko-KR" dirty="0" err="1">
+                <a:solidFill>
+                  <a:srgbClr val="1A1918"/>
+                </a:solidFill>
+                <a:latin typeface="Helvetica LT Std Black" panose="020B0904030502020204" pitchFamily="34" charset="0"/>
+              </a:rPr>
+              <a:t>ShowBalance</a:t>
+            </a:r>
+            <a:r>
+              <a:rPr lang="en-US" altLang="ko-KR" dirty="0">
+                <a:solidFill>
+                  <a:srgbClr val="1A1918"/>
+                </a:solidFill>
+                <a:latin typeface="Helvetica LT Std Black" panose="020B0904030502020204" pitchFamily="34" charset="0"/>
+              </a:rPr>
+              <a:t>()</a:t>
+            </a:r>
+          </a:p>
+          <a:p>
+            <a:pPr algn="ctr"/>
+            <a:r>
+              <a:rPr lang="en-US" altLang="ko-KR" dirty="0" err="1">
+                <a:solidFill>
+                  <a:srgbClr val="1A1918"/>
+                </a:solidFill>
+                <a:latin typeface="Helvetica LT Std Black" panose="020B0904030502020204" pitchFamily="34" charset="0"/>
+              </a:rPr>
+              <a:t>ChooseMenu</a:t>
+            </a:r>
+            <a:r>
+              <a:rPr lang="en-US" altLang="ko-KR" dirty="0">
+                <a:solidFill>
+                  <a:srgbClr val="1A1918"/>
+                </a:solidFill>
+                <a:latin typeface="Helvetica LT Std Black" panose="020B0904030502020204" pitchFamily="34" charset="0"/>
+              </a:rPr>
+              <a:t>()</a:t>
+            </a:r>
+          </a:p>
+          <a:p>
+            <a:pPr algn="ctr"/>
+            <a:r>
+              <a:rPr lang="en-US" altLang="ko-KR" dirty="0" err="1">
+                <a:solidFill>
+                  <a:srgbClr val="1A1918"/>
+                </a:solidFill>
+                <a:latin typeface="Helvetica LT Std Black" panose="020B0904030502020204" pitchFamily="34" charset="0"/>
+              </a:rPr>
+              <a:t>OutProduct</a:t>
+            </a:r>
+            <a:r>
+              <a:rPr lang="en-US" altLang="ko-KR" dirty="0">
+                <a:solidFill>
+                  <a:srgbClr val="1A1918"/>
+                </a:solidFill>
+                <a:latin typeface="Helvetica LT Std Black" panose="020B0904030502020204" pitchFamily="34" charset="0"/>
+              </a:rPr>
+              <a:t>()</a:t>
+            </a:r>
+          </a:p>
+          <a:p>
+            <a:pPr algn="ctr"/>
+            <a:r>
+              <a:rPr lang="en-US" altLang="ko-KR" dirty="0" err="1">
+                <a:solidFill>
+                  <a:srgbClr val="1A1918"/>
+                </a:solidFill>
+                <a:latin typeface="Helvetica LT Std Black" panose="020B0904030502020204" pitchFamily="34" charset="0"/>
+              </a:rPr>
+              <a:t>ReturnMoney</a:t>
+            </a:r>
+            <a:r>
+              <a:rPr lang="en-US" altLang="ko-KR" dirty="0">
+                <a:solidFill>
+                  <a:srgbClr val="1A1918"/>
+                </a:solidFill>
+                <a:latin typeface="Helvetica LT Std Black" panose="020B0904030502020204" pitchFamily="34" charset="0"/>
+              </a:rPr>
+              <a:t>()</a:t>
+            </a:r>
+          </a:p>
+        </p:txBody>
+      </p:sp>
+      <p:sp>
+        <p:nvSpPr>
+          <p:cNvPr id="30" name="TextBox 29">
+            <a:extLst>
+              <a:ext uri="{FF2B5EF4-FFF2-40B4-BE49-F238E27FC236}">
+                <a16:creationId xmlns:a16="http://schemas.microsoft.com/office/drawing/2014/main" id="{2A805139-D91D-D8F1-227F-AB3F8281BFEC}"/>
+              </a:ext>
+            </a:extLst>
+          </p:cNvPr>
+          <p:cNvSpPr txBox="1"/>
+          <p:nvPr/>
+        </p:nvSpPr>
+        <p:spPr>
+          <a:xfrm>
+            <a:off x="1756228" y="1608521"/>
+            <a:ext cx="1570570" cy="646331"/>
+          </a:xfrm>
+          <a:prstGeom prst="rect">
+            <a:avLst/>
+          </a:prstGeom>
+          <a:noFill/>
+        </p:spPr>
+        <p:txBody>
+          <a:bodyPr wrap="square" rtlCol="0">
+            <a:spAutoFit/>
+          </a:bodyPr>
+          <a:lstStyle/>
+          <a:p>
+            <a:r>
+              <a:rPr lang="en-US" altLang="ko-KR" i="1" dirty="0">
+                <a:solidFill>
+                  <a:schemeClr val="bg1"/>
+                </a:solidFill>
+                <a:latin typeface="Helvetica LT Std Black" panose="020B0904030502020204" pitchFamily="34" charset="0"/>
+              </a:rPr>
+              <a:t>Sale</a:t>
+            </a:r>
+            <a:endParaRPr lang="ko-KR" altLang="en-US" i="1" dirty="0">
+              <a:solidFill>
+                <a:schemeClr val="bg1"/>
+              </a:solidFill>
+              <a:latin typeface="Helvetica LT Std Black" panose="020B0904030502020204" pitchFamily="34" charset="0"/>
+            </a:endParaRPr>
+          </a:p>
+          <a:p>
+            <a:endParaRPr lang="ko-KR" altLang="en-US" dirty="0"/>
+          </a:p>
+        </p:txBody>
+      </p:sp>
+      <p:sp>
+        <p:nvSpPr>
+          <p:cNvPr id="31" name="사각형: 둥근 모서리 30">
+            <a:extLst>
+              <a:ext uri="{FF2B5EF4-FFF2-40B4-BE49-F238E27FC236}">
+                <a16:creationId xmlns:a16="http://schemas.microsoft.com/office/drawing/2014/main" id="{C339C8D4-E293-6BE7-2408-5E791B22096A}"/>
+              </a:ext>
+            </a:extLst>
+          </p:cNvPr>
+          <p:cNvSpPr/>
+          <p:nvPr/>
+        </p:nvSpPr>
+        <p:spPr>
+          <a:xfrm>
+            <a:off x="1954139" y="4267562"/>
+            <a:ext cx="3017461" cy="1286348"/>
+          </a:xfrm>
+          <a:prstGeom prst="roundRect">
+            <a:avLst/>
+          </a:prstGeom>
+          <a:solidFill>
+            <a:srgbClr val="B6D2DC"/>
+          </a:solidFill>
+          <a:ln>
+            <a:noFill/>
+          </a:ln>
+        </p:spPr>
+        <p:style>
+          <a:lnRef idx="2">
+            <a:schemeClr val="accent1">
+              <a:shade val="15000"/>
+            </a:schemeClr>
+          </a:lnRef>
+          <a:fillRef idx="1">
+            <a:schemeClr val="accent1"/>
+          </a:fillRef>
+          <a:effectRef idx="0">
+            <a:schemeClr val="accent1"/>
+          </a:effectRef>
+          <a:fontRef idx="minor">
+            <a:schemeClr val="lt1"/>
+          </a:fontRef>
+        </p:style>
+        <p:txBody>
+          <a:bodyPr rtlCol="0" anchor="ctr"/>
+          <a:lstStyle/>
+          <a:p>
+            <a:pPr algn="ctr"/>
+            <a:endParaRPr lang="en-US" altLang="ko-KR" dirty="0">
+              <a:solidFill>
+                <a:srgbClr val="1A1918"/>
+              </a:solidFill>
+              <a:latin typeface="HelveticaNeueLT Com 53 Ex" panose="020B0605020202020204" pitchFamily="34" charset="0"/>
+            </a:endParaRPr>
+          </a:p>
+          <a:p>
+            <a:pPr algn="ctr"/>
+            <a:r>
+              <a:rPr lang="en-US" altLang="ko-KR" b="0" i="0" dirty="0" err="1">
+                <a:solidFill>
+                  <a:srgbClr val="1A1918"/>
+                </a:solidFill>
+                <a:effectLst/>
+                <a:latin typeface="Helvetica LT Std Black" panose="020B0904030502020204" pitchFamily="34" charset="0"/>
+              </a:rPr>
+              <a:t>AdminMode</a:t>
+            </a:r>
+            <a:r>
+              <a:rPr lang="en-US" altLang="ko-KR" b="0" i="0" dirty="0">
+                <a:solidFill>
+                  <a:srgbClr val="1A1918"/>
+                </a:solidFill>
+                <a:effectLst/>
+                <a:latin typeface="Helvetica LT Std Black" panose="020B0904030502020204" pitchFamily="34" charset="0"/>
+              </a:rPr>
+              <a:t>()</a:t>
+            </a:r>
+          </a:p>
+          <a:p>
+            <a:pPr algn="ctr"/>
+            <a:r>
+              <a:rPr lang="en-US" altLang="ko-KR" dirty="0" err="1">
+                <a:solidFill>
+                  <a:srgbClr val="1A1918"/>
+                </a:solidFill>
+                <a:latin typeface="Helvetica LT Std Black" panose="020B0904030502020204" pitchFamily="34" charset="0"/>
+              </a:rPr>
+              <a:t>SettingBeverage</a:t>
+            </a:r>
+            <a:r>
+              <a:rPr lang="en-US" altLang="ko-KR" dirty="0">
+                <a:solidFill>
+                  <a:srgbClr val="1A1918"/>
+                </a:solidFill>
+                <a:latin typeface="Helvetica LT Std Black" panose="020B0904030502020204" pitchFamily="34" charset="0"/>
+              </a:rPr>
+              <a:t>()</a:t>
+            </a:r>
+          </a:p>
+          <a:p>
+            <a:pPr algn="ctr"/>
+            <a:r>
+              <a:rPr lang="en-US" altLang="ko-KR" b="0" i="0" dirty="0" err="1">
+                <a:solidFill>
+                  <a:srgbClr val="1A1918"/>
+                </a:solidFill>
+                <a:effectLst/>
+                <a:latin typeface="Helvetica LT Std Black" panose="020B0904030502020204" pitchFamily="34" charset="0"/>
+              </a:rPr>
+              <a:t>ShowSalesRecord</a:t>
+            </a:r>
+            <a:r>
+              <a:rPr lang="en-US" altLang="ko-KR" dirty="0">
+                <a:solidFill>
+                  <a:srgbClr val="1A1918"/>
+                </a:solidFill>
+                <a:latin typeface="Helvetica LT Std Black" panose="020B0904030502020204" pitchFamily="34" charset="0"/>
+              </a:rPr>
+              <a:t>()</a:t>
+            </a:r>
+          </a:p>
+          <a:p>
+            <a:pPr algn="ctr"/>
+            <a:r>
+              <a:rPr lang="en-US" altLang="ko-KR" b="0" i="0" dirty="0">
+                <a:solidFill>
+                  <a:srgbClr val="1A1918"/>
+                </a:solidFill>
+                <a:effectLst/>
+                <a:latin typeface="Helvetica LT Std Black" panose="020B0904030502020204" pitchFamily="34" charset="0"/>
+              </a:rPr>
+              <a:t>Reset()</a:t>
+            </a:r>
+          </a:p>
+          <a:p>
+            <a:pPr algn="ctr"/>
+            <a:endParaRPr lang="en-US" altLang="ko-KR" b="0" i="0" dirty="0">
+              <a:solidFill>
+                <a:srgbClr val="1A1918"/>
+              </a:solidFill>
+              <a:effectLst/>
+              <a:latin typeface="HelveticaNeueLT Com 53 Ex" panose="020B0605020202020204" pitchFamily="34" charset="0"/>
+            </a:endParaRPr>
+          </a:p>
+        </p:txBody>
+      </p:sp>
+      <p:sp>
+        <p:nvSpPr>
+          <p:cNvPr id="32" name="TextBox 31">
+            <a:extLst>
+              <a:ext uri="{FF2B5EF4-FFF2-40B4-BE49-F238E27FC236}">
+                <a16:creationId xmlns:a16="http://schemas.microsoft.com/office/drawing/2014/main" id="{3A269395-6C5E-6F66-2B43-25CB76A373C6}"/>
+              </a:ext>
+            </a:extLst>
+          </p:cNvPr>
+          <p:cNvSpPr txBox="1"/>
+          <p:nvPr/>
+        </p:nvSpPr>
+        <p:spPr>
+          <a:xfrm>
+            <a:off x="1756228" y="3912918"/>
+            <a:ext cx="1570570" cy="646331"/>
+          </a:xfrm>
+          <a:prstGeom prst="rect">
+            <a:avLst/>
+          </a:prstGeom>
+          <a:noFill/>
+        </p:spPr>
+        <p:txBody>
+          <a:bodyPr wrap="square" rtlCol="0">
+            <a:spAutoFit/>
+          </a:bodyPr>
+          <a:lstStyle/>
+          <a:p>
+            <a:r>
+              <a:rPr lang="en-US" altLang="ko-KR" i="1" dirty="0">
+                <a:solidFill>
+                  <a:schemeClr val="bg1"/>
+                </a:solidFill>
+                <a:latin typeface="Helvetica LT Std Black" panose="020B0904030502020204" pitchFamily="34" charset="0"/>
+              </a:rPr>
+              <a:t>Admin</a:t>
+            </a:r>
+            <a:endParaRPr lang="ko-KR" altLang="en-US" i="1" dirty="0">
+              <a:solidFill>
+                <a:schemeClr val="bg1"/>
+              </a:solidFill>
+              <a:latin typeface="Helvetica LT Std Black" panose="020B0904030502020204" pitchFamily="34" charset="0"/>
+            </a:endParaRPr>
+          </a:p>
+          <a:p>
+            <a:endParaRPr lang="ko-KR" altLang="en-US" dirty="0"/>
+          </a:p>
+        </p:txBody>
+      </p:sp>
+      <p:sp>
+        <p:nvSpPr>
+          <p:cNvPr id="33" name="TextBox 32">
+            <a:extLst>
+              <a:ext uri="{FF2B5EF4-FFF2-40B4-BE49-F238E27FC236}">
+                <a16:creationId xmlns:a16="http://schemas.microsoft.com/office/drawing/2014/main" id="{901F01B1-5719-1A3D-465A-CD626BDFA3BB}"/>
+              </a:ext>
+            </a:extLst>
+          </p:cNvPr>
+          <p:cNvSpPr txBox="1"/>
+          <p:nvPr/>
+        </p:nvSpPr>
+        <p:spPr>
+          <a:xfrm>
+            <a:off x="1756228" y="5713322"/>
+            <a:ext cx="1672169" cy="646331"/>
+          </a:xfrm>
+          <a:prstGeom prst="rect">
+            <a:avLst/>
+          </a:prstGeom>
+          <a:noFill/>
+        </p:spPr>
+        <p:txBody>
+          <a:bodyPr wrap="square" rtlCol="0">
+            <a:spAutoFit/>
+          </a:bodyPr>
+          <a:lstStyle/>
+          <a:p>
+            <a:r>
+              <a:rPr lang="en-US" altLang="ko-KR" dirty="0">
+                <a:latin typeface="Helvetica LT Std Black" panose="020B0904030502020204" pitchFamily="34" charset="0"/>
+              </a:rPr>
+              <a:t>Operate</a:t>
+            </a:r>
+            <a:endParaRPr lang="ko-KR" altLang="en-US" dirty="0">
+              <a:solidFill>
+                <a:schemeClr val="tx1"/>
+              </a:solidFill>
+              <a:latin typeface="Helvetica LT Std Black" panose="020B0904030502020204" pitchFamily="34" charset="0"/>
+            </a:endParaRPr>
+          </a:p>
+          <a:p>
+            <a:endParaRPr lang="ko-KR" altLang="en-US" dirty="0"/>
+          </a:p>
+        </p:txBody>
+      </p:sp>
+      <p:sp>
+        <p:nvSpPr>
+          <p:cNvPr id="34" name="사각형: 둥근 모서리 33">
+            <a:extLst>
+              <a:ext uri="{FF2B5EF4-FFF2-40B4-BE49-F238E27FC236}">
+                <a16:creationId xmlns:a16="http://schemas.microsoft.com/office/drawing/2014/main" id="{8329BD32-D76D-853E-36B4-DE94785A5BBF}"/>
+              </a:ext>
+            </a:extLst>
+          </p:cNvPr>
+          <p:cNvSpPr/>
+          <p:nvPr/>
+        </p:nvSpPr>
+        <p:spPr>
+          <a:xfrm>
+            <a:off x="1954139" y="6074021"/>
+            <a:ext cx="3017460" cy="658856"/>
+          </a:xfrm>
+          <a:prstGeom prst="roundRect">
+            <a:avLst/>
+          </a:prstGeom>
+          <a:solidFill>
+            <a:srgbClr val="97C8CD"/>
+          </a:solidFill>
+          <a:ln>
+            <a:noFill/>
+          </a:ln>
+        </p:spPr>
+        <p:style>
+          <a:lnRef idx="2">
+            <a:schemeClr val="accent1">
+              <a:shade val="15000"/>
+            </a:schemeClr>
+          </a:lnRef>
+          <a:fillRef idx="1">
+            <a:schemeClr val="accent1"/>
+          </a:fillRef>
+          <a:effectRef idx="0">
+            <a:schemeClr val="accent1"/>
+          </a:effectRef>
+          <a:fontRef idx="minor">
+            <a:schemeClr val="lt1"/>
+          </a:fontRef>
+        </p:style>
+        <p:txBody>
+          <a:bodyPr rtlCol="0" anchor="ctr"/>
+          <a:lstStyle/>
+          <a:p>
+            <a:pPr algn="ctr"/>
+            <a:r>
+              <a:rPr lang="en-US" altLang="ko-KR" b="0" i="0" dirty="0">
+                <a:solidFill>
+                  <a:srgbClr val="1A1918"/>
+                </a:solidFill>
+                <a:effectLst/>
+                <a:latin typeface="HelveticaNeueLT Com 53 Ex" panose="020B0605020202020204" pitchFamily="34" charset="0"/>
+              </a:rPr>
+              <a:t>…</a:t>
+            </a:r>
+          </a:p>
+        </p:txBody>
+      </p:sp>
+      <p:grpSp>
+        <p:nvGrpSpPr>
+          <p:cNvPr id="138" name="그룹 137">
+            <a:extLst>
+              <a:ext uri="{FF2B5EF4-FFF2-40B4-BE49-F238E27FC236}">
+                <a16:creationId xmlns:a16="http://schemas.microsoft.com/office/drawing/2014/main" id="{94B2F25B-678D-7E06-795D-89334DA24D36}"/>
+              </a:ext>
+            </a:extLst>
+          </p:cNvPr>
+          <p:cNvGrpSpPr/>
+          <p:nvPr/>
+        </p:nvGrpSpPr>
+        <p:grpSpPr>
+          <a:xfrm>
+            <a:off x="6300338" y="-653374"/>
+            <a:ext cx="4546600" cy="8381714"/>
+            <a:chOff x="6300338" y="-653374"/>
+            <a:chExt cx="4546600" cy="8381714"/>
+          </a:xfrm>
+        </p:grpSpPr>
+        <p:sp>
+          <p:nvSpPr>
+            <p:cNvPr id="12" name="TextBox 11">
+              <a:extLst>
+                <a:ext uri="{FF2B5EF4-FFF2-40B4-BE49-F238E27FC236}">
+                  <a16:creationId xmlns:a16="http://schemas.microsoft.com/office/drawing/2014/main" id="{0B5382FF-57EE-441A-6457-A9ECF4FB4E8B}"/>
+                </a:ext>
+              </a:extLst>
+            </p:cNvPr>
+            <p:cNvSpPr txBox="1"/>
+            <p:nvPr/>
+          </p:nvSpPr>
+          <p:spPr>
+            <a:xfrm>
+              <a:off x="7895309" y="-653374"/>
+              <a:ext cx="2682145" cy="400110"/>
+            </a:xfrm>
+            <a:prstGeom prst="rect">
+              <a:avLst/>
+            </a:prstGeom>
+            <a:noFill/>
+          </p:spPr>
+          <p:txBody>
+            <a:bodyPr wrap="square" rtlCol="0">
+              <a:spAutoFit/>
+            </a:bodyPr>
+            <a:lstStyle/>
+            <a:p>
+              <a:r>
+                <a:rPr lang="en-US" altLang="ko-KR" sz="2000" dirty="0">
+                  <a:latin typeface="Helvetica LT Std Black" panose="020B0904030502020204" pitchFamily="34" charset="0"/>
+                </a:rPr>
+                <a:t>Operate()</a:t>
+              </a:r>
+              <a:endParaRPr lang="ko-KR" altLang="en-US" sz="2000" dirty="0">
+                <a:latin typeface="Helvetica LT Std Black" panose="020B0904030502020204" pitchFamily="34" charset="0"/>
+              </a:endParaRPr>
+            </a:p>
+          </p:txBody>
+        </p:sp>
+        <p:grpSp>
+          <p:nvGrpSpPr>
+            <p:cNvPr id="137" name="그룹 136">
+              <a:extLst>
+                <a:ext uri="{FF2B5EF4-FFF2-40B4-BE49-F238E27FC236}">
+                  <a16:creationId xmlns:a16="http://schemas.microsoft.com/office/drawing/2014/main" id="{7D92E7C6-B3C4-D4DC-6462-4AA0AAF2C9EE}"/>
+                </a:ext>
+              </a:extLst>
+            </p:cNvPr>
+            <p:cNvGrpSpPr/>
+            <p:nvPr/>
+          </p:nvGrpSpPr>
+          <p:grpSpPr>
+            <a:xfrm>
+              <a:off x="6300338" y="-233438"/>
+              <a:ext cx="4546600" cy="7961778"/>
+              <a:chOff x="6300338" y="-233438"/>
+              <a:chExt cx="4546600" cy="7961778"/>
+            </a:xfrm>
+          </p:grpSpPr>
+          <p:sp>
+            <p:nvSpPr>
+              <p:cNvPr id="8" name="사각형: 둥근 모서리 7">
+                <a:extLst>
+                  <a:ext uri="{FF2B5EF4-FFF2-40B4-BE49-F238E27FC236}">
+                    <a16:creationId xmlns:a16="http://schemas.microsoft.com/office/drawing/2014/main" id="{1FC93ECA-DBC7-3079-0C82-19982A1E857B}"/>
+                  </a:ext>
+                </a:extLst>
+              </p:cNvPr>
+              <p:cNvSpPr/>
+              <p:nvPr/>
+            </p:nvSpPr>
+            <p:spPr>
+              <a:xfrm>
+                <a:off x="6300338" y="-233438"/>
+                <a:ext cx="4546600" cy="7961778"/>
+              </a:xfrm>
+              <a:prstGeom prst="roundRect">
+                <a:avLst/>
+              </a:prstGeom>
+              <a:solidFill>
+                <a:srgbClr val="97C8CD"/>
+              </a:solidFill>
+              <a:ln>
+                <a:noFill/>
+              </a:ln>
+            </p:spPr>
+            <p:style>
+              <a:lnRef idx="2">
+                <a:schemeClr val="accent1">
+                  <a:shade val="15000"/>
+                </a:schemeClr>
+              </a:lnRef>
+              <a:fillRef idx="1">
+                <a:schemeClr val="accent1"/>
+              </a:fillRef>
+              <a:effectRef idx="0">
+                <a:schemeClr val="accent1"/>
+              </a:effectRef>
+              <a:fontRef idx="minor">
+                <a:schemeClr val="lt1"/>
+              </a:fontRef>
+            </p:style>
+            <p:txBody>
+              <a:bodyPr rtlCol="0" anchor="ctr"/>
+              <a:lstStyle/>
+              <a:p>
+                <a:pPr algn="ctr"/>
+                <a:endParaRPr lang="en-US" altLang="ko-KR" b="0" i="0" dirty="0">
+                  <a:solidFill>
+                    <a:srgbClr val="1A1918"/>
+                  </a:solidFill>
+                  <a:effectLst/>
+                  <a:latin typeface="HelveticaNeueLT Com 53 Ex" panose="020B0605020202020204" pitchFamily="34" charset="0"/>
+                </a:endParaRPr>
+              </a:p>
+            </p:txBody>
+          </p:sp>
+          <p:grpSp>
+            <p:nvGrpSpPr>
+              <p:cNvPr id="136" name="그룹 135">
+                <a:extLst>
+                  <a:ext uri="{FF2B5EF4-FFF2-40B4-BE49-F238E27FC236}">
+                    <a16:creationId xmlns:a16="http://schemas.microsoft.com/office/drawing/2014/main" id="{1999EEAE-82A9-B99C-2650-191721D6D2A7}"/>
+                  </a:ext>
+                </a:extLst>
+              </p:cNvPr>
+              <p:cNvGrpSpPr/>
+              <p:nvPr/>
+            </p:nvGrpSpPr>
+            <p:grpSpPr>
+              <a:xfrm>
+                <a:off x="6789578" y="153366"/>
+                <a:ext cx="3646194" cy="7003962"/>
+                <a:chOff x="7025474" y="-132034"/>
+                <a:chExt cx="3646194" cy="7003962"/>
+              </a:xfrm>
+            </p:grpSpPr>
+            <p:sp>
+              <p:nvSpPr>
+                <p:cNvPr id="36" name="TextBox 35">
+                  <a:extLst>
+                    <a:ext uri="{FF2B5EF4-FFF2-40B4-BE49-F238E27FC236}">
+                      <a16:creationId xmlns:a16="http://schemas.microsoft.com/office/drawing/2014/main" id="{4012DC9D-2202-8F01-41BC-D00EF06A84F9}"/>
+                    </a:ext>
+                  </a:extLst>
+                </p:cNvPr>
+                <p:cNvSpPr txBox="1"/>
+                <p:nvPr/>
+              </p:nvSpPr>
+              <p:spPr>
+                <a:xfrm>
+                  <a:off x="7025474" y="-132034"/>
+                  <a:ext cx="3017461" cy="461665"/>
+                </a:xfrm>
+                <a:prstGeom prst="rect">
+                  <a:avLst/>
+                </a:prstGeom>
+                <a:noFill/>
+              </p:spPr>
+              <p:txBody>
+                <a:bodyPr wrap="square" rtlCol="0">
+                  <a:spAutoFit/>
+                </a:bodyPr>
+                <a:lstStyle/>
+                <a:p>
+                  <a:r>
+                    <a:rPr lang="en-US" altLang="ko-KR" sz="2400" dirty="0" err="1">
+                      <a:latin typeface="HelveticaNeueLT Com 33 ThEx" panose="020B0404020202020204" pitchFamily="34" charset="0"/>
+                    </a:rPr>
+                    <a:t>isContinue</a:t>
+                  </a:r>
+                  <a:r>
+                    <a:rPr lang="en-US" altLang="ko-KR" sz="2400" dirty="0">
+                      <a:latin typeface="HelveticaNeueLT Com 33 ThEx" panose="020B0404020202020204" pitchFamily="34" charset="0"/>
+                    </a:rPr>
+                    <a:t> = True</a:t>
+                  </a:r>
+                  <a:endParaRPr lang="ko-KR" altLang="en-US" sz="2400" dirty="0">
+                    <a:latin typeface="HelveticaNeueLT Com 33 ThEx" panose="020B0404020202020204" pitchFamily="34" charset="0"/>
+                  </a:endParaRPr>
+                </a:p>
+              </p:txBody>
+            </p:sp>
+            <p:sp>
+              <p:nvSpPr>
+                <p:cNvPr id="37" name="사각형: 둥근 모서리 36">
+                  <a:extLst>
+                    <a:ext uri="{FF2B5EF4-FFF2-40B4-BE49-F238E27FC236}">
+                      <a16:creationId xmlns:a16="http://schemas.microsoft.com/office/drawing/2014/main" id="{F0E6FD44-4B81-F4C9-55DD-4677150CF631}"/>
+                    </a:ext>
+                  </a:extLst>
+                </p:cNvPr>
+                <p:cNvSpPr/>
+                <p:nvPr/>
+              </p:nvSpPr>
+              <p:spPr>
+                <a:xfrm>
+                  <a:off x="7782344" y="1499014"/>
+                  <a:ext cx="1983388" cy="762000"/>
+                </a:xfrm>
+                <a:prstGeom prst="roundRect">
+                  <a:avLst/>
+                </a:prstGeom>
+                <a:solidFill>
+                  <a:srgbClr val="CCE4E6"/>
+                </a:solidFill>
+                <a:ln>
+                  <a:noFill/>
+                </a:ln>
+              </p:spPr>
+              <p:style>
+                <a:lnRef idx="2">
+                  <a:schemeClr val="accent1">
+                    <a:shade val="15000"/>
+                  </a:schemeClr>
+                </a:lnRef>
+                <a:fillRef idx="1">
+                  <a:schemeClr val="accent1"/>
+                </a:fillRef>
+                <a:effectRef idx="0">
+                  <a:schemeClr val="accent1"/>
+                </a:effectRef>
+                <a:fontRef idx="minor">
+                  <a:schemeClr val="lt1"/>
+                </a:fontRef>
+              </p:style>
+              <p:txBody>
+                <a:bodyPr rtlCol="0" anchor="ctr"/>
+                <a:lstStyle/>
+                <a:p>
+                  <a:pPr algn="ctr"/>
+                  <a:r>
+                    <a:rPr lang="en-US" altLang="ko-KR" dirty="0" err="1">
+                      <a:solidFill>
+                        <a:schemeClr val="tx1"/>
+                      </a:solidFill>
+                      <a:latin typeface="Helvetica LT Std Black" panose="020B0904030502020204" pitchFamily="34" charset="0"/>
+                    </a:rPr>
+                    <a:t>PrintMenu</a:t>
+                  </a:r>
+                  <a:r>
+                    <a:rPr lang="en-US" altLang="ko-KR" dirty="0">
+                      <a:solidFill>
+                        <a:schemeClr val="tx1"/>
+                      </a:solidFill>
+                      <a:latin typeface="Helvetica LT Std Black" panose="020B0904030502020204" pitchFamily="34" charset="0"/>
+                    </a:rPr>
+                    <a:t>()</a:t>
+                  </a:r>
+                  <a:endParaRPr lang="ko-KR" altLang="en-US" dirty="0">
+                    <a:solidFill>
+                      <a:schemeClr val="tx1"/>
+                    </a:solidFill>
+                    <a:latin typeface="Helvetica LT Std Black" panose="020B0904030502020204" pitchFamily="34" charset="0"/>
+                  </a:endParaRPr>
+                </a:p>
+              </p:txBody>
+            </p:sp>
+            <p:sp>
+              <p:nvSpPr>
+                <p:cNvPr id="38" name="사각형: 둥근 모서리 37">
+                  <a:extLst>
+                    <a:ext uri="{FF2B5EF4-FFF2-40B4-BE49-F238E27FC236}">
+                      <a16:creationId xmlns:a16="http://schemas.microsoft.com/office/drawing/2014/main" id="{65119EE7-90A7-2D72-A5E8-229180B4E013}"/>
+                    </a:ext>
+                  </a:extLst>
+                </p:cNvPr>
+                <p:cNvSpPr/>
+                <p:nvPr/>
+              </p:nvSpPr>
+              <p:spPr>
+                <a:xfrm>
+                  <a:off x="7782344" y="2590587"/>
+                  <a:ext cx="1983388" cy="762000"/>
+                </a:xfrm>
+                <a:prstGeom prst="roundRect">
+                  <a:avLst/>
+                </a:prstGeom>
+                <a:solidFill>
+                  <a:srgbClr val="CCE4E6"/>
+                </a:solidFill>
+                <a:ln>
+                  <a:noFill/>
+                </a:ln>
+              </p:spPr>
+              <p:style>
+                <a:lnRef idx="2">
+                  <a:schemeClr val="accent1">
+                    <a:shade val="15000"/>
+                  </a:schemeClr>
+                </a:lnRef>
+                <a:fillRef idx="1">
+                  <a:schemeClr val="accent1"/>
+                </a:fillRef>
+                <a:effectRef idx="0">
+                  <a:schemeClr val="accent1"/>
+                </a:effectRef>
+                <a:fontRef idx="minor">
+                  <a:schemeClr val="lt1"/>
+                </a:fontRef>
+              </p:style>
+              <p:txBody>
+                <a:bodyPr rtlCol="0" anchor="ctr"/>
+                <a:lstStyle/>
+                <a:p>
+                  <a:pPr algn="ctr"/>
+                  <a:r>
+                    <a:rPr lang="en-US" altLang="ko-KR" dirty="0" err="1">
+                      <a:solidFill>
+                        <a:schemeClr val="tx1"/>
+                      </a:solidFill>
+                      <a:latin typeface="Helvetica LT Std Black" panose="020B0904030502020204" pitchFamily="34" charset="0"/>
+                    </a:rPr>
+                    <a:t>InputMoney</a:t>
+                  </a:r>
+                  <a:r>
+                    <a:rPr lang="en-US" altLang="ko-KR" dirty="0">
+                      <a:solidFill>
+                        <a:schemeClr val="tx1"/>
+                      </a:solidFill>
+                      <a:latin typeface="Helvetica LT Std Black" panose="020B0904030502020204" pitchFamily="34" charset="0"/>
+                    </a:rPr>
+                    <a:t>()</a:t>
+                  </a:r>
+                  <a:endParaRPr lang="ko-KR" altLang="en-US" dirty="0">
+                    <a:solidFill>
+                      <a:schemeClr val="tx1"/>
+                    </a:solidFill>
+                    <a:latin typeface="Helvetica LT Std Black" panose="020B0904030502020204" pitchFamily="34" charset="0"/>
+                  </a:endParaRPr>
+                </a:p>
+              </p:txBody>
+            </p:sp>
+            <p:sp>
+              <p:nvSpPr>
+                <p:cNvPr id="39" name="다이아몬드 38">
+                  <a:extLst>
+                    <a:ext uri="{FF2B5EF4-FFF2-40B4-BE49-F238E27FC236}">
+                      <a16:creationId xmlns:a16="http://schemas.microsoft.com/office/drawing/2014/main" id="{8190966B-9AB0-77D7-32C9-D5B073230C27}"/>
+                    </a:ext>
+                  </a:extLst>
+                </p:cNvPr>
+                <p:cNvSpPr/>
+                <p:nvPr/>
+              </p:nvSpPr>
+              <p:spPr>
+                <a:xfrm>
+                  <a:off x="7095968" y="4774946"/>
+                  <a:ext cx="3356141" cy="999066"/>
+                </a:xfrm>
+                <a:prstGeom prst="diamond">
+                  <a:avLst/>
+                </a:prstGeom>
+                <a:solidFill>
+                  <a:srgbClr val="599BB1"/>
+                </a:solidFill>
+                <a:ln>
+                  <a:noFill/>
+                </a:ln>
+              </p:spPr>
+              <p:style>
+                <a:lnRef idx="2">
+                  <a:schemeClr val="accent1">
+                    <a:shade val="15000"/>
+                  </a:schemeClr>
+                </a:lnRef>
+                <a:fillRef idx="1">
+                  <a:schemeClr val="accent1"/>
+                </a:fillRef>
+                <a:effectRef idx="0">
+                  <a:schemeClr val="accent1"/>
+                </a:effectRef>
+                <a:fontRef idx="minor">
+                  <a:schemeClr val="lt1"/>
+                </a:fontRef>
+              </p:style>
+              <p:txBody>
+                <a:bodyPr rtlCol="0" anchor="ctr"/>
+                <a:lstStyle/>
+                <a:p>
+                  <a:pPr algn="ctr"/>
+                  <a:r>
+                    <a:rPr lang="en-US" altLang="ko-KR" sz="1600" dirty="0" err="1">
+                      <a:solidFill>
+                        <a:schemeClr val="tx1"/>
+                      </a:solidFill>
+                      <a:latin typeface="HelveticaNeueLT Com 53 Ex" panose="020B0605020202020204" pitchFamily="34" charset="0"/>
+                    </a:rPr>
+                    <a:t>isContinue</a:t>
+                  </a:r>
+                  <a:r>
+                    <a:rPr lang="en-US" altLang="ko-KR" sz="1600" dirty="0">
+                      <a:solidFill>
+                        <a:schemeClr val="tx1"/>
+                      </a:solidFill>
+                      <a:latin typeface="HelveticaNeueLT Com 53 Ex" panose="020B0605020202020204" pitchFamily="34" charset="0"/>
+                    </a:rPr>
+                    <a:t> </a:t>
+                  </a:r>
+                </a:p>
+                <a:p>
+                  <a:pPr algn="ctr"/>
+                  <a:r>
+                    <a:rPr lang="en-US" altLang="ko-KR" sz="1600" dirty="0">
+                      <a:solidFill>
+                        <a:schemeClr val="tx1"/>
+                      </a:solidFill>
+                      <a:latin typeface="HelveticaNeueLT Com 53 Ex" panose="020B0605020202020204" pitchFamily="34" charset="0"/>
+                    </a:rPr>
+                    <a:t>True</a:t>
+                  </a:r>
+                </a:p>
+              </p:txBody>
+            </p:sp>
+            <p:cxnSp>
+              <p:nvCxnSpPr>
+                <p:cNvPr id="40" name="직선 화살표 연결선 39">
+                  <a:extLst>
+                    <a:ext uri="{FF2B5EF4-FFF2-40B4-BE49-F238E27FC236}">
+                      <a16:creationId xmlns:a16="http://schemas.microsoft.com/office/drawing/2014/main" id="{D8311B1E-B305-8AF3-495A-304A3F6639EB}"/>
+                    </a:ext>
+                  </a:extLst>
+                </p:cNvPr>
+                <p:cNvCxnSpPr>
+                  <a:cxnSpLocks/>
+                  <a:stCxn id="37" idx="2"/>
+                  <a:endCxn id="38" idx="0"/>
+                </p:cNvCxnSpPr>
+                <p:nvPr/>
+              </p:nvCxnSpPr>
+              <p:spPr>
+                <a:xfrm>
+                  <a:off x="8774038" y="2261014"/>
+                  <a:ext cx="0" cy="329573"/>
+                </a:xfrm>
+                <a:prstGeom prst="straightConnector1">
+                  <a:avLst/>
+                </a:prstGeom>
+                <a:ln>
+                  <a:tailEnd type="triangle"/>
+                </a:ln>
+              </p:spPr>
+              <p:style>
+                <a:lnRef idx="1">
+                  <a:schemeClr val="dk1"/>
+                </a:lnRef>
+                <a:fillRef idx="0">
+                  <a:schemeClr val="dk1"/>
+                </a:fillRef>
+                <a:effectRef idx="0">
+                  <a:schemeClr val="dk1"/>
+                </a:effectRef>
+                <a:fontRef idx="minor">
+                  <a:schemeClr val="tx1"/>
+                </a:fontRef>
+              </p:style>
+            </p:cxnSp>
+            <p:cxnSp>
+              <p:nvCxnSpPr>
+                <p:cNvPr id="43" name="직선 화살표 연결선 42">
+                  <a:extLst>
+                    <a:ext uri="{FF2B5EF4-FFF2-40B4-BE49-F238E27FC236}">
+                      <a16:creationId xmlns:a16="http://schemas.microsoft.com/office/drawing/2014/main" id="{E3C6ACA0-5BC0-7370-7F7A-2A92892014B8}"/>
+                    </a:ext>
+                  </a:extLst>
+                </p:cNvPr>
+                <p:cNvCxnSpPr>
+                  <a:cxnSpLocks/>
+                  <a:stCxn id="38" idx="2"/>
+                  <a:endCxn id="111" idx="0"/>
+                </p:cNvCxnSpPr>
+                <p:nvPr/>
+              </p:nvCxnSpPr>
+              <p:spPr>
+                <a:xfrm>
+                  <a:off x="8774038" y="3352587"/>
+                  <a:ext cx="3264" cy="324443"/>
+                </a:xfrm>
+                <a:prstGeom prst="straightConnector1">
+                  <a:avLst/>
+                </a:prstGeom>
+                <a:ln>
+                  <a:tailEnd type="triangle"/>
+                </a:ln>
+              </p:spPr>
+              <p:style>
+                <a:lnRef idx="1">
+                  <a:schemeClr val="dk1"/>
+                </a:lnRef>
+                <a:fillRef idx="0">
+                  <a:schemeClr val="dk1"/>
+                </a:fillRef>
+                <a:effectRef idx="0">
+                  <a:schemeClr val="dk1"/>
+                </a:effectRef>
+                <a:fontRef idx="minor">
+                  <a:schemeClr val="tx1"/>
+                </a:fontRef>
+              </p:style>
+            </p:cxnSp>
+            <p:cxnSp>
+              <p:nvCxnSpPr>
+                <p:cNvPr id="47" name="직선 화살표 연결선 46">
+                  <a:extLst>
+                    <a:ext uri="{FF2B5EF4-FFF2-40B4-BE49-F238E27FC236}">
+                      <a16:creationId xmlns:a16="http://schemas.microsoft.com/office/drawing/2014/main" id="{70403DFC-1FEB-D4D3-B4FE-694720A7AF31}"/>
+                    </a:ext>
+                  </a:extLst>
+                </p:cNvPr>
+                <p:cNvCxnSpPr>
+                  <a:cxnSpLocks/>
+                  <a:stCxn id="39" idx="2"/>
+                  <a:endCxn id="61" idx="0"/>
+                </p:cNvCxnSpPr>
+                <p:nvPr/>
+              </p:nvCxnSpPr>
+              <p:spPr>
+                <a:xfrm>
+                  <a:off x="8774039" y="5774012"/>
+                  <a:ext cx="0" cy="335916"/>
+                </a:xfrm>
+                <a:prstGeom prst="straightConnector1">
+                  <a:avLst/>
+                </a:prstGeom>
+                <a:ln>
+                  <a:tailEnd type="triangle"/>
+                </a:ln>
+              </p:spPr>
+              <p:style>
+                <a:lnRef idx="1">
+                  <a:schemeClr val="dk1"/>
+                </a:lnRef>
+                <a:fillRef idx="0">
+                  <a:schemeClr val="dk1"/>
+                </a:fillRef>
+                <a:effectRef idx="0">
+                  <a:schemeClr val="dk1"/>
+                </a:effectRef>
+                <a:fontRef idx="minor">
+                  <a:schemeClr val="tx1"/>
+                </a:fontRef>
+              </p:style>
+            </p:cxnSp>
+            <p:sp>
+              <p:nvSpPr>
+                <p:cNvPr id="49" name="TextBox 48">
+                  <a:extLst>
+                    <a:ext uri="{FF2B5EF4-FFF2-40B4-BE49-F238E27FC236}">
+                      <a16:creationId xmlns:a16="http://schemas.microsoft.com/office/drawing/2014/main" id="{6FA432FE-9BAE-DD83-3EB0-8E77B1B50950}"/>
+                    </a:ext>
+                  </a:extLst>
+                </p:cNvPr>
+                <p:cNvSpPr txBox="1"/>
+                <p:nvPr/>
+              </p:nvSpPr>
+              <p:spPr>
+                <a:xfrm>
+                  <a:off x="8774038" y="5713322"/>
+                  <a:ext cx="405880" cy="369332"/>
+                </a:xfrm>
+                <a:prstGeom prst="rect">
+                  <a:avLst/>
+                </a:prstGeom>
+                <a:noFill/>
+              </p:spPr>
+              <p:txBody>
+                <a:bodyPr wrap="none" rtlCol="0">
+                  <a:spAutoFit/>
+                </a:bodyPr>
+                <a:lstStyle/>
+                <a:p>
+                  <a:r>
+                    <a:rPr lang="en-US" altLang="ko-KR" dirty="0">
+                      <a:latin typeface="HelveticaNeueLT Com 47 LtCn" panose="020B0406020202030204" pitchFamily="34" charset="0"/>
+                    </a:rPr>
+                    <a:t>No</a:t>
+                  </a:r>
+                  <a:endParaRPr lang="ko-KR" altLang="en-US" dirty="0">
+                    <a:latin typeface="HelveticaNeueLT Com 47 LtCn" panose="020B0406020202030204" pitchFamily="34" charset="0"/>
+                  </a:endParaRPr>
+                </a:p>
+              </p:txBody>
+            </p:sp>
+            <p:cxnSp>
+              <p:nvCxnSpPr>
+                <p:cNvPr id="57" name="연결선: 꺾임 56">
+                  <a:extLst>
+                    <a:ext uri="{FF2B5EF4-FFF2-40B4-BE49-F238E27FC236}">
+                      <a16:creationId xmlns:a16="http://schemas.microsoft.com/office/drawing/2014/main" id="{5B563BFA-B515-6989-6D29-AC56285492E5}"/>
+                    </a:ext>
+                  </a:extLst>
+                </p:cNvPr>
+                <p:cNvCxnSpPr>
+                  <a:cxnSpLocks/>
+                  <a:stCxn id="39" idx="3"/>
+                  <a:endCxn id="37" idx="3"/>
+                </p:cNvCxnSpPr>
+                <p:nvPr/>
+              </p:nvCxnSpPr>
+              <p:spPr>
+                <a:xfrm flipH="1" flipV="1">
+                  <a:off x="9765732" y="1880014"/>
+                  <a:ext cx="686377" cy="3394465"/>
+                </a:xfrm>
+                <a:prstGeom prst="bentConnector3">
+                  <a:avLst>
+                    <a:gd name="adj1" fmla="val -33305"/>
+                  </a:avLst>
+                </a:prstGeom>
+                <a:ln>
+                  <a:tailEnd type="triangle"/>
+                </a:ln>
+              </p:spPr>
+              <p:style>
+                <a:lnRef idx="1">
+                  <a:schemeClr val="dk1"/>
+                </a:lnRef>
+                <a:fillRef idx="0">
+                  <a:schemeClr val="dk1"/>
+                </a:fillRef>
+                <a:effectRef idx="0">
+                  <a:schemeClr val="dk1"/>
+                </a:effectRef>
+                <a:fontRef idx="minor">
+                  <a:schemeClr val="tx1"/>
+                </a:fontRef>
+              </p:style>
+            </p:cxnSp>
+            <p:sp>
+              <p:nvSpPr>
+                <p:cNvPr id="60" name="TextBox 59">
+                  <a:extLst>
+                    <a:ext uri="{FF2B5EF4-FFF2-40B4-BE49-F238E27FC236}">
+                      <a16:creationId xmlns:a16="http://schemas.microsoft.com/office/drawing/2014/main" id="{679E647F-886F-6724-920D-0D1239B0CAB3}"/>
+                    </a:ext>
+                  </a:extLst>
+                </p:cNvPr>
+                <p:cNvSpPr txBox="1"/>
+                <p:nvPr/>
+              </p:nvSpPr>
+              <p:spPr>
+                <a:xfrm>
+                  <a:off x="10209554" y="2851726"/>
+                  <a:ext cx="462114" cy="369332"/>
+                </a:xfrm>
+                <a:prstGeom prst="rect">
+                  <a:avLst/>
+                </a:prstGeom>
+                <a:noFill/>
+              </p:spPr>
+              <p:txBody>
+                <a:bodyPr wrap="none" rtlCol="0">
+                  <a:spAutoFit/>
+                </a:bodyPr>
+                <a:lstStyle/>
+                <a:p>
+                  <a:r>
+                    <a:rPr lang="en-US" altLang="ko-KR" dirty="0">
+                      <a:latin typeface="HelveticaNeueLT Com 47 LtCn" panose="020B0406020202030204" pitchFamily="34" charset="0"/>
+                    </a:rPr>
+                    <a:t>Yes</a:t>
+                  </a:r>
+                  <a:endParaRPr lang="ko-KR" altLang="en-US" dirty="0">
+                    <a:latin typeface="HelveticaNeueLT Com 47 LtCn" panose="020B0406020202030204" pitchFamily="34" charset="0"/>
+                  </a:endParaRPr>
+                </a:p>
+              </p:txBody>
+            </p:sp>
+            <p:sp>
+              <p:nvSpPr>
+                <p:cNvPr id="61" name="사각형: 둥근 모서리 60">
+                  <a:extLst>
+                    <a:ext uri="{FF2B5EF4-FFF2-40B4-BE49-F238E27FC236}">
+                      <a16:creationId xmlns:a16="http://schemas.microsoft.com/office/drawing/2014/main" id="{48B21008-1B73-0A5B-D90F-57F9444D320B}"/>
+                    </a:ext>
+                  </a:extLst>
+                </p:cNvPr>
+                <p:cNvSpPr/>
+                <p:nvPr/>
+              </p:nvSpPr>
+              <p:spPr>
+                <a:xfrm>
+                  <a:off x="7782345" y="6109928"/>
+                  <a:ext cx="1983387" cy="762000"/>
+                </a:xfrm>
+                <a:prstGeom prst="roundRect">
+                  <a:avLst/>
+                </a:prstGeom>
+                <a:solidFill>
+                  <a:srgbClr val="156082"/>
+                </a:solidFill>
+                <a:ln>
+                  <a:noFill/>
+                </a:ln>
+              </p:spPr>
+              <p:style>
+                <a:lnRef idx="2">
+                  <a:schemeClr val="accent1">
+                    <a:shade val="15000"/>
+                  </a:schemeClr>
+                </a:lnRef>
+                <a:fillRef idx="1">
+                  <a:schemeClr val="accent1"/>
+                </a:fillRef>
+                <a:effectRef idx="0">
+                  <a:schemeClr val="accent1"/>
+                </a:effectRef>
+                <a:fontRef idx="minor">
+                  <a:schemeClr val="lt1"/>
+                </a:fontRef>
+              </p:style>
+              <p:txBody>
+                <a:bodyPr rtlCol="0" anchor="ctr"/>
+                <a:lstStyle/>
+                <a:p>
+                  <a:pPr algn="ctr"/>
+                  <a:r>
+                    <a:rPr lang="en-US" altLang="ko-KR" dirty="0">
+                      <a:solidFill>
+                        <a:schemeClr val="bg1"/>
+                      </a:solidFill>
+                      <a:latin typeface="Helvetica LT Std Black" panose="020B0904030502020204" pitchFamily="34" charset="0"/>
+                    </a:rPr>
+                    <a:t>End</a:t>
+                  </a:r>
+                  <a:endParaRPr lang="ko-KR" altLang="en-US" dirty="0">
+                    <a:solidFill>
+                      <a:schemeClr val="bg1"/>
+                    </a:solidFill>
+                    <a:latin typeface="Helvetica LT Std Black" panose="020B0904030502020204" pitchFamily="34" charset="0"/>
+                  </a:endParaRPr>
+                </a:p>
+              </p:txBody>
+            </p:sp>
+            <p:sp>
+              <p:nvSpPr>
+                <p:cNvPr id="62" name="사각형: 둥근 모서리 61">
+                  <a:extLst>
+                    <a:ext uri="{FF2B5EF4-FFF2-40B4-BE49-F238E27FC236}">
+                      <a16:creationId xmlns:a16="http://schemas.microsoft.com/office/drawing/2014/main" id="{D933590B-7027-FBC5-92E3-D17D4FCD787F}"/>
+                    </a:ext>
+                  </a:extLst>
+                </p:cNvPr>
+                <p:cNvSpPr/>
+                <p:nvPr/>
+              </p:nvSpPr>
+              <p:spPr>
+                <a:xfrm>
+                  <a:off x="7782344" y="407441"/>
+                  <a:ext cx="1983388" cy="762000"/>
+                </a:xfrm>
+                <a:prstGeom prst="roundRect">
+                  <a:avLst/>
+                </a:prstGeom>
+                <a:solidFill>
+                  <a:srgbClr val="156082"/>
+                </a:solidFill>
+                <a:ln>
+                  <a:noFill/>
+                </a:ln>
+              </p:spPr>
+              <p:style>
+                <a:lnRef idx="2">
+                  <a:schemeClr val="accent1">
+                    <a:shade val="15000"/>
+                  </a:schemeClr>
+                </a:lnRef>
+                <a:fillRef idx="1">
+                  <a:schemeClr val="accent1"/>
+                </a:fillRef>
+                <a:effectRef idx="0">
+                  <a:schemeClr val="accent1"/>
+                </a:effectRef>
+                <a:fontRef idx="minor">
+                  <a:schemeClr val="lt1"/>
+                </a:fontRef>
+              </p:style>
+              <p:txBody>
+                <a:bodyPr rtlCol="0" anchor="ctr"/>
+                <a:lstStyle/>
+                <a:p>
+                  <a:pPr algn="ctr"/>
+                  <a:r>
+                    <a:rPr lang="en-US" altLang="ko-KR" dirty="0">
+                      <a:solidFill>
+                        <a:schemeClr val="bg1"/>
+                      </a:solidFill>
+                      <a:latin typeface="Helvetica LT Std Black" panose="020B0904030502020204" pitchFamily="34" charset="0"/>
+                    </a:rPr>
+                    <a:t>Start</a:t>
+                  </a:r>
+                  <a:endParaRPr lang="ko-KR" altLang="en-US" dirty="0">
+                    <a:solidFill>
+                      <a:schemeClr val="bg1"/>
+                    </a:solidFill>
+                    <a:latin typeface="Helvetica LT Std Black" panose="020B0904030502020204" pitchFamily="34" charset="0"/>
+                  </a:endParaRPr>
+                </a:p>
+              </p:txBody>
+            </p:sp>
+            <p:cxnSp>
+              <p:nvCxnSpPr>
+                <p:cNvPr id="63" name="직선 화살표 연결선 62">
+                  <a:extLst>
+                    <a:ext uri="{FF2B5EF4-FFF2-40B4-BE49-F238E27FC236}">
+                      <a16:creationId xmlns:a16="http://schemas.microsoft.com/office/drawing/2014/main" id="{C528CE47-48F2-DD17-60BC-9479AEA22857}"/>
+                    </a:ext>
+                  </a:extLst>
+                </p:cNvPr>
+                <p:cNvCxnSpPr>
+                  <a:cxnSpLocks/>
+                  <a:stCxn id="62" idx="2"/>
+                  <a:endCxn id="37" idx="0"/>
+                </p:cNvCxnSpPr>
+                <p:nvPr/>
+              </p:nvCxnSpPr>
+              <p:spPr>
+                <a:xfrm>
+                  <a:off x="8774038" y="1169441"/>
+                  <a:ext cx="0" cy="329573"/>
+                </a:xfrm>
+                <a:prstGeom prst="straightConnector1">
+                  <a:avLst/>
+                </a:prstGeom>
+                <a:ln>
+                  <a:tailEnd type="triangle"/>
+                </a:ln>
+              </p:spPr>
+              <p:style>
+                <a:lnRef idx="1">
+                  <a:schemeClr val="dk1"/>
+                </a:lnRef>
+                <a:fillRef idx="0">
+                  <a:schemeClr val="dk1"/>
+                </a:fillRef>
+                <a:effectRef idx="0">
+                  <a:schemeClr val="dk1"/>
+                </a:effectRef>
+                <a:fontRef idx="minor">
+                  <a:schemeClr val="tx1"/>
+                </a:fontRef>
+              </p:style>
+            </p:cxnSp>
+            <p:sp>
+              <p:nvSpPr>
+                <p:cNvPr id="111" name="사각형: 둥근 모서리 110">
+                  <a:extLst>
+                    <a:ext uri="{FF2B5EF4-FFF2-40B4-BE49-F238E27FC236}">
+                      <a16:creationId xmlns:a16="http://schemas.microsoft.com/office/drawing/2014/main" id="{43EF7BCF-45A1-569B-B065-155386116A8A}"/>
+                    </a:ext>
+                  </a:extLst>
+                </p:cNvPr>
+                <p:cNvSpPr/>
+                <p:nvPr/>
+              </p:nvSpPr>
+              <p:spPr>
+                <a:xfrm>
+                  <a:off x="7785608" y="3677030"/>
+                  <a:ext cx="1983388" cy="762000"/>
+                </a:xfrm>
+                <a:prstGeom prst="roundRect">
+                  <a:avLst/>
+                </a:prstGeom>
+                <a:solidFill>
+                  <a:srgbClr val="CCE4E6"/>
+                </a:solidFill>
+                <a:ln>
+                  <a:noFill/>
+                </a:ln>
+              </p:spPr>
+              <p:style>
+                <a:lnRef idx="2">
+                  <a:schemeClr val="accent1">
+                    <a:shade val="15000"/>
+                  </a:schemeClr>
+                </a:lnRef>
+                <a:fillRef idx="1">
+                  <a:schemeClr val="accent1"/>
+                </a:fillRef>
+                <a:effectRef idx="0">
+                  <a:schemeClr val="accent1"/>
+                </a:effectRef>
+                <a:fontRef idx="minor">
+                  <a:schemeClr val="lt1"/>
+                </a:fontRef>
+              </p:style>
+              <p:txBody>
+                <a:bodyPr rtlCol="0" anchor="ctr"/>
+                <a:lstStyle/>
+                <a:p>
+                  <a:pPr algn="ctr"/>
+                  <a:r>
+                    <a:rPr lang="en-US" altLang="ko-KR" dirty="0" err="1">
+                      <a:solidFill>
+                        <a:schemeClr val="tx1"/>
+                      </a:solidFill>
+                      <a:latin typeface="Helvetica LT Std Black" panose="020B0904030502020204" pitchFamily="34" charset="0"/>
+                    </a:rPr>
+                    <a:t>ChooseMenu</a:t>
+                  </a:r>
+                  <a:r>
+                    <a:rPr lang="en-US" altLang="ko-KR" dirty="0">
+                      <a:solidFill>
+                        <a:schemeClr val="tx1"/>
+                      </a:solidFill>
+                      <a:latin typeface="Helvetica LT Std Black" panose="020B0904030502020204" pitchFamily="34" charset="0"/>
+                    </a:rPr>
+                    <a:t>()</a:t>
+                  </a:r>
+                  <a:endParaRPr lang="ko-KR" altLang="en-US" dirty="0">
+                    <a:solidFill>
+                      <a:schemeClr val="tx1"/>
+                    </a:solidFill>
+                    <a:latin typeface="Helvetica LT Std Black" panose="020B0904030502020204" pitchFamily="34" charset="0"/>
+                  </a:endParaRPr>
+                </a:p>
+              </p:txBody>
+            </p:sp>
+            <p:cxnSp>
+              <p:nvCxnSpPr>
+                <p:cNvPr id="115" name="직선 화살표 연결선 114">
+                  <a:extLst>
+                    <a:ext uri="{FF2B5EF4-FFF2-40B4-BE49-F238E27FC236}">
+                      <a16:creationId xmlns:a16="http://schemas.microsoft.com/office/drawing/2014/main" id="{AA981D7D-6266-73DE-E0FF-EE485A31D0B5}"/>
+                    </a:ext>
+                  </a:extLst>
+                </p:cNvPr>
+                <p:cNvCxnSpPr>
+                  <a:cxnSpLocks/>
+                  <a:stCxn id="111" idx="2"/>
+                  <a:endCxn id="39" idx="0"/>
+                </p:cNvCxnSpPr>
+                <p:nvPr/>
+              </p:nvCxnSpPr>
+              <p:spPr>
+                <a:xfrm flipH="1">
+                  <a:off x="8774039" y="4439030"/>
+                  <a:ext cx="3263" cy="335916"/>
+                </a:xfrm>
+                <a:prstGeom prst="straightConnector1">
+                  <a:avLst/>
+                </a:prstGeom>
+                <a:ln>
+                  <a:tailEnd type="triangle"/>
+                </a:ln>
+              </p:spPr>
+              <p:style>
+                <a:lnRef idx="1">
+                  <a:schemeClr val="dk1"/>
+                </a:lnRef>
+                <a:fillRef idx="0">
+                  <a:schemeClr val="dk1"/>
+                </a:fillRef>
+                <a:effectRef idx="0">
+                  <a:schemeClr val="dk1"/>
+                </a:effectRef>
+                <a:fontRef idx="minor">
+                  <a:schemeClr val="tx1"/>
+                </a:fontRef>
+              </p:style>
+            </p:cxnSp>
+          </p:grpSp>
+        </p:grpSp>
+      </p:grpSp>
+    </p:spTree>
+    <p:extLst>
+      <p:ext uri="{BB962C8B-B14F-4D97-AF65-F5344CB8AC3E}">
+        <p14:creationId xmlns:p14="http://schemas.microsoft.com/office/powerpoint/2010/main" val="3017637247"/>
+      </p:ext>
+    </p:extLst>
+  </p:cSld>
+  <p:clrMapOvr>
+    <a:masterClrMapping/>
+  </p:clrMapOvr>
+</p:sld>
+</file>
+
 <file path=ppt/theme/theme1.xml><?xml version="1.0" encoding="utf-8"?>
 <a:theme xmlns:a="http://schemas.openxmlformats.org/drawingml/2006/main" name="Office 테마">
   <a:themeElements>
@@ -7151,4 +10738,319 @@
     </a:ext>
   </a:extLst>
 </a:theme>
+</file>
+
+<file path=ppt/theme/theme2.xml><?xml version="1.0" encoding="utf-8"?>
+<a:theme xmlns:a="http://schemas.openxmlformats.org/drawingml/2006/main" name="Office 테마">
+  <a:themeElements>
+    <a:clrScheme name="Office">
+      <a:dk1>
+        <a:sysClr val="windowText" lastClr="000000"/>
+      </a:dk1>
+      <a:lt1>
+        <a:sysClr val="window" lastClr="FFFFFF"/>
+      </a:lt1>
+      <a:dk2>
+        <a:srgbClr val="0E2841"/>
+      </a:dk2>
+      <a:lt2>
+        <a:srgbClr val="E8E8E8"/>
+      </a:lt2>
+      <a:accent1>
+        <a:srgbClr val="156082"/>
+      </a:accent1>
+      <a:accent2>
+        <a:srgbClr val="E97132"/>
+      </a:accent2>
+      <a:accent3>
+        <a:srgbClr val="196B24"/>
+      </a:accent3>
+      <a:accent4>
+        <a:srgbClr val="0F9ED5"/>
+      </a:accent4>
+      <a:accent5>
+        <a:srgbClr val="A02B93"/>
+      </a:accent5>
+      <a:accent6>
+        <a:srgbClr val="4EA72E"/>
+      </a:accent6>
+      <a:hlink>
+        <a:srgbClr val="467886"/>
+      </a:hlink>
+      <a:folHlink>
+        <a:srgbClr val="96607D"/>
+      </a:folHlink>
+    </a:clrScheme>
+    <a:fontScheme name="Office">
+      <a:majorFont>
+        <a:latin typeface="맑은 고딕" panose="02110004020202020204"/>
+        <a:ea typeface=""/>
+        <a:cs typeface=""/>
+        <a:font script="Jpan" typeface="游ゴシック Light"/>
+        <a:font script="Hang" typeface="맑은 고딕"/>
+        <a:font script="Hans" typeface="等线 Light"/>
+        <a:font script="Hant" typeface="新細明體"/>
+        <a:font script="Arab" typeface="Times New Roman"/>
+        <a:font script="Hebr" typeface="Times New Roman"/>
+        <a:font script="Thai" typeface="Angsana New"/>
+        <a:font script="Ethi" typeface="Nyala"/>
+        <a:font script="Beng" typeface="Vrinda"/>
+        <a:font script="Gujr" typeface="Shruti"/>
+        <a:font script="Khmr" typeface="MoolBoran"/>
+        <a:font script="Knda" typeface="Tunga"/>
+        <a:font script="Guru" typeface="Raavi"/>
+        <a:font script="Cans" typeface="Euphemia"/>
+        <a:font script="Cher" typeface="Plantagenet Cherokee"/>
+        <a:font script="Yiii" typeface="Microsoft Yi Baiti"/>
+        <a:font script="Tibt" typeface="Microsoft Himalaya"/>
+        <a:font script="Thaa" typeface="MV Boli"/>
+        <a:font script="Deva" typeface="Mangal"/>
+        <a:font script="Telu" typeface="Gautami"/>
+        <a:font script="Taml" typeface="Latha"/>
+        <a:font script="Syrc" typeface="Estrangelo Edessa"/>
+        <a:font script="Orya" typeface="Kalinga"/>
+        <a:font script="Mlym" typeface="Kartika"/>
+        <a:font script="Laoo" typeface="DokChampa"/>
+        <a:font script="Sinh" typeface="Iskoola Pota"/>
+        <a:font script="Mong" typeface="Mongolian Baiti"/>
+        <a:font script="Viet" typeface="Times New Roman"/>
+        <a:font script="Uigh" typeface="Microsoft Uighur"/>
+        <a:font script="Geor" typeface="Sylfaen"/>
+        <a:font script="Armn" typeface="Arial"/>
+        <a:font script="Bugi" typeface="Leelawadee UI"/>
+        <a:font script="Bopo" typeface="Microsoft JhengHei"/>
+        <a:font script="Java" typeface="Javanese Text"/>
+        <a:font script="Lisu" typeface="Segoe UI"/>
+        <a:font script="Mymr" typeface="Myanmar Text"/>
+        <a:font script="Nkoo" typeface="Ebrima"/>
+        <a:font script="Olck" typeface="Nirmala UI"/>
+        <a:font script="Osma" typeface="Ebrima"/>
+        <a:font script="Phag" typeface="Phagspa"/>
+        <a:font script="Syrn" typeface="Estrangelo Edessa"/>
+        <a:font script="Syrj" typeface="Estrangelo Edessa"/>
+        <a:font script="Syre" typeface="Estrangelo Edessa"/>
+        <a:font script="Sora" typeface="Nirmala UI"/>
+        <a:font script="Tale" typeface="Microsoft Tai Le"/>
+        <a:font script="Talu" typeface="Microsoft New Tai Lue"/>
+        <a:font script="Tfng" typeface="Ebrima"/>
+      </a:majorFont>
+      <a:minorFont>
+        <a:latin typeface="맑은 고딕" panose="02110004020202020204"/>
+        <a:ea typeface=""/>
+        <a:cs typeface=""/>
+        <a:font script="Jpan" typeface="游ゴシック"/>
+        <a:font script="Hang" typeface="맑은 고딕"/>
+        <a:font script="Hans" typeface="等线"/>
+        <a:font script="Hant" typeface="新細明體"/>
+        <a:font script="Arab" typeface="Arial"/>
+        <a:font script="Hebr" typeface="Arial"/>
+        <a:font script="Thai" typeface="Cordia New"/>
+        <a:font script="Ethi" typeface="Nyala"/>
+        <a:font script="Beng" typeface="Vrinda"/>
+        <a:font script="Gujr" typeface="Shruti"/>
+        <a:font script="Khmr" typeface="DaunPenh"/>
+        <a:font script="Knda" typeface="Tunga"/>
+        <a:font script="Guru" typeface="Raavi"/>
+        <a:font script="Cans" typeface="Euphemia"/>
+        <a:font script="Cher" typeface="Plantagenet Cherokee"/>
+        <a:font script="Yiii" typeface="Microsoft Yi Baiti"/>
+        <a:font script="Tibt" typeface="Microsoft Himalaya"/>
+        <a:font script="Thaa" typeface="MV Boli"/>
+        <a:font script="Deva" typeface="Mangal"/>
+        <a:font script="Telu" typeface="Gautami"/>
+        <a:font script="Taml" typeface="Latha"/>
+        <a:font script="Syrc" typeface="Estrangelo Edessa"/>
+        <a:font script="Orya" typeface="Kalinga"/>
+        <a:font script="Mlym" typeface="Kartika"/>
+        <a:font script="Laoo" typeface="DokChampa"/>
+        <a:font script="Sinh" typeface="Iskoola Pota"/>
+        <a:font script="Mong" typeface="Mongolian Baiti"/>
+        <a:font script="Viet" typeface="Arial"/>
+        <a:font script="Uigh" typeface="Microsoft Uighur"/>
+        <a:font script="Geor" typeface="Sylfaen"/>
+        <a:font script="Armn" typeface="Arial"/>
+        <a:font script="Bugi" typeface="Leelawadee UI"/>
+        <a:font script="Bopo" typeface="Microsoft JhengHei"/>
+        <a:font script="Java" typeface="Javanese Text"/>
+        <a:font script="Lisu" typeface="Segoe UI"/>
+        <a:font script="Mymr" typeface="Myanmar Text"/>
+        <a:font script="Nkoo" typeface="Ebrima"/>
+        <a:font script="Olck" typeface="Nirmala UI"/>
+        <a:font script="Osma" typeface="Ebrima"/>
+        <a:font script="Phag" typeface="Phagspa"/>
+        <a:font script="Syrn" typeface="Estrangelo Edessa"/>
+        <a:font script="Syrj" typeface="Estrangelo Edessa"/>
+        <a:font script="Syre" typeface="Estrangelo Edessa"/>
+        <a:font script="Sora" typeface="Nirmala UI"/>
+        <a:font script="Tale" typeface="Microsoft Tai Le"/>
+        <a:font script="Talu" typeface="Microsoft New Tai Lue"/>
+        <a:font script="Tfng" typeface="Ebrima"/>
+      </a:minorFont>
+    </a:fontScheme>
+    <a:fmtScheme name="Office">
+      <a:fillStyleLst>
+        <a:solidFill>
+          <a:schemeClr val="phClr"/>
+        </a:solidFill>
+        <a:gradFill rotWithShape="1">
+          <a:gsLst>
+            <a:gs pos="0">
+              <a:schemeClr val="phClr">
+                <a:lumMod val="110000"/>
+                <a:satMod val="105000"/>
+                <a:tint val="67000"/>
+              </a:schemeClr>
+            </a:gs>
+            <a:gs pos="50000">
+              <a:schemeClr val="phClr">
+                <a:lumMod val="105000"/>
+                <a:satMod val="103000"/>
+                <a:tint val="73000"/>
+              </a:schemeClr>
+            </a:gs>
+            <a:gs pos="100000">
+              <a:schemeClr val="phClr">
+                <a:lumMod val="105000"/>
+                <a:satMod val="109000"/>
+                <a:tint val="81000"/>
+              </a:schemeClr>
+            </a:gs>
+          </a:gsLst>
+          <a:lin ang="5400000" scaled="0"/>
+        </a:gradFill>
+        <a:gradFill rotWithShape="1">
+          <a:gsLst>
+            <a:gs pos="0">
+              <a:schemeClr val="phClr">
+                <a:satMod val="103000"/>
+                <a:lumMod val="102000"/>
+                <a:tint val="94000"/>
+              </a:schemeClr>
+            </a:gs>
+            <a:gs pos="50000">
+              <a:schemeClr val="phClr">
+                <a:satMod val="110000"/>
+                <a:lumMod val="100000"/>
+                <a:shade val="100000"/>
+              </a:schemeClr>
+            </a:gs>
+            <a:gs pos="100000">
+              <a:schemeClr val="phClr">
+                <a:lumMod val="99000"/>
+                <a:satMod val="120000"/>
+                <a:shade val="78000"/>
+              </a:schemeClr>
+            </a:gs>
+          </a:gsLst>
+          <a:lin ang="5400000" scaled="0"/>
+        </a:gradFill>
+      </a:fillStyleLst>
+      <a:lnStyleLst>
+        <a:ln w="12700" cap="flat" cmpd="sng" algn="ctr">
+          <a:solidFill>
+            <a:schemeClr val="phClr"/>
+          </a:solidFill>
+          <a:prstDash val="solid"/>
+          <a:miter lim="800000"/>
+        </a:ln>
+        <a:ln w="19050" cap="flat" cmpd="sng" algn="ctr">
+          <a:solidFill>
+            <a:schemeClr val="phClr"/>
+          </a:solidFill>
+          <a:prstDash val="solid"/>
+          <a:miter lim="800000"/>
+        </a:ln>
+        <a:ln w="25400" cap="flat" cmpd="sng" algn="ctr">
+          <a:solidFill>
+            <a:schemeClr val="phClr"/>
+          </a:solidFill>
+          <a:prstDash val="solid"/>
+          <a:miter lim="800000"/>
+        </a:ln>
+      </a:lnStyleLst>
+      <a:effectStyleLst>
+        <a:effectStyle>
+          <a:effectLst/>
+        </a:effectStyle>
+        <a:effectStyle>
+          <a:effectLst/>
+        </a:effectStyle>
+        <a:effectStyle>
+          <a:effectLst>
+            <a:outerShdw blurRad="57150" dist="19050" dir="5400000" algn="ctr" rotWithShape="0">
+              <a:srgbClr val="000000">
+                <a:alpha val="63000"/>
+              </a:srgbClr>
+            </a:outerShdw>
+          </a:effectLst>
+        </a:effectStyle>
+      </a:effectStyleLst>
+      <a:bgFillStyleLst>
+        <a:solidFill>
+          <a:schemeClr val="phClr"/>
+        </a:solidFill>
+        <a:solidFill>
+          <a:schemeClr val="phClr">
+            <a:tint val="95000"/>
+            <a:satMod val="170000"/>
+          </a:schemeClr>
+        </a:solidFill>
+        <a:gradFill rotWithShape="1">
+          <a:gsLst>
+            <a:gs pos="0">
+              <a:schemeClr val="phClr">
+                <a:tint val="93000"/>
+                <a:satMod val="150000"/>
+                <a:shade val="98000"/>
+                <a:lumMod val="102000"/>
+              </a:schemeClr>
+            </a:gs>
+            <a:gs pos="50000">
+              <a:schemeClr val="phClr">
+                <a:tint val="98000"/>
+                <a:satMod val="130000"/>
+                <a:shade val="90000"/>
+                <a:lumMod val="103000"/>
+              </a:schemeClr>
+            </a:gs>
+            <a:gs pos="100000">
+              <a:schemeClr val="phClr">
+                <a:shade val="63000"/>
+                <a:satMod val="120000"/>
+              </a:schemeClr>
+            </a:gs>
+          </a:gsLst>
+          <a:lin ang="5400000" scaled="0"/>
+        </a:gradFill>
+      </a:bgFillStyleLst>
+    </a:fmtScheme>
+  </a:themeElements>
+  <a:objectDefaults>
+    <a:lnDef>
+      <a:spPr/>
+      <a:bodyPr/>
+      <a:lstStyle/>
+      <a:style>
+        <a:lnRef idx="2">
+          <a:schemeClr val="accent1"/>
+        </a:lnRef>
+        <a:fillRef idx="0">
+          <a:schemeClr val="accent1"/>
+        </a:fillRef>
+        <a:effectRef idx="1">
+          <a:schemeClr val="accent1"/>
+        </a:effectRef>
+        <a:fontRef idx="minor">
+          <a:schemeClr val="tx1"/>
+        </a:fontRef>
+      </a:style>
+    </a:lnDef>
+  </a:objectDefaults>
+  <a:extraClrSchemeLst/>
+  <a:extLst>
+    <a:ext uri="{05A4C25C-085E-4340-85A3-A5531E510DB2}">
+      <thm15:themeFamily xmlns:thm15="http://schemas.microsoft.com/office/thememl/2012/main" name="Office Theme" id="{2E142A2C-CD16-42D6-873A-C26D2A0506FA}" vid="{1BDDFF52-6CD6-40A5-AB3C-68EB2F1E4D0A}"/>
+    </a:ext>
+  </a:extLst>
+</a:theme>
 </file>